--- a/DRAFT_Slides_v0.2_ww.pptx
+++ b/DRAFT_Slides_v0.2_ww.pptx
@@ -6,7 +6,7 @@
     <p:sldMasterId id="2147483648" r:id="rId2"/>
   </p:sldMasterIdLst>
   <p:notesMasterIdLst>
-    <p:notesMasterId r:id="rId12"/>
+    <p:notesMasterId r:id="rId15"/>
   </p:notesMasterIdLst>
   <p:sldIdLst>
     <p:sldId id="256" r:id="rId3"/>
@@ -18,11 +18,14 @@
     <p:sldId id="292" r:id="rId9"/>
     <p:sldId id="258" r:id="rId10"/>
     <p:sldId id="296" r:id="rId11"/>
+    <p:sldId id="297" r:id="rId12"/>
+    <p:sldId id="299" r:id="rId13"/>
+    <p:sldId id="298" r:id="rId14"/>
   </p:sldIdLst>
   <p:sldSz cx="12192000" cy="6858000"/>
   <p:notesSz cx="6858000" cy="9144000"/>
   <p:custDataLst>
-    <p:tags r:id="rId13"/>
+    <p:tags r:id="rId16"/>
   </p:custDataLst>
   <p:defaultTextStyle>
     <a:defPPr>
@@ -414,27 +417,6 @@
 </pc:chgInfo>
 </file>
 
-<file path=ppt/comments/modernComment_124_48B4857C.xml><?xml version="1.0" encoding="utf-8"?>
-<p188:cmLst xmlns:a="http://schemas.openxmlformats.org/drawingml/2006/main" xmlns:r="http://schemas.openxmlformats.org/officeDocument/2006/relationships" xmlns:p188="http://schemas.microsoft.com/office/powerpoint/2018/8/main">
-  <p188:cm id="{3E74F5DC-7753-4620-8040-39D3E4620708}" authorId="{DA2A725C-B157-80AA-FC1E-1CB43BF1FD5E}" created="2024-08-28T06:13:00.479">
-    <pc:sldMkLst xmlns:pc="http://schemas.microsoft.com/office/powerpoint/2013/main/command">
-      <pc:docMk/>
-      <pc:sldMk cId="1219790204" sldId="292"/>
-    </pc:sldMkLst>
-    <p188:txBody>
-      <a:bodyPr/>
-      <a:lstStyle/>
-      <a:p>
-        <a:r>
-          <a:rPr lang="en-US"/>
-          <a:t>CURRENTLY WORKING ON THIS SLIDE</a:t>
-        </a:r>
-      </a:p>
-    </p188:txBody>
-  </p188:cm>
-</p188:cmLst>
-</file>
-
 <file path=ppt/notesMasters/notesMaster1.xml><?xml version="1.0" encoding="utf-8"?>
 <p:notesMaster xmlns:a="http://schemas.openxmlformats.org/drawingml/2006/main" xmlns:r="http://schemas.openxmlformats.org/officeDocument/2006/relationships" xmlns:p="http://schemas.openxmlformats.org/presentationml/2006/main">
   <p:cSld>
@@ -517,7 +499,7 @@
           <a:p>
             <a:fld id="{7FEF9983-7B16-4912-A75D-E8D611801927}" type="datetimeFigureOut">
               <a:rPr lang="en-US" smtClean="0"/>
-              <a:t>8/27/2024</a:t>
+              <a:t>8/28/2024</a:t>
             </a:fld>
             <a:endParaRPr lang="en-US"/>
           </a:p>
@@ -868,6 +850,375 @@
 </p:notes>
 </file>
 
+<file path=ppt/notesSlides/notesSlide10.xml><?xml version="1.0" encoding="utf-8"?>
+<p:notes xmlns:a="http://schemas.openxmlformats.org/drawingml/2006/main" xmlns:r="http://schemas.openxmlformats.org/officeDocument/2006/relationships" xmlns:p="http://schemas.openxmlformats.org/presentationml/2006/main">
+  <p:cSld>
+    <p:spTree>
+      <p:nvGrpSpPr>
+        <p:cNvPr id="1" name=""/>
+        <p:cNvGrpSpPr/>
+        <p:nvPr/>
+      </p:nvGrpSpPr>
+      <p:grpSpPr>
+        <a:xfrm>
+          <a:off x="0" y="0"/>
+          <a:ext cx="0" cy="0"/>
+          <a:chOff x="0" y="0"/>
+          <a:chExt cx="0" cy="0"/>
+        </a:xfrm>
+      </p:grpSpPr>
+      <p:sp>
+        <p:nvSpPr>
+          <p:cNvPr id="2" name="Slide Image Placeholder 1"/>
+          <p:cNvSpPr>
+            <a:spLocks noGrp="1" noRot="1" noChangeAspect="1"/>
+          </p:cNvSpPr>
+          <p:nvPr>
+            <p:ph type="sldImg"/>
+          </p:nvPr>
+        </p:nvSpPr>
+        <p:spPr/>
+      </p:sp>
+      <p:sp>
+        <p:nvSpPr>
+          <p:cNvPr id="3" name="Notes Placeholder 2"/>
+          <p:cNvSpPr>
+            <a:spLocks noGrp="1"/>
+          </p:cNvSpPr>
+          <p:nvPr>
+            <p:ph type="body" idx="1"/>
+          </p:nvPr>
+        </p:nvSpPr>
+        <p:spPr/>
+        <p:txBody>
+          <a:bodyPr/>
+          <a:lstStyle/>
+          <a:p>
+            <a:pPr marL="0" marR="0" lvl="0" indent="0" algn="l" defTabSz="914400" rtl="0" eaLnBrk="1" fontAlgn="auto" latinLnBrk="0" hangingPunct="1">
+              <a:lnSpc>
+                <a:spcPct val="100000"/>
+              </a:lnSpc>
+              <a:spcBef>
+                <a:spcPts val="0"/>
+              </a:spcBef>
+              <a:spcAft>
+                <a:spcPts val="0"/>
+              </a:spcAft>
+              <a:buClrTx/>
+              <a:buSzTx/>
+              <a:buFontTx/>
+              <a:buNone/>
+              <a:tabLst/>
+              <a:defRPr/>
+            </a:pPr>
+            <a:r>
+              <a:rPr lang="en-US" b="1" dirty="0"/>
+              <a:t>Presenter: </a:t>
+            </a:r>
+            <a:r>
+              <a:rPr lang="en-US" b="0" dirty="0"/>
+              <a:t>Wendy</a:t>
+            </a:r>
+          </a:p>
+          <a:p>
+            <a:endParaRPr lang="en-US" dirty="0"/>
+          </a:p>
+          <a:p>
+            <a:r>
+              <a:rPr lang="en-US" dirty="0"/>
+              <a:t>[Script]</a:t>
+            </a:r>
+          </a:p>
+        </p:txBody>
+      </p:sp>
+      <p:sp>
+        <p:nvSpPr>
+          <p:cNvPr id="4" name="Slide Number Placeholder 3"/>
+          <p:cNvSpPr>
+            <a:spLocks noGrp="1"/>
+          </p:cNvSpPr>
+          <p:nvPr>
+            <p:ph type="sldNum" sz="quarter" idx="5"/>
+          </p:nvPr>
+        </p:nvSpPr>
+        <p:spPr/>
+        <p:txBody>
+          <a:bodyPr/>
+          <a:lstStyle/>
+          <a:p>
+            <a:fld id="{C7B266E1-CF86-4AAB-956B-04E1E502B720}" type="slidenum">
+              <a:rPr lang="en-US" smtClean="0"/>
+              <a:t>10</a:t>
+            </a:fld>
+            <a:endParaRPr lang="en-US"/>
+          </a:p>
+        </p:txBody>
+      </p:sp>
+    </p:spTree>
+    <p:extLst>
+      <p:ext uri="{BB962C8B-B14F-4D97-AF65-F5344CB8AC3E}">
+        <p14:creationId xmlns:p14="http://schemas.microsoft.com/office/powerpoint/2010/main" val="3468824279"/>
+      </p:ext>
+    </p:extLst>
+  </p:cSld>
+  <p:clrMapOvr>
+    <a:masterClrMapping/>
+  </p:clrMapOvr>
+</p:notes>
+</file>
+
+<file path=ppt/notesSlides/notesSlide11.xml><?xml version="1.0" encoding="utf-8"?>
+<p:notes xmlns:a="http://schemas.openxmlformats.org/drawingml/2006/main" xmlns:r="http://schemas.openxmlformats.org/officeDocument/2006/relationships" xmlns:p="http://schemas.openxmlformats.org/presentationml/2006/main">
+  <p:cSld>
+    <p:spTree>
+      <p:nvGrpSpPr>
+        <p:cNvPr id="1" name=""/>
+        <p:cNvGrpSpPr/>
+        <p:nvPr/>
+      </p:nvGrpSpPr>
+      <p:grpSpPr>
+        <a:xfrm>
+          <a:off x="0" y="0"/>
+          <a:ext cx="0" cy="0"/>
+          <a:chOff x="0" y="0"/>
+          <a:chExt cx="0" cy="0"/>
+        </a:xfrm>
+      </p:grpSpPr>
+      <p:sp>
+        <p:nvSpPr>
+          <p:cNvPr id="2" name="Slide Image Placeholder 1"/>
+          <p:cNvSpPr>
+            <a:spLocks noGrp="1" noRot="1" noChangeAspect="1"/>
+          </p:cNvSpPr>
+          <p:nvPr>
+            <p:ph type="sldImg"/>
+          </p:nvPr>
+        </p:nvSpPr>
+        <p:spPr/>
+      </p:sp>
+      <p:sp>
+        <p:nvSpPr>
+          <p:cNvPr id="3" name="Notes Placeholder 2"/>
+          <p:cNvSpPr>
+            <a:spLocks noGrp="1"/>
+          </p:cNvSpPr>
+          <p:nvPr>
+            <p:ph type="body" idx="1"/>
+          </p:nvPr>
+        </p:nvSpPr>
+        <p:spPr/>
+        <p:txBody>
+          <a:bodyPr/>
+          <a:lstStyle/>
+          <a:p>
+            <a:pPr marL="0" marR="0" lvl="0" indent="0" algn="l" defTabSz="914400" rtl="0" eaLnBrk="1" fontAlgn="auto" latinLnBrk="0" hangingPunct="1">
+              <a:lnSpc>
+                <a:spcPct val="100000"/>
+              </a:lnSpc>
+              <a:spcBef>
+                <a:spcPts val="0"/>
+              </a:spcBef>
+              <a:spcAft>
+                <a:spcPts val="0"/>
+              </a:spcAft>
+              <a:buClrTx/>
+              <a:buSzTx/>
+              <a:buFontTx/>
+              <a:buNone/>
+              <a:tabLst/>
+              <a:defRPr/>
+            </a:pPr>
+            <a:r>
+              <a:rPr lang="en-US" b="1" dirty="0"/>
+              <a:t>Presenter: </a:t>
+            </a:r>
+            <a:r>
+              <a:rPr lang="en-US" b="0" dirty="0"/>
+              <a:t>Wendy</a:t>
+            </a:r>
+          </a:p>
+          <a:p>
+            <a:endParaRPr lang="en-US" dirty="0"/>
+          </a:p>
+          <a:p>
+            <a:r>
+              <a:rPr lang="en-US" dirty="0"/>
+              <a:t>Language</a:t>
+            </a:r>
+          </a:p>
+          <a:p>
+            <a:r>
+              <a:rPr lang="en-US" dirty="0"/>
+              <a:t>Punctuation removed</a:t>
+            </a:r>
+          </a:p>
+          <a:p>
+            <a:r>
+              <a:rPr lang="en-US" dirty="0"/>
+              <a:t>What about the words that were removed?</a:t>
+            </a:r>
+          </a:p>
+          <a:p>
+            <a:r>
+              <a:rPr lang="en-US" dirty="0"/>
+              <a:t>News source</a:t>
+            </a:r>
+          </a:p>
+        </p:txBody>
+      </p:sp>
+      <p:sp>
+        <p:nvSpPr>
+          <p:cNvPr id="4" name="Slide Number Placeholder 3"/>
+          <p:cNvSpPr>
+            <a:spLocks noGrp="1"/>
+          </p:cNvSpPr>
+          <p:nvPr>
+            <p:ph type="sldNum" sz="quarter" idx="5"/>
+          </p:nvPr>
+        </p:nvSpPr>
+        <p:spPr/>
+        <p:txBody>
+          <a:bodyPr/>
+          <a:lstStyle/>
+          <a:p>
+            <a:fld id="{C7B266E1-CF86-4AAB-956B-04E1E502B720}" type="slidenum">
+              <a:rPr lang="en-US" smtClean="0"/>
+              <a:t>11</a:t>
+            </a:fld>
+            <a:endParaRPr lang="en-US"/>
+          </a:p>
+        </p:txBody>
+      </p:sp>
+    </p:spTree>
+    <p:extLst>
+      <p:ext uri="{BB962C8B-B14F-4D97-AF65-F5344CB8AC3E}">
+        <p14:creationId xmlns:p14="http://schemas.microsoft.com/office/powerpoint/2010/main" val="3880516443"/>
+      </p:ext>
+    </p:extLst>
+  </p:cSld>
+  <p:clrMapOvr>
+    <a:masterClrMapping/>
+  </p:clrMapOvr>
+</p:notes>
+</file>
+
+<file path=ppt/notesSlides/notesSlide12.xml><?xml version="1.0" encoding="utf-8"?>
+<p:notes xmlns:a="http://schemas.openxmlformats.org/drawingml/2006/main" xmlns:r="http://schemas.openxmlformats.org/officeDocument/2006/relationships" xmlns:p="http://schemas.openxmlformats.org/presentationml/2006/main">
+  <p:cSld>
+    <p:spTree>
+      <p:nvGrpSpPr>
+        <p:cNvPr id="1" name=""/>
+        <p:cNvGrpSpPr/>
+        <p:nvPr/>
+      </p:nvGrpSpPr>
+      <p:grpSpPr>
+        <a:xfrm>
+          <a:off x="0" y="0"/>
+          <a:ext cx="0" cy="0"/>
+          <a:chOff x="0" y="0"/>
+          <a:chExt cx="0" cy="0"/>
+        </a:xfrm>
+      </p:grpSpPr>
+      <p:sp>
+        <p:nvSpPr>
+          <p:cNvPr id="2" name="Slide Image Placeholder 1"/>
+          <p:cNvSpPr>
+            <a:spLocks noGrp="1" noRot="1" noChangeAspect="1"/>
+          </p:cNvSpPr>
+          <p:nvPr>
+            <p:ph type="sldImg"/>
+          </p:nvPr>
+        </p:nvSpPr>
+        <p:spPr/>
+      </p:sp>
+      <p:sp>
+        <p:nvSpPr>
+          <p:cNvPr id="3" name="Notes Placeholder 2"/>
+          <p:cNvSpPr>
+            <a:spLocks noGrp="1"/>
+          </p:cNvSpPr>
+          <p:nvPr>
+            <p:ph type="body" idx="1"/>
+          </p:nvPr>
+        </p:nvSpPr>
+        <p:spPr/>
+        <p:txBody>
+          <a:bodyPr/>
+          <a:lstStyle/>
+          <a:p>
+            <a:pPr marL="0" marR="0" lvl="0" indent="0" algn="l" defTabSz="914400" rtl="0" eaLnBrk="1" fontAlgn="auto" latinLnBrk="0" hangingPunct="1">
+              <a:lnSpc>
+                <a:spcPct val="100000"/>
+              </a:lnSpc>
+              <a:spcBef>
+                <a:spcPts val="0"/>
+              </a:spcBef>
+              <a:spcAft>
+                <a:spcPts val="0"/>
+              </a:spcAft>
+              <a:buClrTx/>
+              <a:buSzTx/>
+              <a:buFontTx/>
+              <a:buNone/>
+              <a:tabLst/>
+              <a:defRPr/>
+            </a:pPr>
+            <a:r>
+              <a:rPr lang="en-US" b="1" dirty="0"/>
+              <a:t>Presenter: </a:t>
+            </a:r>
+            <a:r>
+              <a:rPr lang="en-US" b="0" dirty="0"/>
+              <a:t>Wendy</a:t>
+            </a:r>
+          </a:p>
+          <a:p>
+            <a:endParaRPr lang="en-US" dirty="0"/>
+          </a:p>
+          <a:p>
+            <a:r>
+              <a:rPr lang="en-US" dirty="0"/>
+              <a:t>[Script]</a:t>
+            </a:r>
+          </a:p>
+        </p:txBody>
+      </p:sp>
+      <p:sp>
+        <p:nvSpPr>
+          <p:cNvPr id="4" name="Slide Number Placeholder 3"/>
+          <p:cNvSpPr>
+            <a:spLocks noGrp="1"/>
+          </p:cNvSpPr>
+          <p:nvPr>
+            <p:ph type="sldNum" sz="quarter" idx="5"/>
+          </p:nvPr>
+        </p:nvSpPr>
+        <p:spPr/>
+        <p:txBody>
+          <a:bodyPr/>
+          <a:lstStyle/>
+          <a:p>
+            <a:fld id="{C7B266E1-CF86-4AAB-956B-04E1E502B720}" type="slidenum">
+              <a:rPr lang="en-US" smtClean="0"/>
+              <a:t>12</a:t>
+            </a:fld>
+            <a:endParaRPr lang="en-US"/>
+          </a:p>
+        </p:txBody>
+      </p:sp>
+    </p:spTree>
+    <p:extLst>
+      <p:ext uri="{BB962C8B-B14F-4D97-AF65-F5344CB8AC3E}">
+        <p14:creationId xmlns:p14="http://schemas.microsoft.com/office/powerpoint/2010/main" val="2238294404"/>
+      </p:ext>
+    </p:extLst>
+  </p:cSld>
+  <p:clrMapOvr>
+    <a:masterClrMapping/>
+  </p:clrMapOvr>
+</p:notes>
+</file>
+
 <file path=ppt/notesSlides/notesSlide2.xml><?xml version="1.0" encoding="utf-8"?>
 <p:notes xmlns:a="http://schemas.openxmlformats.org/drawingml/2006/main" xmlns:r="http://schemas.openxmlformats.org/officeDocument/2006/relationships" xmlns:p="http://schemas.openxmlformats.org/presentationml/2006/main">
   <p:cSld>
@@ -1386,6 +1737,42 @@
           <a:bodyPr/>
           <a:lstStyle/>
           <a:p>
+            <a:pPr marL="0" marR="0" lvl="0" indent="0" algn="l" defTabSz="914400" rtl="0" eaLnBrk="1" fontAlgn="auto" latinLnBrk="0" hangingPunct="1">
+              <a:lnSpc>
+                <a:spcPct val="100000"/>
+              </a:lnSpc>
+              <a:spcBef>
+                <a:spcPts val="0"/>
+              </a:spcBef>
+              <a:spcAft>
+                <a:spcPts val="0"/>
+              </a:spcAft>
+              <a:buClrTx/>
+              <a:buSzTx/>
+              <a:buFontTx/>
+              <a:buNone/>
+              <a:tabLst/>
+              <a:defRPr/>
+            </a:pPr>
+            <a:r>
+              <a:rPr lang="en-US" b="1" dirty="0"/>
+              <a:t>Presenter: </a:t>
+            </a:r>
+            <a:r>
+              <a:rPr lang="en-US" b="0" dirty="0"/>
+              <a:t>Uth</a:t>
+            </a:r>
+          </a:p>
+          <a:p>
+            <a:endParaRPr lang="en-US" dirty="0"/>
+          </a:p>
+          <a:p>
+            <a:r>
+              <a:rPr lang="en-US" dirty="0"/>
+              <a:t>[Script]</a:t>
+            </a:r>
+          </a:p>
+          <a:p>
             <a:endParaRPr lang="en-US" dirty="0"/>
           </a:p>
         </p:txBody>
@@ -1470,6 +1857,42 @@
           <a:bodyPr/>
           <a:lstStyle/>
           <a:p>
+            <a:pPr marL="0" marR="0" lvl="0" indent="0" algn="l" defTabSz="914400" rtl="0" eaLnBrk="1" fontAlgn="auto" latinLnBrk="0" hangingPunct="1">
+              <a:lnSpc>
+                <a:spcPct val="100000"/>
+              </a:lnSpc>
+              <a:spcBef>
+                <a:spcPts val="0"/>
+              </a:spcBef>
+              <a:spcAft>
+                <a:spcPts val="0"/>
+              </a:spcAft>
+              <a:buClrTx/>
+              <a:buSzTx/>
+              <a:buFontTx/>
+              <a:buNone/>
+              <a:tabLst/>
+              <a:defRPr/>
+            </a:pPr>
+            <a:r>
+              <a:rPr lang="en-US" b="1" dirty="0"/>
+              <a:t>Presenter: </a:t>
+            </a:r>
+            <a:r>
+              <a:rPr lang="en-US" b="0" dirty="0"/>
+              <a:t>Uth</a:t>
+            </a:r>
+          </a:p>
+          <a:p>
+            <a:endParaRPr lang="en-US" dirty="0"/>
+          </a:p>
+          <a:p>
+            <a:r>
+              <a:rPr lang="en-US" dirty="0"/>
+              <a:t>[Script]</a:t>
+            </a:r>
+          </a:p>
+          <a:p>
             <a:endParaRPr lang="en-US" dirty="0"/>
           </a:p>
         </p:txBody>
@@ -1501,6 +1924,337 @@
     <p:extLst>
       <p:ext uri="{BB962C8B-B14F-4D97-AF65-F5344CB8AC3E}">
         <p14:creationId xmlns:p14="http://schemas.microsoft.com/office/powerpoint/2010/main" val="1219913740"/>
+      </p:ext>
+    </p:extLst>
+  </p:cSld>
+  <p:clrMapOvr>
+    <a:masterClrMapping/>
+  </p:clrMapOvr>
+</p:notes>
+</file>
+
+<file path=ppt/notesSlides/notesSlide8.xml><?xml version="1.0" encoding="utf-8"?>
+<p:notes xmlns:a="http://schemas.openxmlformats.org/drawingml/2006/main" xmlns:r="http://schemas.openxmlformats.org/officeDocument/2006/relationships" xmlns:p="http://schemas.openxmlformats.org/presentationml/2006/main">
+  <p:cSld>
+    <p:spTree>
+      <p:nvGrpSpPr>
+        <p:cNvPr id="1" name=""/>
+        <p:cNvGrpSpPr/>
+        <p:nvPr/>
+      </p:nvGrpSpPr>
+      <p:grpSpPr>
+        <a:xfrm>
+          <a:off x="0" y="0"/>
+          <a:ext cx="0" cy="0"/>
+          <a:chOff x="0" y="0"/>
+          <a:chExt cx="0" cy="0"/>
+        </a:xfrm>
+      </p:grpSpPr>
+      <p:sp>
+        <p:nvSpPr>
+          <p:cNvPr id="2" name="Slide Image Placeholder 1"/>
+          <p:cNvSpPr>
+            <a:spLocks noGrp="1" noRot="1" noChangeAspect="1"/>
+          </p:cNvSpPr>
+          <p:nvPr>
+            <p:ph type="sldImg"/>
+          </p:nvPr>
+        </p:nvSpPr>
+        <p:spPr/>
+      </p:sp>
+      <p:sp>
+        <p:nvSpPr>
+          <p:cNvPr id="3" name="Notes Placeholder 2"/>
+          <p:cNvSpPr>
+            <a:spLocks noGrp="1"/>
+          </p:cNvSpPr>
+          <p:nvPr>
+            <p:ph type="body" idx="1"/>
+          </p:nvPr>
+        </p:nvSpPr>
+        <p:spPr/>
+        <p:txBody>
+          <a:bodyPr/>
+          <a:lstStyle/>
+          <a:p>
+            <a:pPr marL="0" marR="0" lvl="0" indent="0" algn="l" defTabSz="914400" rtl="0" eaLnBrk="1" fontAlgn="auto" latinLnBrk="0" hangingPunct="1">
+              <a:lnSpc>
+                <a:spcPct val="100000"/>
+              </a:lnSpc>
+              <a:spcBef>
+                <a:spcPts val="0"/>
+              </a:spcBef>
+              <a:spcAft>
+                <a:spcPts val="0"/>
+              </a:spcAft>
+              <a:buClrTx/>
+              <a:buSzTx/>
+              <a:buFontTx/>
+              <a:buNone/>
+              <a:tabLst/>
+              <a:defRPr/>
+            </a:pPr>
+            <a:r>
+              <a:rPr lang="en-US" b="1" dirty="0"/>
+              <a:t>Presenter: </a:t>
+            </a:r>
+            <a:r>
+              <a:rPr lang="en-US" b="0" dirty="0"/>
+              <a:t>Tammy</a:t>
+            </a:r>
+          </a:p>
+          <a:p>
+            <a:endParaRPr lang="en-US" dirty="0"/>
+          </a:p>
+          <a:p>
+            <a:r>
+              <a:rPr lang="en-US" dirty="0"/>
+              <a:t>[Script]</a:t>
+            </a:r>
+          </a:p>
+          <a:p>
+            <a:endParaRPr lang="en-US" dirty="0"/>
+          </a:p>
+        </p:txBody>
+      </p:sp>
+      <p:sp>
+        <p:nvSpPr>
+          <p:cNvPr id="4" name="Slide Number Placeholder 3"/>
+          <p:cNvSpPr>
+            <a:spLocks noGrp="1"/>
+          </p:cNvSpPr>
+          <p:nvPr>
+            <p:ph type="sldNum" sz="quarter" idx="5"/>
+          </p:nvPr>
+        </p:nvSpPr>
+        <p:spPr/>
+        <p:txBody>
+          <a:bodyPr/>
+          <a:lstStyle/>
+          <a:p>
+            <a:fld id="{C7B266E1-CF86-4AAB-956B-04E1E502B720}" type="slidenum">
+              <a:rPr lang="en-US" smtClean="0"/>
+              <a:t>8</a:t>
+            </a:fld>
+            <a:endParaRPr lang="en-US"/>
+          </a:p>
+        </p:txBody>
+      </p:sp>
+    </p:spTree>
+    <p:extLst>
+      <p:ext uri="{BB962C8B-B14F-4D97-AF65-F5344CB8AC3E}">
+        <p14:creationId xmlns:p14="http://schemas.microsoft.com/office/powerpoint/2010/main" val="324516485"/>
+      </p:ext>
+    </p:extLst>
+  </p:cSld>
+  <p:clrMapOvr>
+    <a:masterClrMapping/>
+  </p:clrMapOvr>
+</p:notes>
+</file>
+
+<file path=ppt/notesSlides/notesSlide9.xml><?xml version="1.0" encoding="utf-8"?>
+<p:notes xmlns:a="http://schemas.openxmlformats.org/drawingml/2006/main" xmlns:r="http://schemas.openxmlformats.org/officeDocument/2006/relationships" xmlns:p="http://schemas.openxmlformats.org/presentationml/2006/main">
+  <p:cSld>
+    <p:spTree>
+      <p:nvGrpSpPr>
+        <p:cNvPr id="1" name=""/>
+        <p:cNvGrpSpPr/>
+        <p:nvPr/>
+      </p:nvGrpSpPr>
+      <p:grpSpPr>
+        <a:xfrm>
+          <a:off x="0" y="0"/>
+          <a:ext cx="0" cy="0"/>
+          <a:chOff x="0" y="0"/>
+          <a:chExt cx="0" cy="0"/>
+        </a:xfrm>
+      </p:grpSpPr>
+      <p:sp>
+        <p:nvSpPr>
+          <p:cNvPr id="2" name="Slide Image Placeholder 1"/>
+          <p:cNvSpPr>
+            <a:spLocks noGrp="1" noRot="1" noChangeAspect="1"/>
+          </p:cNvSpPr>
+          <p:nvPr>
+            <p:ph type="sldImg"/>
+          </p:nvPr>
+        </p:nvSpPr>
+        <p:spPr/>
+      </p:sp>
+      <p:sp>
+        <p:nvSpPr>
+          <p:cNvPr id="3" name="Notes Placeholder 2"/>
+          <p:cNvSpPr>
+            <a:spLocks noGrp="1"/>
+          </p:cNvSpPr>
+          <p:nvPr>
+            <p:ph type="body" idx="1"/>
+          </p:nvPr>
+        </p:nvSpPr>
+        <p:spPr/>
+        <p:txBody>
+          <a:bodyPr/>
+          <a:lstStyle/>
+          <a:p>
+            <a:pPr marL="0" marR="0" lvl="0" indent="0" algn="l" defTabSz="914400" rtl="0" eaLnBrk="1" fontAlgn="auto" latinLnBrk="0" hangingPunct="1">
+              <a:lnSpc>
+                <a:spcPct val="100000"/>
+              </a:lnSpc>
+              <a:spcBef>
+                <a:spcPts val="0"/>
+              </a:spcBef>
+              <a:spcAft>
+                <a:spcPts val="0"/>
+              </a:spcAft>
+              <a:buClrTx/>
+              <a:buSzTx/>
+              <a:buFontTx/>
+              <a:buNone/>
+              <a:tabLst/>
+              <a:defRPr/>
+            </a:pPr>
+            <a:r>
+              <a:rPr lang="en-US" b="1" dirty="0"/>
+              <a:t>Presenter: </a:t>
+            </a:r>
+            <a:r>
+              <a:rPr lang="en-US" b="0" dirty="0"/>
+              <a:t>Tammy</a:t>
+            </a:r>
+          </a:p>
+          <a:p>
+            <a:endParaRPr lang="en-US" dirty="0"/>
+          </a:p>
+          <a:p>
+            <a:r>
+              <a:rPr lang="en-US" dirty="0"/>
+              <a:t>[Script]</a:t>
+            </a:r>
+          </a:p>
+          <a:p>
+            <a:endParaRPr lang="en-US" b="1" dirty="0"/>
+          </a:p>
+          <a:p>
+            <a:endParaRPr lang="en-US" b="1" dirty="0"/>
+          </a:p>
+          <a:p>
+            <a:r>
+              <a:rPr lang="en-US" b="1" dirty="0"/>
+              <a:t>Machine Learning Models Overview</a:t>
+            </a:r>
+          </a:p>
+          <a:p>
+            <a:endParaRPr lang="en-US" b="1" dirty="0"/>
+          </a:p>
+          <a:p>
+            <a:r>
+              <a:rPr lang="en-US" b="1" dirty="0"/>
+              <a:t>Traditional Machine Learning Models</a:t>
+            </a:r>
+          </a:p>
+          <a:p>
+            <a:pPr>
+              <a:buFont typeface="Arial" panose="020B0604020202020204" pitchFamily="34" charset="0"/>
+              <a:buChar char="•"/>
+            </a:pPr>
+            <a:r>
+              <a:rPr lang="en-US" b="1" dirty="0"/>
+              <a:t>Logistic Regression</a:t>
+            </a:r>
+            <a:r>
+              <a:rPr lang="en-US" dirty="0"/>
+              <a:t>: Best for binary classification, interpretable, fast, assumes linearity between features and output.</a:t>
+            </a:r>
+          </a:p>
+          <a:p>
+            <a:pPr>
+              <a:buFont typeface="Arial" panose="020B0604020202020204" pitchFamily="34" charset="0"/>
+              <a:buChar char="•"/>
+            </a:pPr>
+            <a:r>
+              <a:rPr lang="en-US" b="1" dirty="0"/>
+              <a:t>K-Nearest Neighbors (KNN)</a:t>
+            </a:r>
+            <a:r>
+              <a:rPr lang="en-US" dirty="0"/>
+              <a:t>: Non-parametric, simple, depends on distance metric, sensitive to the choice of K.</a:t>
+            </a:r>
+          </a:p>
+          <a:p>
+            <a:pPr>
+              <a:buFont typeface="Arial" panose="020B0604020202020204" pitchFamily="34" charset="0"/>
+              <a:buChar char="•"/>
+            </a:pPr>
+            <a:r>
+              <a:rPr lang="en-US" b="1" dirty="0"/>
+              <a:t>Support Vector Machine (SVM)</a:t>
+            </a:r>
+            <a:r>
+              <a:rPr lang="en-US" dirty="0"/>
+              <a:t>: Effective in high-dimensional spaces, robust to outliers, requires careful tuning of parameters.</a:t>
+            </a:r>
+          </a:p>
+          <a:p>
+            <a:pPr>
+              <a:buFont typeface="Arial" panose="020B0604020202020204" pitchFamily="34" charset="0"/>
+              <a:buChar char="•"/>
+            </a:pPr>
+            <a:r>
+              <a:rPr lang="en-US" b="1" dirty="0"/>
+              <a:t>Decision Tree</a:t>
+            </a:r>
+            <a:r>
+              <a:rPr lang="en-US" dirty="0"/>
+              <a:t>: Easy to visualize and interpret, prone to overfitting, works well with categorical and continuous data.</a:t>
+            </a:r>
+          </a:p>
+          <a:p>
+            <a:pPr>
+              <a:buFont typeface="Arial" panose="020B0604020202020204" pitchFamily="34" charset="0"/>
+              <a:buChar char="•"/>
+            </a:pPr>
+            <a:r>
+              <a:rPr lang="en-US" b="1" dirty="0"/>
+              <a:t>Random Forest</a:t>
+            </a:r>
+            <a:r>
+              <a:rPr lang="en-US" dirty="0"/>
+              <a:t>: Ensemble method of decision trees, reduces overfitting, handles large datasets well, less interpretable.</a:t>
+            </a:r>
+          </a:p>
+          <a:p>
+            <a:endParaRPr lang="en-US" dirty="0"/>
+          </a:p>
+        </p:txBody>
+      </p:sp>
+      <p:sp>
+        <p:nvSpPr>
+          <p:cNvPr id="4" name="Slide Number Placeholder 3"/>
+          <p:cNvSpPr>
+            <a:spLocks noGrp="1"/>
+          </p:cNvSpPr>
+          <p:nvPr>
+            <p:ph type="sldNum" sz="quarter" idx="5"/>
+          </p:nvPr>
+        </p:nvSpPr>
+        <p:spPr/>
+        <p:txBody>
+          <a:bodyPr/>
+          <a:lstStyle/>
+          <a:p>
+            <a:fld id="{C7B266E1-CF86-4AAB-956B-04E1E502B720}" type="slidenum">
+              <a:rPr lang="en-US" smtClean="0"/>
+              <a:t>9</a:t>
+            </a:fld>
+            <a:endParaRPr lang="en-US"/>
+          </a:p>
+        </p:txBody>
+      </p:sp>
+    </p:spTree>
+    <p:extLst>
+      <p:ext uri="{BB962C8B-B14F-4D97-AF65-F5344CB8AC3E}">
+        <p14:creationId xmlns:p14="http://schemas.microsoft.com/office/powerpoint/2010/main" val="4266088077"/>
       </p:ext>
     </p:extLst>
   </p:cSld>
@@ -1659,7 +2413,7 @@
           <a:p>
             <a:fld id="{C7BD7E54-E585-4B95-B3B7-8C61C3C5DC6A}" type="datetimeFigureOut">
               <a:rPr lang="en-AU" smtClean="0"/>
-              <a:t>27/08/2024</a:t>
+              <a:t>28/08/2024</a:t>
             </a:fld>
             <a:endParaRPr lang="en-AU"/>
           </a:p>
@@ -1859,7 +2613,7 @@
           <a:p>
             <a:fld id="{C7BD7E54-E585-4B95-B3B7-8C61C3C5DC6A}" type="datetimeFigureOut">
               <a:rPr lang="en-AU" smtClean="0"/>
-              <a:t>27/08/2024</a:t>
+              <a:t>28/08/2024</a:t>
             </a:fld>
             <a:endParaRPr lang="en-AU"/>
           </a:p>
@@ -2069,7 +2823,7 @@
           <a:p>
             <a:fld id="{C7BD7E54-E585-4B95-B3B7-8C61C3C5DC6A}" type="datetimeFigureOut">
               <a:rPr lang="en-AU" smtClean="0"/>
-              <a:t>27/08/2024</a:t>
+              <a:t>28/08/2024</a:t>
             </a:fld>
             <a:endParaRPr lang="en-AU"/>
           </a:p>
@@ -6698,7 +7452,7 @@
           <a:p>
             <a:fld id="{C7BD7E54-E585-4B95-B3B7-8C61C3C5DC6A}" type="datetimeFigureOut">
               <a:rPr lang="en-AU" smtClean="0"/>
-              <a:t>27/08/2024</a:t>
+              <a:t>28/08/2024</a:t>
             </a:fld>
             <a:endParaRPr lang="en-AU"/>
           </a:p>
@@ -6974,7 +7728,7 @@
           <a:p>
             <a:fld id="{C7BD7E54-E585-4B95-B3B7-8C61C3C5DC6A}" type="datetimeFigureOut">
               <a:rPr lang="en-AU" smtClean="0"/>
-              <a:t>27/08/2024</a:t>
+              <a:t>28/08/2024</a:t>
             </a:fld>
             <a:endParaRPr lang="en-AU"/>
           </a:p>
@@ -7242,7 +7996,7 @@
           <a:p>
             <a:fld id="{C7BD7E54-E585-4B95-B3B7-8C61C3C5DC6A}" type="datetimeFigureOut">
               <a:rPr lang="en-AU" smtClean="0"/>
-              <a:t>27/08/2024</a:t>
+              <a:t>28/08/2024</a:t>
             </a:fld>
             <a:endParaRPr lang="en-AU"/>
           </a:p>
@@ -7657,7 +8411,7 @@
           <a:p>
             <a:fld id="{C7BD7E54-E585-4B95-B3B7-8C61C3C5DC6A}" type="datetimeFigureOut">
               <a:rPr lang="en-AU" smtClean="0"/>
-              <a:t>27/08/2024</a:t>
+              <a:t>28/08/2024</a:t>
             </a:fld>
             <a:endParaRPr lang="en-AU"/>
           </a:p>
@@ -7799,7 +8553,7 @@
           <a:p>
             <a:fld id="{C7BD7E54-E585-4B95-B3B7-8C61C3C5DC6A}" type="datetimeFigureOut">
               <a:rPr lang="en-AU" smtClean="0"/>
-              <a:t>27/08/2024</a:t>
+              <a:t>28/08/2024</a:t>
             </a:fld>
             <a:endParaRPr lang="en-AU"/>
           </a:p>
@@ -7912,7 +8666,7 @@
           <a:p>
             <a:fld id="{C7BD7E54-E585-4B95-B3B7-8C61C3C5DC6A}" type="datetimeFigureOut">
               <a:rPr lang="en-AU" smtClean="0"/>
-              <a:t>27/08/2024</a:t>
+              <a:t>28/08/2024</a:t>
             </a:fld>
             <a:endParaRPr lang="en-AU"/>
           </a:p>
@@ -8225,7 +8979,7 @@
           <a:p>
             <a:fld id="{C7BD7E54-E585-4B95-B3B7-8C61C3C5DC6A}" type="datetimeFigureOut">
               <a:rPr lang="en-AU" smtClean="0"/>
-              <a:t>27/08/2024</a:t>
+              <a:t>28/08/2024</a:t>
             </a:fld>
             <a:endParaRPr lang="en-AU"/>
           </a:p>
@@ -8514,7 +9268,7 @@
           <a:p>
             <a:fld id="{C7BD7E54-E585-4B95-B3B7-8C61C3C5DC6A}" type="datetimeFigureOut">
               <a:rPr lang="en-AU" smtClean="0"/>
-              <a:t>27/08/2024</a:t>
+              <a:t>28/08/2024</a:t>
             </a:fld>
             <a:endParaRPr lang="en-AU"/>
           </a:p>
@@ -8823,7 +9577,7 @@
           <a:p>
             <a:fld id="{C7BD7E54-E585-4B95-B3B7-8C61C3C5DC6A}" type="datetimeFigureOut">
               <a:rPr lang="en-AU" smtClean="0"/>
-              <a:t>27/08/2024</a:t>
+              <a:t>28/08/2024</a:t>
             </a:fld>
             <a:endParaRPr lang="en-AU"/>
           </a:p>
@@ -9506,7 +10260,7 @@
           <a:p>
             <a:fld id="{5637DA6C-DCEA-41B9-90BF-9890E28A91BB}" type="datetimeFigureOut">
               <a:rPr lang="en-US" smtClean="0"/>
-              <a:t>8/27/2024</a:t>
+              <a:t>8/28/2024</a:t>
             </a:fld>
             <a:endParaRPr lang="en-US"/>
           </a:p>
@@ -10338,6 +11092,419 @@
     <p:extLst>
       <p:ext uri="{BB962C8B-B14F-4D97-AF65-F5344CB8AC3E}">
         <p14:creationId xmlns:p14="http://schemas.microsoft.com/office/powerpoint/2010/main" val="2893999532"/>
+      </p:ext>
+    </p:extLst>
+  </p:cSld>
+  <p:clrMapOvr>
+    <a:masterClrMapping/>
+  </p:clrMapOvr>
+</p:sld>
+</file>
+
+<file path=ppt/slides/slide10.xml><?xml version="1.0" encoding="utf-8"?>
+<p:sld xmlns:a="http://schemas.openxmlformats.org/drawingml/2006/main" xmlns:r="http://schemas.openxmlformats.org/officeDocument/2006/relationships" xmlns:p="http://schemas.openxmlformats.org/presentationml/2006/main">
+  <p:cSld>
+    <p:spTree>
+      <p:nvGrpSpPr>
+        <p:cNvPr id="1" name=""/>
+        <p:cNvGrpSpPr/>
+        <p:nvPr/>
+      </p:nvGrpSpPr>
+      <p:grpSpPr>
+        <a:xfrm>
+          <a:off x="0" y="0"/>
+          <a:ext cx="0" cy="0"/>
+          <a:chOff x="0" y="0"/>
+          <a:chExt cx="0" cy="0"/>
+        </a:xfrm>
+      </p:grpSpPr>
+      <p:sp>
+        <p:nvSpPr>
+          <p:cNvPr id="13" name="Title 1">
+            <a:extLst>
+              <a:ext uri="{FF2B5EF4-FFF2-40B4-BE49-F238E27FC236}">
+                <a16:creationId xmlns:a16="http://schemas.microsoft.com/office/drawing/2014/main" id="{A2794723-E065-BC39-2647-89E04F0EC9CF}"/>
+              </a:ext>
+            </a:extLst>
+          </p:cNvPr>
+          <p:cNvSpPr txBox="1">
+            <a:spLocks/>
+          </p:cNvSpPr>
+          <p:nvPr/>
+        </p:nvSpPr>
+        <p:spPr>
+          <a:xfrm>
+            <a:off x="0" y="-8876"/>
+            <a:ext cx="12191999" cy="963580"/>
+          </a:xfrm>
+          <a:prstGeom prst="rect">
+            <a:avLst/>
+          </a:prstGeom>
+          <a:solidFill>
+            <a:schemeClr val="tx1"/>
+          </a:solidFill>
+        </p:spPr>
+        <p:txBody>
+          <a:bodyPr anchor="b"/>
+          <a:lstStyle>
+            <a:lvl1pPr algn="l" defTabSz="914400" rtl="0" eaLnBrk="1" latinLnBrk="0" hangingPunct="1">
+              <a:lnSpc>
+                <a:spcPct val="90000"/>
+              </a:lnSpc>
+              <a:spcBef>
+                <a:spcPct val="0"/>
+              </a:spcBef>
+              <a:buNone/>
+              <a:defRPr sz="4400" kern="1200">
+                <a:solidFill>
+                  <a:schemeClr val="tx1"/>
+                </a:solidFill>
+                <a:latin typeface="+mj-lt"/>
+                <a:ea typeface="+mj-ea"/>
+                <a:cs typeface="+mj-cs"/>
+              </a:defRPr>
+            </a:lvl1pPr>
+          </a:lstStyle>
+          <a:p>
+            <a:r>
+              <a:rPr lang="en-AU" dirty="0">
+                <a:solidFill>
+                  <a:schemeClr val="bg1"/>
+                </a:solidFill>
+                <a:latin typeface="Posterama" panose="020B0504020200020000" pitchFamily="34" charset="0"/>
+                <a:cs typeface="Posterama" panose="020B0504020200020000" pitchFamily="34" charset="0"/>
+              </a:rPr>
+              <a:t>Warts and All</a:t>
+            </a:r>
+          </a:p>
+        </p:txBody>
+      </p:sp>
+      <p:sp>
+        <p:nvSpPr>
+          <p:cNvPr id="3" name="TextBox 2">
+            <a:extLst>
+              <a:ext uri="{FF2B5EF4-FFF2-40B4-BE49-F238E27FC236}">
+                <a16:creationId xmlns:a16="http://schemas.microsoft.com/office/drawing/2014/main" id="{9172A47D-632E-B330-9CD2-E7F0DB090912}"/>
+              </a:ext>
+            </a:extLst>
+          </p:cNvPr>
+          <p:cNvSpPr txBox="1"/>
+          <p:nvPr/>
+        </p:nvSpPr>
+        <p:spPr>
+          <a:xfrm>
+            <a:off x="3003630" y="1603094"/>
+            <a:ext cx="5613722" cy="369332"/>
+          </a:xfrm>
+          <a:prstGeom prst="rect">
+            <a:avLst/>
+          </a:prstGeom>
+          <a:noFill/>
+        </p:spPr>
+        <p:txBody>
+          <a:bodyPr wrap="square" rtlCol="0">
+            <a:spAutoFit/>
+          </a:bodyPr>
+          <a:lstStyle/>
+          <a:p>
+            <a:r>
+              <a:rPr lang="en-US" dirty="0"/>
+              <a:t>Showcasing a misclassification</a:t>
+            </a:r>
+          </a:p>
+        </p:txBody>
+      </p:sp>
+      <p:pic>
+        <p:nvPicPr>
+          <p:cNvPr id="14" name="Picture 10" descr="Streamlit logo on light background">
+            <a:extLst>
+              <a:ext uri="{FF2B5EF4-FFF2-40B4-BE49-F238E27FC236}">
+                <a16:creationId xmlns:a16="http://schemas.microsoft.com/office/drawing/2014/main" id="{BBD83F7D-06E2-82DB-76F6-441F12ABE858}"/>
+              </a:ext>
+            </a:extLst>
+          </p:cNvPr>
+          <p:cNvPicPr>
+            <a:picLocks noChangeAspect="1" noChangeArrowheads="1"/>
+          </p:cNvPicPr>
+          <p:nvPr/>
+        </p:nvPicPr>
+        <p:blipFill>
+          <a:blip r:embed="rId3">
+            <a:extLst>
+              <a:ext uri="{28A0092B-C50C-407E-A947-70E740481C1C}">
+                <a14:useLocalDpi xmlns:a14="http://schemas.microsoft.com/office/drawing/2010/main" val="0"/>
+              </a:ext>
+            </a:extLst>
+          </a:blip>
+          <a:srcRect/>
+          <a:stretch>
+            <a:fillRect/>
+          </a:stretch>
+        </p:blipFill>
+        <p:spPr bwMode="auto">
+          <a:xfrm>
+            <a:off x="9018657" y="866213"/>
+            <a:ext cx="3259087" cy="904737"/>
+          </a:xfrm>
+          <a:prstGeom prst="rect">
+            <a:avLst/>
+          </a:prstGeom>
+          <a:noFill/>
+          <a:extLst>
+            <a:ext uri="{909E8E84-426E-40DD-AFC4-6F175D3DCCD1}">
+              <a14:hiddenFill xmlns:a14="http://schemas.microsoft.com/office/drawing/2010/main">
+                <a:solidFill>
+                  <a:srgbClr val="FFFFFF"/>
+                </a:solidFill>
+              </a14:hiddenFill>
+            </a:ext>
+          </a:extLst>
+        </p:spPr>
+      </p:pic>
+    </p:spTree>
+    <p:extLst>
+      <p:ext uri="{BB962C8B-B14F-4D97-AF65-F5344CB8AC3E}">
+        <p14:creationId xmlns:p14="http://schemas.microsoft.com/office/powerpoint/2010/main" val="2822805046"/>
+      </p:ext>
+    </p:extLst>
+  </p:cSld>
+  <p:clrMapOvr>
+    <a:masterClrMapping/>
+  </p:clrMapOvr>
+</p:sld>
+</file>
+
+<file path=ppt/slides/slide11.xml><?xml version="1.0" encoding="utf-8"?>
+<p:sld xmlns:a="http://schemas.openxmlformats.org/drawingml/2006/main" xmlns:r="http://schemas.openxmlformats.org/officeDocument/2006/relationships" xmlns:p="http://schemas.openxmlformats.org/presentationml/2006/main">
+  <p:cSld>
+    <p:spTree>
+      <p:nvGrpSpPr>
+        <p:cNvPr id="1" name=""/>
+        <p:cNvGrpSpPr/>
+        <p:nvPr/>
+      </p:nvGrpSpPr>
+      <p:grpSpPr>
+        <a:xfrm>
+          <a:off x="0" y="0"/>
+          <a:ext cx="0" cy="0"/>
+          <a:chOff x="0" y="0"/>
+          <a:chExt cx="0" cy="0"/>
+        </a:xfrm>
+      </p:grpSpPr>
+      <p:sp>
+        <p:nvSpPr>
+          <p:cNvPr id="13" name="Title 1">
+            <a:extLst>
+              <a:ext uri="{FF2B5EF4-FFF2-40B4-BE49-F238E27FC236}">
+                <a16:creationId xmlns:a16="http://schemas.microsoft.com/office/drawing/2014/main" id="{A2794723-E065-BC39-2647-89E04F0EC9CF}"/>
+              </a:ext>
+            </a:extLst>
+          </p:cNvPr>
+          <p:cNvSpPr txBox="1">
+            <a:spLocks/>
+          </p:cNvSpPr>
+          <p:nvPr/>
+        </p:nvSpPr>
+        <p:spPr>
+          <a:xfrm>
+            <a:off x="0" y="-8876"/>
+            <a:ext cx="12191999" cy="963580"/>
+          </a:xfrm>
+          <a:prstGeom prst="rect">
+            <a:avLst/>
+          </a:prstGeom>
+          <a:solidFill>
+            <a:schemeClr val="tx1"/>
+          </a:solidFill>
+        </p:spPr>
+        <p:txBody>
+          <a:bodyPr anchor="b"/>
+          <a:lstStyle>
+            <a:lvl1pPr algn="l" defTabSz="914400" rtl="0" eaLnBrk="1" latinLnBrk="0" hangingPunct="1">
+              <a:lnSpc>
+                <a:spcPct val="90000"/>
+              </a:lnSpc>
+              <a:spcBef>
+                <a:spcPct val="0"/>
+              </a:spcBef>
+              <a:buNone/>
+              <a:defRPr sz="4400" kern="1200">
+                <a:solidFill>
+                  <a:schemeClr val="tx1"/>
+                </a:solidFill>
+                <a:latin typeface="+mj-lt"/>
+                <a:ea typeface="+mj-ea"/>
+                <a:cs typeface="+mj-cs"/>
+              </a:defRPr>
+            </a:lvl1pPr>
+          </a:lstStyle>
+          <a:p>
+            <a:r>
+              <a:rPr lang="en-AU" dirty="0">
+                <a:solidFill>
+                  <a:schemeClr val="bg1"/>
+                </a:solidFill>
+                <a:latin typeface="Posterama" panose="020B0504020200020000" pitchFamily="34" charset="0"/>
+                <a:cs typeface="Posterama" panose="020B0504020200020000" pitchFamily="34" charset="0"/>
+              </a:rPr>
+              <a:t>Warts and All</a:t>
+            </a:r>
+          </a:p>
+        </p:txBody>
+      </p:sp>
+      <p:pic>
+        <p:nvPicPr>
+          <p:cNvPr id="6" name="Picture 5">
+            <a:extLst>
+              <a:ext uri="{FF2B5EF4-FFF2-40B4-BE49-F238E27FC236}">
+                <a16:creationId xmlns:a16="http://schemas.microsoft.com/office/drawing/2014/main" id="{3A0AD45B-024B-7EA4-525A-1555DB2940BB}"/>
+              </a:ext>
+            </a:extLst>
+          </p:cNvPr>
+          <p:cNvPicPr>
+            <a:picLocks noChangeAspect="1"/>
+          </p:cNvPicPr>
+          <p:nvPr/>
+        </p:nvPicPr>
+        <p:blipFill rotWithShape="1">
+          <a:blip r:embed="rId3"/>
+          <a:srcRect l="753" r="53071"/>
+          <a:stretch/>
+        </p:blipFill>
+        <p:spPr>
+          <a:xfrm>
+            <a:off x="47159" y="1699892"/>
+            <a:ext cx="6142404" cy="3618676"/>
+          </a:xfrm>
+          <a:prstGeom prst="rect">
+            <a:avLst/>
+          </a:prstGeom>
+        </p:spPr>
+      </p:pic>
+      <p:pic>
+        <p:nvPicPr>
+          <p:cNvPr id="2" name="Picture 1">
+            <a:extLst>
+              <a:ext uri="{FF2B5EF4-FFF2-40B4-BE49-F238E27FC236}">
+                <a16:creationId xmlns:a16="http://schemas.microsoft.com/office/drawing/2014/main" id="{60302D96-A22F-0177-B1CE-4A992A439DB4}"/>
+              </a:ext>
+            </a:extLst>
+          </p:cNvPr>
+          <p:cNvPicPr>
+            <a:picLocks noChangeAspect="1"/>
+          </p:cNvPicPr>
+          <p:nvPr/>
+        </p:nvPicPr>
+        <p:blipFill rotWithShape="1">
+          <a:blip r:embed="rId3"/>
+          <a:srcRect l="53823"/>
+          <a:stretch/>
+        </p:blipFill>
+        <p:spPr>
+          <a:xfrm>
+            <a:off x="6069186" y="1655426"/>
+            <a:ext cx="6142404" cy="3618676"/>
+          </a:xfrm>
+          <a:prstGeom prst="rect">
+            <a:avLst/>
+          </a:prstGeom>
+        </p:spPr>
+      </p:pic>
+    </p:spTree>
+    <p:extLst>
+      <p:ext uri="{BB962C8B-B14F-4D97-AF65-F5344CB8AC3E}">
+        <p14:creationId xmlns:p14="http://schemas.microsoft.com/office/powerpoint/2010/main" val="153390708"/>
+      </p:ext>
+    </p:extLst>
+  </p:cSld>
+  <p:clrMapOvr>
+    <a:masterClrMapping/>
+  </p:clrMapOvr>
+</p:sld>
+</file>
+
+<file path=ppt/slides/slide12.xml><?xml version="1.0" encoding="utf-8"?>
+<p:sld xmlns:a="http://schemas.openxmlformats.org/drawingml/2006/main" xmlns:r="http://schemas.openxmlformats.org/officeDocument/2006/relationships" xmlns:p="http://schemas.openxmlformats.org/presentationml/2006/main">
+  <p:cSld>
+    <p:spTree>
+      <p:nvGrpSpPr>
+        <p:cNvPr id="1" name=""/>
+        <p:cNvGrpSpPr/>
+        <p:nvPr/>
+      </p:nvGrpSpPr>
+      <p:grpSpPr>
+        <a:xfrm>
+          <a:off x="0" y="0"/>
+          <a:ext cx="0" cy="0"/>
+          <a:chOff x="0" y="0"/>
+          <a:chExt cx="0" cy="0"/>
+        </a:xfrm>
+      </p:grpSpPr>
+      <p:sp>
+        <p:nvSpPr>
+          <p:cNvPr id="13" name="Title 1">
+            <a:extLst>
+              <a:ext uri="{FF2B5EF4-FFF2-40B4-BE49-F238E27FC236}">
+                <a16:creationId xmlns:a16="http://schemas.microsoft.com/office/drawing/2014/main" id="{A2794723-E065-BC39-2647-89E04F0EC9CF}"/>
+              </a:ext>
+            </a:extLst>
+          </p:cNvPr>
+          <p:cNvSpPr txBox="1">
+            <a:spLocks/>
+          </p:cNvSpPr>
+          <p:nvPr/>
+        </p:nvSpPr>
+        <p:spPr>
+          <a:xfrm>
+            <a:off x="0" y="-8876"/>
+            <a:ext cx="12191999" cy="963580"/>
+          </a:xfrm>
+          <a:prstGeom prst="rect">
+            <a:avLst/>
+          </a:prstGeom>
+          <a:solidFill>
+            <a:schemeClr val="tx1"/>
+          </a:solidFill>
+        </p:spPr>
+        <p:txBody>
+          <a:bodyPr anchor="b"/>
+          <a:lstStyle>
+            <a:lvl1pPr algn="l" defTabSz="914400" rtl="0" eaLnBrk="1" latinLnBrk="0" hangingPunct="1">
+              <a:lnSpc>
+                <a:spcPct val="90000"/>
+              </a:lnSpc>
+              <a:spcBef>
+                <a:spcPct val="0"/>
+              </a:spcBef>
+              <a:buNone/>
+              <a:defRPr sz="4400" kern="1200">
+                <a:solidFill>
+                  <a:schemeClr val="tx1"/>
+                </a:solidFill>
+                <a:latin typeface="+mj-lt"/>
+                <a:ea typeface="+mj-ea"/>
+                <a:cs typeface="+mj-cs"/>
+              </a:defRPr>
+            </a:lvl1pPr>
+          </a:lstStyle>
+          <a:p>
+            <a:r>
+              <a:rPr lang="en-AU" dirty="0">
+                <a:solidFill>
+                  <a:schemeClr val="bg1"/>
+                </a:solidFill>
+                <a:latin typeface="Posterama" panose="020B0504020200020000" pitchFamily="34" charset="0"/>
+                <a:cs typeface="Posterama" panose="020B0504020200020000" pitchFamily="34" charset="0"/>
+              </a:rPr>
+              <a:t>Future Enhancements</a:t>
+            </a:r>
+          </a:p>
+        </p:txBody>
+      </p:sp>
+    </p:spTree>
+    <p:extLst>
+      <p:ext uri="{BB962C8B-B14F-4D97-AF65-F5344CB8AC3E}">
+        <p14:creationId xmlns:p14="http://schemas.microsoft.com/office/powerpoint/2010/main" val="1957876008"/>
       </p:ext>
     </p:extLst>
   </p:cSld>
@@ -15225,12 +16392,415 @@
           <a:chExt cx="0" cy="0"/>
         </a:xfrm>
       </p:grpSpPr>
+      <p:graphicFrame>
+        <p:nvGraphicFramePr>
+          <p:cNvPr id="7" name="think-cell data - do not delete" hidden="1">
+            <a:extLst>
+              <a:ext uri="{FF2B5EF4-FFF2-40B4-BE49-F238E27FC236}">
+                <a16:creationId xmlns:a16="http://schemas.microsoft.com/office/drawing/2014/main" id="{B0F4097C-64A3-D31A-9D62-83F59811FB1F}"/>
+              </a:ext>
+            </a:extLst>
+          </p:cNvPr>
+          <p:cNvGraphicFramePr>
+            <a:graphicFrameLocks noChangeAspect="1"/>
+          </p:cNvGraphicFramePr>
+          <p:nvPr>
+            <p:custDataLst>
+              <p:tags r:id="rId1"/>
+            </p:custDataLst>
+            <p:extLst>
+              <p:ext uri="{D42A27DB-BD31-4B8C-83A1-F6EECF244321}">
+                <p14:modId xmlns:p14="http://schemas.microsoft.com/office/powerpoint/2010/main" val="3247964164"/>
+              </p:ext>
+            </p:extLst>
+          </p:nvPr>
+        </p:nvGraphicFramePr>
+        <p:xfrm>
+          <a:off x="1588" y="1588"/>
+          <a:ext cx="1588" cy="1588"/>
+        </p:xfrm>
+        <a:graphic>
+          <a:graphicData uri="http://schemas.openxmlformats.org/presentationml/2006/ole">
+            <mc:AlternateContent xmlns:mc="http://schemas.openxmlformats.org/markup-compatibility/2006">
+              <mc:Choice xmlns:v="urn:schemas-microsoft-com:vml" Requires="v">
+                <p:oleObj name="think-cell Slide" r:id="rId4" imgW="392" imgH="392" progId="TCLayout.ActiveDocument.1">
+                  <p:embed/>
+                </p:oleObj>
+              </mc:Choice>
+              <mc:Fallback>
+                <p:oleObj name="think-cell Slide" r:id="rId4" imgW="392" imgH="392" progId="TCLayout.ActiveDocument.1">
+                  <p:embed/>
+                  <p:pic>
+                    <p:nvPicPr>
+                      <p:cNvPr id="0" name=""/>
+                      <p:cNvPicPr/>
+                      <p:nvPr/>
+                    </p:nvPicPr>
+                    <p:blipFill>
+                      <a:blip r:embed="rId5"/>
+                      <a:stretch>
+                        <a:fillRect/>
+                      </a:stretch>
+                    </p:blipFill>
+                    <p:spPr>
+                      <a:xfrm>
+                        <a:off x="1588" y="1588"/>
+                        <a:ext cx="1588" cy="1588"/>
+                      </a:xfrm>
+                      <a:prstGeom prst="rect">
+                        <a:avLst/>
+                      </a:prstGeom>
+                    </p:spPr>
+                  </p:pic>
+                </p:oleObj>
+              </mc:Fallback>
+            </mc:AlternateContent>
+          </a:graphicData>
+        </a:graphic>
+      </p:graphicFrame>
+      <p:sp>
+        <p:nvSpPr>
+          <p:cNvPr id="9" name="Rectangle 8">
+            <a:extLst>
+              <a:ext uri="{FF2B5EF4-FFF2-40B4-BE49-F238E27FC236}">
+                <a16:creationId xmlns:a16="http://schemas.microsoft.com/office/drawing/2014/main" id="{C149747A-B5D9-5014-3CBC-71EDEE7C3C3F}"/>
+              </a:ext>
+            </a:extLst>
+          </p:cNvPr>
+          <p:cNvSpPr/>
+          <p:nvPr/>
+        </p:nvSpPr>
+        <p:spPr>
+          <a:xfrm>
+            <a:off x="2129911" y="4675442"/>
+            <a:ext cx="9979979" cy="2183500"/>
+          </a:xfrm>
+          <a:prstGeom prst="rect">
+            <a:avLst/>
+          </a:prstGeom>
+        </p:spPr>
+        <p:style>
+          <a:lnRef idx="2">
+            <a:schemeClr val="dk1">
+              <a:shade val="15000"/>
+            </a:schemeClr>
+          </a:lnRef>
+          <a:fillRef idx="1">
+            <a:schemeClr val="dk1"/>
+          </a:fillRef>
+          <a:effectRef idx="0">
+            <a:schemeClr val="dk1"/>
+          </a:effectRef>
+          <a:fontRef idx="minor">
+            <a:schemeClr val="lt1"/>
+          </a:fontRef>
+        </p:style>
+        <p:txBody>
+          <a:bodyPr rtlCol="0" anchor="ctr"/>
+          <a:lstStyle/>
+          <a:p>
+            <a:pPr algn="ctr"/>
+            <a:endParaRPr lang="en-US"/>
+          </a:p>
+        </p:txBody>
+      </p:sp>
+      <p:sp>
+        <p:nvSpPr>
+          <p:cNvPr id="5" name="Rectangle 4">
+            <a:extLst>
+              <a:ext uri="{FF2B5EF4-FFF2-40B4-BE49-F238E27FC236}">
+                <a16:creationId xmlns:a16="http://schemas.microsoft.com/office/drawing/2014/main" id="{7A10DE76-E656-1F23-6E39-A5E992C43389}"/>
+              </a:ext>
+            </a:extLst>
+          </p:cNvPr>
+          <p:cNvSpPr/>
+          <p:nvPr/>
+        </p:nvSpPr>
+        <p:spPr>
+          <a:xfrm>
+            <a:off x="2129911" y="75369"/>
+            <a:ext cx="9979979" cy="2183500"/>
+          </a:xfrm>
+          <a:prstGeom prst="rect">
+            <a:avLst/>
+          </a:prstGeom>
+        </p:spPr>
+        <p:style>
+          <a:lnRef idx="2">
+            <a:schemeClr val="dk1">
+              <a:shade val="15000"/>
+            </a:schemeClr>
+          </a:lnRef>
+          <a:fillRef idx="1">
+            <a:schemeClr val="dk1"/>
+          </a:fillRef>
+          <a:effectRef idx="0">
+            <a:schemeClr val="dk1"/>
+          </a:effectRef>
+          <a:fontRef idx="minor">
+            <a:schemeClr val="lt1"/>
+          </a:fontRef>
+        </p:style>
+        <p:txBody>
+          <a:bodyPr rtlCol="0" anchor="ctr"/>
+          <a:lstStyle/>
+          <a:p>
+            <a:pPr algn="ctr"/>
+            <a:endParaRPr lang="en-US"/>
+          </a:p>
+        </p:txBody>
+      </p:sp>
+      <p:pic>
+        <p:nvPicPr>
+          <p:cNvPr id="6" name="Picture 5">
+            <a:extLst>
+              <a:ext uri="{FF2B5EF4-FFF2-40B4-BE49-F238E27FC236}">
+                <a16:creationId xmlns:a16="http://schemas.microsoft.com/office/drawing/2014/main" id="{F9B2F12F-65A3-7ADC-9703-E913F8283937}"/>
+              </a:ext>
+            </a:extLst>
+          </p:cNvPr>
+          <p:cNvPicPr>
+            <a:picLocks noChangeAspect="1"/>
+          </p:cNvPicPr>
+          <p:nvPr/>
+        </p:nvPicPr>
+        <p:blipFill>
+          <a:blip r:embed="rId6"/>
+          <a:stretch>
+            <a:fillRect/>
+          </a:stretch>
+        </p:blipFill>
+        <p:spPr>
+          <a:xfrm>
+            <a:off x="2129911" y="307385"/>
+            <a:ext cx="7109623" cy="1476364"/>
+          </a:xfrm>
+          <a:prstGeom prst="rect">
+            <a:avLst/>
+          </a:prstGeom>
+          <a:ln>
+            <a:noFill/>
+          </a:ln>
+          <a:effectLst>
+            <a:outerShdw blurRad="190500" dist="228600" dir="2700000" algn="ctr">
+              <a:srgbClr val="000000">
+                <a:alpha val="30000"/>
+              </a:srgbClr>
+            </a:outerShdw>
+          </a:effectLst>
+          <a:scene3d>
+            <a:camera prst="orthographicFront">
+              <a:rot lat="0" lon="0" rev="0"/>
+            </a:camera>
+            <a:lightRig rig="glow" dir="t">
+              <a:rot lat="0" lon="0" rev="4800000"/>
+            </a:lightRig>
+          </a:scene3d>
+          <a:sp3d prstMaterial="matte">
+            <a:bevelT w="127000" h="63500"/>
+          </a:sp3d>
+        </p:spPr>
+      </p:pic>
+      <p:pic>
+        <p:nvPicPr>
+          <p:cNvPr id="11" name="Picture 10">
+            <a:extLst>
+              <a:ext uri="{FF2B5EF4-FFF2-40B4-BE49-F238E27FC236}">
+                <a16:creationId xmlns:a16="http://schemas.microsoft.com/office/drawing/2014/main" id="{067F47BB-806E-0BD4-EC3F-F1F9D25F6D8D}"/>
+              </a:ext>
+            </a:extLst>
+          </p:cNvPr>
+          <p:cNvPicPr>
+            <a:picLocks noChangeAspect="1"/>
+          </p:cNvPicPr>
+          <p:nvPr/>
+        </p:nvPicPr>
+        <p:blipFill rotWithShape="1">
+          <a:blip r:embed="rId7"/>
+          <a:srcRect r="2233"/>
+          <a:stretch/>
+        </p:blipFill>
+        <p:spPr>
+          <a:xfrm>
+            <a:off x="9297536" y="307385"/>
+            <a:ext cx="2812354" cy="1683982"/>
+          </a:xfrm>
+          <a:prstGeom prst="rect">
+            <a:avLst/>
+          </a:prstGeom>
+          <a:ln>
+            <a:noFill/>
+          </a:ln>
+          <a:effectLst>
+            <a:outerShdw blurRad="190500" dist="228600" dir="2700000" algn="ctr">
+              <a:srgbClr val="000000">
+                <a:alpha val="30000"/>
+              </a:srgbClr>
+            </a:outerShdw>
+          </a:effectLst>
+          <a:scene3d>
+            <a:camera prst="orthographicFront">
+              <a:rot lat="0" lon="0" rev="0"/>
+            </a:camera>
+            <a:lightRig rig="glow" dir="t">
+              <a:rot lat="0" lon="0" rev="4800000"/>
+            </a:lightRig>
+          </a:scene3d>
+          <a:sp3d prstMaterial="matte">
+            <a:bevelT w="127000" h="63500"/>
+          </a:sp3d>
+        </p:spPr>
+      </p:pic>
+      <p:sp>
+        <p:nvSpPr>
+          <p:cNvPr id="14" name="TextBox 13">
+            <a:extLst>
+              <a:ext uri="{FF2B5EF4-FFF2-40B4-BE49-F238E27FC236}">
+                <a16:creationId xmlns:a16="http://schemas.microsoft.com/office/drawing/2014/main" id="{C9A8B327-8FC0-83B5-EEA4-E57221E0C198}"/>
+              </a:ext>
+            </a:extLst>
+          </p:cNvPr>
+          <p:cNvSpPr txBox="1"/>
+          <p:nvPr/>
+        </p:nvSpPr>
+        <p:spPr>
+          <a:xfrm>
+            <a:off x="95534" y="75369"/>
+            <a:ext cx="1935795" cy="584775"/>
+          </a:xfrm>
+          <a:prstGeom prst="rect">
+            <a:avLst/>
+          </a:prstGeom>
+          <a:solidFill>
+            <a:schemeClr val="accent5">
+              <a:lumMod val="50000"/>
+            </a:schemeClr>
+          </a:solidFill>
+          <a:ln>
+            <a:noFill/>
+          </a:ln>
+          <a:effectLst>
+            <a:outerShdw blurRad="107950" dist="12700" dir="5400000" algn="ctr">
+              <a:srgbClr val="000000"/>
+            </a:outerShdw>
+          </a:effectLst>
+          <a:scene3d>
+            <a:camera prst="orthographicFront">
+              <a:rot lat="0" lon="0" rev="0"/>
+            </a:camera>
+            <a:lightRig rig="soft" dir="t">
+              <a:rot lat="0" lon="0" rev="0"/>
+            </a:lightRig>
+          </a:scene3d>
+          <a:sp3d contourW="44450" prstMaterial="matte">
+            <a:bevelT w="63500" h="63500" prst="artDeco"/>
+            <a:contourClr>
+              <a:srgbClr val="FFFFFF"/>
+            </a:contourClr>
+          </a:sp3d>
+        </p:spPr>
+        <p:txBody>
+          <a:bodyPr vert="horz" wrap="square" rtlCol="0">
+            <a:spAutoFit/>
+          </a:bodyPr>
+          <a:lstStyle>
+            <a:defPPr>
+              <a:defRPr lang="en-US"/>
+            </a:defPPr>
+            <a:lvl1pPr algn="ctr">
+              <a:defRPr sz="1600">
+                <a:solidFill>
+                  <a:schemeClr val="bg1"/>
+                </a:solidFill>
+              </a:defRPr>
+            </a:lvl1pPr>
+          </a:lstStyle>
+          <a:p>
+            <a:r>
+              <a:rPr lang="en-US" dirty="0"/>
+              <a:t>VECTORISED TITLE &amp; TEXT</a:t>
+            </a:r>
+          </a:p>
+        </p:txBody>
+      </p:sp>
+      <p:sp>
+        <p:nvSpPr>
+          <p:cNvPr id="16" name="TextBox 15">
+            <a:extLst>
+              <a:ext uri="{FF2B5EF4-FFF2-40B4-BE49-F238E27FC236}">
+                <a16:creationId xmlns:a16="http://schemas.microsoft.com/office/drawing/2014/main" id="{46F0EE85-7AD3-904F-3172-A0A9F71CD466}"/>
+              </a:ext>
+            </a:extLst>
+          </p:cNvPr>
+          <p:cNvSpPr txBox="1"/>
+          <p:nvPr/>
+        </p:nvSpPr>
+        <p:spPr>
+          <a:xfrm>
+            <a:off x="95534" y="2402005"/>
+            <a:ext cx="1928559" cy="523220"/>
+          </a:xfrm>
+          <a:prstGeom prst="rect">
+            <a:avLst/>
+          </a:prstGeom>
+          <a:solidFill>
+            <a:schemeClr val="accent5">
+              <a:lumMod val="50000"/>
+            </a:schemeClr>
+          </a:solidFill>
+          <a:ln>
+            <a:noFill/>
+          </a:ln>
+          <a:effectLst>
+            <a:outerShdw blurRad="107950" dist="12700" dir="5400000" algn="ctr">
+              <a:srgbClr val="000000"/>
+            </a:outerShdw>
+          </a:effectLst>
+          <a:scene3d>
+            <a:camera prst="orthographicFront">
+              <a:rot lat="0" lon="0" rev="0"/>
+            </a:camera>
+            <a:lightRig rig="soft" dir="t">
+              <a:rot lat="0" lon="0" rev="0"/>
+            </a:lightRig>
+          </a:scene3d>
+          <a:sp3d contourW="44450" prstMaterial="matte">
+            <a:bevelT w="63500" h="63500" prst="artDeco"/>
+            <a:contourClr>
+              <a:srgbClr val="FFFFFF"/>
+            </a:contourClr>
+          </a:sp3d>
+        </p:spPr>
+        <p:txBody>
+          <a:bodyPr vert="horz" wrap="square" rtlCol="0">
+            <a:spAutoFit/>
+          </a:bodyPr>
+          <a:lstStyle>
+            <a:defPPr>
+              <a:defRPr lang="en-US"/>
+            </a:defPPr>
+            <a:lvl1pPr algn="ctr">
+              <a:defRPr sz="1600">
+                <a:solidFill>
+                  <a:schemeClr val="bg1"/>
+                </a:solidFill>
+              </a:defRPr>
+            </a:lvl1pPr>
+          </a:lstStyle>
+          <a:p>
+            <a:r>
+              <a:rPr lang="en-US" dirty="0"/>
+              <a:t>LOG TRANSFOMED TEXT LENGTH</a:t>
+            </a:r>
+          </a:p>
+        </p:txBody>
+      </p:sp>
       <p:grpSp>
         <p:nvGrpSpPr>
-          <p:cNvPr id="15" name="Group 14">
+          <p:cNvPr id="17" name="Group 16">
             <a:extLst>
               <a:ext uri="{FF2B5EF4-FFF2-40B4-BE49-F238E27FC236}">
-                <a16:creationId xmlns:a16="http://schemas.microsoft.com/office/drawing/2014/main" id="{BB906260-8A2C-B161-7146-E392A889E1FC}"/>
+                <a16:creationId xmlns:a16="http://schemas.microsoft.com/office/drawing/2014/main" id="{1CF78E60-2EE3-AA5A-4E72-98F8F80F397C}"/>
               </a:ext>
             </a:extLst>
           </p:cNvPr>
@@ -15239,394 +16809,18 @@
         </p:nvGrpSpPr>
         <p:grpSpPr>
           <a:xfrm>
-            <a:off x="30386" y="-289367"/>
-            <a:ext cx="12072678" cy="2048719"/>
-            <a:chOff x="-196130" y="-328022"/>
-            <a:chExt cx="12291674" cy="2199003"/>
+            <a:off x="2107442" y="2320285"/>
+            <a:ext cx="7154559" cy="2336774"/>
+            <a:chOff x="194659" y="1751938"/>
+            <a:chExt cx="11709421" cy="4314826"/>
           </a:xfrm>
         </p:grpSpPr>
         <p:pic>
           <p:nvPicPr>
-            <p:cNvPr id="6" name="Picture 5">
+            <p:cNvPr id="18" name="Picture 17">
               <a:extLst>
                 <a:ext uri="{FF2B5EF4-FFF2-40B4-BE49-F238E27FC236}">
-                  <a16:creationId xmlns:a16="http://schemas.microsoft.com/office/drawing/2014/main" id="{F9B2F12F-65A3-7ADC-9703-E913F8283937}"/>
-                </a:ext>
-              </a:extLst>
-            </p:cNvPr>
-            <p:cNvPicPr>
-              <a:picLocks noChangeAspect="1"/>
-            </p:cNvPicPr>
-            <p:nvPr/>
-          </p:nvPicPr>
-          <p:blipFill>
-            <a:blip r:embed="rId4"/>
-            <a:stretch>
-              <a:fillRect/>
-            </a:stretch>
-          </p:blipFill>
-          <p:spPr>
-            <a:xfrm>
-              <a:off x="907185" y="63469"/>
-              <a:ext cx="8256539" cy="1807511"/>
-            </a:xfrm>
-            <a:prstGeom prst="rect">
-              <a:avLst/>
-            </a:prstGeom>
-            <a:ln>
-              <a:noFill/>
-            </a:ln>
-            <a:effectLst>
-              <a:outerShdw blurRad="190500" dist="228600" dir="2700000" algn="ctr">
-                <a:srgbClr val="000000">
-                  <a:alpha val="30000"/>
-                </a:srgbClr>
-              </a:outerShdw>
-            </a:effectLst>
-            <a:scene3d>
-              <a:camera prst="orthographicFront">
-                <a:rot lat="0" lon="0" rev="0"/>
-              </a:camera>
-              <a:lightRig rig="glow" dir="t">
-                <a:rot lat="0" lon="0" rev="4800000"/>
-              </a:lightRig>
-            </a:scene3d>
-            <a:sp3d prstMaterial="matte">
-              <a:bevelT w="127000" h="63500"/>
-            </a:sp3d>
-          </p:spPr>
-        </p:pic>
-        <p:pic>
-          <p:nvPicPr>
-            <p:cNvPr id="11" name="Picture 10">
-              <a:extLst>
-                <a:ext uri="{FF2B5EF4-FFF2-40B4-BE49-F238E27FC236}">
-                  <a16:creationId xmlns:a16="http://schemas.microsoft.com/office/drawing/2014/main" id="{067F47BB-806E-0BD4-EC3F-F1F9D25F6D8D}"/>
-                </a:ext>
-              </a:extLst>
-            </p:cNvPr>
-            <p:cNvPicPr>
-              <a:picLocks noChangeAspect="1"/>
-            </p:cNvPicPr>
-            <p:nvPr/>
-          </p:nvPicPr>
-          <p:blipFill rotWithShape="1">
-            <a:blip r:embed="rId5"/>
-            <a:srcRect r="2233"/>
-            <a:stretch/>
-          </p:blipFill>
-          <p:spPr>
-            <a:xfrm>
-              <a:off x="9232174" y="63470"/>
-              <a:ext cx="2863370" cy="1807511"/>
-            </a:xfrm>
-            <a:prstGeom prst="rect">
-              <a:avLst/>
-            </a:prstGeom>
-            <a:ln>
-              <a:noFill/>
-            </a:ln>
-            <a:effectLst>
-              <a:outerShdw blurRad="190500" dist="228600" dir="2700000" algn="ctr">
-                <a:srgbClr val="000000">
-                  <a:alpha val="30000"/>
-                </a:srgbClr>
-              </a:outerShdw>
-            </a:effectLst>
-            <a:scene3d>
-              <a:camera prst="orthographicFront">
-                <a:rot lat="0" lon="0" rev="0"/>
-              </a:camera>
-              <a:lightRig rig="glow" dir="t">
-                <a:rot lat="0" lon="0" rev="4800000"/>
-              </a:lightRig>
-            </a:scene3d>
-            <a:sp3d prstMaterial="matte">
-              <a:bevelT w="127000" h="63500"/>
-            </a:sp3d>
-          </p:spPr>
-        </p:pic>
-        <p:sp>
-          <p:nvSpPr>
-            <p:cNvPr id="14" name="TextBox 13">
-              <a:extLst>
-                <a:ext uri="{FF2B5EF4-FFF2-40B4-BE49-F238E27FC236}">
-                  <a16:creationId xmlns:a16="http://schemas.microsoft.com/office/drawing/2014/main" id="{C9A8B327-8FC0-83B5-EEA4-E57221E0C198}"/>
-                </a:ext>
-              </a:extLst>
-            </p:cNvPr>
-            <p:cNvSpPr txBox="1"/>
-            <p:nvPr/>
-          </p:nvSpPr>
-          <p:spPr>
-            <a:xfrm>
-              <a:off x="-196130" y="-328022"/>
-              <a:ext cx="1128095" cy="2199002"/>
-            </a:xfrm>
-            <a:prstGeom prst="rect">
-              <a:avLst/>
-            </a:prstGeom>
-            <a:solidFill>
-              <a:schemeClr val="accent5">
-                <a:lumMod val="50000"/>
-              </a:schemeClr>
-            </a:solidFill>
-            <a:ln>
-              <a:noFill/>
-            </a:ln>
-            <a:effectLst>
-              <a:outerShdw blurRad="190500" dist="228600" dir="2700000" algn="ctr">
-                <a:srgbClr val="000000">
-                  <a:alpha val="30000"/>
-                </a:srgbClr>
-              </a:outerShdw>
-            </a:effectLst>
-            <a:scene3d>
-              <a:camera prst="orthographicFront">
-                <a:rot lat="0" lon="0" rev="0"/>
-              </a:camera>
-              <a:lightRig rig="glow" dir="t">
-                <a:rot lat="0" lon="0" rev="4800000"/>
-              </a:lightRig>
-            </a:scene3d>
-            <a:sp3d prstMaterial="matte">
-              <a:bevelT w="127000" h="63500"/>
-            </a:sp3d>
-          </p:spPr>
-          <p:txBody>
-            <a:bodyPr vert="vert270" wrap="square" rtlCol="0">
-              <a:spAutoFit/>
-            </a:bodyPr>
-            <a:lstStyle/>
-            <a:p>
-              <a:pPr algn="ctr"/>
-              <a:r>
-                <a:rPr lang="en-US" sz="2000" dirty="0">
-                  <a:solidFill>
-                    <a:schemeClr val="bg1"/>
-                  </a:solidFill>
-                </a:rPr>
-                <a:t>FEATURE SET 2:</a:t>
-              </a:r>
-            </a:p>
-            <a:p>
-              <a:pPr algn="ctr"/>
-              <a:r>
-                <a:rPr lang="en-US" sz="2000" dirty="0">
-                  <a:solidFill>
-                    <a:schemeClr val="bg1"/>
-                  </a:solidFill>
-                </a:rPr>
-                <a:t>VECTORISED TITLE &amp; TEXT</a:t>
-              </a:r>
-            </a:p>
-          </p:txBody>
-        </p:sp>
-      </p:grpSp>
-      <p:grpSp>
-        <p:nvGrpSpPr>
-          <p:cNvPr id="22" name="Group 21">
-            <a:extLst>
-              <a:ext uri="{FF2B5EF4-FFF2-40B4-BE49-F238E27FC236}">
-                <a16:creationId xmlns:a16="http://schemas.microsoft.com/office/drawing/2014/main" id="{20775B01-8B29-3DA0-5E30-FAE2DD57B4D3}"/>
-              </a:ext>
-            </a:extLst>
-          </p:cNvPr>
-          <p:cNvGrpSpPr/>
-          <p:nvPr/>
-        </p:nvGrpSpPr>
-        <p:grpSpPr>
-          <a:xfrm>
-            <a:off x="23150" y="1873417"/>
-            <a:ext cx="10136613" cy="2885053"/>
-            <a:chOff x="24534" y="1977592"/>
-            <a:chExt cx="11372302" cy="3236751"/>
-          </a:xfrm>
-        </p:grpSpPr>
-        <p:sp>
-          <p:nvSpPr>
-            <p:cNvPr id="16" name="TextBox 15">
-              <a:extLst>
-                <a:ext uri="{FF2B5EF4-FFF2-40B4-BE49-F238E27FC236}">
-                  <a16:creationId xmlns:a16="http://schemas.microsoft.com/office/drawing/2014/main" id="{46F0EE85-7AD3-904F-3172-A0A9F71CD466}"/>
-                </a:ext>
-              </a:extLst>
-            </p:cNvPr>
-            <p:cNvSpPr txBox="1"/>
-            <p:nvPr/>
-          </p:nvSpPr>
-          <p:spPr>
-            <a:xfrm>
-              <a:off x="24534" y="2071863"/>
-              <a:ext cx="1243065" cy="2885053"/>
-            </a:xfrm>
-            <a:prstGeom prst="rect">
-              <a:avLst/>
-            </a:prstGeom>
-            <a:solidFill>
-              <a:schemeClr val="accent5">
-                <a:lumMod val="50000"/>
-              </a:schemeClr>
-            </a:solidFill>
-            <a:ln>
-              <a:noFill/>
-            </a:ln>
-            <a:effectLst>
-              <a:outerShdw blurRad="190500" dist="228600" dir="2700000" algn="ctr">
-                <a:srgbClr val="000000">
-                  <a:alpha val="30000"/>
-                </a:srgbClr>
-              </a:outerShdw>
-            </a:effectLst>
-            <a:scene3d>
-              <a:camera prst="orthographicFront">
-                <a:rot lat="0" lon="0" rev="0"/>
-              </a:camera>
-              <a:lightRig rig="glow" dir="t">
-                <a:rot lat="0" lon="0" rev="4800000"/>
-              </a:lightRig>
-            </a:scene3d>
-            <a:sp3d prstMaterial="matte">
-              <a:bevelT w="127000" h="63500"/>
-            </a:sp3d>
-          </p:spPr>
-          <p:txBody>
-            <a:bodyPr vert="vert270" wrap="square" rtlCol="0">
-              <a:spAutoFit/>
-            </a:bodyPr>
-            <a:lstStyle/>
-            <a:p>
-              <a:pPr algn="ctr"/>
-              <a:r>
-                <a:rPr lang="en-US" sz="2000" dirty="0">
-                  <a:solidFill>
-                    <a:schemeClr val="bg1"/>
-                  </a:solidFill>
-                </a:rPr>
-                <a:t>FEATURE SET 1: </a:t>
-              </a:r>
-            </a:p>
-            <a:p>
-              <a:pPr algn="ctr"/>
-              <a:r>
-                <a:rPr lang="en-US" sz="2000" dirty="0">
-                  <a:solidFill>
-                    <a:schemeClr val="bg1"/>
-                  </a:solidFill>
-                </a:rPr>
-                <a:t>LOG TRANSFOMED TEXT LENGTH</a:t>
-              </a:r>
-            </a:p>
-          </p:txBody>
-        </p:sp>
-        <p:grpSp>
-          <p:nvGrpSpPr>
-            <p:cNvPr id="17" name="Group 16">
-              <a:extLst>
-                <a:ext uri="{FF2B5EF4-FFF2-40B4-BE49-F238E27FC236}">
-                  <a16:creationId xmlns:a16="http://schemas.microsoft.com/office/drawing/2014/main" id="{1CF78E60-2EE3-AA5A-4E72-98F8F80F397C}"/>
-                </a:ext>
-              </a:extLst>
-            </p:cNvPr>
-            <p:cNvGrpSpPr/>
-            <p:nvPr/>
-          </p:nvGrpSpPr>
-          <p:grpSpPr>
-            <a:xfrm>
-              <a:off x="1486796" y="1977592"/>
-              <a:ext cx="9910040" cy="3236751"/>
-              <a:chOff x="194659" y="1751938"/>
-              <a:chExt cx="11709421" cy="4314826"/>
-            </a:xfrm>
-          </p:grpSpPr>
-          <p:pic>
-            <p:nvPicPr>
-              <p:cNvPr id="18" name="Picture 17">
-                <a:extLst>
-                  <a:ext uri="{FF2B5EF4-FFF2-40B4-BE49-F238E27FC236}">
-                    <a16:creationId xmlns:a16="http://schemas.microsoft.com/office/drawing/2014/main" id="{1CDDA1EF-2667-2E70-1C4F-EC3198C28DFA}"/>
-                  </a:ext>
-                </a:extLst>
-              </p:cNvPr>
-              <p:cNvPicPr>
-                <a:picLocks noChangeAspect="1"/>
-              </p:cNvPicPr>
-              <p:nvPr/>
-            </p:nvPicPr>
-            <p:blipFill>
-              <a:blip r:embed="rId6"/>
-              <a:stretch>
-                <a:fillRect/>
-              </a:stretch>
-            </p:blipFill>
-            <p:spPr>
-              <a:xfrm>
-                <a:off x="194659" y="1751939"/>
-                <a:ext cx="5610225" cy="4314825"/>
-              </a:xfrm>
-              <a:prstGeom prst="rect">
-                <a:avLst/>
-              </a:prstGeom>
-            </p:spPr>
-          </p:pic>
-          <p:pic>
-            <p:nvPicPr>
-              <p:cNvPr id="19" name="Picture 18">
-                <a:extLst>
-                  <a:ext uri="{FF2B5EF4-FFF2-40B4-BE49-F238E27FC236}">
-                    <a16:creationId xmlns:a16="http://schemas.microsoft.com/office/drawing/2014/main" id="{7A84A060-2807-D265-EDD5-D2839951BA57}"/>
-                  </a:ext>
-                </a:extLst>
-              </p:cNvPr>
-              <p:cNvPicPr>
-                <a:picLocks noChangeAspect="1"/>
-              </p:cNvPicPr>
-              <p:nvPr/>
-            </p:nvPicPr>
-            <p:blipFill>
-              <a:blip r:embed="rId7"/>
-              <a:stretch>
-                <a:fillRect/>
-              </a:stretch>
-            </p:blipFill>
-            <p:spPr>
-              <a:xfrm>
-                <a:off x="5922380" y="1751938"/>
-                <a:ext cx="5981700" cy="4314825"/>
-              </a:xfrm>
-              <a:prstGeom prst="rect">
-                <a:avLst/>
-              </a:prstGeom>
-            </p:spPr>
-          </p:pic>
-        </p:grpSp>
-      </p:grpSp>
-      <p:grpSp>
-        <p:nvGrpSpPr>
-          <p:cNvPr id="23" name="Group 22">
-            <a:extLst>
-              <a:ext uri="{FF2B5EF4-FFF2-40B4-BE49-F238E27FC236}">
-                <a16:creationId xmlns:a16="http://schemas.microsoft.com/office/drawing/2014/main" id="{779CA44B-6D5C-2D70-C7CC-D5DBE87F6D8D}"/>
-              </a:ext>
-            </a:extLst>
-          </p:cNvPr>
-          <p:cNvGrpSpPr/>
-          <p:nvPr/>
-        </p:nvGrpSpPr>
-        <p:grpSpPr>
-          <a:xfrm>
-            <a:off x="0" y="4705234"/>
-            <a:ext cx="5086499" cy="2322663"/>
-            <a:chOff x="0" y="5247180"/>
-            <a:chExt cx="6328705" cy="2889895"/>
-          </a:xfrm>
-        </p:grpSpPr>
-        <p:pic>
-          <p:nvPicPr>
-            <p:cNvPr id="8" name="Picture 7">
-              <a:extLst>
-                <a:ext uri="{FF2B5EF4-FFF2-40B4-BE49-F238E27FC236}">
-                  <a16:creationId xmlns:a16="http://schemas.microsoft.com/office/drawing/2014/main" id="{2A51CE4C-BE60-40C0-D2CB-4AE9AAF3A979}"/>
+                  <a16:creationId xmlns:a16="http://schemas.microsoft.com/office/drawing/2014/main" id="{1CDDA1EF-2667-2E70-1C4F-EC3198C28DFA}"/>
                 </a:ext>
               </a:extLst>
             </p:cNvPr>
@@ -15643,109 +16837,120 @@
           </p:blipFill>
           <p:spPr>
             <a:xfrm>
-              <a:off x="1243188" y="5247180"/>
-              <a:ext cx="5085517" cy="2885052"/>
+              <a:off x="194659" y="1751939"/>
+              <a:ext cx="5610225" cy="4314825"/>
             </a:xfrm>
             <a:prstGeom prst="rect">
               <a:avLst/>
             </a:prstGeom>
-            <a:ln>
-              <a:noFill/>
-            </a:ln>
-            <a:effectLst>
-              <a:outerShdw blurRad="190500" dist="228600" dir="2700000" algn="ctr">
-                <a:srgbClr val="000000">
-                  <a:alpha val="30000"/>
-                </a:srgbClr>
-              </a:outerShdw>
-            </a:effectLst>
-            <a:scene3d>
-              <a:camera prst="orthographicFront">
-                <a:rot lat="0" lon="0" rev="0"/>
-              </a:camera>
-              <a:lightRig rig="glow" dir="t">
-                <a:rot lat="0" lon="0" rev="4800000"/>
-              </a:lightRig>
-            </a:scene3d>
-            <a:sp3d prstMaterial="matte">
-              <a:bevelT w="127000" h="63500"/>
-            </a:sp3d>
           </p:spPr>
         </p:pic>
-        <p:sp>
-          <p:nvSpPr>
-            <p:cNvPr id="21" name="TextBox 20">
+        <p:pic>
+          <p:nvPicPr>
+            <p:cNvPr id="19" name="Picture 18">
               <a:extLst>
                 <a:ext uri="{FF2B5EF4-FFF2-40B4-BE49-F238E27FC236}">
-                  <a16:creationId xmlns:a16="http://schemas.microsoft.com/office/drawing/2014/main" id="{67B558DB-5EB7-3252-F5FC-DDBA4EDDB5D5}"/>
+                  <a16:creationId xmlns:a16="http://schemas.microsoft.com/office/drawing/2014/main" id="{7A84A060-2807-D265-EDD5-D2839951BA57}"/>
                 </a:ext>
               </a:extLst>
             </p:cNvPr>
-            <p:cNvSpPr txBox="1"/>
+            <p:cNvPicPr>
+              <a:picLocks noChangeAspect="1"/>
+            </p:cNvPicPr>
             <p:nvPr/>
-          </p:nvSpPr>
+          </p:nvPicPr>
+          <p:blipFill>
+            <a:blip r:embed="rId9"/>
+            <a:stretch>
+              <a:fillRect/>
+            </a:stretch>
+          </p:blipFill>
           <p:spPr>
             <a:xfrm>
-              <a:off x="0" y="5252022"/>
-              <a:ext cx="1378587" cy="2885053"/>
+              <a:off x="5922380" y="1751938"/>
+              <a:ext cx="5981700" cy="4314825"/>
             </a:xfrm>
             <a:prstGeom prst="rect">
               <a:avLst/>
             </a:prstGeom>
-            <a:solidFill>
-              <a:schemeClr val="accent5">
-                <a:lumMod val="50000"/>
-              </a:schemeClr>
-            </a:solidFill>
-            <a:ln>
-              <a:noFill/>
-            </a:ln>
-            <a:effectLst>
-              <a:outerShdw blurRad="190500" dist="228600" dir="2700000" algn="ctr">
-                <a:srgbClr val="000000">
-                  <a:alpha val="30000"/>
-                </a:srgbClr>
-              </a:outerShdw>
-            </a:effectLst>
-            <a:scene3d>
-              <a:camera prst="orthographicFront">
-                <a:rot lat="0" lon="0" rev="0"/>
-              </a:camera>
-              <a:lightRig rig="glow" dir="t">
-                <a:rot lat="0" lon="0" rev="4800000"/>
-              </a:lightRig>
-            </a:scene3d>
-            <a:sp3d prstMaterial="matte">
-              <a:bevelT w="127000" h="63500"/>
-            </a:sp3d>
           </p:spPr>
-          <p:txBody>
-            <a:bodyPr vert="vert270" wrap="square" rtlCol="0">
-              <a:spAutoFit/>
-            </a:bodyPr>
-            <a:lstStyle/>
-            <a:p>
-              <a:pPr algn="ctr"/>
-              <a:r>
-                <a:rPr lang="en-US" sz="2000" dirty="0">
-                  <a:solidFill>
-                    <a:schemeClr val="bg1"/>
-                  </a:solidFill>
-                </a:rPr>
-                <a:t>COMBINED FEATURE MATRIX</a:t>
-              </a:r>
-            </a:p>
-            <a:p>
-              <a:pPr algn="ctr"/>
-              <a:endParaRPr lang="en-US" sz="2000" dirty="0">
+        </p:pic>
+      </p:grpSp>
+      <p:sp>
+        <p:nvSpPr>
+          <p:cNvPr id="21" name="TextBox 20">
+            <a:extLst>
+              <a:ext uri="{FF2B5EF4-FFF2-40B4-BE49-F238E27FC236}">
+                <a16:creationId xmlns:a16="http://schemas.microsoft.com/office/drawing/2014/main" id="{67B558DB-5EB7-3252-F5FC-DDBA4EDDB5D5}"/>
+              </a:ext>
+            </a:extLst>
+          </p:cNvPr>
+          <p:cNvSpPr txBox="1"/>
+          <p:nvPr/>
+        </p:nvSpPr>
+        <p:spPr>
+          <a:xfrm>
+            <a:off x="95534" y="4708759"/>
+            <a:ext cx="1939529" cy="584775"/>
+          </a:xfrm>
+          <a:prstGeom prst="rect">
+            <a:avLst/>
+          </a:prstGeom>
+          <a:solidFill>
+            <a:schemeClr val="accent5">
+              <a:lumMod val="50000"/>
+            </a:schemeClr>
+          </a:solidFill>
+          <a:ln>
+            <a:noFill/>
+          </a:ln>
+          <a:effectLst>
+            <a:outerShdw blurRad="107950" dist="12700" dir="5400000" algn="ctr">
+              <a:srgbClr val="000000"/>
+            </a:outerShdw>
+          </a:effectLst>
+          <a:scene3d>
+            <a:camera prst="orthographicFront">
+              <a:rot lat="0" lon="0" rev="0"/>
+            </a:camera>
+            <a:lightRig rig="soft" dir="t">
+              <a:rot lat="0" lon="0" rev="0"/>
+            </a:lightRig>
+          </a:scene3d>
+          <a:sp3d contourW="44450" prstMaterial="matte">
+            <a:bevelT w="63500" h="63500" prst="artDeco"/>
+            <a:contourClr>
+              <a:srgbClr val="FFFFFF"/>
+            </a:contourClr>
+          </a:sp3d>
+        </p:spPr>
+        <p:txBody>
+          <a:bodyPr vert="horz" wrap="square" rtlCol="0">
+            <a:spAutoFit/>
+          </a:bodyPr>
+          <a:lstStyle>
+            <a:defPPr>
+              <a:defRPr lang="en-US"/>
+            </a:defPPr>
+            <a:lvl1pPr algn="ctr">
+              <a:defRPr sz="1600">
                 <a:solidFill>
                   <a:schemeClr val="bg1"/>
                 </a:solidFill>
-              </a:endParaRPr>
-            </a:p>
-          </p:txBody>
-        </p:sp>
-      </p:grpSp>
+              </a:defRPr>
+            </a:lvl1pPr>
+          </a:lstStyle>
+          <a:p>
+            <a:r>
+              <a:rPr lang="en-US" dirty="0"/>
+              <a:t>COMBINED MATRIX</a:t>
+            </a:r>
+          </a:p>
+          <a:p>
+            <a:endParaRPr lang="en-US" dirty="0"/>
+          </a:p>
+        </p:txBody>
+      </p:sp>
       <p:sp>
         <p:nvSpPr>
           <p:cNvPr id="24" name="Arrow: Right 23">
@@ -15760,12 +16965,31 @@
         </p:nvSpPr>
         <p:spPr>
           <a:xfrm>
-            <a:off x="5845215" y="5254907"/>
+            <a:off x="6398987" y="5275268"/>
             <a:ext cx="1932972" cy="983848"/>
           </a:xfrm>
           <a:prstGeom prst="rightArrow">
             <a:avLst/>
           </a:prstGeom>
+          <a:solidFill>
+            <a:srgbClr val="A67D79"/>
+          </a:solidFill>
+          <a:ln>
+            <a:noFill/>
+          </a:ln>
+          <a:effectLst>
+            <a:glow rad="228600">
+              <a:schemeClr val="accent1">
+                <a:satMod val="175000"/>
+                <a:alpha val="40000"/>
+              </a:schemeClr>
+            </a:glow>
+            <a:outerShdw blurRad="44450" dist="27940" dir="5400000" algn="ctr">
+              <a:srgbClr val="000000">
+                <a:alpha val="32000"/>
+              </a:srgbClr>
+            </a:outerShdw>
+          </a:effectLst>
         </p:spPr>
         <p:style>
           <a:lnRef idx="2">
@@ -15806,13 +17030,20 @@
         </p:nvSpPr>
         <p:spPr>
           <a:xfrm>
-            <a:off x="8449519" y="5379896"/>
-            <a:ext cx="3240912" cy="369332"/>
+            <a:off x="8547767" y="4974623"/>
+            <a:ext cx="3264370" cy="1569660"/>
           </a:xfrm>
           <a:prstGeom prst="rect">
             <a:avLst/>
           </a:prstGeom>
-          <a:noFill/>
+          <a:solidFill>
+            <a:schemeClr val="bg1"/>
+          </a:solidFill>
+          <a:effectLst>
+            <a:outerShdw blurRad="254000" dist="50800" dir="5400000" algn="ctr" rotWithShape="0">
+              <a:schemeClr val="bg1"/>
+            </a:outerShdw>
+          </a:effectLst>
         </p:spPr>
         <p:txBody>
           <a:bodyPr wrap="square" rtlCol="0">
@@ -15820,9 +17051,17 @@
           </a:bodyPr>
           <a:lstStyle/>
           <a:p>
-            <a:r>
-              <a:rPr lang="en-US" dirty="0"/>
-              <a:t>TO MODELLING</a:t>
+            <a:pPr algn="ctr"/>
+            <a:r>
+              <a:rPr lang="en-US" sz="3200" dirty="0"/>
+              <a:t>TO </a:t>
+            </a:r>
+          </a:p>
+          <a:p>
+            <a:pPr algn="ctr"/>
+            <a:r>
+              <a:rPr lang="en-US" sz="3200" dirty="0"/>
+              <a:t>MODELLING STAGE</a:t>
             </a:r>
           </a:p>
         </p:txBody>
@@ -15841,8 +17080,8 @@
         </p:nvSpPr>
         <p:spPr>
           <a:xfrm>
-            <a:off x="9086127" y="1226916"/>
-            <a:ext cx="3240912" cy="897171"/>
+            <a:off x="9262001" y="1575945"/>
+            <a:ext cx="2823548" cy="471223"/>
           </a:xfrm>
           <a:prstGeom prst="rect">
             <a:avLst/>
@@ -15881,16 +17120,146 @@
           <a:lstStyle/>
           <a:p>
             <a:pPr algn="ctr"/>
-            <a:endParaRPr lang="en-US"/>
+            <a:endParaRPr lang="en-US" dirty="0"/>
           </a:p>
         </p:txBody>
       </p:sp>
+      <p:grpSp>
+        <p:nvGrpSpPr>
+          <p:cNvPr id="4" name="Group 3">
+            <a:extLst>
+              <a:ext uri="{FF2B5EF4-FFF2-40B4-BE49-F238E27FC236}">
+                <a16:creationId xmlns:a16="http://schemas.microsoft.com/office/drawing/2014/main" id="{1853436D-F050-93AC-6496-0A5256299E34}"/>
+              </a:ext>
+            </a:extLst>
+          </p:cNvPr>
+          <p:cNvGrpSpPr/>
+          <p:nvPr/>
+        </p:nvGrpSpPr>
+        <p:grpSpPr>
+          <a:xfrm>
+            <a:off x="2205537" y="4695915"/>
+            <a:ext cx="3890463" cy="2125469"/>
+            <a:chOff x="811190" y="4705235"/>
+            <a:chExt cx="3890463" cy="2125469"/>
+          </a:xfrm>
+        </p:grpSpPr>
+        <p:pic>
+          <p:nvPicPr>
+            <p:cNvPr id="8" name="Picture 7">
+              <a:extLst>
+                <a:ext uri="{FF2B5EF4-FFF2-40B4-BE49-F238E27FC236}">
+                  <a16:creationId xmlns:a16="http://schemas.microsoft.com/office/drawing/2014/main" id="{2A51CE4C-BE60-40C0-D2CB-4AE9AAF3A979}"/>
+                </a:ext>
+              </a:extLst>
+            </p:cNvPr>
+            <p:cNvPicPr>
+              <a:picLocks noChangeAspect="1"/>
+            </p:cNvPicPr>
+            <p:nvPr/>
+          </p:nvPicPr>
+          <p:blipFill>
+            <a:blip r:embed="rId10"/>
+            <a:stretch>
+              <a:fillRect/>
+            </a:stretch>
+          </p:blipFill>
+          <p:spPr>
+            <a:xfrm>
+              <a:off x="918457" y="4705235"/>
+              <a:ext cx="3701310" cy="2099781"/>
+            </a:xfrm>
+            <a:prstGeom prst="rect">
+              <a:avLst/>
+            </a:prstGeom>
+            <a:ln>
+              <a:noFill/>
+            </a:ln>
+            <a:effectLst>
+              <a:outerShdw blurRad="190500" dist="228600" dir="2700000" algn="ctr">
+                <a:srgbClr val="000000">
+                  <a:alpha val="30000"/>
+                </a:srgbClr>
+              </a:outerShdw>
+            </a:effectLst>
+            <a:scene3d>
+              <a:camera prst="orthographicFront">
+                <a:rot lat="0" lon="0" rev="0"/>
+              </a:camera>
+              <a:lightRig rig="glow" dir="t">
+                <a:rot lat="0" lon="0" rev="4800000"/>
+              </a:lightRig>
+            </a:scene3d>
+            <a:sp3d prstMaterial="matte">
+              <a:bevelT w="127000" h="63500"/>
+            </a:sp3d>
+          </p:spPr>
+        </p:pic>
+        <p:sp>
+          <p:nvSpPr>
+            <p:cNvPr id="27" name="Rectangle 26">
+              <a:extLst>
+                <a:ext uri="{FF2B5EF4-FFF2-40B4-BE49-F238E27FC236}">
+                  <a16:creationId xmlns:a16="http://schemas.microsoft.com/office/drawing/2014/main" id="{130FD0E5-6466-7830-82D1-D0F07EB28C49}"/>
+                </a:ext>
+              </a:extLst>
+            </p:cNvPr>
+            <p:cNvSpPr/>
+            <p:nvPr/>
+          </p:nvSpPr>
+          <p:spPr>
+            <a:xfrm>
+              <a:off x="811190" y="6505654"/>
+              <a:ext cx="3890463" cy="325050"/>
+            </a:xfrm>
+            <a:prstGeom prst="rect">
+              <a:avLst/>
+            </a:prstGeom>
+            <a:solidFill>
+              <a:srgbClr val="FF0000">
+                <a:alpha val="33000"/>
+              </a:srgbClr>
+            </a:solidFill>
+            <a:ln>
+              <a:solidFill>
+                <a:schemeClr val="accent2">
+                  <a:lumMod val="50000"/>
+                </a:schemeClr>
+              </a:solidFill>
+            </a:ln>
+          </p:spPr>
+          <p:style>
+            <a:lnRef idx="2">
+              <a:schemeClr val="accent1">
+                <a:shade val="15000"/>
+              </a:schemeClr>
+            </a:lnRef>
+            <a:fillRef idx="1">
+              <a:schemeClr val="accent1"/>
+            </a:fillRef>
+            <a:effectRef idx="0">
+              <a:schemeClr val="accent1"/>
+            </a:effectRef>
+            <a:fontRef idx="minor">
+              <a:schemeClr val="lt1"/>
+            </a:fontRef>
+          </p:style>
+          <p:txBody>
+            <a:bodyPr rtlCol="0" anchor="ctr"/>
+            <a:lstStyle/>
+            <a:p>
+              <a:pPr algn="ctr"/>
+              <a:endParaRPr lang="en-US"/>
+            </a:p>
+          </p:txBody>
+        </p:sp>
+      </p:grpSp>
       <p:sp>
         <p:nvSpPr>
-          <p:cNvPr id="27" name="Rectangle 26">
+          <p:cNvPr id="2" name="Equals 1">
             <a:extLst>
               <a:ext uri="{FF2B5EF4-FFF2-40B4-BE49-F238E27FC236}">
-                <a16:creationId xmlns:a16="http://schemas.microsoft.com/office/drawing/2014/main" id="{130FD0E5-6466-7830-82D1-D0F07EB28C49}"/>
+                <a16:creationId xmlns:a16="http://schemas.microsoft.com/office/drawing/2014/main" id="{C34AB923-35CC-A863-9F81-558A61970F69}"/>
               </a:ext>
             </a:extLst>
           </p:cNvPr>
@@ -15899,24 +17268,38 @@
         </p:nvSpPr>
         <p:spPr>
           <a:xfrm>
-            <a:off x="765858" y="6472567"/>
-            <a:ext cx="3240912" cy="897171"/>
+            <a:off x="377425" y="3095431"/>
+            <a:ext cx="1364776" cy="1504676"/>
           </a:xfrm>
-          <a:prstGeom prst="rect">
+          <a:prstGeom prst="mathEqual">
             <a:avLst/>
           </a:prstGeom>
           <a:solidFill>
-            <a:srgbClr val="FF0000">
-              <a:alpha val="33000"/>
-            </a:srgbClr>
+            <a:schemeClr val="accent5">
+              <a:lumMod val="75000"/>
+            </a:schemeClr>
           </a:solidFill>
           <a:ln>
-            <a:solidFill>
-              <a:schemeClr val="accent2">
-                <a:lumMod val="50000"/>
-              </a:schemeClr>
-            </a:solidFill>
+            <a:noFill/>
           </a:ln>
+          <a:effectLst>
+            <a:outerShdw blurRad="44450" dist="27940" dir="5400000" algn="ctr">
+              <a:srgbClr val="000000">
+                <a:alpha val="32000"/>
+              </a:srgbClr>
+            </a:outerShdw>
+          </a:effectLst>
+          <a:scene3d>
+            <a:camera prst="orthographicFront">
+              <a:rot lat="0" lon="0" rev="0"/>
+            </a:camera>
+            <a:lightRig rig="balanced" dir="t">
+              <a:rot lat="0" lon="0" rev="8700000"/>
+            </a:lightRig>
+          </a:scene3d>
+          <a:sp3d>
+            <a:bevelT w="190500" h="38100"/>
+          </a:sp3d>
         </p:spPr>
         <p:style>
           <a:lnRef idx="2">
@@ -15943,6 +17326,137 @@
           </a:p>
         </p:txBody>
       </p:sp>
+      <p:sp>
+        <p:nvSpPr>
+          <p:cNvPr id="3" name="Plus Sign 2">
+            <a:extLst>
+              <a:ext uri="{FF2B5EF4-FFF2-40B4-BE49-F238E27FC236}">
+                <a16:creationId xmlns:a16="http://schemas.microsoft.com/office/drawing/2014/main" id="{DC7C7500-88A8-9926-ED5C-02CC147B628F}"/>
+              </a:ext>
+            </a:extLst>
+          </p:cNvPr>
+          <p:cNvSpPr/>
+          <p:nvPr/>
+        </p:nvSpPr>
+        <p:spPr>
+          <a:xfrm>
+            <a:off x="331733" y="847061"/>
+            <a:ext cx="1364776" cy="1364776"/>
+          </a:xfrm>
+          <a:prstGeom prst="mathPlus">
+            <a:avLst/>
+          </a:prstGeom>
+          <a:solidFill>
+            <a:schemeClr val="accent5">
+              <a:lumMod val="75000"/>
+            </a:schemeClr>
+          </a:solidFill>
+          <a:ln>
+            <a:noFill/>
+          </a:ln>
+          <a:effectLst>
+            <a:outerShdw blurRad="44450" dist="27940" dir="5400000" algn="ctr">
+              <a:srgbClr val="000000">
+                <a:alpha val="32000"/>
+              </a:srgbClr>
+            </a:outerShdw>
+          </a:effectLst>
+          <a:scene3d>
+            <a:camera prst="orthographicFront">
+              <a:rot lat="0" lon="0" rev="0"/>
+            </a:camera>
+            <a:lightRig rig="balanced" dir="t">
+              <a:rot lat="0" lon="0" rev="8700000"/>
+            </a:lightRig>
+          </a:scene3d>
+          <a:sp3d>
+            <a:bevelT w="190500" h="38100"/>
+          </a:sp3d>
+        </p:spPr>
+        <p:style>
+          <a:lnRef idx="2">
+            <a:schemeClr val="accent1">
+              <a:shade val="15000"/>
+            </a:schemeClr>
+          </a:lnRef>
+          <a:fillRef idx="1">
+            <a:schemeClr val="accent1"/>
+          </a:fillRef>
+          <a:effectRef idx="0">
+            <a:schemeClr val="accent1"/>
+          </a:effectRef>
+          <a:fontRef idx="minor">
+            <a:schemeClr val="lt1"/>
+          </a:fontRef>
+        </p:style>
+        <p:txBody>
+          <a:bodyPr rtlCol="0" anchor="ctr"/>
+          <a:lstStyle/>
+          <a:p>
+            <a:pPr algn="ctr"/>
+            <a:endParaRPr lang="en-US"/>
+          </a:p>
+        </p:txBody>
+      </p:sp>
+      <p:sp>
+        <p:nvSpPr>
+          <p:cNvPr id="10" name="Arrow: Right 9">
+            <a:extLst>
+              <a:ext uri="{FF2B5EF4-FFF2-40B4-BE49-F238E27FC236}">
+                <a16:creationId xmlns:a16="http://schemas.microsoft.com/office/drawing/2014/main" id="{35C227EE-CA2D-3C96-0D31-B28709C35D89}"/>
+              </a:ext>
+            </a:extLst>
+          </p:cNvPr>
+          <p:cNvSpPr/>
+          <p:nvPr/>
+        </p:nvSpPr>
+        <p:spPr>
+          <a:xfrm>
+            <a:off x="6365719" y="5352604"/>
+            <a:ext cx="1932972" cy="983848"/>
+          </a:xfrm>
+          <a:prstGeom prst="rightArrow">
+            <a:avLst/>
+          </a:prstGeom>
+          <a:solidFill>
+            <a:schemeClr val="bg1"/>
+          </a:solidFill>
+          <a:ln>
+            <a:noFill/>
+          </a:ln>
+          <a:effectLst>
+            <a:outerShdw blurRad="44450" dist="27940" dir="5400000" algn="ctr">
+              <a:srgbClr val="000000">
+                <a:alpha val="32000"/>
+              </a:srgbClr>
+            </a:outerShdw>
+          </a:effectLst>
+        </p:spPr>
+        <p:style>
+          <a:lnRef idx="2">
+            <a:schemeClr val="accent1">
+              <a:shade val="15000"/>
+            </a:schemeClr>
+          </a:lnRef>
+          <a:fillRef idx="1">
+            <a:schemeClr val="accent1"/>
+          </a:fillRef>
+          <a:effectRef idx="0">
+            <a:schemeClr val="accent1"/>
+          </a:effectRef>
+          <a:fontRef idx="minor">
+            <a:schemeClr val="lt1"/>
+          </a:fontRef>
+        </p:style>
+        <p:txBody>
+          <a:bodyPr rtlCol="0" anchor="ctr"/>
+          <a:lstStyle/>
+          <a:p>
+            <a:pPr algn="ctr"/>
+            <a:endParaRPr lang="en-US"/>
+          </a:p>
+        </p:txBody>
+      </p:sp>
     </p:spTree>
     <p:extLst>
       <p:ext uri="{BB962C8B-B14F-4D97-AF65-F5344CB8AC3E}">
@@ -15953,11 +17467,6 @@
   <p:clrMapOvr>
     <a:masterClrMapping/>
   </p:clrMapOvr>
-  <p:extLst>
-    <p:ext uri="{6950BFC3-D8DA-4A85-94F7-54DA5524770B}">
-      <p188:commentRel xmlns:p188="http://schemas.microsoft.com/office/powerpoint/2018/8/main" r:id="rId3"/>
-    </p:ext>
-  </p:extLst>
 </p:sld>
 </file>
 
@@ -15992,10 +17501,10 @@
         </p:nvGrpSpPr>
         <p:grpSpPr>
           <a:xfrm>
-            <a:off x="521472" y="1085127"/>
-            <a:ext cx="5236322" cy="4687746"/>
-            <a:chOff x="729205" y="601884"/>
-            <a:chExt cx="5236322" cy="4687746"/>
+            <a:off x="640289" y="983227"/>
+            <a:ext cx="5236322" cy="4285367"/>
+            <a:chOff x="729205" y="914395"/>
+            <a:chExt cx="5236322" cy="4285367"/>
           </a:xfrm>
         </p:grpSpPr>
         <p:sp>
@@ -16012,12 +17521,26 @@
           </p:nvSpPr>
           <p:spPr>
             <a:xfrm>
-              <a:off x="995423" y="601884"/>
+              <a:off x="995423" y="914395"/>
               <a:ext cx="4904772" cy="625033"/>
             </a:xfrm>
             <a:prstGeom prst="roundRect">
               <a:avLst/>
             </a:prstGeom>
+            <a:ln>
+              <a:solidFill>
+                <a:schemeClr val="accent1">
+                  <a:lumMod val="75000"/>
+                </a:schemeClr>
+              </a:solidFill>
+            </a:ln>
+            <a:effectLst>
+              <a:outerShdw blurRad="50800" dist="38100" dir="2700000" algn="tl" rotWithShape="0">
+                <a:prstClr val="black">
+                  <a:alpha val="40000"/>
+                </a:prstClr>
+              </a:outerShdw>
+            </a:effectLst>
           </p:spPr>
           <p:style>
             <a:lnRef idx="2">
@@ -16041,7 +17564,7 @@
             <a:p>
               <a:pPr algn="ctr"/>
               <a:r>
-                <a:rPr lang="en-AU" dirty="0"/>
+                <a:rPr lang="en-AU" sz="2400" dirty="0"/>
                 <a:t>Traditional Learning Models</a:t>
               </a:r>
             </a:p>
@@ -16061,8 +17584,8 @@
           </p:nvSpPr>
           <p:spPr>
             <a:xfrm>
-              <a:off x="995423" y="1799586"/>
-              <a:ext cx="4904772" cy="1169551"/>
+              <a:off x="995423" y="1682588"/>
+              <a:ext cx="4904772" cy="2152135"/>
             </a:xfrm>
             <a:prstGeom prst="roundRect">
               <a:avLst/>
@@ -16113,8 +17636,8 @@
           </p:nvSpPr>
           <p:spPr>
             <a:xfrm>
-              <a:off x="995423" y="3732835"/>
-              <a:ext cx="4970104" cy="1556795"/>
+              <a:off x="995423" y="4111073"/>
+              <a:ext cx="4970104" cy="1088689"/>
             </a:xfrm>
             <a:prstGeom prst="roundRect">
               <a:avLst/>
@@ -16165,8 +17688,8 @@
           </p:nvSpPr>
           <p:spPr>
             <a:xfrm>
-              <a:off x="729205" y="914400"/>
-              <a:ext cx="266218" cy="1145894"/>
+              <a:off x="729205" y="1262250"/>
+              <a:ext cx="266218" cy="1529518"/>
             </a:xfrm>
             <a:prstGeom prst="leftBracket">
               <a:avLst/>
@@ -16209,8 +17732,8 @@
           </p:nvSpPr>
           <p:spPr>
             <a:xfrm>
-              <a:off x="729205" y="914400"/>
-              <a:ext cx="266218" cy="3189642"/>
+              <a:off x="729205" y="1262250"/>
+              <a:ext cx="266218" cy="3420318"/>
             </a:xfrm>
             <a:prstGeom prst="leftBracket">
               <a:avLst/>
@@ -16253,8 +17776,8 @@
           </p:nvSpPr>
           <p:spPr>
             <a:xfrm>
-              <a:off x="995423" y="1865276"/>
-              <a:ext cx="4834359" cy="1069524"/>
+              <a:off x="1087007" y="1850379"/>
+              <a:ext cx="4834359" cy="1192634"/>
             </a:xfrm>
             <a:prstGeom prst="rect">
               <a:avLst/>
@@ -16265,61 +17788,45 @@
             <a:bodyPr wrap="square">
               <a:spAutoFit/>
             </a:bodyPr>
-            <a:lstStyle/>
-            <a:p>
-              <a:pPr marL="285750" indent="-285750">
+            <a:lstStyle>
+              <a:defPPr>
+                <a:defRPr lang="en-US"/>
+              </a:defPPr>
+              <a:lvl1pPr marL="285750" lvl="0" indent="-285750">
                 <a:spcAft>
                   <a:spcPts val="300"/>
                 </a:spcAft>
                 <a:buFont typeface="Arial" panose="020B0604020202020204" pitchFamily="34" charset="0"/>
                 <a:buChar char="•"/>
-              </a:pPr>
+                <a:defRPr sz="1600">
+                  <a:solidFill>
+                    <a:srgbClr val="156082"/>
+                  </a:solidFill>
+                </a:defRPr>
+              </a:lvl1pPr>
+            </a:lstStyle>
+            <a:p>
               <a:r>
-                <a:rPr lang="en-US" sz="1400" dirty="0"/>
-                <a:t>Support Vector Models(SVMs) have simple architectures</a:t>
+                <a:rPr lang="en-US" dirty="0"/>
+                <a:t>Simple architectures</a:t>
               </a:r>
             </a:p>
             <a:p>
-              <a:pPr marL="285750" indent="-285750">
-                <a:spcAft>
-                  <a:spcPts val="300"/>
-                </a:spcAft>
-                <a:buFont typeface="Arial" panose="020B0604020202020204" pitchFamily="34" charset="0"/>
-                <a:buChar char="•"/>
-              </a:pPr>
               <a:r>
-                <a:rPr lang="en-US" sz="1400" dirty="0"/>
-                <a:t>Cheaper to build and run</a:t>
+                <a:rPr lang="en-US" dirty="0"/>
+                <a:t>Cheap to build and run</a:t>
               </a:r>
             </a:p>
             <a:p>
-              <a:pPr marL="285750" indent="-285750">
-                <a:spcAft>
-                  <a:spcPts val="300"/>
-                </a:spcAft>
-                <a:buFont typeface="Arial" panose="020B0604020202020204" pitchFamily="34" charset="0"/>
-                <a:buChar char="•"/>
-              </a:pPr>
               <a:r>
-                <a:rPr lang="en-US" sz="1400" dirty="0"/>
-                <a:t>Can achieve great results with small data sets</a:t>
+                <a:rPr lang="en-US" dirty="0"/>
+                <a:t>Compatible with small data sets</a:t>
               </a:r>
             </a:p>
             <a:p>
-              <a:pPr marL="285750" indent="-285750">
-                <a:spcAft>
-                  <a:spcPts val="300"/>
-                </a:spcAft>
-                <a:buFont typeface="Arial" panose="020B0604020202020204" pitchFamily="34" charset="0"/>
-                <a:buChar char="•"/>
-              </a:pPr>
               <a:r>
-                <a:rPr lang="en-US" sz="1400" dirty="0" err="1"/>
-                <a:t>Utilise</a:t>
-              </a:r>
-              <a:r>
-                <a:rPr lang="en-US" sz="1400" dirty="0"/>
-                <a:t> simple features such as frequency of words</a:t>
+                <a:rPr lang="en-US" dirty="0"/>
+                <a:t>Utilise simple features such as word frequency</a:t>
               </a:r>
             </a:p>
           </p:txBody>
@@ -16338,8 +17845,8 @@
           </p:nvSpPr>
           <p:spPr>
             <a:xfrm>
-              <a:off x="1261641" y="3698523"/>
-              <a:ext cx="4514127" cy="1538883"/>
+              <a:off x="1190745" y="4238031"/>
+              <a:ext cx="4514127" cy="815608"/>
             </a:xfrm>
             <a:prstGeom prst="rect">
               <a:avLst/>
@@ -16350,73 +17857,41 @@
             <a:bodyPr wrap="square">
               <a:spAutoFit/>
             </a:bodyPr>
-            <a:lstStyle/>
-            <a:p>
-              <a:pPr lvl="0" algn="l">
+            <a:lstStyle>
+              <a:defPPr>
+                <a:defRPr lang="en-US"/>
+              </a:defPPr>
+              <a:lvl1pPr marL="285750" lvl="0" indent="-285750">
                 <a:spcAft>
                   <a:spcPts val="300"/>
                 </a:spcAft>
                 <a:buFont typeface="Arial" panose="020B0604020202020204" pitchFamily="34" charset="0"/>
+                <a:buChar char="•"/>
+                <a:defRPr sz="1600">
+                  <a:solidFill>
+                    <a:srgbClr val="156082"/>
+                  </a:solidFill>
+                </a:defRPr>
+              </a:lvl1pPr>
+            </a:lstStyle>
+            <a:p>
+              <a:pPr marL="0" indent="0">
                 <a:buNone/>
               </a:pPr>
               <a:r>
-                <a:rPr lang="en-AU" sz="1400" b="1" u="sng" dirty="0"/>
-                <a:t>Limitations </a:t>
-              </a:r>
-              <a:r>
-                <a:rPr lang="en-AU" sz="1400" dirty="0"/>
-                <a:t> </a:t>
+                <a:rPr lang="en-AU" b="1" dirty="0"/>
+                <a:t>Limitations  </a:t>
               </a:r>
             </a:p>
             <a:p>
-              <a:pPr marL="285750" lvl="0" indent="-285750" algn="l">
-                <a:spcAft>
-                  <a:spcPts val="300"/>
-                </a:spcAft>
-                <a:buFont typeface="Wingdings" panose="05000000000000000000" pitchFamily="2" charset="2"/>
-                <a:buChar char="§"/>
-              </a:pPr>
               <a:r>
-                <a:rPr lang="en-AU" sz="1400" dirty="0"/>
-                <a:t>Large data sets</a:t>
+                <a:rPr lang="en-AU" dirty="0"/>
+                <a:t>Large, unstructured, complex data sets</a:t>
               </a:r>
             </a:p>
             <a:p>
-              <a:pPr marL="285750" lvl="0" indent="-285750" algn="l">
-                <a:spcAft>
-                  <a:spcPts val="300"/>
-                </a:spcAft>
-                <a:buFont typeface="Wingdings" panose="05000000000000000000" pitchFamily="2" charset="2"/>
-                <a:buChar char="§"/>
-              </a:pPr>
               <a:r>
-                <a:rPr lang="en-AU" sz="1400" dirty="0"/>
-                <a:t>Unstructured data – requires carefully labelling of data</a:t>
-              </a:r>
-            </a:p>
-            <a:p>
-              <a:pPr marL="285750" lvl="0" indent="-285750" algn="l">
-                <a:spcAft>
-                  <a:spcPts val="300"/>
-                </a:spcAft>
-                <a:buFont typeface="Wingdings" panose="05000000000000000000" pitchFamily="2" charset="2"/>
-                <a:buChar char="§"/>
-              </a:pPr>
-              <a:r>
-                <a:rPr lang="en-AU" sz="1400" dirty="0"/>
-                <a:t>Complex data sources like social media</a:t>
-              </a:r>
-            </a:p>
-            <a:p>
-              <a:pPr marL="285750" lvl="0" indent="-285750" algn="l">
-                <a:spcAft>
-                  <a:spcPts val="300"/>
-                </a:spcAft>
-                <a:buFont typeface="Wingdings" panose="05000000000000000000" pitchFamily="2" charset="2"/>
-                <a:buChar char="§"/>
-              </a:pPr>
-              <a:r>
-                <a:rPr lang="en-AU" sz="1400" dirty="0"/>
+                <a:rPr lang="en-AU" dirty="0"/>
                 <a:t>Extensive manual feature engineering</a:t>
               </a:r>
             </a:p>
@@ -16437,10 +17912,10 @@
         </p:nvGrpSpPr>
         <p:grpSpPr>
           <a:xfrm>
-            <a:off x="6382827" y="1206096"/>
-            <a:ext cx="5287701" cy="4578713"/>
-            <a:chOff x="6657372" y="593805"/>
-            <a:chExt cx="5287701" cy="4578713"/>
+            <a:off x="6382827" y="977444"/>
+            <a:ext cx="5287701" cy="4271985"/>
+            <a:chOff x="6657372" y="900533"/>
+            <a:chExt cx="5287701" cy="4271985"/>
           </a:xfrm>
         </p:grpSpPr>
         <p:sp>
@@ -16509,8 +17984,8 @@
           </p:nvSpPr>
           <p:spPr>
             <a:xfrm>
-              <a:off x="6923590" y="1771319"/>
-              <a:ext cx="4904772" cy="1969770"/>
+              <a:off x="6931498" y="1818040"/>
+              <a:ext cx="4904772" cy="1931298"/>
             </a:xfrm>
             <a:prstGeom prst="rect">
               <a:avLst/>
@@ -16531,7 +18006,11 @@
                 <a:buChar char="•"/>
               </a:pPr>
               <a:r>
-                <a:rPr lang="en-AU" sz="1400" dirty="0"/>
+                <a:rPr lang="en-AU" sz="1600" dirty="0">
+                  <a:solidFill>
+                    <a:srgbClr val="156082"/>
+                  </a:solidFill>
+                </a:rPr>
                 <a:t>Complex architectures capture sequential, spatial and relational data</a:t>
               </a:r>
             </a:p>
@@ -16544,8 +18023,12 @@
                 <a:buChar char="•"/>
               </a:pPr>
               <a:r>
-                <a:rPr lang="en-AU" sz="1400" dirty="0"/>
-                <a:t>Able to automatically learn from more complex data including non-linear patterns of data </a:t>
+                <a:rPr lang="en-AU" sz="1600" dirty="0">
+                  <a:solidFill>
+                    <a:srgbClr val="156082"/>
+                  </a:solidFill>
+                </a:rPr>
+                <a:t>Compatible with complex datasets e.g. big data, non-linear, multi-dimensional</a:t>
               </a:r>
             </a:p>
             <a:p>
@@ -16557,8 +18040,28 @@
                 <a:buChar char="•"/>
               </a:pPr>
               <a:r>
-                <a:rPr lang="en-AU" sz="1400" dirty="0"/>
-                <a:t>Best with large, multi-dimensional data sets</a:t>
+                <a:rPr lang="en-AU" sz="1600" dirty="0">
+                  <a:solidFill>
+                    <a:srgbClr val="156082"/>
+                  </a:solidFill>
+                </a:rPr>
+                <a:t>More </a:t>
+              </a:r>
+              <a:r>
+                <a:rPr lang="en-AU" sz="1600" dirty="0" err="1">
+                  <a:solidFill>
+                    <a:srgbClr val="156082"/>
+                  </a:solidFill>
+                </a:rPr>
+                <a:t>scaleable</a:t>
+              </a:r>
+              <a:r>
+                <a:rPr lang="en-AU" sz="1600" dirty="0">
+                  <a:solidFill>
+                    <a:srgbClr val="156082"/>
+                  </a:solidFill>
+                </a:rPr>
+                <a:t> for an evolving fake news landscape </a:t>
               </a:r>
             </a:p>
             <a:p>
@@ -16570,21 +18073,12 @@
                 <a:buChar char="•"/>
               </a:pPr>
               <a:r>
-                <a:rPr lang="en-AU" sz="1400" dirty="0"/>
-                <a:t>More flexible and adaptable for an evolving fake news landscape – scalability </a:t>
-              </a:r>
-            </a:p>
-            <a:p>
-              <a:pPr marL="285750" lvl="0" indent="-285750" algn="l">
-                <a:spcAft>
-                  <a:spcPts val="300"/>
-                </a:spcAft>
-                <a:buFont typeface="Arial" panose="020B0604020202020204" pitchFamily="34" charset="0"/>
-                <a:buChar char="•"/>
-              </a:pPr>
-              <a:r>
-                <a:rPr lang="en-AU" sz="1400" dirty="0"/>
-                <a:t>High accuracy in detection of fake news </a:t>
+                <a:rPr lang="en-AU" sz="1600" dirty="0">
+                  <a:solidFill>
+                    <a:srgbClr val="156082"/>
+                  </a:solidFill>
+                </a:rPr>
+                <a:t>High accuracy</a:t>
               </a:r>
             </a:p>
           </p:txBody>
@@ -16655,12 +18149,26 @@
           </p:nvSpPr>
           <p:spPr>
             <a:xfrm>
-              <a:off x="6923590" y="593805"/>
+              <a:off x="6923590" y="900533"/>
               <a:ext cx="5021482" cy="625033"/>
             </a:xfrm>
             <a:prstGeom prst="roundRect">
               <a:avLst/>
             </a:prstGeom>
+            <a:ln>
+              <a:solidFill>
+                <a:schemeClr val="accent1">
+                  <a:lumMod val="75000"/>
+                </a:schemeClr>
+              </a:solidFill>
+            </a:ln>
+            <a:effectLst>
+              <a:outerShdw blurRad="50800" dist="38100" dir="2700000" algn="tl" rotWithShape="0">
+                <a:prstClr val="black">
+                  <a:alpha val="40000"/>
+                </a:prstClr>
+              </a:outerShdw>
+            </a:effectLst>
           </p:spPr>
           <p:style>
             <a:lnRef idx="2">
@@ -16684,7 +18192,7 @@
             <a:p>
               <a:pPr algn="ctr"/>
               <a:r>
-                <a:rPr lang="en-AU" dirty="0"/>
+                <a:rPr lang="en-AU" sz="2400" dirty="0"/>
                 <a:t>Deep  Learning Models</a:t>
               </a:r>
             </a:p>
@@ -16704,8 +18212,8 @@
           </p:nvSpPr>
           <p:spPr>
             <a:xfrm>
-              <a:off x="7192218" y="4102994"/>
-              <a:ext cx="1905483" cy="1069524"/>
+              <a:off x="7220447" y="4194675"/>
+              <a:ext cx="2888243" cy="907941"/>
             </a:xfrm>
             <a:prstGeom prst="rect">
               <a:avLst/>
@@ -16716,61 +18224,46 @@
             <a:bodyPr wrap="square">
               <a:spAutoFit/>
             </a:bodyPr>
-            <a:lstStyle/>
-            <a:p>
-              <a:pPr lvl="0" algn="l">
+            <a:lstStyle>
+              <a:defPPr>
+                <a:defRPr lang="en-US"/>
+              </a:defPPr>
+              <a:lvl1pPr marL="285750" lvl="0" indent="-285750">
                 <a:spcAft>
                   <a:spcPts val="300"/>
                 </a:spcAft>
                 <a:buFont typeface="Arial" panose="020B0604020202020204" pitchFamily="34" charset="0"/>
+                <a:buChar char="•"/>
+                <a:defRPr sz="1600">
+                  <a:solidFill>
+                    <a:srgbClr val="156082"/>
+                  </a:solidFill>
+                </a:defRPr>
+              </a:lvl1pPr>
+            </a:lstStyle>
+            <a:p>
+              <a:pPr marL="0" indent="0">
                 <a:buNone/>
               </a:pPr>
               <a:r>
-                <a:rPr lang="en-AU" sz="1400" b="1" u="sng" dirty="0"/>
-                <a:t>Limitations </a:t>
+                <a:rPr lang="en-AU" b="1" dirty="0"/>
+                <a:t>Limitations</a:t>
               </a:r>
               <a:r>
-                <a:rPr lang="en-AU" sz="1400" dirty="0"/>
-                <a:t> </a:t>
+                <a:rPr lang="en-AU" dirty="0"/>
+                <a:t>  </a:t>
               </a:r>
             </a:p>
             <a:p>
-              <a:pPr marL="285750" lvl="0" indent="-285750" algn="l">
-                <a:spcAft>
-                  <a:spcPts val="300"/>
-                </a:spcAft>
-                <a:buFont typeface="Wingdings" panose="05000000000000000000" pitchFamily="2" charset="2"/>
-                <a:buChar char="§"/>
-              </a:pPr>
               <a:r>
-                <a:rPr lang="en-AU" sz="1400" dirty="0"/>
+                <a:rPr lang="en-AU" dirty="0"/>
                 <a:t>Expense to run</a:t>
               </a:r>
             </a:p>
             <a:p>
-              <a:pPr marL="285750" lvl="0" indent="-285750" algn="l">
-                <a:spcAft>
-                  <a:spcPts val="300"/>
-                </a:spcAft>
-                <a:buFont typeface="Wingdings" panose="05000000000000000000" pitchFamily="2" charset="2"/>
-                <a:buChar char="§"/>
-              </a:pPr>
               <a:r>
-                <a:rPr lang="en-AU" sz="1400" dirty="0"/>
-                <a:t>Build Time</a:t>
-              </a:r>
-            </a:p>
-            <a:p>
-              <a:pPr marL="285750" lvl="0" indent="-285750" algn="l">
-                <a:spcAft>
-                  <a:spcPts val="300"/>
-                </a:spcAft>
-                <a:buFont typeface="Wingdings" panose="05000000000000000000" pitchFamily="2" charset="2"/>
-                <a:buChar char="§"/>
-              </a:pPr>
-              <a:r>
-                <a:rPr lang="en-AU" sz="1400" dirty="0"/>
-                <a:t>Run Time</a:t>
+                <a:rPr lang="en-AU" dirty="0"/>
+                <a:t>Build and Run Time</a:t>
               </a:r>
             </a:p>
           </p:txBody>
@@ -16789,8 +18282,8 @@
           </p:nvSpPr>
           <p:spPr>
             <a:xfrm>
-              <a:off x="6657372" y="913351"/>
-              <a:ext cx="266218" cy="3546397"/>
+              <a:off x="6657372" y="1167359"/>
+              <a:ext cx="266218" cy="3514161"/>
             </a:xfrm>
             <a:prstGeom prst="leftBracket">
               <a:avLst/>
@@ -16820,441 +18313,448 @@
           </p:txBody>
         </p:sp>
       </p:grpSp>
-      <p:grpSp>
-        <p:nvGrpSpPr>
-          <p:cNvPr id="24" name="Group 23">
+      <p:sp>
+        <p:nvSpPr>
+          <p:cNvPr id="25" name="Rectangle: Rounded Corners 24">
             <a:extLst>
               <a:ext uri="{FF2B5EF4-FFF2-40B4-BE49-F238E27FC236}">
-                <a16:creationId xmlns:a16="http://schemas.microsoft.com/office/drawing/2014/main" id="{164F12CB-E613-F602-83F7-FBA76D5C08D8}"/>
+                <a16:creationId xmlns:a16="http://schemas.microsoft.com/office/drawing/2014/main" id="{C48A7839-DD49-C462-CF6B-CA1CBD3B61A8}"/>
               </a:ext>
             </a:extLst>
           </p:cNvPr>
-          <p:cNvGrpSpPr/>
+          <p:cNvSpPr/>
           <p:nvPr/>
-        </p:nvGrpSpPr>
-        <p:grpSpPr>
+        </p:nvSpPr>
+        <p:spPr>
           <a:xfrm>
-            <a:off x="1667164" y="-1129326"/>
-            <a:ext cx="3558194" cy="1650108"/>
-            <a:chOff x="3440683" y="258740"/>
-            <a:chExt cx="1350020" cy="883565"/>
+            <a:off x="906507" y="5344905"/>
+            <a:ext cx="4970104" cy="1468098"/>
           </a:xfrm>
+          <a:prstGeom prst="roundRect">
+            <a:avLst>
+              <a:gd name="adj" fmla="val 10000"/>
+            </a:avLst>
+          </a:prstGeom>
+          <a:solidFill>
+            <a:schemeClr val="accent2">
+              <a:lumMod val="40000"/>
+              <a:lumOff val="60000"/>
+            </a:schemeClr>
+          </a:solidFill>
+          <a:ln>
+            <a:noFill/>
+          </a:ln>
           <a:scene3d>
             <a:camera prst="orthographicFront"/>
             <a:lightRig rig="threePt" dir="t"/>
           </a:scene3d>
-        </p:grpSpPr>
-        <p:sp>
-          <p:nvSpPr>
-            <p:cNvPr id="25" name="Rectangle: Rounded Corners 24">
-              <a:extLst>
-                <a:ext uri="{FF2B5EF4-FFF2-40B4-BE49-F238E27FC236}">
-                  <a16:creationId xmlns:a16="http://schemas.microsoft.com/office/drawing/2014/main" id="{C48A7839-DD49-C462-CF6B-CA1CBD3B61A8}"/>
-                </a:ext>
-              </a:extLst>
-            </p:cNvPr>
-            <p:cNvSpPr/>
-            <p:nvPr/>
-          </p:nvSpPr>
-          <p:spPr>
-            <a:xfrm>
-              <a:off x="3440683" y="258740"/>
-              <a:ext cx="1350020" cy="883565"/>
-            </a:xfrm>
-            <a:prstGeom prst="roundRect">
-              <a:avLst>
-                <a:gd name="adj" fmla="val 10000"/>
-              </a:avLst>
-            </a:prstGeom>
-            <a:solidFill>
-              <a:schemeClr val="accent1">
-                <a:lumMod val="60000"/>
-                <a:lumOff val="40000"/>
-              </a:schemeClr>
-            </a:solidFill>
-            <a:ln>
-              <a:noFill/>
-            </a:ln>
-            <a:sp3d>
-              <a:bevelT w="139700" prst="cross"/>
-            </a:sp3d>
-          </p:spPr>
-          <p:style>
-            <a:lnRef idx="2">
-              <a:scrgbClr r="0" g="0" b="0"/>
-            </a:lnRef>
-            <a:fillRef idx="1">
-              <a:scrgbClr r="0" g="0" b="0"/>
-            </a:fillRef>
-            <a:effectRef idx="0">
-              <a:schemeClr val="accent1">
-                <a:hueOff val="0"/>
-                <a:satOff val="0"/>
-                <a:lumOff val="0"/>
-                <a:alphaOff val="0"/>
-              </a:schemeClr>
-            </a:effectRef>
-            <a:fontRef idx="minor">
-              <a:schemeClr val="lt1"/>
-            </a:fontRef>
-          </p:style>
-          <p:txBody>
-            <a:bodyPr/>
-            <a:lstStyle/>
-            <a:p>
-              <a:endParaRPr lang="en-AU"/>
-            </a:p>
-          </p:txBody>
-        </p:sp>
-        <p:sp>
-          <p:nvSpPr>
-            <p:cNvPr id="26" name="Rectangle: Rounded Corners 4">
-              <a:extLst>
-                <a:ext uri="{FF2B5EF4-FFF2-40B4-BE49-F238E27FC236}">
-                  <a16:creationId xmlns:a16="http://schemas.microsoft.com/office/drawing/2014/main" id="{014DA2D1-495D-0C40-0798-6B4FD4B9644D}"/>
-                </a:ext>
-              </a:extLst>
-            </p:cNvPr>
-            <p:cNvSpPr txBox="1"/>
-            <p:nvPr/>
-          </p:nvSpPr>
-          <p:spPr>
-            <a:xfrm>
-              <a:off x="3466562" y="284619"/>
-              <a:ext cx="1298262" cy="831807"/>
-            </a:xfrm>
-            <a:prstGeom prst="rect">
-              <a:avLst/>
-            </a:prstGeom>
-            <a:sp3d/>
-          </p:spPr>
-          <p:style>
-            <a:lnRef idx="0">
-              <a:scrgbClr r="0" g="0" b="0"/>
-            </a:lnRef>
-            <a:fillRef idx="0">
-              <a:scrgbClr r="0" g="0" b="0"/>
-            </a:fillRef>
-            <a:effectRef idx="0">
-              <a:scrgbClr r="0" g="0" b="0"/>
-            </a:effectRef>
-            <a:fontRef idx="minor">
-              <a:schemeClr val="lt1"/>
-            </a:fontRef>
-          </p:style>
-          <p:txBody>
-            <a:bodyPr spcFirstLastPara="0" vert="horz" wrap="square" lIns="20955" tIns="13970" rIns="20955" bIns="13970" numCol="1" spcCol="1270" anchor="ctr" anchorCtr="0">
-              <a:noAutofit/>
-            </a:bodyPr>
-            <a:lstStyle/>
-            <a:p>
-              <a:pPr marL="0" lvl="0" indent="0" algn="ctr" defTabSz="488950">
-                <a:lnSpc>
-                  <a:spcPct val="90000"/>
-                </a:lnSpc>
-                <a:spcBef>
-                  <a:spcPct val="0"/>
-                </a:spcBef>
-                <a:spcAft>
-                  <a:spcPct val="35000"/>
-                </a:spcAft>
-                <a:buFont typeface="Arial" panose="020B0604020202020204" pitchFamily="34" charset="0"/>
-                <a:buNone/>
-              </a:pPr>
-              <a:r>
-                <a:rPr lang="en-AU" sz="1100" kern="1200" dirty="0"/>
-                <a:t>SVM</a:t>
-              </a:r>
-              <a:r>
-                <a:rPr lang="en-AU" sz="1100" kern="1200" baseline="0" dirty="0"/>
-                <a:t> = Support Vector Model</a:t>
-              </a:r>
-            </a:p>
-            <a:p>
-              <a:pPr marL="0" lvl="0" indent="0" algn="ctr" defTabSz="488950">
-                <a:lnSpc>
-                  <a:spcPct val="90000"/>
-                </a:lnSpc>
-                <a:spcBef>
-                  <a:spcPct val="0"/>
-                </a:spcBef>
-                <a:spcAft>
-                  <a:spcPct val="35000"/>
-                </a:spcAft>
-                <a:buFont typeface="Arial" panose="020B0604020202020204" pitchFamily="34" charset="0"/>
-                <a:buNone/>
-              </a:pPr>
-              <a:r>
-                <a:rPr lang="en-AU" sz="1100" kern="1200" baseline="0" dirty="0"/>
-                <a:t>Naïve Bayes</a:t>
-              </a:r>
-            </a:p>
-            <a:p>
-              <a:pPr marL="0" lvl="0" indent="0" algn="ctr" defTabSz="488950">
-                <a:lnSpc>
-                  <a:spcPct val="90000"/>
-                </a:lnSpc>
-                <a:spcBef>
-                  <a:spcPct val="0"/>
-                </a:spcBef>
-                <a:spcAft>
-                  <a:spcPct val="35000"/>
-                </a:spcAft>
-                <a:buFont typeface="Arial" panose="020B0604020202020204" pitchFamily="34" charset="0"/>
-                <a:buNone/>
-              </a:pPr>
-              <a:r>
-                <a:rPr lang="en-AU" sz="1100" kern="1200" baseline="0" dirty="0"/>
-                <a:t>Decision Trees </a:t>
-              </a:r>
-            </a:p>
-            <a:p>
-              <a:pPr marL="0" lvl="0" indent="0" algn="ctr" defTabSz="488950">
-                <a:lnSpc>
-                  <a:spcPct val="90000"/>
-                </a:lnSpc>
-                <a:spcBef>
-                  <a:spcPct val="0"/>
-                </a:spcBef>
-                <a:spcAft>
-                  <a:spcPct val="35000"/>
-                </a:spcAft>
-                <a:buFont typeface="Arial" panose="020B0604020202020204" pitchFamily="34" charset="0"/>
-                <a:buNone/>
-              </a:pPr>
-              <a:r>
-                <a:rPr lang="en-AU" sz="1100" kern="1200" baseline="0" dirty="0"/>
-                <a:t>Radom Forest</a:t>
-              </a:r>
-            </a:p>
-            <a:p>
-              <a:pPr marL="0" lvl="0" indent="0" algn="ctr" defTabSz="488950">
-                <a:lnSpc>
-                  <a:spcPct val="90000"/>
-                </a:lnSpc>
-                <a:spcBef>
-                  <a:spcPct val="0"/>
-                </a:spcBef>
-                <a:spcAft>
-                  <a:spcPct val="35000"/>
-                </a:spcAft>
-                <a:buFont typeface="Arial" panose="020B0604020202020204" pitchFamily="34" charset="0"/>
-                <a:buNone/>
-              </a:pPr>
-              <a:r>
-                <a:rPr lang="en-AU" sz="1100" dirty="0"/>
-                <a:t>Logistic Regression</a:t>
-              </a:r>
-              <a:endParaRPr lang="en-AU" sz="1100" kern="1200" dirty="0"/>
-            </a:p>
-          </p:txBody>
-        </p:sp>
-      </p:grpSp>
-      <p:grpSp>
-        <p:nvGrpSpPr>
-          <p:cNvPr id="27" name="Group 26">
+          <a:sp3d>
+            <a:bevelT w="139700" prst="cross"/>
+          </a:sp3d>
+        </p:spPr>
+        <p:style>
+          <a:lnRef idx="2">
+            <a:scrgbClr r="0" g="0" b="0"/>
+          </a:lnRef>
+          <a:fillRef idx="1">
+            <a:scrgbClr r="0" g="0" b="0"/>
+          </a:fillRef>
+          <a:effectRef idx="0">
+            <a:schemeClr val="accent1">
+              <a:hueOff val="0"/>
+              <a:satOff val="0"/>
+              <a:lumOff val="0"/>
+              <a:alphaOff val="0"/>
+            </a:schemeClr>
+          </a:effectRef>
+          <a:fontRef idx="minor">
+            <a:schemeClr val="lt1"/>
+          </a:fontRef>
+        </p:style>
+        <p:txBody>
+          <a:bodyPr/>
+          <a:lstStyle/>
+          <a:p>
+            <a:endParaRPr lang="en-AU" sz="1600"/>
+          </a:p>
+        </p:txBody>
+      </p:sp>
+      <p:sp>
+        <p:nvSpPr>
+          <p:cNvPr id="26" name="Rectangle: Rounded Corners 4">
             <a:extLst>
               <a:ext uri="{FF2B5EF4-FFF2-40B4-BE49-F238E27FC236}">
-                <a16:creationId xmlns:a16="http://schemas.microsoft.com/office/drawing/2014/main" id="{EC77729F-3555-15F1-63D7-4A117B31AB6A}"/>
+                <a16:creationId xmlns:a16="http://schemas.microsoft.com/office/drawing/2014/main" id="{014DA2D1-495D-0C40-0798-6B4FD4B9644D}"/>
               </a:ext>
             </a:extLst>
           </p:cNvPr>
-          <p:cNvGrpSpPr/>
+          <p:cNvSpPr txBox="1"/>
           <p:nvPr/>
-        </p:nvGrpSpPr>
-        <p:grpSpPr>
+        </p:nvSpPr>
+        <p:spPr>
           <a:xfrm>
-            <a:off x="9771122" y="-878573"/>
-            <a:ext cx="1864488" cy="1399355"/>
-            <a:chOff x="8539163" y="444065"/>
-            <a:chExt cx="1466889" cy="965588"/>
+            <a:off x="815331" y="5413344"/>
+            <a:ext cx="5199878" cy="1345750"/>
           </a:xfrm>
-        </p:grpSpPr>
-        <p:sp>
-          <p:nvSpPr>
-            <p:cNvPr id="28" name="Rectangle: Rounded Corners 27">
-              <a:extLst>
-                <a:ext uri="{FF2B5EF4-FFF2-40B4-BE49-F238E27FC236}">
-                  <a16:creationId xmlns:a16="http://schemas.microsoft.com/office/drawing/2014/main" id="{0A5D946D-368E-75CE-1CAF-D7447501A8EA}"/>
-                </a:ext>
-              </a:extLst>
-            </p:cNvPr>
-            <p:cNvSpPr/>
-            <p:nvPr/>
-          </p:nvSpPr>
-          <p:spPr>
-            <a:xfrm>
-              <a:off x="8539163" y="444065"/>
-              <a:ext cx="1466889" cy="965588"/>
-            </a:xfrm>
-            <a:prstGeom prst="roundRect">
-              <a:avLst>
-                <a:gd name="adj" fmla="val 10000"/>
-              </a:avLst>
-            </a:prstGeom>
-            <a:solidFill>
-              <a:schemeClr val="accent1">
-                <a:lumMod val="60000"/>
-                <a:lumOff val="40000"/>
-              </a:schemeClr>
-            </a:solidFill>
-            <a:scene3d>
-              <a:camera prst="orthographicFront"/>
-              <a:lightRig rig="threePt" dir="t"/>
-            </a:scene3d>
-            <a:sp3d>
-              <a:bevelT w="139700" prst="cross"/>
-            </a:sp3d>
-          </p:spPr>
-          <p:style>
-            <a:lnRef idx="2">
-              <a:schemeClr val="lt1">
-                <a:hueOff val="0"/>
-                <a:satOff val="0"/>
-                <a:lumOff val="0"/>
-                <a:alphaOff val="0"/>
-              </a:schemeClr>
-            </a:lnRef>
-            <a:fillRef idx="1">
-              <a:schemeClr val="accent1">
-                <a:hueOff val="0"/>
-                <a:satOff val="0"/>
-                <a:lumOff val="0"/>
-                <a:alphaOff val="0"/>
-              </a:schemeClr>
-            </a:fillRef>
-            <a:effectRef idx="0">
-              <a:schemeClr val="accent1">
-                <a:hueOff val="0"/>
-                <a:satOff val="0"/>
-                <a:lumOff val="0"/>
-                <a:alphaOff val="0"/>
-              </a:schemeClr>
-            </a:effectRef>
-            <a:fontRef idx="minor">
-              <a:schemeClr val="lt1"/>
-            </a:fontRef>
-          </p:style>
-          <p:txBody>
-            <a:bodyPr/>
-            <a:lstStyle/>
-            <a:p>
-              <a:endParaRPr lang="en-AU"/>
-            </a:p>
-          </p:txBody>
-        </p:sp>
-        <p:sp>
-          <p:nvSpPr>
-            <p:cNvPr id="29" name="Rectangle: Rounded Corners 4">
-              <a:extLst>
-                <a:ext uri="{FF2B5EF4-FFF2-40B4-BE49-F238E27FC236}">
-                  <a16:creationId xmlns:a16="http://schemas.microsoft.com/office/drawing/2014/main" id="{47F002A8-CE87-8589-C995-0BF3C72639E0}"/>
-                </a:ext>
-              </a:extLst>
-            </p:cNvPr>
-            <p:cNvSpPr txBox="1"/>
-            <p:nvPr/>
-          </p:nvSpPr>
-          <p:spPr>
-            <a:xfrm>
-              <a:off x="8567444" y="472346"/>
-              <a:ext cx="1410327" cy="909026"/>
-            </a:xfrm>
-            <a:prstGeom prst="rect">
-              <a:avLst/>
-            </a:prstGeom>
-            <a:scene3d>
-              <a:camera prst="orthographicFront"/>
-              <a:lightRig rig="threePt" dir="t"/>
-            </a:scene3d>
-            <a:sp3d>
-              <a:bevelT w="165100" prst="coolSlant"/>
-            </a:sp3d>
-          </p:spPr>
-          <p:style>
-            <a:lnRef idx="0">
-              <a:scrgbClr r="0" g="0" b="0"/>
-            </a:lnRef>
-            <a:fillRef idx="0">
-              <a:scrgbClr r="0" g="0" b="0"/>
-            </a:fillRef>
-            <a:effectRef idx="0">
-              <a:scrgbClr r="0" g="0" b="0"/>
-            </a:effectRef>
-            <a:fontRef idx="minor">
-              <a:schemeClr val="lt1"/>
-            </a:fontRef>
-          </p:style>
-          <p:txBody>
-            <a:bodyPr spcFirstLastPara="0" vert="horz" wrap="square" lIns="20955" tIns="13970" rIns="20955" bIns="13970" numCol="1" spcCol="1270" anchor="ctr" anchorCtr="0">
-              <a:noAutofit/>
-            </a:bodyPr>
-            <a:lstStyle/>
-            <a:p>
-              <a:pPr marL="0" lvl="0" indent="0" algn="ctr" defTabSz="488950">
-                <a:lnSpc>
-                  <a:spcPct val="90000"/>
-                </a:lnSpc>
-                <a:spcBef>
-                  <a:spcPct val="0"/>
-                </a:spcBef>
-                <a:spcAft>
-                  <a:spcPts val="200"/>
-                </a:spcAft>
-                <a:buFont typeface="Arial" panose="020B0604020202020204" pitchFamily="34" charset="0"/>
-                <a:buNone/>
-              </a:pPr>
-              <a:r>
-                <a:rPr lang="en-AU" sz="1100" kern="1200" dirty="0"/>
-                <a:t>LSTM</a:t>
-              </a:r>
-              <a:r>
-                <a:rPr lang="en-AU" sz="1100" kern="1200" baseline="0" dirty="0"/>
-                <a:t> = Long Short-Term Memory</a:t>
-              </a:r>
-            </a:p>
-            <a:p>
-              <a:pPr marL="0" lvl="0" indent="0" algn="ctr" defTabSz="488950">
-                <a:lnSpc>
-                  <a:spcPct val="90000"/>
-                </a:lnSpc>
-                <a:spcBef>
-                  <a:spcPct val="0"/>
-                </a:spcBef>
-                <a:spcAft>
-                  <a:spcPts val="200"/>
-                </a:spcAft>
-                <a:buFont typeface="Arial" panose="020B0604020202020204" pitchFamily="34" charset="0"/>
-                <a:buNone/>
-              </a:pPr>
-              <a:r>
-                <a:rPr lang="en-AU" sz="1100" kern="1200" baseline="0" dirty="0"/>
-                <a:t>RNN = Recurrent Neural network</a:t>
-              </a:r>
-            </a:p>
-            <a:p>
-              <a:pPr marL="0" lvl="0" indent="0" algn="ctr" defTabSz="488950">
-                <a:lnSpc>
-                  <a:spcPct val="90000"/>
-                </a:lnSpc>
-                <a:spcBef>
-                  <a:spcPct val="0"/>
-                </a:spcBef>
-                <a:spcAft>
-                  <a:spcPts val="200"/>
-                </a:spcAft>
-                <a:buFont typeface="Arial" panose="020B0604020202020204" pitchFamily="34" charset="0"/>
-                <a:buNone/>
-              </a:pPr>
-              <a:r>
-                <a:rPr lang="en-AU" sz="1100" kern="1200" baseline="0" dirty="0"/>
-                <a:t>CNN = Convolutional Neural Network</a:t>
-              </a:r>
-              <a:endParaRPr lang="en-AU" sz="1100" kern="1200" dirty="0"/>
-            </a:p>
-          </p:txBody>
-        </p:sp>
-      </p:grpSp>
+          <a:prstGeom prst="rect">
+            <a:avLst/>
+          </a:prstGeom>
+          <a:scene3d>
+            <a:camera prst="orthographicFront"/>
+            <a:lightRig rig="threePt" dir="t"/>
+          </a:scene3d>
+          <a:sp3d/>
+        </p:spPr>
+        <p:style>
+          <a:lnRef idx="0">
+            <a:scrgbClr r="0" g="0" b="0"/>
+          </a:lnRef>
+          <a:fillRef idx="0">
+            <a:scrgbClr r="0" g="0" b="0"/>
+          </a:fillRef>
+          <a:effectRef idx="0">
+            <a:scrgbClr r="0" g="0" b="0"/>
+          </a:effectRef>
+          <a:fontRef idx="minor">
+            <a:schemeClr val="lt1"/>
+          </a:fontRef>
+        </p:style>
+        <p:txBody>
+          <a:bodyPr spcFirstLastPara="0" vert="horz" wrap="square" lIns="20955" tIns="13970" rIns="20955" bIns="13970" numCol="1" spcCol="1270" anchor="ctr" anchorCtr="0">
+            <a:noAutofit/>
+          </a:bodyPr>
+          <a:lstStyle/>
+          <a:p>
+            <a:pPr marL="0" lvl="0" indent="0" algn="ctr" defTabSz="488950">
+              <a:lnSpc>
+                <a:spcPct val="90000"/>
+              </a:lnSpc>
+              <a:spcBef>
+                <a:spcPct val="0"/>
+              </a:spcBef>
+              <a:spcAft>
+                <a:spcPct val="35000"/>
+              </a:spcAft>
+              <a:buFont typeface="Arial" panose="020B0604020202020204" pitchFamily="34" charset="0"/>
+              <a:buNone/>
+            </a:pPr>
+            <a:r>
+              <a:rPr lang="en-AU" sz="1400" kern="1200" baseline="0" dirty="0">
+                <a:solidFill>
+                  <a:schemeClr val="accent2">
+                    <a:lumMod val="50000"/>
+                  </a:schemeClr>
+                </a:solidFill>
+              </a:rPr>
+              <a:t>Support Vector Model</a:t>
+            </a:r>
+          </a:p>
+          <a:p>
+            <a:pPr marL="0" lvl="0" indent="0" algn="ctr" defTabSz="488950">
+              <a:lnSpc>
+                <a:spcPct val="90000"/>
+              </a:lnSpc>
+              <a:spcBef>
+                <a:spcPct val="0"/>
+              </a:spcBef>
+              <a:spcAft>
+                <a:spcPct val="35000"/>
+              </a:spcAft>
+              <a:buFont typeface="Arial" panose="020B0604020202020204" pitchFamily="34" charset="0"/>
+              <a:buNone/>
+            </a:pPr>
+            <a:r>
+              <a:rPr lang="en-AU" sz="1400" kern="1200" baseline="0" dirty="0">
+                <a:solidFill>
+                  <a:schemeClr val="accent2">
+                    <a:lumMod val="50000"/>
+                  </a:schemeClr>
+                </a:solidFill>
+              </a:rPr>
+              <a:t>Naïve Bayes</a:t>
+            </a:r>
+          </a:p>
+          <a:p>
+            <a:pPr marL="0" lvl="0" indent="0" algn="ctr" defTabSz="488950">
+              <a:lnSpc>
+                <a:spcPct val="90000"/>
+              </a:lnSpc>
+              <a:spcBef>
+                <a:spcPct val="0"/>
+              </a:spcBef>
+              <a:spcAft>
+                <a:spcPct val="35000"/>
+              </a:spcAft>
+              <a:buFont typeface="Arial" panose="020B0604020202020204" pitchFamily="34" charset="0"/>
+              <a:buNone/>
+            </a:pPr>
+            <a:r>
+              <a:rPr lang="en-AU" sz="1400" kern="1200" baseline="0" dirty="0">
+                <a:solidFill>
+                  <a:schemeClr val="accent2">
+                    <a:lumMod val="50000"/>
+                  </a:schemeClr>
+                </a:solidFill>
+              </a:rPr>
+              <a:t>Decision Trees </a:t>
+            </a:r>
+          </a:p>
+          <a:p>
+            <a:pPr marL="0" lvl="0" indent="0" algn="ctr" defTabSz="488950">
+              <a:lnSpc>
+                <a:spcPct val="90000"/>
+              </a:lnSpc>
+              <a:spcBef>
+                <a:spcPct val="0"/>
+              </a:spcBef>
+              <a:spcAft>
+                <a:spcPct val="35000"/>
+              </a:spcAft>
+              <a:buFont typeface="Arial" panose="020B0604020202020204" pitchFamily="34" charset="0"/>
+              <a:buNone/>
+            </a:pPr>
+            <a:r>
+              <a:rPr lang="en-AU" sz="1400" kern="1200" baseline="0" dirty="0">
+                <a:solidFill>
+                  <a:schemeClr val="accent2">
+                    <a:lumMod val="50000"/>
+                  </a:schemeClr>
+                </a:solidFill>
+              </a:rPr>
+              <a:t>Radom Forest</a:t>
+            </a:r>
+          </a:p>
+          <a:p>
+            <a:pPr marL="0" lvl="0" indent="0" algn="ctr" defTabSz="488950">
+              <a:lnSpc>
+                <a:spcPct val="90000"/>
+              </a:lnSpc>
+              <a:spcBef>
+                <a:spcPct val="0"/>
+              </a:spcBef>
+              <a:spcAft>
+                <a:spcPct val="35000"/>
+              </a:spcAft>
+              <a:buFont typeface="Arial" panose="020B0604020202020204" pitchFamily="34" charset="0"/>
+              <a:buNone/>
+            </a:pPr>
+            <a:r>
+              <a:rPr lang="en-AU" sz="1400" dirty="0">
+                <a:solidFill>
+                  <a:schemeClr val="accent2">
+                    <a:lumMod val="50000"/>
+                  </a:schemeClr>
+                </a:solidFill>
+              </a:rPr>
+              <a:t>Logistic Regression</a:t>
+            </a:r>
+            <a:endParaRPr lang="en-AU" sz="1400" kern="1200" dirty="0">
+              <a:solidFill>
+                <a:schemeClr val="accent2">
+                  <a:lumMod val="50000"/>
+                </a:schemeClr>
+              </a:solidFill>
+            </a:endParaRPr>
+          </a:p>
+        </p:txBody>
+      </p:sp>
+      <p:sp>
+        <p:nvSpPr>
+          <p:cNvPr id="28" name="Rectangle: Rounded Corners 27">
+            <a:extLst>
+              <a:ext uri="{FF2B5EF4-FFF2-40B4-BE49-F238E27FC236}">
+                <a16:creationId xmlns:a16="http://schemas.microsoft.com/office/drawing/2014/main" id="{0A5D946D-368E-75CE-1CAF-D7447501A8EA}"/>
+              </a:ext>
+            </a:extLst>
+          </p:cNvPr>
+          <p:cNvSpPr/>
+          <p:nvPr/>
+        </p:nvSpPr>
+        <p:spPr>
+          <a:xfrm>
+            <a:off x="6656952" y="5344905"/>
+            <a:ext cx="5021482" cy="1472035"/>
+          </a:xfrm>
+          <a:prstGeom prst="roundRect">
+            <a:avLst>
+              <a:gd name="adj" fmla="val 10000"/>
+            </a:avLst>
+          </a:prstGeom>
+          <a:solidFill>
+            <a:schemeClr val="accent2">
+              <a:lumMod val="40000"/>
+              <a:lumOff val="60000"/>
+            </a:schemeClr>
+          </a:solidFill>
+          <a:ln>
+            <a:noFill/>
+          </a:ln>
+          <a:scene3d>
+            <a:camera prst="orthographicFront"/>
+            <a:lightRig rig="threePt" dir="t"/>
+          </a:scene3d>
+          <a:sp3d>
+            <a:bevelT w="139700" prst="cross"/>
+          </a:sp3d>
+        </p:spPr>
+        <p:style>
+          <a:lnRef idx="2">
+            <a:scrgbClr r="0" g="0" b="0"/>
+          </a:lnRef>
+          <a:fillRef idx="1">
+            <a:scrgbClr r="0" g="0" b="0"/>
+          </a:fillRef>
+          <a:effectRef idx="0">
+            <a:schemeClr val="accent1">
+              <a:hueOff val="0"/>
+              <a:satOff val="0"/>
+              <a:lumOff val="0"/>
+              <a:alphaOff val="0"/>
+            </a:schemeClr>
+          </a:effectRef>
+          <a:fontRef idx="minor">
+            <a:schemeClr val="lt1"/>
+          </a:fontRef>
+        </p:style>
+        <p:txBody>
+          <a:bodyPr/>
+          <a:lstStyle/>
+          <a:p>
+            <a:endParaRPr lang="en-AU" sz="1600"/>
+          </a:p>
+        </p:txBody>
+      </p:sp>
+      <p:sp>
+        <p:nvSpPr>
+          <p:cNvPr id="29" name="Rectangle: Rounded Corners 4">
+            <a:extLst>
+              <a:ext uri="{FF2B5EF4-FFF2-40B4-BE49-F238E27FC236}">
+                <a16:creationId xmlns:a16="http://schemas.microsoft.com/office/drawing/2014/main" id="{47F002A8-CE87-8589-C995-0BF3C72639E0}"/>
+              </a:ext>
+            </a:extLst>
+          </p:cNvPr>
+          <p:cNvSpPr txBox="1"/>
+          <p:nvPr/>
+        </p:nvSpPr>
+        <p:spPr>
+          <a:xfrm>
+            <a:off x="6730024" y="5526911"/>
+            <a:ext cx="5099028" cy="1264606"/>
+          </a:xfrm>
+          <a:prstGeom prst="rect">
+            <a:avLst/>
+          </a:prstGeom>
+          <a:scene3d>
+            <a:camera prst="orthographicFront"/>
+            <a:lightRig rig="threePt" dir="t"/>
+          </a:scene3d>
+          <a:sp3d>
+            <a:bevelT w="165100" prst="coolSlant"/>
+          </a:sp3d>
+        </p:spPr>
+        <p:style>
+          <a:lnRef idx="0">
+            <a:scrgbClr r="0" g="0" b="0"/>
+          </a:lnRef>
+          <a:fillRef idx="0">
+            <a:scrgbClr r="0" g="0" b="0"/>
+          </a:fillRef>
+          <a:effectRef idx="0">
+            <a:scrgbClr r="0" g="0" b="0"/>
+          </a:effectRef>
+          <a:fontRef idx="minor">
+            <a:schemeClr val="lt1"/>
+          </a:fontRef>
+        </p:style>
+        <p:txBody>
+          <a:bodyPr spcFirstLastPara="0" vert="horz" wrap="square" lIns="20955" tIns="13970" rIns="20955" bIns="13970" numCol="1" spcCol="1270" anchor="ctr" anchorCtr="0">
+            <a:noAutofit/>
+          </a:bodyPr>
+          <a:lstStyle/>
+          <a:p>
+            <a:pPr marL="0" lvl="0" indent="0" algn="ctr" defTabSz="488950">
+              <a:lnSpc>
+                <a:spcPct val="90000"/>
+              </a:lnSpc>
+              <a:spcBef>
+                <a:spcPct val="0"/>
+              </a:spcBef>
+              <a:spcAft>
+                <a:spcPts val="200"/>
+              </a:spcAft>
+              <a:buFont typeface="Arial" panose="020B0604020202020204" pitchFamily="34" charset="0"/>
+              <a:buNone/>
+            </a:pPr>
+            <a:r>
+              <a:rPr lang="en-AU" sz="1400" kern="1200" baseline="0" dirty="0">
+                <a:solidFill>
+                  <a:schemeClr val="accent2">
+                    <a:lumMod val="50000"/>
+                  </a:schemeClr>
+                </a:solidFill>
+              </a:rPr>
+              <a:t>Long Short-Term Memory</a:t>
+            </a:r>
+          </a:p>
+          <a:p>
+            <a:pPr marL="0" lvl="0" indent="0" algn="ctr" defTabSz="488950">
+              <a:lnSpc>
+                <a:spcPct val="90000"/>
+              </a:lnSpc>
+              <a:spcBef>
+                <a:spcPct val="0"/>
+              </a:spcBef>
+              <a:spcAft>
+                <a:spcPts val="200"/>
+              </a:spcAft>
+              <a:buFont typeface="Arial" panose="020B0604020202020204" pitchFamily="34" charset="0"/>
+              <a:buNone/>
+            </a:pPr>
+            <a:r>
+              <a:rPr lang="en-AU" sz="1400" kern="1200" baseline="0" dirty="0">
+                <a:solidFill>
+                  <a:schemeClr val="accent2">
+                    <a:lumMod val="50000"/>
+                  </a:schemeClr>
+                </a:solidFill>
+              </a:rPr>
+              <a:t>Recurrent Neural network</a:t>
+            </a:r>
+          </a:p>
+          <a:p>
+            <a:pPr marL="0" lvl="0" indent="0" algn="ctr" defTabSz="488950">
+              <a:lnSpc>
+                <a:spcPct val="90000"/>
+              </a:lnSpc>
+              <a:spcBef>
+                <a:spcPct val="0"/>
+              </a:spcBef>
+              <a:spcAft>
+                <a:spcPts val="200"/>
+              </a:spcAft>
+              <a:buFont typeface="Arial" panose="020B0604020202020204" pitchFamily="34" charset="0"/>
+              <a:buNone/>
+            </a:pPr>
+            <a:r>
+              <a:rPr lang="en-AU" sz="1400" kern="1200" baseline="0" dirty="0">
+                <a:solidFill>
+                  <a:schemeClr val="accent2">
+                    <a:lumMod val="50000"/>
+                  </a:schemeClr>
+                </a:solidFill>
+              </a:rPr>
+              <a:t>Convolutional Neural Network</a:t>
+            </a:r>
+            <a:endParaRPr lang="en-AU" sz="1400" kern="1200" dirty="0">
+              <a:solidFill>
+                <a:schemeClr val="accent2">
+                  <a:lumMod val="50000"/>
+                </a:schemeClr>
+              </a:solidFill>
+            </a:endParaRPr>
+          </a:p>
+        </p:txBody>
+      </p:sp>
       <p:sp>
         <p:nvSpPr>
           <p:cNvPr id="9" name="Left Bracket 8">
@@ -17269,8 +18769,8 @@
         </p:nvSpPr>
         <p:spPr>
           <a:xfrm>
-            <a:off x="6386781" y="1518612"/>
-            <a:ext cx="266218" cy="1877368"/>
+            <a:off x="6386780" y="1244270"/>
+            <a:ext cx="262265" cy="1616329"/>
           </a:xfrm>
           <a:prstGeom prst="leftBracket">
             <a:avLst/>
@@ -17296,6 +18796,67 @@
           <a:p>
             <a:pPr algn="ctr"/>
             <a:endParaRPr lang="en-AU"/>
+          </a:p>
+        </p:txBody>
+      </p:sp>
+      <p:sp>
+        <p:nvSpPr>
+          <p:cNvPr id="12" name="Title 1">
+            <a:extLst>
+              <a:ext uri="{FF2B5EF4-FFF2-40B4-BE49-F238E27FC236}">
+                <a16:creationId xmlns:a16="http://schemas.microsoft.com/office/drawing/2014/main" id="{F3A761E7-A12D-5849-2616-C8DF1ECFBA00}"/>
+              </a:ext>
+            </a:extLst>
+          </p:cNvPr>
+          <p:cNvSpPr txBox="1">
+            <a:spLocks/>
+          </p:cNvSpPr>
+          <p:nvPr/>
+        </p:nvSpPr>
+        <p:spPr>
+          <a:xfrm>
+            <a:off x="0" y="-8876"/>
+            <a:ext cx="12191999" cy="963580"/>
+          </a:xfrm>
+          <a:prstGeom prst="rect">
+            <a:avLst/>
+          </a:prstGeom>
+          <a:solidFill>
+            <a:schemeClr val="tx1"/>
+          </a:solidFill>
+        </p:spPr>
+        <p:txBody>
+          <a:bodyPr anchor="b"/>
+          <a:lstStyle>
+            <a:lvl1pPr algn="l" defTabSz="914400" rtl="0" eaLnBrk="1" latinLnBrk="0" hangingPunct="1">
+              <a:lnSpc>
+                <a:spcPct val="90000"/>
+              </a:lnSpc>
+              <a:spcBef>
+                <a:spcPct val="0"/>
+              </a:spcBef>
+              <a:buNone/>
+              <a:defRPr sz="4400" kern="1200">
+                <a:solidFill>
+                  <a:schemeClr val="tx1"/>
+                </a:solidFill>
+                <a:latin typeface="+mj-lt"/>
+                <a:ea typeface="+mj-ea"/>
+                <a:cs typeface="+mj-cs"/>
+              </a:defRPr>
+            </a:lvl1pPr>
+          </a:lstStyle>
+          <a:p>
+            <a:r>
+              <a:rPr lang="en-AU" dirty="0">
+                <a:solidFill>
+                  <a:schemeClr val="bg1"/>
+                </a:solidFill>
+                <a:latin typeface="Posterama" panose="020B0504020200020000" pitchFamily="34" charset="0"/>
+                <a:cs typeface="Posterama" panose="020B0504020200020000" pitchFamily="34" charset="0"/>
+              </a:rPr>
+              <a:t>Modelling</a:t>
+            </a:r>
           </a:p>
         </p:txBody>
       </p:sp>
@@ -17329,1331 +18890,984 @@
           <a:chExt cx="0" cy="0"/>
         </a:xfrm>
       </p:grpSpPr>
-      <p:grpSp>
-        <p:nvGrpSpPr>
-          <p:cNvPr id="5" name="Group 4">
+      <p:graphicFrame>
+        <p:nvGraphicFramePr>
+          <p:cNvPr id="4" name="Table 3">
             <a:extLst>
               <a:ext uri="{FF2B5EF4-FFF2-40B4-BE49-F238E27FC236}">
-                <a16:creationId xmlns:a16="http://schemas.microsoft.com/office/drawing/2014/main" id="{2CC6C58D-ED1C-FEC3-B46A-3FA6AD0825E7}"/>
+                <a16:creationId xmlns:a16="http://schemas.microsoft.com/office/drawing/2014/main" id="{85826106-2449-C7D9-4380-38BE714D3451}"/>
               </a:ext>
             </a:extLst>
           </p:cNvPr>
-          <p:cNvGrpSpPr/>
-          <p:nvPr/>
-        </p:nvGrpSpPr>
-        <p:grpSpPr>
-          <a:xfrm>
-            <a:off x="521472" y="1085127"/>
-            <a:ext cx="5236322" cy="4687746"/>
-            <a:chOff x="729205" y="601884"/>
-            <a:chExt cx="5236322" cy="4687746"/>
-          </a:xfrm>
-        </p:grpSpPr>
-        <p:sp>
-          <p:nvSpPr>
-            <p:cNvPr id="2" name="Rectangle: Rounded Corners 1">
-              <a:extLst>
-                <a:ext uri="{FF2B5EF4-FFF2-40B4-BE49-F238E27FC236}">
-                  <a16:creationId xmlns:a16="http://schemas.microsoft.com/office/drawing/2014/main" id="{760E509C-F1BE-7854-498F-EA4862141DE3}"/>
-                </a:ext>
-              </a:extLst>
-            </p:cNvPr>
-            <p:cNvSpPr/>
-            <p:nvPr/>
-          </p:nvSpPr>
-          <p:spPr>
-            <a:xfrm>
-              <a:off x="995423" y="601884"/>
-              <a:ext cx="4904772" cy="625033"/>
-            </a:xfrm>
-            <a:prstGeom prst="roundRect">
-              <a:avLst/>
-            </a:prstGeom>
-          </p:spPr>
-          <p:style>
-            <a:lnRef idx="2">
-              <a:schemeClr val="accent1">
-                <a:shade val="15000"/>
-              </a:schemeClr>
-            </a:lnRef>
-            <a:fillRef idx="1">
-              <a:schemeClr val="accent1"/>
-            </a:fillRef>
-            <a:effectRef idx="0">
-              <a:schemeClr val="accent1"/>
-            </a:effectRef>
-            <a:fontRef idx="minor">
-              <a:schemeClr val="lt1"/>
-            </a:fontRef>
-          </p:style>
-          <p:txBody>
-            <a:bodyPr rtlCol="0" anchor="ctr"/>
-            <a:lstStyle/>
-            <a:p>
-              <a:pPr algn="ctr"/>
-              <a:r>
-                <a:rPr lang="en-AU" dirty="0"/>
-                <a:t>Traditional Learning Models</a:t>
-              </a:r>
-            </a:p>
-          </p:txBody>
-        </p:sp>
-        <p:sp>
-          <p:nvSpPr>
-            <p:cNvPr id="3" name="Rectangle: Rounded Corners 2">
-              <a:extLst>
-                <a:ext uri="{FF2B5EF4-FFF2-40B4-BE49-F238E27FC236}">
-                  <a16:creationId xmlns:a16="http://schemas.microsoft.com/office/drawing/2014/main" id="{E131F5BC-7EFE-2795-EB95-53A2CC0307A1}"/>
-                </a:ext>
-              </a:extLst>
-            </p:cNvPr>
-            <p:cNvSpPr/>
-            <p:nvPr/>
-          </p:nvSpPr>
-          <p:spPr>
-            <a:xfrm>
-              <a:off x="995423" y="1799586"/>
-              <a:ext cx="4904772" cy="1169551"/>
-            </a:xfrm>
-            <a:prstGeom prst="roundRect">
-              <a:avLst/>
-            </a:prstGeom>
-            <a:noFill/>
-            <a:ln w="19050">
-              <a:solidFill>
-                <a:schemeClr val="accent1"/>
-              </a:solidFill>
-            </a:ln>
-          </p:spPr>
-          <p:style>
-            <a:lnRef idx="2">
-              <a:schemeClr val="accent1">
-                <a:shade val="15000"/>
-              </a:schemeClr>
-            </a:lnRef>
-            <a:fillRef idx="1">
-              <a:schemeClr val="accent1"/>
-            </a:fillRef>
-            <a:effectRef idx="0">
-              <a:schemeClr val="accent1"/>
-            </a:effectRef>
-            <a:fontRef idx="minor">
-              <a:schemeClr val="lt1"/>
-            </a:fontRef>
-          </p:style>
-          <p:txBody>
-            <a:bodyPr rtlCol="0" anchor="ctr"/>
-            <a:lstStyle/>
-            <a:p>
-              <a:pPr algn="ctr"/>
-              <a:endParaRPr lang="en-AU"/>
-            </a:p>
-          </p:txBody>
-        </p:sp>
-        <p:sp>
-          <p:nvSpPr>
-            <p:cNvPr id="4" name="Rectangle: Rounded Corners 3">
-              <a:extLst>
-                <a:ext uri="{FF2B5EF4-FFF2-40B4-BE49-F238E27FC236}">
-                  <a16:creationId xmlns:a16="http://schemas.microsoft.com/office/drawing/2014/main" id="{BF02B596-DDDC-DCED-1C96-E90CD71781E8}"/>
-                </a:ext>
-              </a:extLst>
-            </p:cNvPr>
-            <p:cNvSpPr/>
-            <p:nvPr/>
-          </p:nvSpPr>
-          <p:spPr>
-            <a:xfrm>
-              <a:off x="995423" y="3732835"/>
-              <a:ext cx="4970104" cy="1556795"/>
-            </a:xfrm>
-            <a:prstGeom prst="roundRect">
-              <a:avLst/>
-            </a:prstGeom>
-            <a:noFill/>
-            <a:ln w="19050">
-              <a:solidFill>
-                <a:schemeClr val="accent1"/>
-              </a:solidFill>
-            </a:ln>
-          </p:spPr>
-          <p:style>
-            <a:lnRef idx="2">
-              <a:schemeClr val="accent1">
-                <a:shade val="15000"/>
-              </a:schemeClr>
-            </a:lnRef>
-            <a:fillRef idx="1">
-              <a:schemeClr val="accent1"/>
-            </a:fillRef>
-            <a:effectRef idx="0">
-              <a:schemeClr val="accent1"/>
-            </a:effectRef>
-            <a:fontRef idx="minor">
-              <a:schemeClr val="lt1"/>
-            </a:fontRef>
-          </p:style>
-          <p:txBody>
-            <a:bodyPr rtlCol="0" anchor="ctr"/>
-            <a:lstStyle/>
-            <a:p>
-              <a:pPr algn="ctr"/>
-              <a:endParaRPr lang="en-AU"/>
-            </a:p>
-          </p:txBody>
-        </p:sp>
-        <p:sp>
-          <p:nvSpPr>
-            <p:cNvPr id="10" name="Left Bracket 9">
-              <a:extLst>
-                <a:ext uri="{FF2B5EF4-FFF2-40B4-BE49-F238E27FC236}">
-                  <a16:creationId xmlns:a16="http://schemas.microsoft.com/office/drawing/2014/main" id="{0024BA28-FD47-91D3-09CC-AF04D7B38377}"/>
-                </a:ext>
-              </a:extLst>
-            </p:cNvPr>
-            <p:cNvSpPr/>
-            <p:nvPr/>
-          </p:nvSpPr>
-          <p:spPr>
-            <a:xfrm>
-              <a:off x="729205" y="914400"/>
-              <a:ext cx="266218" cy="1145894"/>
-            </a:xfrm>
-            <a:prstGeom prst="leftBracket">
-              <a:avLst/>
-            </a:prstGeom>
-          </p:spPr>
-          <p:style>
-            <a:lnRef idx="2">
-              <a:schemeClr val="accent1"/>
-            </a:lnRef>
-            <a:fillRef idx="0">
-              <a:schemeClr val="accent1"/>
-            </a:fillRef>
-            <a:effectRef idx="1">
-              <a:schemeClr val="accent1"/>
-            </a:effectRef>
-            <a:fontRef idx="minor">
-              <a:schemeClr val="tx1"/>
-            </a:fontRef>
-          </p:style>
-          <p:txBody>
-            <a:bodyPr rtlCol="0" anchor="ctr"/>
-            <a:lstStyle/>
-            <a:p>
-              <a:pPr algn="ctr"/>
-              <a:endParaRPr lang="en-AU"/>
-            </a:p>
-          </p:txBody>
-        </p:sp>
-        <p:sp>
-          <p:nvSpPr>
-            <p:cNvPr id="11" name="Left Bracket 10">
-              <a:extLst>
-                <a:ext uri="{FF2B5EF4-FFF2-40B4-BE49-F238E27FC236}">
-                  <a16:creationId xmlns:a16="http://schemas.microsoft.com/office/drawing/2014/main" id="{5ADA312E-5C81-2431-AE38-516F5B2E21FD}"/>
-                </a:ext>
-              </a:extLst>
-            </p:cNvPr>
-            <p:cNvSpPr/>
-            <p:nvPr/>
-          </p:nvSpPr>
-          <p:spPr>
-            <a:xfrm>
-              <a:off x="729205" y="914400"/>
-              <a:ext cx="266218" cy="3189642"/>
-            </a:xfrm>
-            <a:prstGeom prst="leftBracket">
-              <a:avLst/>
-            </a:prstGeom>
-          </p:spPr>
-          <p:style>
-            <a:lnRef idx="2">
-              <a:schemeClr val="accent1"/>
-            </a:lnRef>
-            <a:fillRef idx="0">
-              <a:schemeClr val="accent1"/>
-            </a:fillRef>
-            <a:effectRef idx="1">
-              <a:schemeClr val="accent1"/>
-            </a:effectRef>
-            <a:fontRef idx="minor">
-              <a:schemeClr val="tx1"/>
-            </a:fontRef>
-          </p:style>
-          <p:txBody>
-            <a:bodyPr rtlCol="0" anchor="ctr"/>
-            <a:lstStyle/>
-            <a:p>
-              <a:pPr algn="ctr"/>
-              <a:endParaRPr lang="en-AU"/>
-            </a:p>
-          </p:txBody>
-        </p:sp>
-        <p:sp>
-          <p:nvSpPr>
-            <p:cNvPr id="15" name="TextBox 14">
-              <a:extLst>
-                <a:ext uri="{FF2B5EF4-FFF2-40B4-BE49-F238E27FC236}">
-                  <a16:creationId xmlns:a16="http://schemas.microsoft.com/office/drawing/2014/main" id="{343798C5-2604-FA19-0767-23BCFC1FBC3E}"/>
-                </a:ext>
-              </a:extLst>
-            </p:cNvPr>
-            <p:cNvSpPr txBox="1"/>
-            <p:nvPr/>
-          </p:nvSpPr>
-          <p:spPr>
-            <a:xfrm>
-              <a:off x="995423" y="1865276"/>
-              <a:ext cx="4834359" cy="1069524"/>
-            </a:xfrm>
-            <a:prstGeom prst="rect">
-              <a:avLst/>
-            </a:prstGeom>
-            <a:noFill/>
-          </p:spPr>
-          <p:txBody>
-            <a:bodyPr wrap="square">
-              <a:spAutoFit/>
-            </a:bodyPr>
-            <a:lstStyle/>
-            <a:p>
-              <a:pPr marL="285750" indent="-285750">
-                <a:spcAft>
-                  <a:spcPts val="300"/>
-                </a:spcAft>
-                <a:buFont typeface="Arial" panose="020B0604020202020204" pitchFamily="34" charset="0"/>
-                <a:buChar char="•"/>
-              </a:pPr>
-              <a:r>
-                <a:rPr lang="en-US" sz="1400" dirty="0"/>
-                <a:t>Support Vector Models(SVMs) have simple architectures</a:t>
-              </a:r>
-            </a:p>
-            <a:p>
-              <a:pPr marL="285750" indent="-285750">
-                <a:spcAft>
-                  <a:spcPts val="300"/>
-                </a:spcAft>
-                <a:buFont typeface="Arial" panose="020B0604020202020204" pitchFamily="34" charset="0"/>
-                <a:buChar char="•"/>
-              </a:pPr>
-              <a:r>
-                <a:rPr lang="en-US" sz="1400" dirty="0"/>
-                <a:t>Cheaper to build and run</a:t>
-              </a:r>
-            </a:p>
-            <a:p>
-              <a:pPr marL="285750" indent="-285750">
-                <a:spcAft>
-                  <a:spcPts val="300"/>
-                </a:spcAft>
-                <a:buFont typeface="Arial" panose="020B0604020202020204" pitchFamily="34" charset="0"/>
-                <a:buChar char="•"/>
-              </a:pPr>
-              <a:r>
-                <a:rPr lang="en-US" sz="1400" dirty="0"/>
-                <a:t>Can achieve great results with small data sets</a:t>
-              </a:r>
-            </a:p>
-            <a:p>
-              <a:pPr marL="285750" indent="-285750">
-                <a:spcAft>
-                  <a:spcPts val="300"/>
-                </a:spcAft>
-                <a:buFont typeface="Arial" panose="020B0604020202020204" pitchFamily="34" charset="0"/>
-                <a:buChar char="•"/>
-              </a:pPr>
-              <a:r>
-                <a:rPr lang="en-US" sz="1400" dirty="0" err="1"/>
-                <a:t>Utilise</a:t>
-              </a:r>
-              <a:r>
-                <a:rPr lang="en-US" sz="1400" dirty="0"/>
-                <a:t> simple features such as frequency of words</a:t>
-              </a:r>
-            </a:p>
-          </p:txBody>
-        </p:sp>
-        <p:sp>
-          <p:nvSpPr>
-            <p:cNvPr id="17" name="TextBox 16">
-              <a:extLst>
-                <a:ext uri="{FF2B5EF4-FFF2-40B4-BE49-F238E27FC236}">
-                  <a16:creationId xmlns:a16="http://schemas.microsoft.com/office/drawing/2014/main" id="{8491C307-C6AA-24F7-5BE8-A886954A2C3F}"/>
-                </a:ext>
-              </a:extLst>
-            </p:cNvPr>
-            <p:cNvSpPr txBox="1"/>
-            <p:nvPr/>
-          </p:nvSpPr>
-          <p:spPr>
-            <a:xfrm>
-              <a:off x="1261641" y="3698523"/>
-              <a:ext cx="4514127" cy="1538883"/>
-            </a:xfrm>
-            <a:prstGeom prst="rect">
-              <a:avLst/>
-            </a:prstGeom>
-            <a:noFill/>
-          </p:spPr>
-          <p:txBody>
-            <a:bodyPr wrap="square">
-              <a:spAutoFit/>
-            </a:bodyPr>
-            <a:lstStyle/>
-            <a:p>
-              <a:pPr lvl="0" algn="l">
-                <a:spcAft>
-                  <a:spcPts val="300"/>
-                </a:spcAft>
-                <a:buFont typeface="Arial" panose="020B0604020202020204" pitchFamily="34" charset="0"/>
-                <a:buNone/>
-              </a:pPr>
-              <a:r>
-                <a:rPr lang="en-AU" sz="1400" b="1" u="sng" dirty="0"/>
-                <a:t>Limitations </a:t>
-              </a:r>
-              <a:r>
-                <a:rPr lang="en-AU" sz="1400" dirty="0"/>
-                <a:t> </a:t>
-              </a:r>
-            </a:p>
-            <a:p>
-              <a:pPr marL="285750" lvl="0" indent="-285750" algn="l">
-                <a:spcAft>
-                  <a:spcPts val="300"/>
-                </a:spcAft>
-                <a:buFont typeface="Wingdings" panose="05000000000000000000" pitchFamily="2" charset="2"/>
-                <a:buChar char="§"/>
-              </a:pPr>
-              <a:r>
-                <a:rPr lang="en-AU" sz="1400" dirty="0"/>
-                <a:t>Large data sets</a:t>
-              </a:r>
-            </a:p>
-            <a:p>
-              <a:pPr marL="285750" lvl="0" indent="-285750" algn="l">
-                <a:spcAft>
-                  <a:spcPts val="300"/>
-                </a:spcAft>
-                <a:buFont typeface="Wingdings" panose="05000000000000000000" pitchFamily="2" charset="2"/>
-                <a:buChar char="§"/>
-              </a:pPr>
-              <a:r>
-                <a:rPr lang="en-AU" sz="1400" dirty="0"/>
-                <a:t>Unstructured data – requires carefully labelling of data</a:t>
-              </a:r>
-            </a:p>
-            <a:p>
-              <a:pPr marL="285750" lvl="0" indent="-285750" algn="l">
-                <a:spcAft>
-                  <a:spcPts val="300"/>
-                </a:spcAft>
-                <a:buFont typeface="Wingdings" panose="05000000000000000000" pitchFamily="2" charset="2"/>
-                <a:buChar char="§"/>
-              </a:pPr>
-              <a:r>
-                <a:rPr lang="en-AU" sz="1400" dirty="0"/>
-                <a:t>Complex data sources like social media</a:t>
-              </a:r>
-            </a:p>
-            <a:p>
-              <a:pPr marL="285750" lvl="0" indent="-285750" algn="l">
-                <a:spcAft>
-                  <a:spcPts val="300"/>
-                </a:spcAft>
-                <a:buFont typeface="Wingdings" panose="05000000000000000000" pitchFamily="2" charset="2"/>
-                <a:buChar char="§"/>
-              </a:pPr>
-              <a:r>
-                <a:rPr lang="en-AU" sz="1400" dirty="0"/>
-                <a:t>Extensive manual feature engineering</a:t>
-              </a:r>
-            </a:p>
-          </p:txBody>
-        </p:sp>
-      </p:grpSp>
-      <p:grpSp>
-        <p:nvGrpSpPr>
-          <p:cNvPr id="31" name="Group 30">
+          <p:cNvGraphicFramePr>
+            <a:graphicFrameLocks noGrp="1"/>
+          </p:cNvGraphicFramePr>
+          <p:nvPr>
+            <p:extLst>
+              <p:ext uri="{D42A27DB-BD31-4B8C-83A1-F6EECF244321}">
+                <p14:modId xmlns:p14="http://schemas.microsoft.com/office/powerpoint/2010/main" val="214227801"/>
+              </p:ext>
+            </p:extLst>
+          </p:nvPr>
+        </p:nvGraphicFramePr>
+        <p:xfrm>
+          <a:off x="2118166" y="1225472"/>
+          <a:ext cx="7569846" cy="4139390"/>
+        </p:xfrm>
+        <a:graphic>
+          <a:graphicData uri="http://schemas.openxmlformats.org/drawingml/2006/table">
+            <a:tbl>
+              <a:tblPr firstRow="1" bandRow="1">
+                <a:tableStyleId>{5C22544A-7EE6-4342-B048-85BDC9FD1C3A}</a:tableStyleId>
+              </a:tblPr>
+              <a:tblGrid>
+                <a:gridCol w="1261641">
+                  <a:extLst>
+                    <a:ext uri="{9D8B030D-6E8A-4147-A177-3AD203B41FA5}">
+                      <a16:colId xmlns:a16="http://schemas.microsoft.com/office/drawing/2014/main" val="3102286299"/>
+                    </a:ext>
+                  </a:extLst>
+                </a:gridCol>
+                <a:gridCol w="1261641">
+                  <a:extLst>
+                    <a:ext uri="{9D8B030D-6E8A-4147-A177-3AD203B41FA5}">
+                      <a16:colId xmlns:a16="http://schemas.microsoft.com/office/drawing/2014/main" val="852225984"/>
+                    </a:ext>
+                  </a:extLst>
+                </a:gridCol>
+                <a:gridCol w="1261641">
+                  <a:extLst>
+                    <a:ext uri="{9D8B030D-6E8A-4147-A177-3AD203B41FA5}">
+                      <a16:colId xmlns:a16="http://schemas.microsoft.com/office/drawing/2014/main" val="1156486878"/>
+                    </a:ext>
+                  </a:extLst>
+                </a:gridCol>
+                <a:gridCol w="1261641">
+                  <a:extLst>
+                    <a:ext uri="{9D8B030D-6E8A-4147-A177-3AD203B41FA5}">
+                      <a16:colId xmlns:a16="http://schemas.microsoft.com/office/drawing/2014/main" val="3197284154"/>
+                    </a:ext>
+                  </a:extLst>
+                </a:gridCol>
+                <a:gridCol w="1261641">
+                  <a:extLst>
+                    <a:ext uri="{9D8B030D-6E8A-4147-A177-3AD203B41FA5}">
+                      <a16:colId xmlns:a16="http://schemas.microsoft.com/office/drawing/2014/main" val="453940589"/>
+                    </a:ext>
+                  </a:extLst>
+                </a:gridCol>
+                <a:gridCol w="1261641">
+                  <a:extLst>
+                    <a:ext uri="{9D8B030D-6E8A-4147-A177-3AD203B41FA5}">
+                      <a16:colId xmlns:a16="http://schemas.microsoft.com/office/drawing/2014/main" val="151999660"/>
+                    </a:ext>
+                  </a:extLst>
+                </a:gridCol>
+              </a:tblGrid>
+              <a:tr h="903922">
+                <a:tc>
+                  <a:txBody>
+                    <a:bodyPr/>
+                    <a:lstStyle/>
+                    <a:p>
+                      <a:pPr marL="0" algn="ctr" defTabSz="914400" rtl="0" eaLnBrk="1" latinLnBrk="0" hangingPunct="1"/>
+                      <a:r>
+                        <a:rPr lang="en-US" sz="1600" b="1" kern="1200" dirty="0">
+                          <a:solidFill>
+                            <a:schemeClr val="lt1"/>
+                          </a:solidFill>
+                          <a:latin typeface="+mn-lt"/>
+                          <a:ea typeface="+mn-ea"/>
+                          <a:cs typeface="+mn-cs"/>
+                        </a:rPr>
+                        <a:t>Models Used</a:t>
+                      </a:r>
+                    </a:p>
+                  </a:txBody>
+                  <a:tcPr anchor="ctr"/>
+                </a:tc>
+                <a:tc>
+                  <a:txBody>
+                    <a:bodyPr/>
+                    <a:lstStyle/>
+                    <a:p>
+                      <a:pPr algn="ctr"/>
+                      <a:r>
+                        <a:rPr lang="en-US" sz="1600" dirty="0"/>
+                        <a:t>Logistic Regression</a:t>
+                      </a:r>
+                    </a:p>
+                  </a:txBody>
+                  <a:tcPr anchor="ctr"/>
+                </a:tc>
+                <a:tc>
+                  <a:txBody>
+                    <a:bodyPr/>
+                    <a:lstStyle/>
+                    <a:p>
+                      <a:pPr algn="ctr"/>
+                      <a:r>
+                        <a:rPr lang="en-US" sz="1600" dirty="0"/>
+                        <a:t>SVM</a:t>
+                      </a:r>
+                    </a:p>
+                  </a:txBody>
+                  <a:tcPr anchor="ctr"/>
+                </a:tc>
+                <a:tc>
+                  <a:txBody>
+                    <a:bodyPr/>
+                    <a:lstStyle/>
+                    <a:p>
+                      <a:pPr algn="ctr"/>
+                      <a:r>
+                        <a:rPr lang="en-US" sz="1600" dirty="0"/>
+                        <a:t>Random Forest</a:t>
+                      </a:r>
+                    </a:p>
+                  </a:txBody>
+                  <a:tcPr anchor="ctr"/>
+                </a:tc>
+                <a:tc>
+                  <a:txBody>
+                    <a:bodyPr/>
+                    <a:lstStyle/>
+                    <a:p>
+                      <a:pPr algn="ctr"/>
+                      <a:r>
+                        <a:rPr lang="en-US" sz="1600" dirty="0"/>
+                        <a:t>Decision Tree</a:t>
+                      </a:r>
+                    </a:p>
+                  </a:txBody>
+                  <a:tcPr anchor="ctr"/>
+                </a:tc>
+                <a:tc>
+                  <a:txBody>
+                    <a:bodyPr/>
+                    <a:lstStyle/>
+                    <a:p>
+                      <a:pPr algn="ctr"/>
+                      <a:r>
+                        <a:rPr lang="en-US" sz="1600" dirty="0"/>
+                        <a:t>KNN</a:t>
+                      </a:r>
+                    </a:p>
+                  </a:txBody>
+                  <a:tcPr anchor="ctr"/>
+                </a:tc>
+                <a:extLst>
+                  <a:ext uri="{0D108BD9-81ED-4DB2-BD59-A6C34878D82A}">
+                    <a16:rowId xmlns:a16="http://schemas.microsoft.com/office/drawing/2014/main" val="2808552791"/>
+                  </a:ext>
+                </a:extLst>
+              </a:tr>
+              <a:tr h="808867">
+                <a:tc>
+                  <a:txBody>
+                    <a:bodyPr/>
+                    <a:lstStyle/>
+                    <a:p>
+                      <a:pPr algn="ctr"/>
+                      <a:r>
+                        <a:rPr lang="en-US" sz="1200" dirty="0"/>
+                        <a:t>SPEED</a:t>
+                      </a:r>
+                    </a:p>
+                  </a:txBody>
+                  <a:tcPr anchor="ctr"/>
+                </a:tc>
+                <a:tc>
+                  <a:txBody>
+                    <a:bodyPr/>
+                    <a:lstStyle/>
+                    <a:p>
+                      <a:endParaRPr lang="en-US" sz="1200" dirty="0"/>
+                    </a:p>
+                  </a:txBody>
+                  <a:tcPr>
+                    <a:solidFill>
+                      <a:srgbClr val="00B050"/>
+                    </a:solidFill>
+                  </a:tcPr>
+                </a:tc>
+                <a:tc>
+                  <a:txBody>
+                    <a:bodyPr/>
+                    <a:lstStyle/>
+                    <a:p>
+                      <a:endParaRPr lang="en-US" sz="1200" dirty="0"/>
+                    </a:p>
+                  </a:txBody>
+                  <a:tcPr>
+                    <a:solidFill>
+                      <a:srgbClr val="92D050"/>
+                    </a:solidFill>
+                  </a:tcPr>
+                </a:tc>
+                <a:tc>
+                  <a:txBody>
+                    <a:bodyPr/>
+                    <a:lstStyle/>
+                    <a:p>
+                      <a:endParaRPr lang="en-US" sz="1200" dirty="0"/>
+                    </a:p>
+                  </a:txBody>
+                  <a:tcPr>
+                    <a:solidFill>
+                      <a:srgbClr val="FF0000"/>
+                    </a:solidFill>
+                  </a:tcPr>
+                </a:tc>
+                <a:tc>
+                  <a:txBody>
+                    <a:bodyPr/>
+                    <a:lstStyle/>
+                    <a:p>
+                      <a:endParaRPr lang="en-US" sz="1200" dirty="0"/>
+                    </a:p>
+                  </a:txBody>
+                  <a:tcPr>
+                    <a:solidFill>
+                      <a:srgbClr val="FFFF00"/>
+                    </a:solidFill>
+                  </a:tcPr>
+                </a:tc>
+                <a:tc>
+                  <a:txBody>
+                    <a:bodyPr/>
+                    <a:lstStyle/>
+                    <a:p>
+                      <a:endParaRPr lang="en-US" sz="1200" dirty="0"/>
+                    </a:p>
+                  </a:txBody>
+                  <a:tcPr>
+                    <a:solidFill>
+                      <a:srgbClr val="FFC000"/>
+                    </a:solidFill>
+                  </a:tcPr>
+                </a:tc>
+                <a:extLst>
+                  <a:ext uri="{0D108BD9-81ED-4DB2-BD59-A6C34878D82A}">
+                    <a16:rowId xmlns:a16="http://schemas.microsoft.com/office/drawing/2014/main" val="4224713131"/>
+                  </a:ext>
+                </a:extLst>
+              </a:tr>
+              <a:tr h="808867">
+                <a:tc>
+                  <a:txBody>
+                    <a:bodyPr/>
+                    <a:lstStyle/>
+                    <a:p>
+                      <a:pPr algn="ctr"/>
+                      <a:r>
+                        <a:rPr lang="en-US" sz="1200" dirty="0"/>
+                        <a:t>INTERPRETABILITY</a:t>
+                      </a:r>
+                    </a:p>
+                  </a:txBody>
+                  <a:tcPr anchor="ctr"/>
+                </a:tc>
+                <a:tc>
+                  <a:txBody>
+                    <a:bodyPr/>
+                    <a:lstStyle/>
+                    <a:p>
+                      <a:endParaRPr lang="en-US" sz="1200" dirty="0"/>
+                    </a:p>
+                  </a:txBody>
+                  <a:tcPr>
+                    <a:solidFill>
+                      <a:srgbClr val="92D050"/>
+                    </a:solidFill>
+                  </a:tcPr>
+                </a:tc>
+                <a:tc>
+                  <a:txBody>
+                    <a:bodyPr/>
+                    <a:lstStyle/>
+                    <a:p>
+                      <a:endParaRPr lang="en-US" sz="1200" dirty="0"/>
+                    </a:p>
+                  </a:txBody>
+                  <a:tcPr>
+                    <a:solidFill>
+                      <a:srgbClr val="00B050"/>
+                    </a:solidFill>
+                  </a:tcPr>
+                </a:tc>
+                <a:tc>
+                  <a:txBody>
+                    <a:bodyPr/>
+                    <a:lstStyle/>
+                    <a:p>
+                      <a:endParaRPr lang="en-US" sz="1200" dirty="0"/>
+                    </a:p>
+                  </a:txBody>
+                  <a:tcPr>
+                    <a:solidFill>
+                      <a:srgbClr val="FFC000"/>
+                    </a:solidFill>
+                  </a:tcPr>
+                </a:tc>
+                <a:tc>
+                  <a:txBody>
+                    <a:bodyPr/>
+                    <a:lstStyle/>
+                    <a:p>
+                      <a:endParaRPr lang="en-US" sz="1200" dirty="0"/>
+                    </a:p>
+                  </a:txBody>
+                  <a:tcPr>
+                    <a:solidFill>
+                      <a:srgbClr val="FF0000"/>
+                    </a:solidFill>
+                  </a:tcPr>
+                </a:tc>
+                <a:tc>
+                  <a:txBody>
+                    <a:bodyPr/>
+                    <a:lstStyle/>
+                    <a:p>
+                      <a:endParaRPr lang="en-US" sz="1200" dirty="0"/>
+                    </a:p>
+                  </a:txBody>
+                  <a:tcPr>
+                    <a:solidFill>
+                      <a:srgbClr val="FFFF00"/>
+                    </a:solidFill>
+                  </a:tcPr>
+                </a:tc>
+                <a:extLst>
+                  <a:ext uri="{0D108BD9-81ED-4DB2-BD59-A6C34878D82A}">
+                    <a16:rowId xmlns:a16="http://schemas.microsoft.com/office/drawing/2014/main" val="2676160316"/>
+                  </a:ext>
+                </a:extLst>
+              </a:tr>
+              <a:tr h="808867">
+                <a:tc>
+                  <a:txBody>
+                    <a:bodyPr/>
+                    <a:lstStyle/>
+                    <a:p>
+                      <a:pPr algn="ctr"/>
+                      <a:r>
+                        <a:rPr lang="en-US" sz="1200" dirty="0"/>
+                        <a:t>HANDLING </a:t>
+                      </a:r>
+                    </a:p>
+                    <a:p>
+                      <a:pPr algn="ctr"/>
+                      <a:r>
+                        <a:rPr lang="en-US" sz="1200" dirty="0"/>
+                        <a:t>NON-LINEARITY</a:t>
+                      </a:r>
+                    </a:p>
+                  </a:txBody>
+                  <a:tcPr anchor="ctr"/>
+                </a:tc>
+                <a:tc>
+                  <a:txBody>
+                    <a:bodyPr/>
+                    <a:lstStyle/>
+                    <a:p>
+                      <a:endParaRPr lang="en-US" sz="1200" dirty="0"/>
+                    </a:p>
+                  </a:txBody>
+                  <a:tcPr>
+                    <a:solidFill>
+                      <a:srgbClr val="FF0000"/>
+                    </a:solidFill>
+                  </a:tcPr>
+                </a:tc>
+                <a:tc>
+                  <a:txBody>
+                    <a:bodyPr/>
+                    <a:lstStyle/>
+                    <a:p>
+                      <a:endParaRPr lang="en-US" sz="1200" dirty="0"/>
+                    </a:p>
+                  </a:txBody>
+                  <a:tcPr>
+                    <a:solidFill>
+                      <a:srgbClr val="00B050"/>
+                    </a:solidFill>
+                  </a:tcPr>
+                </a:tc>
+                <a:tc>
+                  <a:txBody>
+                    <a:bodyPr/>
+                    <a:lstStyle/>
+                    <a:p>
+                      <a:endParaRPr lang="en-US" sz="1200" dirty="0"/>
+                    </a:p>
+                  </a:txBody>
+                  <a:tcPr>
+                    <a:solidFill>
+                      <a:srgbClr val="92D050"/>
+                    </a:solidFill>
+                  </a:tcPr>
+                </a:tc>
+                <a:tc>
+                  <a:txBody>
+                    <a:bodyPr/>
+                    <a:lstStyle/>
+                    <a:p>
+                      <a:endParaRPr lang="en-US" sz="1200" dirty="0"/>
+                    </a:p>
+                  </a:txBody>
+                  <a:tcPr>
+                    <a:solidFill>
+                      <a:srgbClr val="FFC000"/>
+                    </a:solidFill>
+                  </a:tcPr>
+                </a:tc>
+                <a:tc>
+                  <a:txBody>
+                    <a:bodyPr/>
+                    <a:lstStyle/>
+                    <a:p>
+                      <a:endParaRPr lang="en-US" sz="1200" dirty="0"/>
+                    </a:p>
+                  </a:txBody>
+                  <a:tcPr>
+                    <a:solidFill>
+                      <a:srgbClr val="FFFF00"/>
+                    </a:solidFill>
+                  </a:tcPr>
+                </a:tc>
+                <a:extLst>
+                  <a:ext uri="{0D108BD9-81ED-4DB2-BD59-A6C34878D82A}">
+                    <a16:rowId xmlns:a16="http://schemas.microsoft.com/office/drawing/2014/main" val="3937645088"/>
+                  </a:ext>
+                </a:extLst>
+              </a:tr>
+              <a:tr h="808867">
+                <a:tc>
+                  <a:txBody>
+                    <a:bodyPr/>
+                    <a:lstStyle/>
+                    <a:p>
+                      <a:pPr algn="ctr"/>
+                      <a:r>
+                        <a:rPr lang="en-US" sz="1200" dirty="0"/>
+                        <a:t>OVERFITTING RISK</a:t>
+                      </a:r>
+                    </a:p>
+                  </a:txBody>
+                  <a:tcPr anchor="ctr"/>
+                </a:tc>
+                <a:tc>
+                  <a:txBody>
+                    <a:bodyPr/>
+                    <a:lstStyle/>
+                    <a:p>
+                      <a:endParaRPr lang="en-US" sz="1200" dirty="0"/>
+                    </a:p>
+                  </a:txBody>
+                  <a:tcPr>
+                    <a:solidFill>
+                      <a:srgbClr val="92D050"/>
+                    </a:solidFill>
+                  </a:tcPr>
+                </a:tc>
+                <a:tc>
+                  <a:txBody>
+                    <a:bodyPr/>
+                    <a:lstStyle/>
+                    <a:p>
+                      <a:endParaRPr lang="en-US" sz="1200" dirty="0"/>
+                    </a:p>
+                  </a:txBody>
+                  <a:tcPr>
+                    <a:solidFill>
+                      <a:srgbClr val="FFFF00"/>
+                    </a:solidFill>
+                  </a:tcPr>
+                </a:tc>
+                <a:tc>
+                  <a:txBody>
+                    <a:bodyPr/>
+                    <a:lstStyle/>
+                    <a:p>
+                      <a:endParaRPr lang="en-US" sz="1200" dirty="0"/>
+                    </a:p>
+                  </a:txBody>
+                  <a:tcPr>
+                    <a:solidFill>
+                      <a:srgbClr val="00B050"/>
+                    </a:solidFill>
+                  </a:tcPr>
+                </a:tc>
+                <a:tc>
+                  <a:txBody>
+                    <a:bodyPr/>
+                    <a:lstStyle/>
+                    <a:p>
+                      <a:endParaRPr lang="en-US" sz="1200" dirty="0"/>
+                    </a:p>
+                  </a:txBody>
+                  <a:tcPr>
+                    <a:solidFill>
+                      <a:srgbClr val="FF0000"/>
+                    </a:solidFill>
+                  </a:tcPr>
+                </a:tc>
+                <a:tc>
+                  <a:txBody>
+                    <a:bodyPr/>
+                    <a:lstStyle/>
+                    <a:p>
+                      <a:endParaRPr lang="en-US" sz="1200" dirty="0"/>
+                    </a:p>
+                  </a:txBody>
+                  <a:tcPr>
+                    <a:solidFill>
+                      <a:srgbClr val="FFC000"/>
+                    </a:solidFill>
+                  </a:tcPr>
+                </a:tc>
+                <a:extLst>
+                  <a:ext uri="{0D108BD9-81ED-4DB2-BD59-A6C34878D82A}">
+                    <a16:rowId xmlns:a16="http://schemas.microsoft.com/office/drawing/2014/main" val="1099997969"/>
+                  </a:ext>
+                </a:extLst>
+              </a:tr>
+            </a:tbl>
+          </a:graphicData>
+        </a:graphic>
+      </p:graphicFrame>
+      <p:sp>
+        <p:nvSpPr>
+          <p:cNvPr id="7" name="TextBox 6">
             <a:extLst>
               <a:ext uri="{FF2B5EF4-FFF2-40B4-BE49-F238E27FC236}">
-                <a16:creationId xmlns:a16="http://schemas.microsoft.com/office/drawing/2014/main" id="{4E63E5CF-7A0C-5D35-B56F-9E0EB2DDB947}"/>
+                <a16:creationId xmlns:a16="http://schemas.microsoft.com/office/drawing/2014/main" id="{D5A32B8E-9471-A4D0-ECC7-E3832579F7AC}"/>
               </a:ext>
             </a:extLst>
           </p:cNvPr>
-          <p:cNvGrpSpPr/>
-          <p:nvPr/>
-        </p:nvGrpSpPr>
-        <p:grpSpPr>
-          <a:xfrm>
-            <a:off x="6382827" y="1206096"/>
-            <a:ext cx="5287701" cy="4578713"/>
-            <a:chOff x="6657372" y="593805"/>
-            <a:chExt cx="5287701" cy="4578713"/>
-          </a:xfrm>
-        </p:grpSpPr>
-        <p:sp>
-          <p:nvSpPr>
-            <p:cNvPr id="6" name="Rectangle: Rounded Corners 5">
-              <a:extLst>
-                <a:ext uri="{FF2B5EF4-FFF2-40B4-BE49-F238E27FC236}">
-                  <a16:creationId xmlns:a16="http://schemas.microsoft.com/office/drawing/2014/main" id="{B29A9BFA-4CBE-212A-7279-B94F9AD7A5B4}"/>
-                </a:ext>
-              </a:extLst>
-            </p:cNvPr>
-            <p:cNvSpPr/>
-            <p:nvPr/>
-          </p:nvSpPr>
-          <p:spPr>
-            <a:xfrm>
-              <a:off x="6923590" y="4083830"/>
-              <a:ext cx="5021482" cy="1088688"/>
-            </a:xfrm>
-            <a:prstGeom prst="roundRect">
-              <a:avLst/>
-            </a:prstGeom>
-            <a:noFill/>
-            <a:ln w="19050">
-              <a:solidFill>
-                <a:schemeClr val="accent1"/>
-              </a:solidFill>
-            </a:ln>
-          </p:spPr>
-          <p:style>
-            <a:lnRef idx="2">
-              <a:schemeClr val="accent1">
-                <a:shade val="15000"/>
-              </a:schemeClr>
-            </a:lnRef>
-            <a:fillRef idx="1">
-              <a:schemeClr val="accent1"/>
-            </a:fillRef>
-            <a:effectRef idx="0">
-              <a:schemeClr val="accent1"/>
-            </a:effectRef>
-            <a:fontRef idx="minor">
-              <a:schemeClr val="lt1"/>
-            </a:fontRef>
-          </p:style>
-          <p:txBody>
-            <a:bodyPr rtlCol="0" anchor="ctr"/>
-            <a:lstStyle/>
-            <a:p>
-              <a:pPr algn="ctr"/>
-              <a:endParaRPr lang="en-AU"/>
-            </a:p>
-          </p:txBody>
-        </p:sp>
-        <p:sp>
-          <p:nvSpPr>
-            <p:cNvPr id="19" name="TextBox 18">
-              <a:extLst>
-                <a:ext uri="{FF2B5EF4-FFF2-40B4-BE49-F238E27FC236}">
-                  <a16:creationId xmlns:a16="http://schemas.microsoft.com/office/drawing/2014/main" id="{808D04A3-FB31-2057-C5B5-4AD1C314D68E}"/>
-                </a:ext>
-              </a:extLst>
-            </p:cNvPr>
-            <p:cNvSpPr txBox="1"/>
-            <p:nvPr/>
-          </p:nvSpPr>
-          <p:spPr>
-            <a:xfrm>
-              <a:off x="6923590" y="1771319"/>
-              <a:ext cx="4904772" cy="1969770"/>
-            </a:xfrm>
-            <a:prstGeom prst="rect">
-              <a:avLst/>
-            </a:prstGeom>
-            <a:noFill/>
-          </p:spPr>
-          <p:txBody>
-            <a:bodyPr wrap="square">
-              <a:spAutoFit/>
-            </a:bodyPr>
-            <a:lstStyle/>
-            <a:p>
-              <a:pPr marL="285750" lvl="0" indent="-285750" algn="l">
-                <a:spcAft>
-                  <a:spcPts val="300"/>
-                </a:spcAft>
-                <a:buFont typeface="Arial" panose="020B0604020202020204" pitchFamily="34" charset="0"/>
-                <a:buChar char="•"/>
-              </a:pPr>
-              <a:r>
-                <a:rPr lang="en-AU" sz="1400" dirty="0"/>
-                <a:t>Complex architectures capture sequential, spatial and relational data</a:t>
-              </a:r>
-            </a:p>
-            <a:p>
-              <a:pPr marL="285750" lvl="0" indent="-285750" algn="l">
-                <a:spcAft>
-                  <a:spcPts val="300"/>
-                </a:spcAft>
-                <a:buFont typeface="Arial" panose="020B0604020202020204" pitchFamily="34" charset="0"/>
-                <a:buChar char="•"/>
-              </a:pPr>
-              <a:r>
-                <a:rPr lang="en-AU" sz="1400" dirty="0"/>
-                <a:t>Able to automatically learn from more complex data including non-linear patterns of data </a:t>
-              </a:r>
-            </a:p>
-            <a:p>
-              <a:pPr marL="285750" lvl="0" indent="-285750" algn="l">
-                <a:spcAft>
-                  <a:spcPts val="300"/>
-                </a:spcAft>
-                <a:buFont typeface="Arial" panose="020B0604020202020204" pitchFamily="34" charset="0"/>
-                <a:buChar char="•"/>
-              </a:pPr>
-              <a:r>
-                <a:rPr lang="en-AU" sz="1400" dirty="0"/>
-                <a:t>Best with large, multi-dimensional data sets</a:t>
-              </a:r>
-            </a:p>
-            <a:p>
-              <a:pPr marL="285750" lvl="0" indent="-285750" algn="l">
-                <a:spcAft>
-                  <a:spcPts val="300"/>
-                </a:spcAft>
-                <a:buFont typeface="Arial" panose="020B0604020202020204" pitchFamily="34" charset="0"/>
-                <a:buChar char="•"/>
-              </a:pPr>
-              <a:r>
-                <a:rPr lang="en-AU" sz="1400" dirty="0"/>
-                <a:t>More flexible and adaptable for an evolving fake news landscape – scalability </a:t>
-              </a:r>
-            </a:p>
-            <a:p>
-              <a:pPr marL="285750" lvl="0" indent="-285750" algn="l">
-                <a:spcAft>
-                  <a:spcPts val="300"/>
-                </a:spcAft>
-                <a:buFont typeface="Arial" panose="020B0604020202020204" pitchFamily="34" charset="0"/>
-                <a:buChar char="•"/>
-              </a:pPr>
-              <a:r>
-                <a:rPr lang="en-AU" sz="1400" dirty="0"/>
-                <a:t>High accuracy in detection of fake news </a:t>
-              </a:r>
-            </a:p>
-          </p:txBody>
-        </p:sp>
-        <p:sp>
-          <p:nvSpPr>
-            <p:cNvPr id="7" name="Rectangle: Rounded Corners 6">
-              <a:extLst>
-                <a:ext uri="{FF2B5EF4-FFF2-40B4-BE49-F238E27FC236}">
-                  <a16:creationId xmlns:a16="http://schemas.microsoft.com/office/drawing/2014/main" id="{6A5598CE-379F-B833-0267-EED7D3E31813}"/>
-                </a:ext>
-              </a:extLst>
-            </p:cNvPr>
-            <p:cNvSpPr/>
-            <p:nvPr/>
-          </p:nvSpPr>
-          <p:spPr>
-            <a:xfrm>
-              <a:off x="6923590" y="1674508"/>
-              <a:ext cx="5021483" cy="2142742"/>
-            </a:xfrm>
-            <a:prstGeom prst="roundRect">
-              <a:avLst/>
-            </a:prstGeom>
-            <a:noFill/>
-            <a:ln w="19050">
-              <a:solidFill>
-                <a:schemeClr val="accent1"/>
-              </a:solidFill>
-            </a:ln>
-          </p:spPr>
-          <p:style>
-            <a:lnRef idx="2">
-              <a:schemeClr val="accent1">
-                <a:shade val="15000"/>
-              </a:schemeClr>
-            </a:lnRef>
-            <a:fillRef idx="1">
-              <a:schemeClr val="accent1"/>
-            </a:fillRef>
-            <a:effectRef idx="0">
-              <a:schemeClr val="accent1"/>
-            </a:effectRef>
-            <a:fontRef idx="minor">
-              <a:schemeClr val="lt1"/>
-            </a:fontRef>
-          </p:style>
-          <p:txBody>
-            <a:bodyPr rtlCol="0" anchor="ctr"/>
-            <a:lstStyle/>
-            <a:p>
-              <a:pPr algn="ctr"/>
-              <a:endParaRPr lang="en-AU"/>
-            </a:p>
-          </p:txBody>
-        </p:sp>
-        <p:sp>
-          <p:nvSpPr>
-            <p:cNvPr id="8" name="Rectangle: Rounded Corners 7">
-              <a:extLst>
-                <a:ext uri="{FF2B5EF4-FFF2-40B4-BE49-F238E27FC236}">
-                  <a16:creationId xmlns:a16="http://schemas.microsoft.com/office/drawing/2014/main" id="{4D1D3742-486A-26D8-8D00-1B3C88282347}"/>
-                </a:ext>
-              </a:extLst>
-            </p:cNvPr>
-            <p:cNvSpPr/>
-            <p:nvPr/>
-          </p:nvSpPr>
-          <p:spPr>
-            <a:xfrm>
-              <a:off x="6923590" y="593805"/>
-              <a:ext cx="5021482" cy="625033"/>
-            </a:xfrm>
-            <a:prstGeom prst="roundRect">
-              <a:avLst/>
-            </a:prstGeom>
-          </p:spPr>
-          <p:style>
-            <a:lnRef idx="2">
-              <a:schemeClr val="accent1">
-                <a:shade val="15000"/>
-              </a:schemeClr>
-            </a:lnRef>
-            <a:fillRef idx="1">
-              <a:schemeClr val="accent1"/>
-            </a:fillRef>
-            <a:effectRef idx="0">
-              <a:schemeClr val="accent1"/>
-            </a:effectRef>
-            <a:fontRef idx="minor">
-              <a:schemeClr val="lt1"/>
-            </a:fontRef>
-          </p:style>
-          <p:txBody>
-            <a:bodyPr rtlCol="0" anchor="ctr"/>
-            <a:lstStyle/>
-            <a:p>
-              <a:pPr algn="ctr"/>
-              <a:r>
-                <a:rPr lang="en-AU" dirty="0"/>
-                <a:t>Deep  Learning Models</a:t>
-              </a:r>
-            </a:p>
-          </p:txBody>
-        </p:sp>
-        <p:sp>
-          <p:nvSpPr>
-            <p:cNvPr id="21" name="TextBox 20">
-              <a:extLst>
-                <a:ext uri="{FF2B5EF4-FFF2-40B4-BE49-F238E27FC236}">
-                  <a16:creationId xmlns:a16="http://schemas.microsoft.com/office/drawing/2014/main" id="{74F20047-72D6-937B-866D-C945172D1002}"/>
-                </a:ext>
-              </a:extLst>
-            </p:cNvPr>
-            <p:cNvSpPr txBox="1"/>
-            <p:nvPr/>
-          </p:nvSpPr>
-          <p:spPr>
-            <a:xfrm>
-              <a:off x="7192218" y="4102994"/>
-              <a:ext cx="1905483" cy="1069524"/>
-            </a:xfrm>
-            <a:prstGeom prst="rect">
-              <a:avLst/>
-            </a:prstGeom>
-            <a:noFill/>
-          </p:spPr>
-          <p:txBody>
-            <a:bodyPr wrap="square">
-              <a:spAutoFit/>
-            </a:bodyPr>
-            <a:lstStyle/>
-            <a:p>
-              <a:pPr lvl="0" algn="l">
-                <a:spcAft>
-                  <a:spcPts val="300"/>
-                </a:spcAft>
-                <a:buFont typeface="Arial" panose="020B0604020202020204" pitchFamily="34" charset="0"/>
-                <a:buNone/>
-              </a:pPr>
-              <a:r>
-                <a:rPr lang="en-AU" sz="1400" b="1" u="sng" dirty="0"/>
-                <a:t>Limitations </a:t>
-              </a:r>
-              <a:r>
-                <a:rPr lang="en-AU" sz="1400" dirty="0"/>
-                <a:t> </a:t>
-              </a:r>
-            </a:p>
-            <a:p>
-              <a:pPr marL="285750" lvl="0" indent="-285750" algn="l">
-                <a:spcAft>
-                  <a:spcPts val="300"/>
-                </a:spcAft>
-                <a:buFont typeface="Wingdings" panose="05000000000000000000" pitchFamily="2" charset="2"/>
-                <a:buChar char="§"/>
-              </a:pPr>
-              <a:r>
-                <a:rPr lang="en-AU" sz="1400" dirty="0"/>
-                <a:t>Expense to run</a:t>
-              </a:r>
-            </a:p>
-            <a:p>
-              <a:pPr marL="285750" lvl="0" indent="-285750" algn="l">
-                <a:spcAft>
-                  <a:spcPts val="300"/>
-                </a:spcAft>
-                <a:buFont typeface="Wingdings" panose="05000000000000000000" pitchFamily="2" charset="2"/>
-                <a:buChar char="§"/>
-              </a:pPr>
-              <a:r>
-                <a:rPr lang="en-AU" sz="1400" dirty="0"/>
-                <a:t>Build Time</a:t>
-              </a:r>
-            </a:p>
-            <a:p>
-              <a:pPr marL="285750" lvl="0" indent="-285750" algn="l">
-                <a:spcAft>
-                  <a:spcPts val="300"/>
-                </a:spcAft>
-                <a:buFont typeface="Wingdings" panose="05000000000000000000" pitchFamily="2" charset="2"/>
-                <a:buChar char="§"/>
-              </a:pPr>
-              <a:r>
-                <a:rPr lang="en-AU" sz="1400" dirty="0"/>
-                <a:t>Run Time</a:t>
-              </a:r>
-            </a:p>
-          </p:txBody>
-        </p:sp>
-        <p:sp>
-          <p:nvSpPr>
-            <p:cNvPr id="22" name="Left Bracket 21">
-              <a:extLst>
-                <a:ext uri="{FF2B5EF4-FFF2-40B4-BE49-F238E27FC236}">
-                  <a16:creationId xmlns:a16="http://schemas.microsoft.com/office/drawing/2014/main" id="{EBDBEFCF-5092-4417-1B47-D4561B118AD5}"/>
-                </a:ext>
-              </a:extLst>
-            </p:cNvPr>
-            <p:cNvSpPr/>
-            <p:nvPr/>
-          </p:nvSpPr>
-          <p:spPr>
-            <a:xfrm>
-              <a:off x="6657372" y="913351"/>
-              <a:ext cx="266218" cy="3546397"/>
-            </a:xfrm>
-            <a:prstGeom prst="leftBracket">
-              <a:avLst/>
-            </a:prstGeom>
-          </p:spPr>
-          <p:style>
-            <a:lnRef idx="2">
-              <a:schemeClr val="accent1"/>
-            </a:lnRef>
-            <a:fillRef idx="0">
-              <a:schemeClr val="accent1"/>
-            </a:fillRef>
-            <a:effectRef idx="1">
-              <a:schemeClr val="accent1"/>
-            </a:effectRef>
-            <a:fontRef idx="minor">
-              <a:schemeClr val="tx1"/>
-            </a:fontRef>
-          </p:style>
-          <p:txBody>
-            <a:bodyPr rtlCol="0" anchor="ctr"/>
-            <a:lstStyle/>
-            <a:p>
-              <a:pPr algn="ctr"/>
-              <a:endParaRPr lang="en-AU"/>
-            </a:p>
-          </p:txBody>
-        </p:sp>
-      </p:grpSp>
-      <p:grpSp>
-        <p:nvGrpSpPr>
-          <p:cNvPr id="24" name="Group 23">
-            <a:extLst>
-              <a:ext uri="{FF2B5EF4-FFF2-40B4-BE49-F238E27FC236}">
-                <a16:creationId xmlns:a16="http://schemas.microsoft.com/office/drawing/2014/main" id="{164F12CB-E613-F602-83F7-FBA76D5C08D8}"/>
-              </a:ext>
-            </a:extLst>
-          </p:cNvPr>
-          <p:cNvGrpSpPr/>
-          <p:nvPr/>
-        </p:nvGrpSpPr>
-        <p:grpSpPr>
-          <a:xfrm>
-            <a:off x="1667164" y="-1129326"/>
-            <a:ext cx="3558194" cy="1650108"/>
-            <a:chOff x="3440683" y="258740"/>
-            <a:chExt cx="1350020" cy="883565"/>
-          </a:xfrm>
-          <a:scene3d>
-            <a:camera prst="orthographicFront"/>
-            <a:lightRig rig="threePt" dir="t"/>
-          </a:scene3d>
-        </p:grpSpPr>
-        <p:sp>
-          <p:nvSpPr>
-            <p:cNvPr id="25" name="Rectangle: Rounded Corners 24">
-              <a:extLst>
-                <a:ext uri="{FF2B5EF4-FFF2-40B4-BE49-F238E27FC236}">
-                  <a16:creationId xmlns:a16="http://schemas.microsoft.com/office/drawing/2014/main" id="{C48A7839-DD49-C462-CF6B-CA1CBD3B61A8}"/>
-                </a:ext>
-              </a:extLst>
-            </p:cNvPr>
-            <p:cNvSpPr/>
-            <p:nvPr/>
-          </p:nvSpPr>
-          <p:spPr>
-            <a:xfrm>
-              <a:off x="3440683" y="258740"/>
-              <a:ext cx="1350020" cy="883565"/>
-            </a:xfrm>
-            <a:prstGeom prst="roundRect">
-              <a:avLst>
-                <a:gd name="adj" fmla="val 10000"/>
-              </a:avLst>
-            </a:prstGeom>
-            <a:solidFill>
-              <a:schemeClr val="accent1">
-                <a:lumMod val="60000"/>
-                <a:lumOff val="40000"/>
-              </a:schemeClr>
-            </a:solidFill>
-            <a:ln>
-              <a:noFill/>
-            </a:ln>
-            <a:sp3d>
-              <a:bevelT w="139700" prst="cross"/>
-            </a:sp3d>
-          </p:spPr>
-          <p:style>
-            <a:lnRef idx="2">
-              <a:scrgbClr r="0" g="0" b="0"/>
-            </a:lnRef>
-            <a:fillRef idx="1">
-              <a:scrgbClr r="0" g="0" b="0"/>
-            </a:fillRef>
-            <a:effectRef idx="0">
-              <a:schemeClr val="accent1">
-                <a:hueOff val="0"/>
-                <a:satOff val="0"/>
-                <a:lumOff val="0"/>
-                <a:alphaOff val="0"/>
-              </a:schemeClr>
-            </a:effectRef>
-            <a:fontRef idx="minor">
-              <a:schemeClr val="lt1"/>
-            </a:fontRef>
-          </p:style>
-          <p:txBody>
-            <a:bodyPr/>
-            <a:lstStyle/>
-            <a:p>
-              <a:endParaRPr lang="en-AU"/>
-            </a:p>
-          </p:txBody>
-        </p:sp>
-        <p:sp>
-          <p:nvSpPr>
-            <p:cNvPr id="26" name="Rectangle: Rounded Corners 4">
-              <a:extLst>
-                <a:ext uri="{FF2B5EF4-FFF2-40B4-BE49-F238E27FC236}">
-                  <a16:creationId xmlns:a16="http://schemas.microsoft.com/office/drawing/2014/main" id="{014DA2D1-495D-0C40-0798-6B4FD4B9644D}"/>
-                </a:ext>
-              </a:extLst>
-            </p:cNvPr>
-            <p:cNvSpPr txBox="1"/>
-            <p:nvPr/>
-          </p:nvSpPr>
-          <p:spPr>
-            <a:xfrm>
-              <a:off x="3466562" y="284619"/>
-              <a:ext cx="1298262" cy="831807"/>
-            </a:xfrm>
-            <a:prstGeom prst="rect">
-              <a:avLst/>
-            </a:prstGeom>
-            <a:sp3d/>
-          </p:spPr>
-          <p:style>
-            <a:lnRef idx="0">
-              <a:scrgbClr r="0" g="0" b="0"/>
-            </a:lnRef>
-            <a:fillRef idx="0">
-              <a:scrgbClr r="0" g="0" b="0"/>
-            </a:fillRef>
-            <a:effectRef idx="0">
-              <a:scrgbClr r="0" g="0" b="0"/>
-            </a:effectRef>
-            <a:fontRef idx="minor">
-              <a:schemeClr val="lt1"/>
-            </a:fontRef>
-          </p:style>
-          <p:txBody>
-            <a:bodyPr spcFirstLastPara="0" vert="horz" wrap="square" lIns="20955" tIns="13970" rIns="20955" bIns="13970" numCol="1" spcCol="1270" anchor="ctr" anchorCtr="0">
-              <a:noAutofit/>
-            </a:bodyPr>
-            <a:lstStyle/>
-            <a:p>
-              <a:pPr marL="0" lvl="0" indent="0" algn="ctr" defTabSz="488950">
-                <a:lnSpc>
-                  <a:spcPct val="90000"/>
-                </a:lnSpc>
-                <a:spcBef>
-                  <a:spcPct val="0"/>
-                </a:spcBef>
-                <a:spcAft>
-                  <a:spcPct val="35000"/>
-                </a:spcAft>
-                <a:buFont typeface="Arial" panose="020B0604020202020204" pitchFamily="34" charset="0"/>
-                <a:buNone/>
-              </a:pPr>
-              <a:r>
-                <a:rPr lang="en-AU" sz="1100" kern="1200" dirty="0"/>
-                <a:t>SVM</a:t>
-              </a:r>
-              <a:r>
-                <a:rPr lang="en-AU" sz="1100" kern="1200" baseline="0" dirty="0"/>
-                <a:t> = Support Vector Model</a:t>
-              </a:r>
-            </a:p>
-            <a:p>
-              <a:pPr marL="0" lvl="0" indent="0" algn="ctr" defTabSz="488950">
-                <a:lnSpc>
-                  <a:spcPct val="90000"/>
-                </a:lnSpc>
-                <a:spcBef>
-                  <a:spcPct val="0"/>
-                </a:spcBef>
-                <a:spcAft>
-                  <a:spcPct val="35000"/>
-                </a:spcAft>
-                <a:buFont typeface="Arial" panose="020B0604020202020204" pitchFamily="34" charset="0"/>
-                <a:buNone/>
-              </a:pPr>
-              <a:r>
-                <a:rPr lang="en-AU" sz="1100" kern="1200" baseline="0" dirty="0"/>
-                <a:t>Naïve Bayes</a:t>
-              </a:r>
-            </a:p>
-            <a:p>
-              <a:pPr marL="0" lvl="0" indent="0" algn="ctr" defTabSz="488950">
-                <a:lnSpc>
-                  <a:spcPct val="90000"/>
-                </a:lnSpc>
-                <a:spcBef>
-                  <a:spcPct val="0"/>
-                </a:spcBef>
-                <a:spcAft>
-                  <a:spcPct val="35000"/>
-                </a:spcAft>
-                <a:buFont typeface="Arial" panose="020B0604020202020204" pitchFamily="34" charset="0"/>
-                <a:buNone/>
-              </a:pPr>
-              <a:r>
-                <a:rPr lang="en-AU" sz="1100" kern="1200" baseline="0" dirty="0"/>
-                <a:t>Decision Trees </a:t>
-              </a:r>
-            </a:p>
-            <a:p>
-              <a:pPr marL="0" lvl="0" indent="0" algn="ctr" defTabSz="488950">
-                <a:lnSpc>
-                  <a:spcPct val="90000"/>
-                </a:lnSpc>
-                <a:spcBef>
-                  <a:spcPct val="0"/>
-                </a:spcBef>
-                <a:spcAft>
-                  <a:spcPct val="35000"/>
-                </a:spcAft>
-                <a:buFont typeface="Arial" panose="020B0604020202020204" pitchFamily="34" charset="0"/>
-                <a:buNone/>
-              </a:pPr>
-              <a:r>
-                <a:rPr lang="en-AU" sz="1100" kern="1200" baseline="0" dirty="0"/>
-                <a:t>Radom Forest</a:t>
-              </a:r>
-            </a:p>
-            <a:p>
-              <a:pPr marL="0" lvl="0" indent="0" algn="ctr" defTabSz="488950">
-                <a:lnSpc>
-                  <a:spcPct val="90000"/>
-                </a:lnSpc>
-                <a:spcBef>
-                  <a:spcPct val="0"/>
-                </a:spcBef>
-                <a:spcAft>
-                  <a:spcPct val="35000"/>
-                </a:spcAft>
-                <a:buFont typeface="Arial" panose="020B0604020202020204" pitchFamily="34" charset="0"/>
-                <a:buNone/>
-              </a:pPr>
-              <a:r>
-                <a:rPr lang="en-AU" sz="1100" dirty="0"/>
-                <a:t>Logistic Regression</a:t>
-              </a:r>
-              <a:endParaRPr lang="en-AU" sz="1100" kern="1200" dirty="0"/>
-            </a:p>
-          </p:txBody>
-        </p:sp>
-      </p:grpSp>
-      <p:grpSp>
-        <p:nvGrpSpPr>
-          <p:cNvPr id="27" name="Group 26">
-            <a:extLst>
-              <a:ext uri="{FF2B5EF4-FFF2-40B4-BE49-F238E27FC236}">
-                <a16:creationId xmlns:a16="http://schemas.microsoft.com/office/drawing/2014/main" id="{EC77729F-3555-15F1-63D7-4A117B31AB6A}"/>
-              </a:ext>
-            </a:extLst>
-          </p:cNvPr>
-          <p:cNvGrpSpPr/>
-          <p:nvPr/>
-        </p:nvGrpSpPr>
-        <p:grpSpPr>
-          <a:xfrm>
-            <a:off x="9771122" y="-878573"/>
-            <a:ext cx="1864488" cy="1399355"/>
-            <a:chOff x="8539163" y="444065"/>
-            <a:chExt cx="1466889" cy="965588"/>
-          </a:xfrm>
-        </p:grpSpPr>
-        <p:sp>
-          <p:nvSpPr>
-            <p:cNvPr id="28" name="Rectangle: Rounded Corners 27">
-              <a:extLst>
-                <a:ext uri="{FF2B5EF4-FFF2-40B4-BE49-F238E27FC236}">
-                  <a16:creationId xmlns:a16="http://schemas.microsoft.com/office/drawing/2014/main" id="{0A5D946D-368E-75CE-1CAF-D7447501A8EA}"/>
-                </a:ext>
-              </a:extLst>
-            </p:cNvPr>
-            <p:cNvSpPr/>
-            <p:nvPr/>
-          </p:nvSpPr>
-          <p:spPr>
-            <a:xfrm>
-              <a:off x="8539163" y="444065"/>
-              <a:ext cx="1466889" cy="965588"/>
-            </a:xfrm>
-            <a:prstGeom prst="roundRect">
-              <a:avLst>
-                <a:gd name="adj" fmla="val 10000"/>
-              </a:avLst>
-            </a:prstGeom>
-            <a:solidFill>
-              <a:schemeClr val="accent1">
-                <a:lumMod val="60000"/>
-                <a:lumOff val="40000"/>
-              </a:schemeClr>
-            </a:solidFill>
-            <a:scene3d>
-              <a:camera prst="orthographicFront"/>
-              <a:lightRig rig="threePt" dir="t"/>
-            </a:scene3d>
-            <a:sp3d>
-              <a:bevelT w="139700" prst="cross"/>
-            </a:sp3d>
-          </p:spPr>
-          <p:style>
-            <a:lnRef idx="2">
-              <a:schemeClr val="lt1">
-                <a:hueOff val="0"/>
-                <a:satOff val="0"/>
-                <a:lumOff val="0"/>
-                <a:alphaOff val="0"/>
-              </a:schemeClr>
-            </a:lnRef>
-            <a:fillRef idx="1">
-              <a:schemeClr val="accent1">
-                <a:hueOff val="0"/>
-                <a:satOff val="0"/>
-                <a:lumOff val="0"/>
-                <a:alphaOff val="0"/>
-              </a:schemeClr>
-            </a:fillRef>
-            <a:effectRef idx="0">
-              <a:schemeClr val="accent1">
-                <a:hueOff val="0"/>
-                <a:satOff val="0"/>
-                <a:lumOff val="0"/>
-                <a:alphaOff val="0"/>
-              </a:schemeClr>
-            </a:effectRef>
-            <a:fontRef idx="minor">
-              <a:schemeClr val="lt1"/>
-            </a:fontRef>
-          </p:style>
-          <p:txBody>
-            <a:bodyPr/>
-            <a:lstStyle/>
-            <a:p>
-              <a:endParaRPr lang="en-AU"/>
-            </a:p>
-          </p:txBody>
-        </p:sp>
-        <p:sp>
-          <p:nvSpPr>
-            <p:cNvPr id="29" name="Rectangle: Rounded Corners 4">
-              <a:extLst>
-                <a:ext uri="{FF2B5EF4-FFF2-40B4-BE49-F238E27FC236}">
-                  <a16:creationId xmlns:a16="http://schemas.microsoft.com/office/drawing/2014/main" id="{47F002A8-CE87-8589-C995-0BF3C72639E0}"/>
-                </a:ext>
-              </a:extLst>
-            </p:cNvPr>
-            <p:cNvSpPr txBox="1"/>
-            <p:nvPr/>
-          </p:nvSpPr>
-          <p:spPr>
-            <a:xfrm>
-              <a:off x="8567444" y="472346"/>
-              <a:ext cx="1410327" cy="909026"/>
-            </a:xfrm>
-            <a:prstGeom prst="rect">
-              <a:avLst/>
-            </a:prstGeom>
-            <a:scene3d>
-              <a:camera prst="orthographicFront"/>
-              <a:lightRig rig="threePt" dir="t"/>
-            </a:scene3d>
-            <a:sp3d>
-              <a:bevelT w="165100" prst="coolSlant"/>
-            </a:sp3d>
-          </p:spPr>
-          <p:style>
-            <a:lnRef idx="0">
-              <a:scrgbClr r="0" g="0" b="0"/>
-            </a:lnRef>
-            <a:fillRef idx="0">
-              <a:scrgbClr r="0" g="0" b="0"/>
-            </a:fillRef>
-            <a:effectRef idx="0">
-              <a:scrgbClr r="0" g="0" b="0"/>
-            </a:effectRef>
-            <a:fontRef idx="minor">
-              <a:schemeClr val="lt1"/>
-            </a:fontRef>
-          </p:style>
-          <p:txBody>
-            <a:bodyPr spcFirstLastPara="0" vert="horz" wrap="square" lIns="20955" tIns="13970" rIns="20955" bIns="13970" numCol="1" spcCol="1270" anchor="ctr" anchorCtr="0">
-              <a:noAutofit/>
-            </a:bodyPr>
-            <a:lstStyle/>
-            <a:p>
-              <a:pPr marL="0" lvl="0" indent="0" algn="ctr" defTabSz="488950">
-                <a:lnSpc>
-                  <a:spcPct val="90000"/>
-                </a:lnSpc>
-                <a:spcBef>
-                  <a:spcPct val="0"/>
-                </a:spcBef>
-                <a:spcAft>
-                  <a:spcPts val="200"/>
-                </a:spcAft>
-                <a:buFont typeface="Arial" panose="020B0604020202020204" pitchFamily="34" charset="0"/>
-                <a:buNone/>
-              </a:pPr>
-              <a:r>
-                <a:rPr lang="en-AU" sz="1100" kern="1200" dirty="0"/>
-                <a:t>LSTM</a:t>
-              </a:r>
-              <a:r>
-                <a:rPr lang="en-AU" sz="1100" kern="1200" baseline="0" dirty="0"/>
-                <a:t> = Long Short-Term Memory</a:t>
-              </a:r>
-            </a:p>
-            <a:p>
-              <a:pPr marL="0" lvl="0" indent="0" algn="ctr" defTabSz="488950">
-                <a:lnSpc>
-                  <a:spcPct val="90000"/>
-                </a:lnSpc>
-                <a:spcBef>
-                  <a:spcPct val="0"/>
-                </a:spcBef>
-                <a:spcAft>
-                  <a:spcPts val="200"/>
-                </a:spcAft>
-                <a:buFont typeface="Arial" panose="020B0604020202020204" pitchFamily="34" charset="0"/>
-                <a:buNone/>
-              </a:pPr>
-              <a:r>
-                <a:rPr lang="en-AU" sz="1100" kern="1200" baseline="0" dirty="0"/>
-                <a:t>RNN = Recurrent Neural network</a:t>
-              </a:r>
-            </a:p>
-            <a:p>
-              <a:pPr marL="0" lvl="0" indent="0" algn="ctr" defTabSz="488950">
-                <a:lnSpc>
-                  <a:spcPct val="90000"/>
-                </a:lnSpc>
-                <a:spcBef>
-                  <a:spcPct val="0"/>
-                </a:spcBef>
-                <a:spcAft>
-                  <a:spcPts val="200"/>
-                </a:spcAft>
-                <a:buFont typeface="Arial" panose="020B0604020202020204" pitchFamily="34" charset="0"/>
-                <a:buNone/>
-              </a:pPr>
-              <a:r>
-                <a:rPr lang="en-AU" sz="1100" kern="1200" baseline="0" dirty="0"/>
-                <a:t>CNN = Convolutional Neural Network</a:t>
-              </a:r>
-              <a:endParaRPr lang="en-AU" sz="1100" kern="1200" dirty="0"/>
-            </a:p>
-          </p:txBody>
-        </p:sp>
-      </p:grpSp>
-      <p:sp>
-        <p:nvSpPr>
-          <p:cNvPr id="9" name="Left Bracket 8">
-            <a:extLst>
-              <a:ext uri="{FF2B5EF4-FFF2-40B4-BE49-F238E27FC236}">
-                <a16:creationId xmlns:a16="http://schemas.microsoft.com/office/drawing/2014/main" id="{47AE157D-EE28-BCBE-DEA7-120AF8256D13}"/>
-              </a:ext>
-            </a:extLst>
-          </p:cNvPr>
-          <p:cNvSpPr/>
+          <p:cNvSpPr txBox="1"/>
           <p:nvPr/>
         </p:nvSpPr>
         <p:spPr>
           <a:xfrm>
-            <a:off x="6386781" y="1518612"/>
-            <a:ext cx="266218" cy="1877368"/>
+            <a:off x="3401648" y="5454891"/>
+            <a:ext cx="1243524" cy="892552"/>
           </a:xfrm>
-          <a:prstGeom prst="leftBracket">
+          <a:prstGeom prst="rect">
             <a:avLst/>
           </a:prstGeom>
+          <a:solidFill>
+            <a:schemeClr val="tx1">
+              <a:lumMod val="50000"/>
+              <a:lumOff val="50000"/>
+            </a:schemeClr>
+          </a:solidFill>
         </p:spPr>
-        <p:style>
-          <a:lnRef idx="2">
-            <a:schemeClr val="accent1"/>
-          </a:lnRef>
-          <a:fillRef idx="0">
-            <a:schemeClr val="accent1"/>
-          </a:fillRef>
-          <a:effectRef idx="1">
-            <a:schemeClr val="accent1"/>
-          </a:effectRef>
-          <a:fontRef idx="minor">
+        <p:txBody>
+          <a:bodyPr wrap="square" rtlCol="0">
+            <a:spAutoFit/>
+          </a:bodyPr>
+          <a:lstStyle/>
+          <a:p>
+            <a:pPr algn="ctr"/>
+            <a:r>
+              <a:rPr lang="en-US" sz="2000" b="1" dirty="0">
+                <a:solidFill>
+                  <a:schemeClr val="bg1"/>
+                </a:solidFill>
+              </a:rPr>
+              <a:t>1</a:t>
+            </a:r>
+            <a:r>
+              <a:rPr lang="en-US" sz="2000" b="1" baseline="30000" dirty="0">
+                <a:solidFill>
+                  <a:schemeClr val="bg1"/>
+                </a:solidFill>
+              </a:rPr>
+              <a:t>st</a:t>
+            </a:r>
+            <a:endParaRPr lang="en-US" sz="2000" b="1" dirty="0">
+              <a:solidFill>
+                <a:schemeClr val="bg1"/>
+              </a:solidFill>
+            </a:endParaRPr>
+          </a:p>
+          <a:p>
+            <a:pPr algn="ctr"/>
+            <a:endParaRPr lang="en-US" sz="1600" dirty="0">
+              <a:solidFill>
+                <a:schemeClr val="bg1"/>
+              </a:solidFill>
+            </a:endParaRPr>
+          </a:p>
+          <a:p>
+            <a:pPr algn="ctr"/>
+            <a:r>
+              <a:rPr lang="en-US" sz="1600" dirty="0">
+                <a:solidFill>
+                  <a:schemeClr val="bg1"/>
+                </a:solidFill>
+              </a:rPr>
+              <a:t>96%</a:t>
+            </a:r>
+          </a:p>
+        </p:txBody>
+      </p:sp>
+      <p:sp>
+        <p:nvSpPr>
+          <p:cNvPr id="8" name="TextBox 7">
+            <a:extLst>
+              <a:ext uri="{FF2B5EF4-FFF2-40B4-BE49-F238E27FC236}">
+                <a16:creationId xmlns:a16="http://schemas.microsoft.com/office/drawing/2014/main" id="{8CCD5E3E-783F-22D9-DD28-8A04C8451E2A}"/>
+              </a:ext>
+            </a:extLst>
+          </p:cNvPr>
+          <p:cNvSpPr txBox="1"/>
+          <p:nvPr/>
+        </p:nvSpPr>
+        <p:spPr>
+          <a:xfrm>
+            <a:off x="4685130" y="5454891"/>
+            <a:ext cx="1243524" cy="892552"/>
+          </a:xfrm>
+          <a:prstGeom prst="rect">
+            <a:avLst/>
+          </a:prstGeom>
+          <a:solidFill>
+            <a:schemeClr val="bg1">
+              <a:lumMod val="65000"/>
+            </a:schemeClr>
+          </a:solidFill>
+        </p:spPr>
+        <p:txBody>
+          <a:bodyPr wrap="square" rtlCol="0">
+            <a:spAutoFit/>
+          </a:bodyPr>
+          <a:lstStyle/>
+          <a:p>
+            <a:pPr algn="ctr"/>
+            <a:r>
+              <a:rPr lang="en-US" sz="2000" b="1" dirty="0"/>
+              <a:t>2</a:t>
+            </a:r>
+            <a:r>
+              <a:rPr lang="en-US" sz="2000" b="1" baseline="30000" dirty="0"/>
+              <a:t>nd</a:t>
+            </a:r>
+            <a:endParaRPr lang="en-US" sz="2000" b="1" dirty="0"/>
+          </a:p>
+          <a:p>
+            <a:pPr algn="ctr"/>
+            <a:endParaRPr lang="en-US" sz="1600" dirty="0"/>
+          </a:p>
+          <a:p>
+            <a:pPr algn="ctr"/>
+            <a:r>
+              <a:rPr lang="en-US" sz="1600" dirty="0"/>
+              <a:t>94%</a:t>
+            </a:r>
+          </a:p>
+        </p:txBody>
+      </p:sp>
+      <p:sp>
+        <p:nvSpPr>
+          <p:cNvPr id="9" name="TextBox 8">
+            <a:extLst>
+              <a:ext uri="{FF2B5EF4-FFF2-40B4-BE49-F238E27FC236}">
+                <a16:creationId xmlns:a16="http://schemas.microsoft.com/office/drawing/2014/main" id="{632E67D1-4E35-203B-7378-138664B0C856}"/>
+              </a:ext>
+            </a:extLst>
+          </p:cNvPr>
+          <p:cNvSpPr txBox="1"/>
+          <p:nvPr/>
+        </p:nvSpPr>
+        <p:spPr>
+          <a:xfrm>
+            <a:off x="5968612" y="5454891"/>
+            <a:ext cx="1243524" cy="892552"/>
+          </a:xfrm>
+          <a:prstGeom prst="rect">
+            <a:avLst/>
+          </a:prstGeom>
+          <a:solidFill>
+            <a:schemeClr val="bg1">
+              <a:lumMod val="75000"/>
+            </a:schemeClr>
+          </a:solidFill>
+        </p:spPr>
+        <p:txBody>
+          <a:bodyPr wrap="square" rtlCol="0">
+            <a:spAutoFit/>
+          </a:bodyPr>
+          <a:lstStyle/>
+          <a:p>
+            <a:pPr algn="ctr"/>
+            <a:r>
+              <a:rPr lang="en-US" sz="2000" b="1" dirty="0"/>
+              <a:t>3</a:t>
+            </a:r>
+            <a:r>
+              <a:rPr lang="en-US" sz="2000" b="1" baseline="30000" dirty="0"/>
+              <a:t>rd</a:t>
+            </a:r>
+            <a:endParaRPr lang="en-US" sz="2000" b="1" dirty="0"/>
+          </a:p>
+          <a:p>
+            <a:pPr algn="ctr"/>
+            <a:endParaRPr lang="en-US" sz="1600" dirty="0"/>
+          </a:p>
+          <a:p>
+            <a:pPr algn="ctr"/>
+            <a:r>
+              <a:rPr lang="en-US" sz="1600" dirty="0"/>
+              <a:t>92%</a:t>
+            </a:r>
+          </a:p>
+        </p:txBody>
+      </p:sp>
+      <p:sp>
+        <p:nvSpPr>
+          <p:cNvPr id="10" name="TextBox 9">
+            <a:extLst>
+              <a:ext uri="{FF2B5EF4-FFF2-40B4-BE49-F238E27FC236}">
+                <a16:creationId xmlns:a16="http://schemas.microsoft.com/office/drawing/2014/main" id="{37AE9364-2C67-7F2C-1F92-95BF8F575193}"/>
+              </a:ext>
+            </a:extLst>
+          </p:cNvPr>
+          <p:cNvSpPr txBox="1"/>
+          <p:nvPr/>
+        </p:nvSpPr>
+        <p:spPr>
+          <a:xfrm>
+            <a:off x="7252094" y="5454891"/>
+            <a:ext cx="1197980" cy="892552"/>
+          </a:xfrm>
+          <a:prstGeom prst="rect">
+            <a:avLst/>
+          </a:prstGeom>
+          <a:solidFill>
+            <a:schemeClr val="bg1">
+              <a:lumMod val="85000"/>
+            </a:schemeClr>
+          </a:solidFill>
+        </p:spPr>
+        <p:txBody>
+          <a:bodyPr wrap="square" rtlCol="0">
+            <a:spAutoFit/>
+          </a:bodyPr>
+          <a:lstStyle/>
+          <a:p>
+            <a:pPr algn="ctr"/>
+            <a:r>
+              <a:rPr lang="en-US" sz="2000" b="1" dirty="0"/>
+              <a:t>4</a:t>
+            </a:r>
+            <a:r>
+              <a:rPr lang="en-US" sz="2000" b="1" baseline="30000" dirty="0"/>
+              <a:t>th</a:t>
+            </a:r>
+            <a:endParaRPr lang="en-US" sz="2000" b="1" dirty="0"/>
+          </a:p>
+          <a:p>
+            <a:pPr algn="ctr"/>
+            <a:endParaRPr lang="en-US" sz="1600" dirty="0"/>
+          </a:p>
+          <a:p>
+            <a:pPr algn="ctr"/>
+            <a:r>
+              <a:rPr lang="en-US" sz="1600" dirty="0"/>
+              <a:t>91%</a:t>
+            </a:r>
+          </a:p>
+        </p:txBody>
+      </p:sp>
+      <p:sp>
+        <p:nvSpPr>
+          <p:cNvPr id="11" name="TextBox 10">
+            <a:extLst>
+              <a:ext uri="{FF2B5EF4-FFF2-40B4-BE49-F238E27FC236}">
+                <a16:creationId xmlns:a16="http://schemas.microsoft.com/office/drawing/2014/main" id="{6372D103-6ABA-8574-2D7B-80D079357A5E}"/>
+              </a:ext>
+            </a:extLst>
+          </p:cNvPr>
+          <p:cNvSpPr txBox="1"/>
+          <p:nvPr/>
+        </p:nvSpPr>
+        <p:spPr>
+          <a:xfrm>
+            <a:off x="8490031" y="5454891"/>
+            <a:ext cx="1197981" cy="892552"/>
+          </a:xfrm>
+          <a:prstGeom prst="rect">
+            <a:avLst/>
+          </a:prstGeom>
+          <a:solidFill>
+            <a:schemeClr val="bg1">
+              <a:lumMod val="95000"/>
+            </a:schemeClr>
+          </a:solidFill>
+        </p:spPr>
+        <p:txBody>
+          <a:bodyPr wrap="square" rtlCol="0">
+            <a:spAutoFit/>
+          </a:bodyPr>
+          <a:lstStyle/>
+          <a:p>
+            <a:pPr algn="ctr"/>
+            <a:r>
+              <a:rPr lang="en-US" sz="2000" b="1" dirty="0"/>
+              <a:t>5</a:t>
+            </a:r>
+            <a:r>
+              <a:rPr lang="en-US" sz="2000" b="1" baseline="30000" dirty="0"/>
+              <a:t>th</a:t>
+            </a:r>
+            <a:endParaRPr lang="en-US" sz="2000" b="1" dirty="0"/>
+          </a:p>
+          <a:p>
+            <a:pPr algn="ctr"/>
+            <a:endParaRPr lang="en-US" sz="1600" dirty="0"/>
+          </a:p>
+          <a:p>
+            <a:pPr algn="ctr"/>
+            <a:r>
+              <a:rPr lang="en-US" sz="1600" dirty="0"/>
+              <a:t>90%</a:t>
+            </a:r>
+          </a:p>
+        </p:txBody>
+      </p:sp>
+      <p:sp>
+        <p:nvSpPr>
+          <p:cNvPr id="12" name="TextBox 11">
+            <a:extLst>
+              <a:ext uri="{FF2B5EF4-FFF2-40B4-BE49-F238E27FC236}">
+                <a16:creationId xmlns:a16="http://schemas.microsoft.com/office/drawing/2014/main" id="{95C9195B-68D2-3E2D-7873-8423645491E0}"/>
+              </a:ext>
+            </a:extLst>
+          </p:cNvPr>
+          <p:cNvSpPr txBox="1"/>
+          <p:nvPr/>
+        </p:nvSpPr>
+        <p:spPr>
+          <a:xfrm>
+            <a:off x="2118166" y="5454891"/>
+            <a:ext cx="1243524" cy="892552"/>
+          </a:xfrm>
+          <a:prstGeom prst="rect">
+            <a:avLst/>
+          </a:prstGeom>
+          <a:solidFill>
+            <a:schemeClr val="tx1">
+              <a:lumMod val="95000"/>
+              <a:lumOff val="5000"/>
+            </a:schemeClr>
+          </a:solidFill>
+        </p:spPr>
+        <p:txBody>
+          <a:bodyPr wrap="square" rtlCol="0">
+            <a:spAutoFit/>
+          </a:bodyPr>
+          <a:lstStyle/>
+          <a:p>
+            <a:pPr algn="ctr"/>
+            <a:r>
+              <a:rPr lang="en-US" sz="2000" b="1" dirty="0"/>
+              <a:t>1</a:t>
+            </a:r>
+            <a:r>
+              <a:rPr lang="en-US" sz="2000" b="1" baseline="30000" dirty="0"/>
+              <a:t>st</a:t>
+            </a:r>
+            <a:endParaRPr lang="en-US" sz="2000" b="1" dirty="0"/>
+          </a:p>
+          <a:p>
+            <a:pPr algn="ctr"/>
+            <a:endParaRPr lang="en-US" sz="1600" dirty="0">
+              <a:solidFill>
+                <a:schemeClr val="bg1"/>
+              </a:solidFill>
+            </a:endParaRPr>
+          </a:p>
+          <a:p>
+            <a:pPr algn="ctr"/>
+            <a:r>
+              <a:rPr lang="en-US" sz="1600" dirty="0">
+                <a:solidFill>
+                  <a:schemeClr val="bg1"/>
+                </a:solidFill>
+              </a:rPr>
+              <a:t>Accuracy</a:t>
+            </a:r>
+          </a:p>
+        </p:txBody>
+      </p:sp>
+      <p:sp>
+        <p:nvSpPr>
+          <p:cNvPr id="13" name="Title 1">
+            <a:extLst>
+              <a:ext uri="{FF2B5EF4-FFF2-40B4-BE49-F238E27FC236}">
+                <a16:creationId xmlns:a16="http://schemas.microsoft.com/office/drawing/2014/main" id="{A2794723-E065-BC39-2647-89E04F0EC9CF}"/>
+              </a:ext>
+            </a:extLst>
+          </p:cNvPr>
+          <p:cNvSpPr txBox="1">
+            <a:spLocks/>
+          </p:cNvSpPr>
+          <p:nvPr/>
+        </p:nvSpPr>
+        <p:spPr>
+          <a:xfrm>
+            <a:off x="0" y="-8876"/>
+            <a:ext cx="12191999" cy="963580"/>
+          </a:xfrm>
+          <a:prstGeom prst="rect">
+            <a:avLst/>
+          </a:prstGeom>
+          <a:solidFill>
             <a:schemeClr val="tx1"/>
-          </a:fontRef>
-        </p:style>
+          </a:solidFill>
+        </p:spPr>
         <p:txBody>
-          <a:bodyPr rtlCol="0" anchor="ctr"/>
-          <a:lstStyle/>
-          <a:p>
-            <a:pPr algn="ctr"/>
-            <a:endParaRPr lang="en-AU"/>
+          <a:bodyPr anchor="b"/>
+          <a:lstStyle>
+            <a:lvl1pPr algn="l" defTabSz="914400" rtl="0" eaLnBrk="1" latinLnBrk="0" hangingPunct="1">
+              <a:lnSpc>
+                <a:spcPct val="90000"/>
+              </a:lnSpc>
+              <a:spcBef>
+                <a:spcPct val="0"/>
+              </a:spcBef>
+              <a:buNone/>
+              <a:defRPr sz="4400" kern="1200">
+                <a:solidFill>
+                  <a:schemeClr val="tx1"/>
+                </a:solidFill>
+                <a:latin typeface="+mj-lt"/>
+                <a:ea typeface="+mj-ea"/>
+                <a:cs typeface="+mj-cs"/>
+              </a:defRPr>
+            </a:lvl1pPr>
+          </a:lstStyle>
+          <a:p>
+            <a:r>
+              <a:rPr lang="en-AU" dirty="0">
+                <a:solidFill>
+                  <a:schemeClr val="bg1"/>
+                </a:solidFill>
+                <a:latin typeface="Posterama" panose="020B0504020200020000" pitchFamily="34" charset="0"/>
+                <a:cs typeface="Posterama" panose="020B0504020200020000" pitchFamily="34" charset="0"/>
+              </a:rPr>
+              <a:t>Modelling</a:t>
+            </a:r>
           </a:p>
         </p:txBody>
       </p:sp>
     </p:spTree>
     <p:extLst>
       <p:ext uri="{BB962C8B-B14F-4D97-AF65-F5344CB8AC3E}">
-        <p14:creationId xmlns:p14="http://schemas.microsoft.com/office/powerpoint/2010/main" val="2315813395"/>
+        <p14:creationId xmlns:p14="http://schemas.microsoft.com/office/powerpoint/2010/main" val="1777382479"/>
       </p:ext>
     </p:extLst>
   </p:cSld>
@@ -18666,6 +19880,12 @@
 <file path=ppt/tags/tag1.xml><?xml version="1.0" encoding="utf-8"?>
 <p:tagLst xmlns:a="http://schemas.openxmlformats.org/drawingml/2006/main" xmlns:r="http://schemas.openxmlformats.org/officeDocument/2006/relationships" xmlns:p="http://schemas.openxmlformats.org/presentationml/2006/main">
   <p:tag name="THINKCELLUNDODONOTDELETE" val="0"/>
+</p:tagLst>
+</file>
+
+<file path=ppt/tags/tag10.xml><?xml version="1.0" encoding="utf-8"?>
+<p:tagLst xmlns:a="http://schemas.openxmlformats.org/drawingml/2006/main" xmlns:r="http://schemas.openxmlformats.org/officeDocument/2006/relationships" xmlns:p="http://schemas.openxmlformats.org/presentationml/2006/main">
+  <p:tag name="THINKCELLSHAPEDONOTDELETE" val="thinkcellActiveDocDoNotDelete"/>
 </p:tagLst>
 </file>
 

--- a/DRAFT_Slides_v0.2_ww.pptx
+++ b/DRAFT_Slides_v0.2_ww.pptx
@@ -18,7 +18,7 @@
     <p:sldId id="292" r:id="rId9"/>
     <p:sldId id="258" r:id="rId10"/>
     <p:sldId id="296" r:id="rId11"/>
-    <p:sldId id="297" r:id="rId12"/>
+    <p:sldId id="300" r:id="rId12"/>
     <p:sldId id="299" r:id="rId13"/>
     <p:sldId id="298" r:id="rId14"/>
   </p:sldIdLst>
@@ -417,6 +417,3943 @@
 </pc:chgInfo>
 </file>
 
+<file path=ppt/diagrams/colors1.xml><?xml version="1.0" encoding="utf-8"?>
+<dgm:colorsDef xmlns:dgm="http://schemas.openxmlformats.org/drawingml/2006/diagram" xmlns:a="http://schemas.openxmlformats.org/drawingml/2006/main" uniqueId="urn:microsoft.com/office/officeart/2005/8/colors/accent1_2">
+  <dgm:title val=""/>
+  <dgm:desc val=""/>
+  <dgm:catLst>
+    <dgm:cat type="accent1" pri="11200"/>
+  </dgm:catLst>
+  <dgm:styleLbl name="node0">
+    <dgm:fillClrLst meth="repeat">
+      <a:schemeClr val="accent1"/>
+    </dgm:fillClrLst>
+    <dgm:linClrLst meth="repeat">
+      <a:schemeClr val="lt1"/>
+    </dgm:linClrLst>
+    <dgm:effectClrLst/>
+    <dgm:txLinClrLst/>
+    <dgm:txFillClrLst/>
+    <dgm:txEffectClrLst/>
+  </dgm:styleLbl>
+  <dgm:styleLbl name="alignNode1">
+    <dgm:fillClrLst meth="repeat">
+      <a:schemeClr val="accent1"/>
+    </dgm:fillClrLst>
+    <dgm:linClrLst meth="repeat">
+      <a:schemeClr val="accent1"/>
+    </dgm:linClrLst>
+    <dgm:effectClrLst/>
+    <dgm:txLinClrLst/>
+    <dgm:txFillClrLst/>
+    <dgm:txEffectClrLst/>
+  </dgm:styleLbl>
+  <dgm:styleLbl name="node1">
+    <dgm:fillClrLst meth="repeat">
+      <a:schemeClr val="accent1"/>
+    </dgm:fillClrLst>
+    <dgm:linClrLst meth="repeat">
+      <a:schemeClr val="lt1"/>
+    </dgm:linClrLst>
+    <dgm:effectClrLst/>
+    <dgm:txLinClrLst/>
+    <dgm:txFillClrLst/>
+    <dgm:txEffectClrLst/>
+  </dgm:styleLbl>
+  <dgm:styleLbl name="lnNode1">
+    <dgm:fillClrLst meth="repeat">
+      <a:schemeClr val="accent1"/>
+    </dgm:fillClrLst>
+    <dgm:linClrLst meth="repeat">
+      <a:schemeClr val="lt1"/>
+    </dgm:linClrLst>
+    <dgm:effectClrLst/>
+    <dgm:txLinClrLst/>
+    <dgm:txFillClrLst/>
+    <dgm:txEffectClrLst/>
+  </dgm:styleLbl>
+  <dgm:styleLbl name="vennNode1">
+    <dgm:fillClrLst meth="repeat">
+      <a:schemeClr val="accent1">
+        <a:alpha val="50000"/>
+      </a:schemeClr>
+    </dgm:fillClrLst>
+    <dgm:linClrLst meth="repeat">
+      <a:schemeClr val="lt1"/>
+    </dgm:linClrLst>
+    <dgm:effectClrLst/>
+    <dgm:txLinClrLst/>
+    <dgm:txFillClrLst/>
+    <dgm:txEffectClrLst/>
+  </dgm:styleLbl>
+  <dgm:styleLbl name="node2">
+    <dgm:fillClrLst meth="repeat">
+      <a:schemeClr val="accent1"/>
+    </dgm:fillClrLst>
+    <dgm:linClrLst meth="repeat">
+      <a:schemeClr val="lt1"/>
+    </dgm:linClrLst>
+    <dgm:effectClrLst/>
+    <dgm:txLinClrLst/>
+    <dgm:txFillClrLst/>
+    <dgm:txEffectClrLst/>
+  </dgm:styleLbl>
+  <dgm:styleLbl name="node3">
+    <dgm:fillClrLst meth="repeat">
+      <a:schemeClr val="accent1"/>
+    </dgm:fillClrLst>
+    <dgm:linClrLst meth="repeat">
+      <a:schemeClr val="lt1"/>
+    </dgm:linClrLst>
+    <dgm:effectClrLst/>
+    <dgm:txLinClrLst/>
+    <dgm:txFillClrLst/>
+    <dgm:txEffectClrLst/>
+  </dgm:styleLbl>
+  <dgm:styleLbl name="node4">
+    <dgm:fillClrLst meth="repeat">
+      <a:schemeClr val="accent1"/>
+    </dgm:fillClrLst>
+    <dgm:linClrLst meth="repeat">
+      <a:schemeClr val="lt1"/>
+    </dgm:linClrLst>
+    <dgm:effectClrLst/>
+    <dgm:txLinClrLst/>
+    <dgm:txFillClrLst/>
+    <dgm:txEffectClrLst/>
+  </dgm:styleLbl>
+  <dgm:styleLbl name="fgImgPlace1">
+    <dgm:fillClrLst meth="repeat">
+      <a:schemeClr val="accent1">
+        <a:tint val="50000"/>
+      </a:schemeClr>
+    </dgm:fillClrLst>
+    <dgm:linClrLst meth="repeat">
+      <a:schemeClr val="lt1"/>
+    </dgm:linClrLst>
+    <dgm:effectClrLst/>
+    <dgm:txLinClrLst/>
+    <dgm:txFillClrLst meth="repeat">
+      <a:schemeClr val="lt1"/>
+    </dgm:txFillClrLst>
+    <dgm:txEffectClrLst/>
+  </dgm:styleLbl>
+  <dgm:styleLbl name="alignImgPlace1">
+    <dgm:fillClrLst meth="repeat">
+      <a:schemeClr val="accent1">
+        <a:tint val="50000"/>
+      </a:schemeClr>
+    </dgm:fillClrLst>
+    <dgm:linClrLst meth="repeat">
+      <a:schemeClr val="lt1"/>
+    </dgm:linClrLst>
+    <dgm:effectClrLst/>
+    <dgm:txLinClrLst/>
+    <dgm:txFillClrLst meth="repeat">
+      <a:schemeClr val="lt1"/>
+    </dgm:txFillClrLst>
+    <dgm:txEffectClrLst/>
+  </dgm:styleLbl>
+  <dgm:styleLbl name="bgImgPlace1">
+    <dgm:fillClrLst meth="repeat">
+      <a:schemeClr val="accent1">
+        <a:tint val="50000"/>
+      </a:schemeClr>
+    </dgm:fillClrLst>
+    <dgm:linClrLst meth="repeat">
+      <a:schemeClr val="lt1"/>
+    </dgm:linClrLst>
+    <dgm:effectClrLst/>
+    <dgm:txLinClrLst/>
+    <dgm:txFillClrLst meth="repeat">
+      <a:schemeClr val="lt1"/>
+    </dgm:txFillClrLst>
+    <dgm:txEffectClrLst/>
+  </dgm:styleLbl>
+  <dgm:styleLbl name="sibTrans2D1">
+    <dgm:fillClrLst meth="repeat">
+      <a:schemeClr val="accent1">
+        <a:tint val="60000"/>
+      </a:schemeClr>
+    </dgm:fillClrLst>
+    <dgm:linClrLst meth="repeat">
+      <a:schemeClr val="accent1">
+        <a:tint val="60000"/>
+      </a:schemeClr>
+    </dgm:linClrLst>
+    <dgm:effectClrLst/>
+    <dgm:txLinClrLst/>
+    <dgm:txFillClrLst/>
+    <dgm:txEffectClrLst/>
+  </dgm:styleLbl>
+  <dgm:styleLbl name="fgSibTrans2D1">
+    <dgm:fillClrLst meth="repeat">
+      <a:schemeClr val="accent1">
+        <a:tint val="60000"/>
+      </a:schemeClr>
+    </dgm:fillClrLst>
+    <dgm:linClrLst meth="repeat">
+      <a:schemeClr val="accent1">
+        <a:tint val="60000"/>
+      </a:schemeClr>
+    </dgm:linClrLst>
+    <dgm:effectClrLst/>
+    <dgm:txLinClrLst/>
+    <dgm:txFillClrLst/>
+    <dgm:txEffectClrLst/>
+  </dgm:styleLbl>
+  <dgm:styleLbl name="bgSibTrans2D1">
+    <dgm:fillClrLst meth="repeat">
+      <a:schemeClr val="accent1">
+        <a:tint val="60000"/>
+      </a:schemeClr>
+    </dgm:fillClrLst>
+    <dgm:linClrLst meth="repeat">
+      <a:schemeClr val="accent1">
+        <a:tint val="60000"/>
+      </a:schemeClr>
+    </dgm:linClrLst>
+    <dgm:effectClrLst/>
+    <dgm:txLinClrLst/>
+    <dgm:txFillClrLst/>
+    <dgm:txEffectClrLst/>
+  </dgm:styleLbl>
+  <dgm:styleLbl name="sibTrans1D1">
+    <dgm:fillClrLst meth="repeat">
+      <a:schemeClr val="accent1"/>
+    </dgm:fillClrLst>
+    <dgm:linClrLst meth="repeat">
+      <a:schemeClr val="accent1"/>
+    </dgm:linClrLst>
+    <dgm:effectClrLst/>
+    <dgm:txLinClrLst/>
+    <dgm:txFillClrLst meth="repeat">
+      <a:schemeClr val="tx1"/>
+    </dgm:txFillClrLst>
+    <dgm:txEffectClrLst/>
+  </dgm:styleLbl>
+  <dgm:styleLbl name="callout">
+    <dgm:fillClrLst meth="repeat">
+      <a:schemeClr val="accent1"/>
+    </dgm:fillClrLst>
+    <dgm:linClrLst meth="repeat">
+      <a:schemeClr val="accent1">
+        <a:tint val="50000"/>
+      </a:schemeClr>
+    </dgm:linClrLst>
+    <dgm:effectClrLst/>
+    <dgm:txLinClrLst/>
+    <dgm:txFillClrLst meth="repeat">
+      <a:schemeClr val="tx1"/>
+    </dgm:txFillClrLst>
+    <dgm:txEffectClrLst/>
+  </dgm:styleLbl>
+  <dgm:styleLbl name="asst0">
+    <dgm:fillClrLst meth="repeat">
+      <a:schemeClr val="accent1"/>
+    </dgm:fillClrLst>
+    <dgm:linClrLst meth="repeat">
+      <a:schemeClr val="lt1"/>
+    </dgm:linClrLst>
+    <dgm:effectClrLst/>
+    <dgm:txLinClrLst/>
+    <dgm:txFillClrLst/>
+    <dgm:txEffectClrLst/>
+  </dgm:styleLbl>
+  <dgm:styleLbl name="asst1">
+    <dgm:fillClrLst meth="repeat">
+      <a:schemeClr val="accent1"/>
+    </dgm:fillClrLst>
+    <dgm:linClrLst meth="repeat">
+      <a:schemeClr val="lt1"/>
+    </dgm:linClrLst>
+    <dgm:effectClrLst/>
+    <dgm:txLinClrLst/>
+    <dgm:txFillClrLst/>
+    <dgm:txEffectClrLst/>
+  </dgm:styleLbl>
+  <dgm:styleLbl name="asst2">
+    <dgm:fillClrLst meth="repeat">
+      <a:schemeClr val="accent1"/>
+    </dgm:fillClrLst>
+    <dgm:linClrLst meth="repeat">
+      <a:schemeClr val="lt1"/>
+    </dgm:linClrLst>
+    <dgm:effectClrLst/>
+    <dgm:txLinClrLst/>
+    <dgm:txFillClrLst/>
+    <dgm:txEffectClrLst/>
+  </dgm:styleLbl>
+  <dgm:styleLbl name="asst3">
+    <dgm:fillClrLst meth="repeat">
+      <a:schemeClr val="accent1"/>
+    </dgm:fillClrLst>
+    <dgm:linClrLst meth="repeat">
+      <a:schemeClr val="lt1"/>
+    </dgm:linClrLst>
+    <dgm:effectClrLst/>
+    <dgm:txLinClrLst/>
+    <dgm:txFillClrLst/>
+    <dgm:txEffectClrLst/>
+  </dgm:styleLbl>
+  <dgm:styleLbl name="asst4">
+    <dgm:fillClrLst meth="repeat">
+      <a:schemeClr val="accent1"/>
+    </dgm:fillClrLst>
+    <dgm:linClrLst meth="repeat">
+      <a:schemeClr val="lt1"/>
+    </dgm:linClrLst>
+    <dgm:effectClrLst/>
+    <dgm:txLinClrLst/>
+    <dgm:txFillClrLst/>
+    <dgm:txEffectClrLst/>
+  </dgm:styleLbl>
+  <dgm:styleLbl name="parChTrans2D1">
+    <dgm:fillClrLst meth="repeat">
+      <a:schemeClr val="accent1">
+        <a:tint val="60000"/>
+      </a:schemeClr>
+    </dgm:fillClrLst>
+    <dgm:linClrLst meth="repeat">
+      <a:schemeClr val="accent1">
+        <a:tint val="60000"/>
+      </a:schemeClr>
+    </dgm:linClrLst>
+    <dgm:effectClrLst/>
+    <dgm:txLinClrLst/>
+    <dgm:txFillClrLst meth="repeat">
+      <a:schemeClr val="lt1"/>
+    </dgm:txFillClrLst>
+    <dgm:txEffectClrLst/>
+  </dgm:styleLbl>
+  <dgm:styleLbl name="parChTrans2D2">
+    <dgm:fillClrLst meth="repeat">
+      <a:schemeClr val="accent1"/>
+    </dgm:fillClrLst>
+    <dgm:linClrLst meth="repeat">
+      <a:schemeClr val="accent1"/>
+    </dgm:linClrLst>
+    <dgm:effectClrLst/>
+    <dgm:txLinClrLst/>
+    <dgm:txFillClrLst meth="repeat">
+      <a:schemeClr val="lt1"/>
+    </dgm:txFillClrLst>
+    <dgm:txEffectClrLst/>
+  </dgm:styleLbl>
+  <dgm:styleLbl name="parChTrans2D3">
+    <dgm:fillClrLst meth="repeat">
+      <a:schemeClr val="accent1"/>
+    </dgm:fillClrLst>
+    <dgm:linClrLst meth="repeat">
+      <a:schemeClr val="accent1"/>
+    </dgm:linClrLst>
+    <dgm:effectClrLst/>
+    <dgm:txLinClrLst/>
+    <dgm:txFillClrLst meth="repeat">
+      <a:schemeClr val="lt1"/>
+    </dgm:txFillClrLst>
+    <dgm:txEffectClrLst/>
+  </dgm:styleLbl>
+  <dgm:styleLbl name="parChTrans2D4">
+    <dgm:fillClrLst meth="repeat">
+      <a:schemeClr val="accent1"/>
+    </dgm:fillClrLst>
+    <dgm:linClrLst meth="repeat">
+      <a:schemeClr val="accent1"/>
+    </dgm:linClrLst>
+    <dgm:effectClrLst/>
+    <dgm:txLinClrLst/>
+    <dgm:txFillClrLst meth="repeat">
+      <a:schemeClr val="lt1"/>
+    </dgm:txFillClrLst>
+    <dgm:txEffectClrLst/>
+  </dgm:styleLbl>
+  <dgm:styleLbl name="parChTrans1D1">
+    <dgm:fillClrLst meth="repeat">
+      <a:schemeClr val="accent1"/>
+    </dgm:fillClrLst>
+    <dgm:linClrLst meth="repeat">
+      <a:schemeClr val="accent1">
+        <a:shade val="60000"/>
+      </a:schemeClr>
+    </dgm:linClrLst>
+    <dgm:effectClrLst/>
+    <dgm:txLinClrLst/>
+    <dgm:txFillClrLst meth="repeat">
+      <a:schemeClr val="tx1"/>
+    </dgm:txFillClrLst>
+    <dgm:txEffectClrLst/>
+  </dgm:styleLbl>
+  <dgm:styleLbl name="parChTrans1D2">
+    <dgm:fillClrLst meth="repeat">
+      <a:schemeClr val="accent1"/>
+    </dgm:fillClrLst>
+    <dgm:linClrLst meth="repeat">
+      <a:schemeClr val="accent1">
+        <a:shade val="60000"/>
+      </a:schemeClr>
+    </dgm:linClrLst>
+    <dgm:effectClrLst/>
+    <dgm:txLinClrLst/>
+    <dgm:txFillClrLst meth="repeat">
+      <a:schemeClr val="tx1"/>
+    </dgm:txFillClrLst>
+    <dgm:txEffectClrLst/>
+  </dgm:styleLbl>
+  <dgm:styleLbl name="parChTrans1D3">
+    <dgm:fillClrLst meth="repeat">
+      <a:schemeClr val="accent1"/>
+    </dgm:fillClrLst>
+    <dgm:linClrLst meth="repeat">
+      <a:schemeClr val="accent1">
+        <a:shade val="80000"/>
+      </a:schemeClr>
+    </dgm:linClrLst>
+    <dgm:effectClrLst/>
+    <dgm:txLinClrLst/>
+    <dgm:txFillClrLst meth="repeat">
+      <a:schemeClr val="tx1"/>
+    </dgm:txFillClrLst>
+    <dgm:txEffectClrLst/>
+  </dgm:styleLbl>
+  <dgm:styleLbl name="parChTrans1D4">
+    <dgm:fillClrLst meth="repeat">
+      <a:schemeClr val="accent1"/>
+    </dgm:fillClrLst>
+    <dgm:linClrLst meth="repeat">
+      <a:schemeClr val="accent1">
+        <a:shade val="80000"/>
+      </a:schemeClr>
+    </dgm:linClrLst>
+    <dgm:effectClrLst/>
+    <dgm:txLinClrLst/>
+    <dgm:txFillClrLst meth="repeat">
+      <a:schemeClr val="tx1"/>
+    </dgm:txFillClrLst>
+    <dgm:txEffectClrLst/>
+  </dgm:styleLbl>
+  <dgm:styleLbl name="fgAcc1">
+    <dgm:fillClrLst meth="repeat">
+      <a:schemeClr val="lt1">
+        <a:alpha val="90000"/>
+      </a:schemeClr>
+    </dgm:fillClrLst>
+    <dgm:linClrLst meth="repeat">
+      <a:schemeClr val="accent1"/>
+    </dgm:linClrLst>
+    <dgm:effectClrLst/>
+    <dgm:txLinClrLst/>
+    <dgm:txFillClrLst meth="repeat">
+      <a:schemeClr val="dk1"/>
+    </dgm:txFillClrLst>
+    <dgm:txEffectClrLst/>
+  </dgm:styleLbl>
+  <dgm:styleLbl name="conFgAcc1">
+    <dgm:fillClrLst meth="repeat">
+      <a:schemeClr val="lt1">
+        <a:alpha val="90000"/>
+      </a:schemeClr>
+    </dgm:fillClrLst>
+    <dgm:linClrLst meth="repeat">
+      <a:schemeClr val="accent1"/>
+    </dgm:linClrLst>
+    <dgm:effectClrLst/>
+    <dgm:txLinClrLst/>
+    <dgm:txFillClrLst meth="repeat">
+      <a:schemeClr val="dk1"/>
+    </dgm:txFillClrLst>
+    <dgm:txEffectClrLst/>
+  </dgm:styleLbl>
+  <dgm:styleLbl name="alignAcc1">
+    <dgm:fillClrLst meth="repeat">
+      <a:schemeClr val="lt1">
+        <a:alpha val="90000"/>
+      </a:schemeClr>
+    </dgm:fillClrLst>
+    <dgm:linClrLst meth="repeat">
+      <a:schemeClr val="accent1"/>
+    </dgm:linClrLst>
+    <dgm:effectClrLst/>
+    <dgm:txLinClrLst/>
+    <dgm:txFillClrLst meth="repeat">
+      <a:schemeClr val="dk1"/>
+    </dgm:txFillClrLst>
+    <dgm:txEffectClrLst/>
+  </dgm:styleLbl>
+  <dgm:styleLbl name="trAlignAcc1">
+    <dgm:fillClrLst meth="repeat">
+      <a:schemeClr val="lt1">
+        <a:alpha val="40000"/>
+      </a:schemeClr>
+    </dgm:fillClrLst>
+    <dgm:linClrLst meth="repeat">
+      <a:schemeClr val="accent1"/>
+    </dgm:linClrLst>
+    <dgm:effectClrLst/>
+    <dgm:txLinClrLst/>
+    <dgm:txFillClrLst meth="repeat">
+      <a:schemeClr val="dk1"/>
+    </dgm:txFillClrLst>
+    <dgm:txEffectClrLst/>
+  </dgm:styleLbl>
+  <dgm:styleLbl name="bgAcc1">
+    <dgm:fillClrLst meth="repeat">
+      <a:schemeClr val="lt1">
+        <a:alpha val="90000"/>
+      </a:schemeClr>
+    </dgm:fillClrLst>
+    <dgm:linClrLst meth="repeat">
+      <a:schemeClr val="accent1"/>
+    </dgm:linClrLst>
+    <dgm:effectClrLst/>
+    <dgm:txLinClrLst/>
+    <dgm:txFillClrLst meth="repeat">
+      <a:schemeClr val="dk1"/>
+    </dgm:txFillClrLst>
+    <dgm:txEffectClrLst/>
+  </dgm:styleLbl>
+  <dgm:styleLbl name="solidFgAcc1">
+    <dgm:fillClrLst meth="repeat">
+      <a:schemeClr val="lt1"/>
+    </dgm:fillClrLst>
+    <dgm:linClrLst meth="repeat">
+      <a:schemeClr val="accent1"/>
+    </dgm:linClrLst>
+    <dgm:effectClrLst/>
+    <dgm:txLinClrLst/>
+    <dgm:txFillClrLst meth="repeat">
+      <a:schemeClr val="dk1"/>
+    </dgm:txFillClrLst>
+    <dgm:txEffectClrLst/>
+  </dgm:styleLbl>
+  <dgm:styleLbl name="solidAlignAcc1">
+    <dgm:fillClrLst meth="repeat">
+      <a:schemeClr val="lt1"/>
+    </dgm:fillClrLst>
+    <dgm:linClrLst meth="repeat">
+      <a:schemeClr val="accent1"/>
+    </dgm:linClrLst>
+    <dgm:effectClrLst/>
+    <dgm:txLinClrLst/>
+    <dgm:txFillClrLst meth="repeat">
+      <a:schemeClr val="dk1"/>
+    </dgm:txFillClrLst>
+    <dgm:txEffectClrLst/>
+  </dgm:styleLbl>
+  <dgm:styleLbl name="solidBgAcc1">
+    <dgm:fillClrLst meth="repeat">
+      <a:schemeClr val="lt1"/>
+    </dgm:fillClrLst>
+    <dgm:linClrLst meth="repeat">
+      <a:schemeClr val="accent1"/>
+    </dgm:linClrLst>
+    <dgm:effectClrLst/>
+    <dgm:txLinClrLst/>
+    <dgm:txFillClrLst meth="repeat">
+      <a:schemeClr val="dk1"/>
+    </dgm:txFillClrLst>
+    <dgm:txEffectClrLst/>
+  </dgm:styleLbl>
+  <dgm:styleLbl name="fgAccFollowNode1">
+    <dgm:fillClrLst meth="repeat">
+      <a:schemeClr val="accent1">
+        <a:alpha val="90000"/>
+        <a:tint val="40000"/>
+      </a:schemeClr>
+    </dgm:fillClrLst>
+    <dgm:linClrLst meth="repeat">
+      <a:schemeClr val="accent1">
+        <a:alpha val="90000"/>
+        <a:tint val="40000"/>
+      </a:schemeClr>
+    </dgm:linClrLst>
+    <dgm:effectClrLst/>
+    <dgm:txLinClrLst/>
+    <dgm:txFillClrLst meth="repeat">
+      <a:schemeClr val="dk1"/>
+    </dgm:txFillClrLst>
+    <dgm:txEffectClrLst/>
+  </dgm:styleLbl>
+  <dgm:styleLbl name="alignAccFollowNode1">
+    <dgm:fillClrLst meth="repeat">
+      <a:schemeClr val="accent1">
+        <a:alpha val="90000"/>
+        <a:tint val="40000"/>
+      </a:schemeClr>
+    </dgm:fillClrLst>
+    <dgm:linClrLst meth="repeat">
+      <a:schemeClr val="accent1">
+        <a:alpha val="90000"/>
+        <a:tint val="40000"/>
+      </a:schemeClr>
+    </dgm:linClrLst>
+    <dgm:effectClrLst/>
+    <dgm:txLinClrLst/>
+    <dgm:txFillClrLst meth="repeat">
+      <a:schemeClr val="dk1"/>
+    </dgm:txFillClrLst>
+    <dgm:txEffectClrLst/>
+  </dgm:styleLbl>
+  <dgm:styleLbl name="bgAccFollowNode1">
+    <dgm:fillClrLst meth="repeat">
+      <a:schemeClr val="accent1">
+        <a:alpha val="90000"/>
+        <a:tint val="40000"/>
+      </a:schemeClr>
+    </dgm:fillClrLst>
+    <dgm:linClrLst meth="repeat">
+      <a:schemeClr val="accent1">
+        <a:alpha val="90000"/>
+        <a:tint val="40000"/>
+      </a:schemeClr>
+    </dgm:linClrLst>
+    <dgm:effectClrLst/>
+    <dgm:txLinClrLst/>
+    <dgm:txFillClrLst meth="repeat">
+      <a:schemeClr val="dk1"/>
+    </dgm:txFillClrLst>
+    <dgm:txEffectClrLst/>
+  </dgm:styleLbl>
+  <dgm:styleLbl name="fgAcc0">
+    <dgm:fillClrLst meth="repeat">
+      <a:schemeClr val="lt1">
+        <a:alpha val="90000"/>
+      </a:schemeClr>
+    </dgm:fillClrLst>
+    <dgm:linClrLst meth="repeat">
+      <a:schemeClr val="accent1"/>
+    </dgm:linClrLst>
+    <dgm:effectClrLst/>
+    <dgm:txLinClrLst/>
+    <dgm:txFillClrLst meth="repeat">
+      <a:schemeClr val="dk1"/>
+    </dgm:txFillClrLst>
+    <dgm:txEffectClrLst/>
+  </dgm:styleLbl>
+  <dgm:styleLbl name="fgAcc2">
+    <dgm:fillClrLst meth="repeat">
+      <a:schemeClr val="lt1">
+        <a:alpha val="90000"/>
+      </a:schemeClr>
+    </dgm:fillClrLst>
+    <dgm:linClrLst meth="repeat">
+      <a:schemeClr val="accent1"/>
+    </dgm:linClrLst>
+    <dgm:effectClrLst/>
+    <dgm:txLinClrLst/>
+    <dgm:txFillClrLst meth="repeat">
+      <a:schemeClr val="dk1"/>
+    </dgm:txFillClrLst>
+    <dgm:txEffectClrLst/>
+  </dgm:styleLbl>
+  <dgm:styleLbl name="fgAcc3">
+    <dgm:fillClrLst meth="repeat">
+      <a:schemeClr val="lt1">
+        <a:alpha val="90000"/>
+      </a:schemeClr>
+    </dgm:fillClrLst>
+    <dgm:linClrLst meth="repeat">
+      <a:schemeClr val="accent1"/>
+    </dgm:linClrLst>
+    <dgm:effectClrLst/>
+    <dgm:txLinClrLst/>
+    <dgm:txFillClrLst meth="repeat">
+      <a:schemeClr val="dk1"/>
+    </dgm:txFillClrLst>
+    <dgm:txEffectClrLst/>
+  </dgm:styleLbl>
+  <dgm:styleLbl name="fgAcc4">
+    <dgm:fillClrLst meth="repeat">
+      <a:schemeClr val="lt1">
+        <a:alpha val="90000"/>
+      </a:schemeClr>
+    </dgm:fillClrLst>
+    <dgm:linClrLst meth="repeat">
+      <a:schemeClr val="accent1"/>
+    </dgm:linClrLst>
+    <dgm:effectClrLst/>
+    <dgm:txLinClrLst/>
+    <dgm:txFillClrLst meth="repeat">
+      <a:schemeClr val="dk1"/>
+    </dgm:txFillClrLst>
+    <dgm:txEffectClrLst/>
+  </dgm:styleLbl>
+  <dgm:styleLbl name="bgShp">
+    <dgm:fillClrLst meth="repeat">
+      <a:schemeClr val="accent1">
+        <a:tint val="40000"/>
+      </a:schemeClr>
+    </dgm:fillClrLst>
+    <dgm:linClrLst meth="repeat">
+      <a:schemeClr val="accent1"/>
+    </dgm:linClrLst>
+    <dgm:effectClrLst/>
+    <dgm:txLinClrLst/>
+    <dgm:txFillClrLst meth="repeat">
+      <a:schemeClr val="dk1"/>
+    </dgm:txFillClrLst>
+    <dgm:txEffectClrLst/>
+  </dgm:styleLbl>
+  <dgm:styleLbl name="dkBgShp">
+    <dgm:fillClrLst meth="repeat">
+      <a:schemeClr val="accent1">
+        <a:shade val="80000"/>
+      </a:schemeClr>
+    </dgm:fillClrLst>
+    <dgm:linClrLst meth="repeat">
+      <a:schemeClr val="accent1"/>
+    </dgm:linClrLst>
+    <dgm:effectClrLst/>
+    <dgm:txLinClrLst/>
+    <dgm:txFillClrLst meth="repeat">
+      <a:schemeClr val="lt1"/>
+    </dgm:txFillClrLst>
+    <dgm:txEffectClrLst/>
+  </dgm:styleLbl>
+  <dgm:styleLbl name="trBgShp">
+    <dgm:fillClrLst meth="repeat">
+      <a:schemeClr val="accent1">
+        <a:tint val="50000"/>
+        <a:alpha val="40000"/>
+      </a:schemeClr>
+    </dgm:fillClrLst>
+    <dgm:linClrLst meth="repeat">
+      <a:schemeClr val="accent1"/>
+    </dgm:linClrLst>
+    <dgm:effectClrLst/>
+    <dgm:txLinClrLst/>
+    <dgm:txFillClrLst meth="repeat">
+      <a:schemeClr val="lt1"/>
+    </dgm:txFillClrLst>
+    <dgm:txEffectClrLst/>
+  </dgm:styleLbl>
+  <dgm:styleLbl name="fgShp">
+    <dgm:fillClrLst meth="repeat">
+      <a:schemeClr val="accent1">
+        <a:tint val="60000"/>
+      </a:schemeClr>
+    </dgm:fillClrLst>
+    <dgm:linClrLst meth="repeat">
+      <a:schemeClr val="lt1"/>
+    </dgm:linClrLst>
+    <dgm:effectClrLst/>
+    <dgm:txLinClrLst/>
+    <dgm:txFillClrLst meth="repeat">
+      <a:schemeClr val="dk1"/>
+    </dgm:txFillClrLst>
+    <dgm:txEffectClrLst/>
+  </dgm:styleLbl>
+  <dgm:styleLbl name="revTx">
+    <dgm:fillClrLst meth="repeat">
+      <a:schemeClr val="lt1">
+        <a:alpha val="0"/>
+      </a:schemeClr>
+    </dgm:fillClrLst>
+    <dgm:linClrLst meth="repeat">
+      <a:schemeClr val="dk1">
+        <a:alpha val="0"/>
+      </a:schemeClr>
+    </dgm:linClrLst>
+    <dgm:effectClrLst/>
+    <dgm:txLinClrLst/>
+    <dgm:txFillClrLst meth="repeat">
+      <a:schemeClr val="tx1"/>
+    </dgm:txFillClrLst>
+    <dgm:txEffectClrLst/>
+  </dgm:styleLbl>
+</dgm:colorsDef>
+</file>
+
+<file path=ppt/diagrams/data1.xml><?xml version="1.0" encoding="utf-8"?>
+<dgm:dataModel xmlns:dgm="http://schemas.openxmlformats.org/drawingml/2006/diagram" xmlns:a="http://schemas.openxmlformats.org/drawingml/2006/main">
+  <dgm:ptLst>
+    <dgm:pt modelId="{3EB1903C-75FD-4231-B003-33ACD44E7315}" type="doc">
+      <dgm:prSet loTypeId="urn:microsoft.com/office/officeart/2005/8/layout/hList1" loCatId="list" qsTypeId="urn:microsoft.com/office/officeart/2005/8/quickstyle/simple1" qsCatId="simple" csTypeId="urn:microsoft.com/office/officeart/2005/8/colors/accent1_2" csCatId="accent1" phldr="1"/>
+      <dgm:spPr/>
+      <dgm:t>
+        <a:bodyPr/>
+        <a:lstStyle/>
+        <a:p>
+          <a:endParaRPr lang="en-US"/>
+        </a:p>
+      </dgm:t>
+    </dgm:pt>
+    <dgm:pt modelId="{81F06EB0-6EAF-4F3B-AE66-1BC26F58B844}">
+      <dgm:prSet phldrT="[Text]"/>
+      <dgm:spPr>
+        <a:solidFill>
+          <a:schemeClr val="accent1">
+            <a:lumMod val="75000"/>
+          </a:schemeClr>
+        </a:solidFill>
+        <a:ln>
+          <a:noFill/>
+        </a:ln>
+        <a:effectLst>
+          <a:outerShdw blurRad="50800" dist="38100" dir="2700000" algn="tl" rotWithShape="0">
+            <a:prstClr val="black">
+              <a:alpha val="40000"/>
+            </a:prstClr>
+          </a:outerShdw>
+        </a:effectLst>
+      </dgm:spPr>
+      <dgm:t>
+        <a:bodyPr/>
+        <a:lstStyle/>
+        <a:p>
+          <a:r>
+            <a:rPr lang="en-US" dirty="0"/>
+            <a:t>Data Input</a:t>
+          </a:r>
+        </a:p>
+      </dgm:t>
+    </dgm:pt>
+    <dgm:pt modelId="{012B21C1-CEF5-4F30-8E9B-5FFF7959E7E1}" type="parTrans" cxnId="{50AFC76F-8053-48A4-BC56-389E4866F407}">
+      <dgm:prSet/>
+      <dgm:spPr/>
+      <dgm:t>
+        <a:bodyPr/>
+        <a:lstStyle/>
+        <a:p>
+          <a:endParaRPr lang="en-US"/>
+        </a:p>
+      </dgm:t>
+    </dgm:pt>
+    <dgm:pt modelId="{89A04EA5-D10C-40A2-B9BE-2F816418F410}" type="sibTrans" cxnId="{50AFC76F-8053-48A4-BC56-389E4866F407}">
+      <dgm:prSet/>
+      <dgm:spPr/>
+      <dgm:t>
+        <a:bodyPr/>
+        <a:lstStyle/>
+        <a:p>
+          <a:endParaRPr lang="en-US"/>
+        </a:p>
+      </dgm:t>
+    </dgm:pt>
+    <dgm:pt modelId="{E8DFBBF1-F1AE-45D6-A9E0-354BF08CFF81}">
+      <dgm:prSet phldrT="[Text]"/>
+      <dgm:spPr>
+        <a:solidFill>
+          <a:schemeClr val="accent1">
+            <a:lumMod val="20000"/>
+            <a:lumOff val="80000"/>
+            <a:alpha val="90000"/>
+          </a:schemeClr>
+        </a:solidFill>
+        <a:ln>
+          <a:noFill/>
+        </a:ln>
+        <a:effectLst>
+          <a:outerShdw blurRad="50800" dist="38100" dir="2700000" algn="tl" rotWithShape="0">
+            <a:prstClr val="black">
+              <a:alpha val="40000"/>
+            </a:prstClr>
+          </a:outerShdw>
+        </a:effectLst>
+      </dgm:spPr>
+      <dgm:t>
+        <a:bodyPr/>
+        <a:lstStyle/>
+        <a:p>
+          <a:r>
+            <a:rPr lang="en-US" dirty="0"/>
+            <a:t>Diverse Language Support</a:t>
+          </a:r>
+        </a:p>
+      </dgm:t>
+    </dgm:pt>
+    <dgm:pt modelId="{AE954163-7127-4B98-A5BD-0971287D54E6}" type="parTrans" cxnId="{C786A24F-19C5-4FA5-AC3A-0D0851D6FE3D}">
+      <dgm:prSet/>
+      <dgm:spPr/>
+      <dgm:t>
+        <a:bodyPr/>
+        <a:lstStyle/>
+        <a:p>
+          <a:endParaRPr lang="en-US"/>
+        </a:p>
+      </dgm:t>
+    </dgm:pt>
+    <dgm:pt modelId="{5B96807F-2ACB-4F9B-AE96-A764AAF1A6F3}" type="sibTrans" cxnId="{C786A24F-19C5-4FA5-AC3A-0D0851D6FE3D}">
+      <dgm:prSet/>
+      <dgm:spPr/>
+      <dgm:t>
+        <a:bodyPr/>
+        <a:lstStyle/>
+        <a:p>
+          <a:endParaRPr lang="en-US"/>
+        </a:p>
+      </dgm:t>
+    </dgm:pt>
+    <dgm:pt modelId="{02D64AA7-ACDC-42A4-B40D-E6FF50FAF53C}">
+      <dgm:prSet phldrT="[Text]"/>
+      <dgm:spPr>
+        <a:solidFill>
+          <a:schemeClr val="accent1">
+            <a:lumMod val="20000"/>
+            <a:lumOff val="80000"/>
+            <a:alpha val="90000"/>
+          </a:schemeClr>
+        </a:solidFill>
+        <a:ln>
+          <a:noFill/>
+        </a:ln>
+        <a:effectLst>
+          <a:outerShdw blurRad="50800" dist="38100" dir="2700000" algn="tl" rotWithShape="0">
+            <a:prstClr val="black">
+              <a:alpha val="40000"/>
+            </a:prstClr>
+          </a:outerShdw>
+        </a:effectLst>
+      </dgm:spPr>
+      <dgm:t>
+        <a:bodyPr/>
+        <a:lstStyle/>
+        <a:p>
+          <a:r>
+            <a:rPr lang="en-US" dirty="0"/>
+            <a:t>Rich Metadata Integration</a:t>
+          </a:r>
+        </a:p>
+      </dgm:t>
+    </dgm:pt>
+    <dgm:pt modelId="{542BFF6A-5F22-4006-B166-D76CF6C39AA7}" type="parTrans" cxnId="{A4CB8155-60A6-4A72-AEA8-C2D1DCE02B19}">
+      <dgm:prSet/>
+      <dgm:spPr/>
+      <dgm:t>
+        <a:bodyPr/>
+        <a:lstStyle/>
+        <a:p>
+          <a:endParaRPr lang="en-US"/>
+        </a:p>
+      </dgm:t>
+    </dgm:pt>
+    <dgm:pt modelId="{8A64C0C5-ADFA-4750-8A66-08EBD6400B71}" type="sibTrans" cxnId="{A4CB8155-60A6-4A72-AEA8-C2D1DCE02B19}">
+      <dgm:prSet/>
+      <dgm:spPr/>
+      <dgm:t>
+        <a:bodyPr/>
+        <a:lstStyle/>
+        <a:p>
+          <a:endParaRPr lang="en-US"/>
+        </a:p>
+      </dgm:t>
+    </dgm:pt>
+    <dgm:pt modelId="{C9386C5C-2C0E-48EA-A0D1-8A5E098354A6}">
+      <dgm:prSet phldrT="[Text]"/>
+      <dgm:spPr>
+        <a:solidFill>
+          <a:schemeClr val="accent3">
+            <a:lumMod val="75000"/>
+          </a:schemeClr>
+        </a:solidFill>
+        <a:ln>
+          <a:noFill/>
+        </a:ln>
+        <a:effectLst>
+          <a:outerShdw blurRad="50800" dist="38100" dir="2700000" algn="tl" rotWithShape="0">
+            <a:prstClr val="black">
+              <a:alpha val="40000"/>
+            </a:prstClr>
+          </a:outerShdw>
+        </a:effectLst>
+      </dgm:spPr>
+      <dgm:t>
+        <a:bodyPr/>
+        <a:lstStyle/>
+        <a:p>
+          <a:r>
+            <a:rPr lang="en-US" dirty="0"/>
+            <a:t>Pre-processing &amp; Feature Engineering</a:t>
+          </a:r>
+        </a:p>
+      </dgm:t>
+    </dgm:pt>
+    <dgm:pt modelId="{549B0EA6-1E9E-4441-9755-339FBD35DEC8}" type="parTrans" cxnId="{2BC18923-2EB8-41C0-82DE-89CD92B319F9}">
+      <dgm:prSet/>
+      <dgm:spPr/>
+      <dgm:t>
+        <a:bodyPr/>
+        <a:lstStyle/>
+        <a:p>
+          <a:endParaRPr lang="en-US"/>
+        </a:p>
+      </dgm:t>
+    </dgm:pt>
+    <dgm:pt modelId="{8F592507-64D1-437A-8293-6BEA4B0EF2D3}" type="sibTrans" cxnId="{2BC18923-2EB8-41C0-82DE-89CD92B319F9}">
+      <dgm:prSet/>
+      <dgm:spPr/>
+      <dgm:t>
+        <a:bodyPr/>
+        <a:lstStyle/>
+        <a:p>
+          <a:endParaRPr lang="en-US"/>
+        </a:p>
+      </dgm:t>
+    </dgm:pt>
+    <dgm:pt modelId="{26D21917-2F84-46B5-9732-24192F03E826}">
+      <dgm:prSet phldrT="[Text]"/>
+      <dgm:spPr>
+        <a:solidFill>
+          <a:schemeClr val="accent6">
+            <a:lumMod val="20000"/>
+            <a:lumOff val="80000"/>
+            <a:alpha val="90000"/>
+          </a:schemeClr>
+        </a:solidFill>
+        <a:ln>
+          <a:noFill/>
+        </a:ln>
+        <a:effectLst>
+          <a:outerShdw blurRad="50800" dist="38100" dir="2700000" algn="tl" rotWithShape="0">
+            <a:prstClr val="black">
+              <a:alpha val="40000"/>
+            </a:prstClr>
+          </a:outerShdw>
+        </a:effectLst>
+      </dgm:spPr>
+      <dgm:t>
+        <a:bodyPr/>
+        <a:lstStyle/>
+        <a:p>
+          <a:r>
+            <a:rPr lang="en-US" dirty="0"/>
+            <a:t>Punctuation &amp; Grammar Analysis</a:t>
+          </a:r>
+        </a:p>
+      </dgm:t>
+    </dgm:pt>
+    <dgm:pt modelId="{29B48E29-C059-4F1E-A7AB-62325FF84ABD}" type="parTrans" cxnId="{152C92E0-AACB-4215-9113-18EC8770E0E4}">
+      <dgm:prSet/>
+      <dgm:spPr/>
+      <dgm:t>
+        <a:bodyPr/>
+        <a:lstStyle/>
+        <a:p>
+          <a:endParaRPr lang="en-US"/>
+        </a:p>
+      </dgm:t>
+    </dgm:pt>
+    <dgm:pt modelId="{0BBF1F5F-FD2C-40B2-8A17-B3DCD47DEFF6}" type="sibTrans" cxnId="{152C92E0-AACB-4215-9113-18EC8770E0E4}">
+      <dgm:prSet/>
+      <dgm:spPr/>
+      <dgm:t>
+        <a:bodyPr/>
+        <a:lstStyle/>
+        <a:p>
+          <a:endParaRPr lang="en-US"/>
+        </a:p>
+      </dgm:t>
+    </dgm:pt>
+    <dgm:pt modelId="{EAB5946F-4806-45A0-BB02-55752012FE37}">
+      <dgm:prSet phldrT="[Text]"/>
+      <dgm:spPr>
+        <a:solidFill>
+          <a:schemeClr val="accent6">
+            <a:lumMod val="20000"/>
+            <a:lumOff val="80000"/>
+            <a:alpha val="90000"/>
+          </a:schemeClr>
+        </a:solidFill>
+        <a:ln>
+          <a:noFill/>
+        </a:ln>
+        <a:effectLst>
+          <a:outerShdw blurRad="50800" dist="38100" dir="2700000" algn="tl" rotWithShape="0">
+            <a:prstClr val="black">
+              <a:alpha val="40000"/>
+            </a:prstClr>
+          </a:outerShdw>
+        </a:effectLst>
+      </dgm:spPr>
+      <dgm:t>
+        <a:bodyPr/>
+        <a:lstStyle/>
+        <a:p>
+          <a:r>
+            <a:rPr lang="en-US" dirty="0"/>
+            <a:t>Semantic &amp; </a:t>
+          </a:r>
+          <a:r>
+            <a:rPr lang="en-US" dirty="0" err="1"/>
+            <a:t>Stopword</a:t>
+          </a:r>
+          <a:r>
+            <a:rPr lang="en-US" dirty="0"/>
+            <a:t> Features</a:t>
+          </a:r>
+        </a:p>
+      </dgm:t>
+    </dgm:pt>
+    <dgm:pt modelId="{CA35AA88-85D3-49F7-B9FF-518A3EFD1513}" type="parTrans" cxnId="{40371FE2-0861-4B9D-8370-6AB963052D6B}">
+      <dgm:prSet/>
+      <dgm:spPr/>
+      <dgm:t>
+        <a:bodyPr/>
+        <a:lstStyle/>
+        <a:p>
+          <a:endParaRPr lang="en-US"/>
+        </a:p>
+      </dgm:t>
+    </dgm:pt>
+    <dgm:pt modelId="{AF029723-20C2-475B-8158-F5EC0994BE3F}" type="sibTrans" cxnId="{40371FE2-0861-4B9D-8370-6AB963052D6B}">
+      <dgm:prSet/>
+      <dgm:spPr/>
+      <dgm:t>
+        <a:bodyPr/>
+        <a:lstStyle/>
+        <a:p>
+          <a:endParaRPr lang="en-US"/>
+        </a:p>
+      </dgm:t>
+    </dgm:pt>
+    <dgm:pt modelId="{84E01BEB-2681-4984-86D7-4A5956858195}">
+      <dgm:prSet phldrT="[Text]"/>
+      <dgm:spPr>
+        <a:solidFill>
+          <a:schemeClr val="accent5">
+            <a:lumMod val="75000"/>
+          </a:schemeClr>
+        </a:solidFill>
+        <a:ln>
+          <a:noFill/>
+        </a:ln>
+        <a:effectLst>
+          <a:outerShdw blurRad="50800" dist="38100" dir="2700000" algn="tl" rotWithShape="0">
+            <a:prstClr val="black">
+              <a:alpha val="40000"/>
+            </a:prstClr>
+          </a:outerShdw>
+        </a:effectLst>
+      </dgm:spPr>
+      <dgm:t>
+        <a:bodyPr/>
+        <a:lstStyle/>
+        <a:p>
+          <a:r>
+            <a:rPr lang="en-US" i="0" dirty="0"/>
+            <a:t>Model Enhancements</a:t>
+          </a:r>
+        </a:p>
+      </dgm:t>
+    </dgm:pt>
+    <dgm:pt modelId="{C0F1E3DB-D712-4736-B1AF-FB3753E08149}" type="parTrans" cxnId="{5B23703A-B102-46C7-BB5C-8076EFE451D9}">
+      <dgm:prSet/>
+      <dgm:spPr/>
+      <dgm:t>
+        <a:bodyPr/>
+        <a:lstStyle/>
+        <a:p>
+          <a:endParaRPr lang="en-US"/>
+        </a:p>
+      </dgm:t>
+    </dgm:pt>
+    <dgm:pt modelId="{69C970DD-5C38-4B9D-930D-DA5D3D0C2978}" type="sibTrans" cxnId="{5B23703A-B102-46C7-BB5C-8076EFE451D9}">
+      <dgm:prSet/>
+      <dgm:spPr/>
+      <dgm:t>
+        <a:bodyPr/>
+        <a:lstStyle/>
+        <a:p>
+          <a:endParaRPr lang="en-US"/>
+        </a:p>
+      </dgm:t>
+    </dgm:pt>
+    <dgm:pt modelId="{AB25328B-8F84-460B-9112-1151B34F01A3}">
+      <dgm:prSet phldrT="[Text]"/>
+      <dgm:spPr>
+        <a:solidFill>
+          <a:schemeClr val="accent5">
+            <a:lumMod val="20000"/>
+            <a:lumOff val="80000"/>
+            <a:alpha val="90000"/>
+          </a:schemeClr>
+        </a:solidFill>
+        <a:ln>
+          <a:noFill/>
+        </a:ln>
+        <a:effectLst>
+          <a:outerShdw blurRad="50800" dist="38100" dir="2700000" algn="tl" rotWithShape="0">
+            <a:prstClr val="black">
+              <a:alpha val="40000"/>
+            </a:prstClr>
+          </a:outerShdw>
+        </a:effectLst>
+      </dgm:spPr>
+      <dgm:t>
+        <a:bodyPr/>
+        <a:lstStyle/>
+        <a:p>
+          <a:r>
+            <a:rPr lang="en-US" i="0" dirty="0"/>
+            <a:t>Context-aware Models</a:t>
+          </a:r>
+        </a:p>
+      </dgm:t>
+    </dgm:pt>
+    <dgm:pt modelId="{C36013A1-0651-4CD6-B223-9864CF0006D0}" type="parTrans" cxnId="{D42CAD52-E28E-415B-BA6F-E347FF0DD74E}">
+      <dgm:prSet/>
+      <dgm:spPr/>
+      <dgm:t>
+        <a:bodyPr/>
+        <a:lstStyle/>
+        <a:p>
+          <a:endParaRPr lang="en-US"/>
+        </a:p>
+      </dgm:t>
+    </dgm:pt>
+    <dgm:pt modelId="{5DFB7771-9597-4BCC-A117-F2BC0D5D5C91}" type="sibTrans" cxnId="{D42CAD52-E28E-415B-BA6F-E347FF0DD74E}">
+      <dgm:prSet/>
+      <dgm:spPr/>
+      <dgm:t>
+        <a:bodyPr/>
+        <a:lstStyle/>
+        <a:p>
+          <a:endParaRPr lang="en-US"/>
+        </a:p>
+      </dgm:t>
+    </dgm:pt>
+    <dgm:pt modelId="{3FAADCBB-BFEA-4764-8572-C76C0D8663B3}">
+      <dgm:prSet phldrT="[Text]"/>
+      <dgm:spPr>
+        <a:solidFill>
+          <a:schemeClr val="accent2">
+            <a:lumMod val="20000"/>
+            <a:lumOff val="80000"/>
+            <a:alpha val="90000"/>
+          </a:schemeClr>
+        </a:solidFill>
+        <a:ln>
+          <a:noFill/>
+        </a:ln>
+        <a:effectLst>
+          <a:outerShdw blurRad="50800" dist="38100" dir="2700000" algn="tl" rotWithShape="0">
+            <a:prstClr val="black">
+              <a:alpha val="40000"/>
+            </a:prstClr>
+          </a:outerShdw>
+        </a:effectLst>
+      </dgm:spPr>
+      <dgm:t>
+        <a:bodyPr/>
+        <a:lstStyle/>
+        <a:p>
+          <a:r>
+            <a:rPr lang="en-US" dirty="0"/>
+            <a:t>Real-Time Feedback Loop</a:t>
+          </a:r>
+        </a:p>
+      </dgm:t>
+    </dgm:pt>
+    <dgm:pt modelId="{5C3780E0-05AA-4A4D-B705-ECB544173C19}" type="parTrans" cxnId="{F00EEAE4-0AB4-4A2D-B2F2-E1531471DB54}">
+      <dgm:prSet/>
+      <dgm:spPr/>
+      <dgm:t>
+        <a:bodyPr/>
+        <a:lstStyle/>
+        <a:p>
+          <a:endParaRPr lang="en-US"/>
+        </a:p>
+      </dgm:t>
+    </dgm:pt>
+    <dgm:pt modelId="{5734AA50-5635-4920-89E5-D1E3557731DC}" type="sibTrans" cxnId="{F00EEAE4-0AB4-4A2D-B2F2-E1531471DB54}">
+      <dgm:prSet/>
+      <dgm:spPr/>
+      <dgm:t>
+        <a:bodyPr/>
+        <a:lstStyle/>
+        <a:p>
+          <a:endParaRPr lang="en-US"/>
+        </a:p>
+      </dgm:t>
+    </dgm:pt>
+    <dgm:pt modelId="{3AA532A2-9BEA-4E09-86FD-82E98AFEAF44}">
+      <dgm:prSet phldrT="[Text]"/>
+      <dgm:spPr>
+        <a:solidFill>
+          <a:schemeClr val="accent2">
+            <a:lumMod val="75000"/>
+          </a:schemeClr>
+        </a:solidFill>
+        <a:ln>
+          <a:noFill/>
+        </a:ln>
+        <a:effectLst>
+          <a:outerShdw blurRad="50800" dist="38100" dir="2700000" algn="tl" rotWithShape="0">
+            <a:prstClr val="black">
+              <a:alpha val="40000"/>
+            </a:prstClr>
+          </a:outerShdw>
+        </a:effectLst>
+      </dgm:spPr>
+      <dgm:t>
+        <a:bodyPr/>
+        <a:lstStyle/>
+        <a:p>
+          <a:r>
+            <a:rPr lang="en-US" i="0" dirty="0"/>
+            <a:t>Continuous Learning</a:t>
+          </a:r>
+        </a:p>
+      </dgm:t>
+    </dgm:pt>
+    <dgm:pt modelId="{E5A7CF5F-4DAC-492A-99C2-506EC0559CF5}" type="parTrans" cxnId="{674EDD93-68C3-454D-BDE9-888A1666D0B2}">
+      <dgm:prSet/>
+      <dgm:spPr/>
+      <dgm:t>
+        <a:bodyPr/>
+        <a:lstStyle/>
+        <a:p>
+          <a:endParaRPr lang="en-US"/>
+        </a:p>
+      </dgm:t>
+    </dgm:pt>
+    <dgm:pt modelId="{BCED8313-A6D4-4045-988C-E1A6443D1D67}" type="sibTrans" cxnId="{674EDD93-68C3-454D-BDE9-888A1666D0B2}">
+      <dgm:prSet/>
+      <dgm:spPr/>
+      <dgm:t>
+        <a:bodyPr/>
+        <a:lstStyle/>
+        <a:p>
+          <a:endParaRPr lang="en-US"/>
+        </a:p>
+      </dgm:t>
+    </dgm:pt>
+    <dgm:pt modelId="{11027371-DAD9-4B3C-99DD-5EDEEBB3BCE7}">
+      <dgm:prSet phldrT="[Text]"/>
+      <dgm:spPr>
+        <a:solidFill>
+          <a:schemeClr val="accent1">
+            <a:lumMod val="20000"/>
+            <a:lumOff val="80000"/>
+            <a:alpha val="90000"/>
+          </a:schemeClr>
+        </a:solidFill>
+        <a:ln>
+          <a:noFill/>
+        </a:ln>
+        <a:effectLst>
+          <a:outerShdw blurRad="50800" dist="38100" dir="2700000" algn="tl" rotWithShape="0">
+            <a:prstClr val="black">
+              <a:alpha val="40000"/>
+            </a:prstClr>
+          </a:outerShdw>
+        </a:effectLst>
+      </dgm:spPr>
+      <dgm:t>
+        <a:bodyPr/>
+        <a:lstStyle/>
+        <a:p>
+          <a:r>
+            <a:rPr lang="en-US" dirty="0"/>
+            <a:t>Balanced Dataset Composition</a:t>
+          </a:r>
+        </a:p>
+      </dgm:t>
+    </dgm:pt>
+    <dgm:pt modelId="{11BF591E-4AA6-4034-8FBE-D6B6C4D70C6E}" type="parTrans" cxnId="{DBA74428-1C06-47D6-A6DA-9B15A606CA09}">
+      <dgm:prSet/>
+      <dgm:spPr/>
+      <dgm:t>
+        <a:bodyPr/>
+        <a:lstStyle/>
+        <a:p>
+          <a:endParaRPr lang="en-US"/>
+        </a:p>
+      </dgm:t>
+    </dgm:pt>
+    <dgm:pt modelId="{0A5D3EC1-BEED-4B57-B0D7-363173219CDC}" type="sibTrans" cxnId="{DBA74428-1C06-47D6-A6DA-9B15A606CA09}">
+      <dgm:prSet/>
+      <dgm:spPr/>
+      <dgm:t>
+        <a:bodyPr/>
+        <a:lstStyle/>
+        <a:p>
+          <a:endParaRPr lang="en-US"/>
+        </a:p>
+      </dgm:t>
+    </dgm:pt>
+    <dgm:pt modelId="{5A72C403-B206-4A1B-ADB0-64341A4BA3B9}">
+      <dgm:prSet phldrT="[Text]"/>
+      <dgm:spPr>
+        <a:solidFill>
+          <a:schemeClr val="accent5">
+            <a:lumMod val="20000"/>
+            <a:lumOff val="80000"/>
+            <a:alpha val="90000"/>
+          </a:schemeClr>
+        </a:solidFill>
+        <a:ln>
+          <a:noFill/>
+        </a:ln>
+        <a:effectLst>
+          <a:outerShdw blurRad="50800" dist="38100" dir="2700000" algn="tl" rotWithShape="0">
+            <a:prstClr val="black">
+              <a:alpha val="40000"/>
+            </a:prstClr>
+          </a:outerShdw>
+        </a:effectLst>
+      </dgm:spPr>
+      <dgm:t>
+        <a:bodyPr/>
+        <a:lstStyle/>
+        <a:p>
+          <a:r>
+            <a:rPr lang="en-US" i="0" dirty="0" err="1"/>
+            <a:t>Scaleability</a:t>
+          </a:r>
+          <a:r>
+            <a:rPr lang="en-US" i="0" dirty="0"/>
+            <a:t> &amp; Deployment</a:t>
+          </a:r>
+        </a:p>
+      </dgm:t>
+    </dgm:pt>
+    <dgm:pt modelId="{76F4B480-7C56-48DA-AB5B-8168B169D912}" type="parTrans" cxnId="{37464A1D-31D2-4B74-AD00-1BDE97020909}">
+      <dgm:prSet/>
+      <dgm:spPr/>
+      <dgm:t>
+        <a:bodyPr/>
+        <a:lstStyle/>
+        <a:p>
+          <a:endParaRPr lang="en-US"/>
+        </a:p>
+      </dgm:t>
+    </dgm:pt>
+    <dgm:pt modelId="{377D7B09-2504-48B4-9E7A-29C5DCE875A4}" type="sibTrans" cxnId="{37464A1D-31D2-4B74-AD00-1BDE97020909}">
+      <dgm:prSet/>
+      <dgm:spPr/>
+      <dgm:t>
+        <a:bodyPr/>
+        <a:lstStyle/>
+        <a:p>
+          <a:endParaRPr lang="en-US"/>
+        </a:p>
+      </dgm:t>
+    </dgm:pt>
+    <dgm:pt modelId="{7EA8C824-18F1-47C3-8BEA-FA6E26414B6E}">
+      <dgm:prSet phldrT="[Text]"/>
+      <dgm:spPr>
+        <a:solidFill>
+          <a:schemeClr val="accent2">
+            <a:lumMod val="20000"/>
+            <a:lumOff val="80000"/>
+            <a:alpha val="90000"/>
+          </a:schemeClr>
+        </a:solidFill>
+        <a:ln>
+          <a:noFill/>
+        </a:ln>
+        <a:effectLst>
+          <a:outerShdw blurRad="50800" dist="38100" dir="2700000" algn="tl" rotWithShape="0">
+            <a:prstClr val="black">
+              <a:alpha val="40000"/>
+            </a:prstClr>
+          </a:outerShdw>
+        </a:effectLst>
+      </dgm:spPr>
+      <dgm:t>
+        <a:bodyPr/>
+        <a:lstStyle/>
+        <a:p>
+          <a:r>
+            <a:rPr lang="en-US" dirty="0"/>
+            <a:t>Ethical Audits &amp; Transparency</a:t>
+          </a:r>
+        </a:p>
+      </dgm:t>
+    </dgm:pt>
+    <dgm:pt modelId="{E56CCC7C-4523-421A-863F-55CF8CCE8ACF}" type="parTrans" cxnId="{415D706F-7970-44A6-A2B8-A11CF7E614A0}">
+      <dgm:prSet/>
+      <dgm:spPr/>
+      <dgm:t>
+        <a:bodyPr/>
+        <a:lstStyle/>
+        <a:p>
+          <a:endParaRPr lang="en-US"/>
+        </a:p>
+      </dgm:t>
+    </dgm:pt>
+    <dgm:pt modelId="{5A607607-073C-44F9-B9C7-75FB8ECE712D}" type="sibTrans" cxnId="{415D706F-7970-44A6-A2B8-A11CF7E614A0}">
+      <dgm:prSet/>
+      <dgm:spPr/>
+      <dgm:t>
+        <a:bodyPr/>
+        <a:lstStyle/>
+        <a:p>
+          <a:endParaRPr lang="en-US"/>
+        </a:p>
+      </dgm:t>
+    </dgm:pt>
+    <dgm:pt modelId="{E72D83C6-634E-426E-BF08-36F239649C47}">
+      <dgm:prSet phldrT="[Text]"/>
+      <dgm:spPr>
+        <a:solidFill>
+          <a:schemeClr val="accent1">
+            <a:lumMod val="20000"/>
+            <a:lumOff val="80000"/>
+            <a:alpha val="90000"/>
+          </a:schemeClr>
+        </a:solidFill>
+        <a:ln>
+          <a:noFill/>
+        </a:ln>
+        <a:effectLst>
+          <a:outerShdw blurRad="50800" dist="38100" dir="2700000" algn="tl" rotWithShape="0">
+            <a:prstClr val="black">
+              <a:alpha val="40000"/>
+            </a:prstClr>
+          </a:outerShdw>
+        </a:effectLst>
+      </dgm:spPr>
+      <dgm:t>
+        <a:bodyPr/>
+        <a:lstStyle/>
+        <a:p>
+          <a:endParaRPr lang="en-US" dirty="0"/>
+        </a:p>
+      </dgm:t>
+    </dgm:pt>
+    <dgm:pt modelId="{408F67FF-BC7D-4D4E-8544-3DCFFF60D0E6}" type="parTrans" cxnId="{3DE84CA5-0FEF-4F1F-98EA-C626479A9CC9}">
+      <dgm:prSet/>
+      <dgm:spPr/>
+      <dgm:t>
+        <a:bodyPr/>
+        <a:lstStyle/>
+        <a:p>
+          <a:endParaRPr lang="en-US"/>
+        </a:p>
+      </dgm:t>
+    </dgm:pt>
+    <dgm:pt modelId="{466191A6-C9E6-4E58-BEDD-84B705F27327}" type="sibTrans" cxnId="{3DE84CA5-0FEF-4F1F-98EA-C626479A9CC9}">
+      <dgm:prSet/>
+      <dgm:spPr/>
+      <dgm:t>
+        <a:bodyPr/>
+        <a:lstStyle/>
+        <a:p>
+          <a:endParaRPr lang="en-US"/>
+        </a:p>
+      </dgm:t>
+    </dgm:pt>
+    <dgm:pt modelId="{775BD321-F0D2-46F1-976E-A9CA1022C8E5}">
+      <dgm:prSet phldrT="[Text]"/>
+      <dgm:spPr>
+        <a:solidFill>
+          <a:schemeClr val="accent1">
+            <a:lumMod val="20000"/>
+            <a:lumOff val="80000"/>
+            <a:alpha val="90000"/>
+          </a:schemeClr>
+        </a:solidFill>
+        <a:ln>
+          <a:noFill/>
+        </a:ln>
+        <a:effectLst>
+          <a:outerShdw blurRad="50800" dist="38100" dir="2700000" algn="tl" rotWithShape="0">
+            <a:prstClr val="black">
+              <a:alpha val="40000"/>
+            </a:prstClr>
+          </a:outerShdw>
+        </a:effectLst>
+      </dgm:spPr>
+      <dgm:t>
+        <a:bodyPr/>
+        <a:lstStyle/>
+        <a:p>
+          <a:endParaRPr lang="en-US" dirty="0"/>
+        </a:p>
+      </dgm:t>
+    </dgm:pt>
+    <dgm:pt modelId="{4BCBC5B1-3729-4CE9-AD74-A1F76113E3C4}" type="parTrans" cxnId="{76DC66E0-690A-4004-A8EC-5848AF891528}">
+      <dgm:prSet/>
+      <dgm:spPr/>
+      <dgm:t>
+        <a:bodyPr/>
+        <a:lstStyle/>
+        <a:p>
+          <a:endParaRPr lang="en-US"/>
+        </a:p>
+      </dgm:t>
+    </dgm:pt>
+    <dgm:pt modelId="{779B3E21-4F83-4B34-95DE-B77F7E4EDD9C}" type="sibTrans" cxnId="{76DC66E0-690A-4004-A8EC-5848AF891528}">
+      <dgm:prSet/>
+      <dgm:spPr/>
+      <dgm:t>
+        <a:bodyPr/>
+        <a:lstStyle/>
+        <a:p>
+          <a:endParaRPr lang="en-US"/>
+        </a:p>
+      </dgm:t>
+    </dgm:pt>
+    <dgm:pt modelId="{44F12249-58CF-4F47-A4D5-B78E1E7F0AC5}">
+      <dgm:prSet phldrT="[Text]"/>
+      <dgm:spPr>
+        <a:solidFill>
+          <a:schemeClr val="accent6">
+            <a:lumMod val="20000"/>
+            <a:lumOff val="80000"/>
+            <a:alpha val="90000"/>
+          </a:schemeClr>
+        </a:solidFill>
+        <a:ln>
+          <a:noFill/>
+        </a:ln>
+        <a:effectLst>
+          <a:outerShdw blurRad="50800" dist="38100" dir="2700000" algn="tl" rotWithShape="0">
+            <a:prstClr val="black">
+              <a:alpha val="40000"/>
+            </a:prstClr>
+          </a:outerShdw>
+        </a:effectLst>
+      </dgm:spPr>
+      <dgm:t>
+        <a:bodyPr/>
+        <a:lstStyle/>
+        <a:p>
+          <a:endParaRPr lang="en-US" dirty="0"/>
+        </a:p>
+      </dgm:t>
+    </dgm:pt>
+    <dgm:pt modelId="{7998F0A6-6087-4CEE-808B-43A3A2946048}" type="parTrans" cxnId="{8DD1F142-5BF5-4BD7-A745-892B6759C65A}">
+      <dgm:prSet/>
+      <dgm:spPr/>
+      <dgm:t>
+        <a:bodyPr/>
+        <a:lstStyle/>
+        <a:p>
+          <a:endParaRPr lang="en-US"/>
+        </a:p>
+      </dgm:t>
+    </dgm:pt>
+    <dgm:pt modelId="{0FD4D581-77DA-44FD-85CE-D40F8131E4D5}" type="sibTrans" cxnId="{8DD1F142-5BF5-4BD7-A745-892B6759C65A}">
+      <dgm:prSet/>
+      <dgm:spPr/>
+      <dgm:t>
+        <a:bodyPr/>
+        <a:lstStyle/>
+        <a:p>
+          <a:endParaRPr lang="en-US"/>
+        </a:p>
+      </dgm:t>
+    </dgm:pt>
+    <dgm:pt modelId="{8CB3F4E0-906A-4A52-A899-B78288139308}">
+      <dgm:prSet phldrT="[Text]"/>
+      <dgm:spPr>
+        <a:solidFill>
+          <a:schemeClr val="accent5">
+            <a:lumMod val="20000"/>
+            <a:lumOff val="80000"/>
+            <a:alpha val="90000"/>
+          </a:schemeClr>
+        </a:solidFill>
+        <a:ln>
+          <a:noFill/>
+        </a:ln>
+        <a:effectLst>
+          <a:outerShdw blurRad="50800" dist="38100" dir="2700000" algn="tl" rotWithShape="0">
+            <a:prstClr val="black">
+              <a:alpha val="40000"/>
+            </a:prstClr>
+          </a:outerShdw>
+        </a:effectLst>
+      </dgm:spPr>
+      <dgm:t>
+        <a:bodyPr/>
+        <a:lstStyle/>
+        <a:p>
+          <a:endParaRPr lang="en-US" i="0" dirty="0"/>
+        </a:p>
+      </dgm:t>
+    </dgm:pt>
+    <dgm:pt modelId="{31C7D0E6-2A73-4AAB-9E31-8781CF00C597}" type="parTrans" cxnId="{3C320AA2-E400-4A7C-B276-604957398056}">
+      <dgm:prSet/>
+      <dgm:spPr/>
+      <dgm:t>
+        <a:bodyPr/>
+        <a:lstStyle/>
+        <a:p>
+          <a:endParaRPr lang="en-US"/>
+        </a:p>
+      </dgm:t>
+    </dgm:pt>
+    <dgm:pt modelId="{5190FE05-9A17-47E8-93B9-81F4A0DCC4B7}" type="sibTrans" cxnId="{3C320AA2-E400-4A7C-B276-604957398056}">
+      <dgm:prSet/>
+      <dgm:spPr/>
+      <dgm:t>
+        <a:bodyPr/>
+        <a:lstStyle/>
+        <a:p>
+          <a:endParaRPr lang="en-US"/>
+        </a:p>
+      </dgm:t>
+    </dgm:pt>
+    <dgm:pt modelId="{9599CFB5-A5C7-4368-A186-B4BC8C40C29E}">
+      <dgm:prSet phldrT="[Text]"/>
+      <dgm:spPr>
+        <a:solidFill>
+          <a:schemeClr val="accent2">
+            <a:lumMod val="20000"/>
+            <a:lumOff val="80000"/>
+            <a:alpha val="90000"/>
+          </a:schemeClr>
+        </a:solidFill>
+        <a:ln>
+          <a:noFill/>
+        </a:ln>
+        <a:effectLst>
+          <a:outerShdw blurRad="50800" dist="38100" dir="2700000" algn="tl" rotWithShape="0">
+            <a:prstClr val="black">
+              <a:alpha val="40000"/>
+            </a:prstClr>
+          </a:outerShdw>
+        </a:effectLst>
+      </dgm:spPr>
+      <dgm:t>
+        <a:bodyPr/>
+        <a:lstStyle/>
+        <a:p>
+          <a:endParaRPr lang="en-US" dirty="0"/>
+        </a:p>
+      </dgm:t>
+    </dgm:pt>
+    <dgm:pt modelId="{CB285C8D-5226-4CC9-9FA1-6E44D4B07055}" type="parTrans" cxnId="{9681F4E3-2870-4590-BE16-5D8DD94A073E}">
+      <dgm:prSet/>
+      <dgm:spPr/>
+      <dgm:t>
+        <a:bodyPr/>
+        <a:lstStyle/>
+        <a:p>
+          <a:endParaRPr lang="en-US"/>
+        </a:p>
+      </dgm:t>
+    </dgm:pt>
+    <dgm:pt modelId="{F0AB00BC-DDDE-4D20-B695-6D139EDBCB6E}" type="sibTrans" cxnId="{9681F4E3-2870-4590-BE16-5D8DD94A073E}">
+      <dgm:prSet/>
+      <dgm:spPr/>
+      <dgm:t>
+        <a:bodyPr/>
+        <a:lstStyle/>
+        <a:p>
+          <a:endParaRPr lang="en-US"/>
+        </a:p>
+      </dgm:t>
+    </dgm:pt>
+    <dgm:pt modelId="{ED961C80-085E-4C90-A1B7-834E34B6B38B}" type="pres">
+      <dgm:prSet presAssocID="{3EB1903C-75FD-4231-B003-33ACD44E7315}" presName="Name0" presStyleCnt="0">
+        <dgm:presLayoutVars>
+          <dgm:dir/>
+          <dgm:animLvl val="lvl"/>
+          <dgm:resizeHandles val="exact"/>
+        </dgm:presLayoutVars>
+      </dgm:prSet>
+      <dgm:spPr/>
+    </dgm:pt>
+    <dgm:pt modelId="{6F581E82-6131-496D-AE7F-8973FFF8DF50}" type="pres">
+      <dgm:prSet presAssocID="{81F06EB0-6EAF-4F3B-AE66-1BC26F58B844}" presName="composite" presStyleCnt="0"/>
+      <dgm:spPr/>
+    </dgm:pt>
+    <dgm:pt modelId="{A9B7F112-54D2-4C69-BB76-CADFE2CB16EA}" type="pres">
+      <dgm:prSet presAssocID="{81F06EB0-6EAF-4F3B-AE66-1BC26F58B844}" presName="parTx" presStyleLbl="alignNode1" presStyleIdx="0" presStyleCnt="4">
+        <dgm:presLayoutVars>
+          <dgm:chMax val="0"/>
+          <dgm:chPref val="0"/>
+          <dgm:bulletEnabled val="1"/>
+        </dgm:presLayoutVars>
+      </dgm:prSet>
+      <dgm:spPr/>
+    </dgm:pt>
+    <dgm:pt modelId="{554B3B6C-52F8-4761-8504-A455FFA7B63A}" type="pres">
+      <dgm:prSet presAssocID="{81F06EB0-6EAF-4F3B-AE66-1BC26F58B844}" presName="desTx" presStyleLbl="alignAccFollowNode1" presStyleIdx="0" presStyleCnt="4">
+        <dgm:presLayoutVars>
+          <dgm:bulletEnabled val="1"/>
+        </dgm:presLayoutVars>
+      </dgm:prSet>
+      <dgm:spPr/>
+    </dgm:pt>
+    <dgm:pt modelId="{BD90440F-D3FA-4BA6-A2C9-68AC390DC373}" type="pres">
+      <dgm:prSet presAssocID="{89A04EA5-D10C-40A2-B9BE-2F816418F410}" presName="space" presStyleCnt="0"/>
+      <dgm:spPr/>
+    </dgm:pt>
+    <dgm:pt modelId="{19009472-68CF-40A6-9035-B31A1D436284}" type="pres">
+      <dgm:prSet presAssocID="{C9386C5C-2C0E-48EA-A0D1-8A5E098354A6}" presName="composite" presStyleCnt="0"/>
+      <dgm:spPr/>
+    </dgm:pt>
+    <dgm:pt modelId="{2B552E49-B5B9-4198-BA4A-2A985820E6BF}" type="pres">
+      <dgm:prSet presAssocID="{C9386C5C-2C0E-48EA-A0D1-8A5E098354A6}" presName="parTx" presStyleLbl="alignNode1" presStyleIdx="1" presStyleCnt="4">
+        <dgm:presLayoutVars>
+          <dgm:chMax val="0"/>
+          <dgm:chPref val="0"/>
+          <dgm:bulletEnabled val="1"/>
+        </dgm:presLayoutVars>
+      </dgm:prSet>
+      <dgm:spPr/>
+    </dgm:pt>
+    <dgm:pt modelId="{60EC8EC9-96DF-4B01-A936-75003890CE91}" type="pres">
+      <dgm:prSet presAssocID="{C9386C5C-2C0E-48EA-A0D1-8A5E098354A6}" presName="desTx" presStyleLbl="alignAccFollowNode1" presStyleIdx="1" presStyleCnt="4">
+        <dgm:presLayoutVars>
+          <dgm:bulletEnabled val="1"/>
+        </dgm:presLayoutVars>
+      </dgm:prSet>
+      <dgm:spPr/>
+    </dgm:pt>
+    <dgm:pt modelId="{BDABCD02-BF8A-4C6A-9109-E7962C9E35FC}" type="pres">
+      <dgm:prSet presAssocID="{8F592507-64D1-437A-8293-6BEA4B0EF2D3}" presName="space" presStyleCnt="0"/>
+      <dgm:spPr/>
+    </dgm:pt>
+    <dgm:pt modelId="{FB6012DA-E8D4-4982-9A26-7B3DC3BFF255}" type="pres">
+      <dgm:prSet presAssocID="{84E01BEB-2681-4984-86D7-4A5956858195}" presName="composite" presStyleCnt="0"/>
+      <dgm:spPr/>
+    </dgm:pt>
+    <dgm:pt modelId="{DC123B1C-EB8C-4AA5-BECE-493E47F77537}" type="pres">
+      <dgm:prSet presAssocID="{84E01BEB-2681-4984-86D7-4A5956858195}" presName="parTx" presStyleLbl="alignNode1" presStyleIdx="2" presStyleCnt="4">
+        <dgm:presLayoutVars>
+          <dgm:chMax val="0"/>
+          <dgm:chPref val="0"/>
+          <dgm:bulletEnabled val="1"/>
+        </dgm:presLayoutVars>
+      </dgm:prSet>
+      <dgm:spPr/>
+    </dgm:pt>
+    <dgm:pt modelId="{BBB420D4-3887-4409-873F-5DA06A088833}" type="pres">
+      <dgm:prSet presAssocID="{84E01BEB-2681-4984-86D7-4A5956858195}" presName="desTx" presStyleLbl="alignAccFollowNode1" presStyleIdx="2" presStyleCnt="4">
+        <dgm:presLayoutVars>
+          <dgm:bulletEnabled val="1"/>
+        </dgm:presLayoutVars>
+      </dgm:prSet>
+      <dgm:spPr/>
+    </dgm:pt>
+    <dgm:pt modelId="{84BA76F8-1DAD-4462-BC2D-053402D1ED49}" type="pres">
+      <dgm:prSet presAssocID="{69C970DD-5C38-4B9D-930D-DA5D3D0C2978}" presName="space" presStyleCnt="0"/>
+      <dgm:spPr/>
+    </dgm:pt>
+    <dgm:pt modelId="{E4F27EEE-22C6-4875-8457-3B541894E08A}" type="pres">
+      <dgm:prSet presAssocID="{3AA532A2-9BEA-4E09-86FD-82E98AFEAF44}" presName="composite" presStyleCnt="0"/>
+      <dgm:spPr/>
+    </dgm:pt>
+    <dgm:pt modelId="{B4A71382-2475-483C-B90B-60E367F320C2}" type="pres">
+      <dgm:prSet presAssocID="{3AA532A2-9BEA-4E09-86FD-82E98AFEAF44}" presName="parTx" presStyleLbl="alignNode1" presStyleIdx="3" presStyleCnt="4">
+        <dgm:presLayoutVars>
+          <dgm:chMax val="0"/>
+          <dgm:chPref val="0"/>
+          <dgm:bulletEnabled val="1"/>
+        </dgm:presLayoutVars>
+      </dgm:prSet>
+      <dgm:spPr/>
+    </dgm:pt>
+    <dgm:pt modelId="{E912499E-0EA8-4301-A07B-D5CBC103EAFE}" type="pres">
+      <dgm:prSet presAssocID="{3AA532A2-9BEA-4E09-86FD-82E98AFEAF44}" presName="desTx" presStyleLbl="alignAccFollowNode1" presStyleIdx="3" presStyleCnt="4">
+        <dgm:presLayoutVars>
+          <dgm:bulletEnabled val="1"/>
+        </dgm:presLayoutVars>
+      </dgm:prSet>
+      <dgm:spPr/>
+    </dgm:pt>
+  </dgm:ptLst>
+  <dgm:cxnLst>
+    <dgm:cxn modelId="{07CEB20F-3CE3-4687-AE05-FF173B5AC158}" type="presOf" srcId="{5A72C403-B206-4A1B-ADB0-64341A4BA3B9}" destId="{BBB420D4-3887-4409-873F-5DA06A088833}" srcOrd="0" destOrd="2" presId="urn:microsoft.com/office/officeart/2005/8/layout/hList1"/>
+    <dgm:cxn modelId="{37464A1D-31D2-4B74-AD00-1BDE97020909}" srcId="{84E01BEB-2681-4984-86D7-4A5956858195}" destId="{5A72C403-B206-4A1B-ADB0-64341A4BA3B9}" srcOrd="2" destOrd="0" parTransId="{76F4B480-7C56-48DA-AB5B-8168B169D912}" sibTransId="{377D7B09-2504-48B4-9E7A-29C5DCE875A4}"/>
+    <dgm:cxn modelId="{0381AE21-9F1D-40EE-A996-D60CCE4123A4}" type="presOf" srcId="{3AA532A2-9BEA-4E09-86FD-82E98AFEAF44}" destId="{B4A71382-2475-483C-B90B-60E367F320C2}" srcOrd="0" destOrd="0" presId="urn:microsoft.com/office/officeart/2005/8/layout/hList1"/>
+    <dgm:cxn modelId="{2BC18923-2EB8-41C0-82DE-89CD92B319F9}" srcId="{3EB1903C-75FD-4231-B003-33ACD44E7315}" destId="{C9386C5C-2C0E-48EA-A0D1-8A5E098354A6}" srcOrd="1" destOrd="0" parTransId="{549B0EA6-1E9E-4441-9755-339FBD35DEC8}" sibTransId="{8F592507-64D1-437A-8293-6BEA4B0EF2D3}"/>
+    <dgm:cxn modelId="{DBA74428-1C06-47D6-A6DA-9B15A606CA09}" srcId="{81F06EB0-6EAF-4F3B-AE66-1BC26F58B844}" destId="{11027371-DAD9-4B3C-99DD-5EDEEBB3BCE7}" srcOrd="4" destOrd="0" parTransId="{11BF591E-4AA6-4034-8FBE-D6B6C4D70C6E}" sibTransId="{0A5D3EC1-BEED-4B57-B0D7-363173219CDC}"/>
+    <dgm:cxn modelId="{558B8C30-7DD9-4B79-99FC-9D37A6B758A9}" type="presOf" srcId="{84E01BEB-2681-4984-86D7-4A5956858195}" destId="{DC123B1C-EB8C-4AA5-BECE-493E47F77537}" srcOrd="0" destOrd="0" presId="urn:microsoft.com/office/officeart/2005/8/layout/hList1"/>
+    <dgm:cxn modelId="{A831FE39-D266-41D0-A73B-A254D2355E54}" type="presOf" srcId="{9599CFB5-A5C7-4368-A186-B4BC8C40C29E}" destId="{E912499E-0EA8-4301-A07B-D5CBC103EAFE}" srcOrd="0" destOrd="1" presId="urn:microsoft.com/office/officeart/2005/8/layout/hList1"/>
+    <dgm:cxn modelId="{5B23703A-B102-46C7-BB5C-8076EFE451D9}" srcId="{3EB1903C-75FD-4231-B003-33ACD44E7315}" destId="{84E01BEB-2681-4984-86D7-4A5956858195}" srcOrd="2" destOrd="0" parTransId="{C0F1E3DB-D712-4736-B1AF-FB3753E08149}" sibTransId="{69C970DD-5C38-4B9D-930D-DA5D3D0C2978}"/>
+    <dgm:cxn modelId="{47172842-B8B5-4486-9D40-D4DAD06D350A}" type="presOf" srcId="{02D64AA7-ACDC-42A4-B40D-E6FF50FAF53C}" destId="{554B3B6C-52F8-4761-8504-A455FFA7B63A}" srcOrd="0" destOrd="2" presId="urn:microsoft.com/office/officeart/2005/8/layout/hList1"/>
+    <dgm:cxn modelId="{8DD1F142-5BF5-4BD7-A745-892B6759C65A}" srcId="{C9386C5C-2C0E-48EA-A0D1-8A5E098354A6}" destId="{44F12249-58CF-4F47-A4D5-B78E1E7F0AC5}" srcOrd="1" destOrd="0" parTransId="{7998F0A6-6087-4CEE-808B-43A3A2946048}" sibTransId="{0FD4D581-77DA-44FD-85CE-D40F8131E4D5}"/>
+    <dgm:cxn modelId="{D28DBF69-7099-4762-9DA2-D156E9EEFB85}" type="presOf" srcId="{7EA8C824-18F1-47C3-8BEA-FA6E26414B6E}" destId="{E912499E-0EA8-4301-A07B-D5CBC103EAFE}" srcOrd="0" destOrd="2" presId="urn:microsoft.com/office/officeart/2005/8/layout/hList1"/>
+    <dgm:cxn modelId="{415D706F-7970-44A6-A2B8-A11CF7E614A0}" srcId="{3AA532A2-9BEA-4E09-86FD-82E98AFEAF44}" destId="{7EA8C824-18F1-47C3-8BEA-FA6E26414B6E}" srcOrd="2" destOrd="0" parTransId="{E56CCC7C-4523-421A-863F-55CF8CCE8ACF}" sibTransId="{5A607607-073C-44F9-B9C7-75FB8ECE712D}"/>
+    <dgm:cxn modelId="{C786A24F-19C5-4FA5-AC3A-0D0851D6FE3D}" srcId="{81F06EB0-6EAF-4F3B-AE66-1BC26F58B844}" destId="{E8DFBBF1-F1AE-45D6-A9E0-354BF08CFF81}" srcOrd="0" destOrd="0" parTransId="{AE954163-7127-4B98-A5BD-0971287D54E6}" sibTransId="{5B96807F-2ACB-4F9B-AE96-A764AAF1A6F3}"/>
+    <dgm:cxn modelId="{50AFC76F-8053-48A4-BC56-389E4866F407}" srcId="{3EB1903C-75FD-4231-B003-33ACD44E7315}" destId="{81F06EB0-6EAF-4F3B-AE66-1BC26F58B844}" srcOrd="0" destOrd="0" parTransId="{012B21C1-CEF5-4F30-8E9B-5FFF7959E7E1}" sibTransId="{89A04EA5-D10C-40A2-B9BE-2F816418F410}"/>
+    <dgm:cxn modelId="{D42CAD52-E28E-415B-BA6F-E347FF0DD74E}" srcId="{84E01BEB-2681-4984-86D7-4A5956858195}" destId="{AB25328B-8F84-460B-9112-1151B34F01A3}" srcOrd="0" destOrd="0" parTransId="{C36013A1-0651-4CD6-B223-9864CF0006D0}" sibTransId="{5DFB7771-9597-4BCC-A117-F2BC0D5D5C91}"/>
+    <dgm:cxn modelId="{A4CB8155-60A6-4A72-AEA8-C2D1DCE02B19}" srcId="{81F06EB0-6EAF-4F3B-AE66-1BC26F58B844}" destId="{02D64AA7-ACDC-42A4-B40D-E6FF50FAF53C}" srcOrd="2" destOrd="0" parTransId="{542BFF6A-5F22-4006-B166-D76CF6C39AA7}" sibTransId="{8A64C0C5-ADFA-4750-8A66-08EBD6400B71}"/>
+    <dgm:cxn modelId="{2175A658-F7EC-4F23-A5CE-0409833CCE36}" type="presOf" srcId="{8CB3F4E0-906A-4A52-A899-B78288139308}" destId="{BBB420D4-3887-4409-873F-5DA06A088833}" srcOrd="0" destOrd="1" presId="urn:microsoft.com/office/officeart/2005/8/layout/hList1"/>
+    <dgm:cxn modelId="{CF87E97A-4BD9-42DA-AEF3-497CB1F321BF}" type="presOf" srcId="{26D21917-2F84-46B5-9732-24192F03E826}" destId="{60EC8EC9-96DF-4B01-A936-75003890CE91}" srcOrd="0" destOrd="0" presId="urn:microsoft.com/office/officeart/2005/8/layout/hList1"/>
+    <dgm:cxn modelId="{8F018C7D-7428-4CDC-8246-48D3435E07B8}" type="presOf" srcId="{C9386C5C-2C0E-48EA-A0D1-8A5E098354A6}" destId="{2B552E49-B5B9-4198-BA4A-2A985820E6BF}" srcOrd="0" destOrd="0" presId="urn:microsoft.com/office/officeart/2005/8/layout/hList1"/>
+    <dgm:cxn modelId="{DE565E8C-1D6B-4F36-BF74-DB0CC559F956}" type="presOf" srcId="{81F06EB0-6EAF-4F3B-AE66-1BC26F58B844}" destId="{A9B7F112-54D2-4C69-BB76-CADFE2CB16EA}" srcOrd="0" destOrd="0" presId="urn:microsoft.com/office/officeart/2005/8/layout/hList1"/>
+    <dgm:cxn modelId="{674EDD93-68C3-454D-BDE9-888A1666D0B2}" srcId="{3EB1903C-75FD-4231-B003-33ACD44E7315}" destId="{3AA532A2-9BEA-4E09-86FD-82E98AFEAF44}" srcOrd="3" destOrd="0" parTransId="{E5A7CF5F-4DAC-492A-99C2-506EC0559CF5}" sibTransId="{BCED8313-A6D4-4045-988C-E1A6443D1D67}"/>
+    <dgm:cxn modelId="{49F1CB94-B096-4B0E-BE10-F359DADFC39C}" type="presOf" srcId="{E8DFBBF1-F1AE-45D6-A9E0-354BF08CFF81}" destId="{554B3B6C-52F8-4761-8504-A455FFA7B63A}" srcOrd="0" destOrd="0" presId="urn:microsoft.com/office/officeart/2005/8/layout/hList1"/>
+    <dgm:cxn modelId="{3C320AA2-E400-4A7C-B276-604957398056}" srcId="{84E01BEB-2681-4984-86D7-4A5956858195}" destId="{8CB3F4E0-906A-4A52-A899-B78288139308}" srcOrd="1" destOrd="0" parTransId="{31C7D0E6-2A73-4AAB-9E31-8781CF00C597}" sibTransId="{5190FE05-9A17-47E8-93B9-81F4A0DCC4B7}"/>
+    <dgm:cxn modelId="{3DE84CA5-0FEF-4F1F-98EA-C626479A9CC9}" srcId="{81F06EB0-6EAF-4F3B-AE66-1BC26F58B844}" destId="{E72D83C6-634E-426E-BF08-36F239649C47}" srcOrd="1" destOrd="0" parTransId="{408F67FF-BC7D-4D4E-8544-3DCFFF60D0E6}" sibTransId="{466191A6-C9E6-4E58-BEDD-84B705F27327}"/>
+    <dgm:cxn modelId="{0044A0AA-F0B2-4022-B7F7-38E231723804}" type="presOf" srcId="{3FAADCBB-BFEA-4764-8572-C76C0D8663B3}" destId="{E912499E-0EA8-4301-A07B-D5CBC103EAFE}" srcOrd="0" destOrd="0" presId="urn:microsoft.com/office/officeart/2005/8/layout/hList1"/>
+    <dgm:cxn modelId="{D3D8FEAE-1E85-4A21-8E74-AB62CF127527}" type="presOf" srcId="{E72D83C6-634E-426E-BF08-36F239649C47}" destId="{554B3B6C-52F8-4761-8504-A455FFA7B63A}" srcOrd="0" destOrd="1" presId="urn:microsoft.com/office/officeart/2005/8/layout/hList1"/>
+    <dgm:cxn modelId="{5AD22CCC-A2F2-46CF-8A90-96A3B682E2C3}" type="presOf" srcId="{EAB5946F-4806-45A0-BB02-55752012FE37}" destId="{60EC8EC9-96DF-4B01-A936-75003890CE91}" srcOrd="0" destOrd="2" presId="urn:microsoft.com/office/officeart/2005/8/layout/hList1"/>
+    <dgm:cxn modelId="{26C4D9D0-26A6-4E43-993B-07532166EBDE}" type="presOf" srcId="{44F12249-58CF-4F47-A4D5-B78E1E7F0AC5}" destId="{60EC8EC9-96DF-4B01-A936-75003890CE91}" srcOrd="0" destOrd="1" presId="urn:microsoft.com/office/officeart/2005/8/layout/hList1"/>
+    <dgm:cxn modelId="{6EADF4DE-499C-4195-85A3-3F5D72EE0C50}" type="presOf" srcId="{AB25328B-8F84-460B-9112-1151B34F01A3}" destId="{BBB420D4-3887-4409-873F-5DA06A088833}" srcOrd="0" destOrd="0" presId="urn:microsoft.com/office/officeart/2005/8/layout/hList1"/>
+    <dgm:cxn modelId="{76DC66E0-690A-4004-A8EC-5848AF891528}" srcId="{81F06EB0-6EAF-4F3B-AE66-1BC26F58B844}" destId="{775BD321-F0D2-46F1-976E-A9CA1022C8E5}" srcOrd="3" destOrd="0" parTransId="{4BCBC5B1-3729-4CE9-AD74-A1F76113E3C4}" sibTransId="{779B3E21-4F83-4B34-95DE-B77F7E4EDD9C}"/>
+    <dgm:cxn modelId="{152C92E0-AACB-4215-9113-18EC8770E0E4}" srcId="{C9386C5C-2C0E-48EA-A0D1-8A5E098354A6}" destId="{26D21917-2F84-46B5-9732-24192F03E826}" srcOrd="0" destOrd="0" parTransId="{29B48E29-C059-4F1E-A7AB-62325FF84ABD}" sibTransId="{0BBF1F5F-FD2C-40B2-8A17-B3DCD47DEFF6}"/>
+    <dgm:cxn modelId="{1DE5AEE1-7DAE-4630-9ED3-E953F3080D75}" type="presOf" srcId="{11027371-DAD9-4B3C-99DD-5EDEEBB3BCE7}" destId="{554B3B6C-52F8-4761-8504-A455FFA7B63A}" srcOrd="0" destOrd="4" presId="urn:microsoft.com/office/officeart/2005/8/layout/hList1"/>
+    <dgm:cxn modelId="{40371FE2-0861-4B9D-8370-6AB963052D6B}" srcId="{C9386C5C-2C0E-48EA-A0D1-8A5E098354A6}" destId="{EAB5946F-4806-45A0-BB02-55752012FE37}" srcOrd="2" destOrd="0" parTransId="{CA35AA88-85D3-49F7-B9FF-518A3EFD1513}" sibTransId="{AF029723-20C2-475B-8158-F5EC0994BE3F}"/>
+    <dgm:cxn modelId="{9681F4E3-2870-4590-BE16-5D8DD94A073E}" srcId="{3AA532A2-9BEA-4E09-86FD-82E98AFEAF44}" destId="{9599CFB5-A5C7-4368-A186-B4BC8C40C29E}" srcOrd="1" destOrd="0" parTransId="{CB285C8D-5226-4CC9-9FA1-6E44D4B07055}" sibTransId="{F0AB00BC-DDDE-4D20-B695-6D139EDBCB6E}"/>
+    <dgm:cxn modelId="{F00EEAE4-0AB4-4A2D-B2F2-E1531471DB54}" srcId="{3AA532A2-9BEA-4E09-86FD-82E98AFEAF44}" destId="{3FAADCBB-BFEA-4764-8572-C76C0D8663B3}" srcOrd="0" destOrd="0" parTransId="{5C3780E0-05AA-4A4D-B705-ECB544173C19}" sibTransId="{5734AA50-5635-4920-89E5-D1E3557731DC}"/>
+    <dgm:cxn modelId="{6FD71AEB-9E90-46D9-BFA9-920F59A6E164}" type="presOf" srcId="{3EB1903C-75FD-4231-B003-33ACD44E7315}" destId="{ED961C80-085E-4C90-A1B7-834E34B6B38B}" srcOrd="0" destOrd="0" presId="urn:microsoft.com/office/officeart/2005/8/layout/hList1"/>
+    <dgm:cxn modelId="{A941F4EE-2553-4365-80EA-0D1DC22FF36C}" type="presOf" srcId="{775BD321-F0D2-46F1-976E-A9CA1022C8E5}" destId="{554B3B6C-52F8-4761-8504-A455FFA7B63A}" srcOrd="0" destOrd="3" presId="urn:microsoft.com/office/officeart/2005/8/layout/hList1"/>
+    <dgm:cxn modelId="{E509ED55-D4DD-4B9A-96F2-E186E61FA258}" type="presParOf" srcId="{ED961C80-085E-4C90-A1B7-834E34B6B38B}" destId="{6F581E82-6131-496D-AE7F-8973FFF8DF50}" srcOrd="0" destOrd="0" presId="urn:microsoft.com/office/officeart/2005/8/layout/hList1"/>
+    <dgm:cxn modelId="{EF1FD0E9-8FF3-4DA3-A522-0D941270ABFD}" type="presParOf" srcId="{6F581E82-6131-496D-AE7F-8973FFF8DF50}" destId="{A9B7F112-54D2-4C69-BB76-CADFE2CB16EA}" srcOrd="0" destOrd="0" presId="urn:microsoft.com/office/officeart/2005/8/layout/hList1"/>
+    <dgm:cxn modelId="{C034A066-23A9-4BFA-BC2F-F05E403738C5}" type="presParOf" srcId="{6F581E82-6131-496D-AE7F-8973FFF8DF50}" destId="{554B3B6C-52F8-4761-8504-A455FFA7B63A}" srcOrd="1" destOrd="0" presId="urn:microsoft.com/office/officeart/2005/8/layout/hList1"/>
+    <dgm:cxn modelId="{61F308B8-FD5B-4E7A-B1B9-B499943A969F}" type="presParOf" srcId="{ED961C80-085E-4C90-A1B7-834E34B6B38B}" destId="{BD90440F-D3FA-4BA6-A2C9-68AC390DC373}" srcOrd="1" destOrd="0" presId="urn:microsoft.com/office/officeart/2005/8/layout/hList1"/>
+    <dgm:cxn modelId="{5E14C03F-D75E-449E-AE24-C1288CC64F3D}" type="presParOf" srcId="{ED961C80-085E-4C90-A1B7-834E34B6B38B}" destId="{19009472-68CF-40A6-9035-B31A1D436284}" srcOrd="2" destOrd="0" presId="urn:microsoft.com/office/officeart/2005/8/layout/hList1"/>
+    <dgm:cxn modelId="{55B63C71-BFA1-4A79-985D-CBF16D86D9D8}" type="presParOf" srcId="{19009472-68CF-40A6-9035-B31A1D436284}" destId="{2B552E49-B5B9-4198-BA4A-2A985820E6BF}" srcOrd="0" destOrd="0" presId="urn:microsoft.com/office/officeart/2005/8/layout/hList1"/>
+    <dgm:cxn modelId="{EC78D6D1-48F8-4E06-B8FD-6132ACF59E7C}" type="presParOf" srcId="{19009472-68CF-40A6-9035-B31A1D436284}" destId="{60EC8EC9-96DF-4B01-A936-75003890CE91}" srcOrd="1" destOrd="0" presId="urn:microsoft.com/office/officeart/2005/8/layout/hList1"/>
+    <dgm:cxn modelId="{8E484BD4-0D8F-4634-9FF2-74F793454C2F}" type="presParOf" srcId="{ED961C80-085E-4C90-A1B7-834E34B6B38B}" destId="{BDABCD02-BF8A-4C6A-9109-E7962C9E35FC}" srcOrd="3" destOrd="0" presId="urn:microsoft.com/office/officeart/2005/8/layout/hList1"/>
+    <dgm:cxn modelId="{7BF322D8-9B1A-4D4B-B615-256CE1828028}" type="presParOf" srcId="{ED961C80-085E-4C90-A1B7-834E34B6B38B}" destId="{FB6012DA-E8D4-4982-9A26-7B3DC3BFF255}" srcOrd="4" destOrd="0" presId="urn:microsoft.com/office/officeart/2005/8/layout/hList1"/>
+    <dgm:cxn modelId="{0D502BA7-88B2-4A28-8696-8013CFE91D2A}" type="presParOf" srcId="{FB6012DA-E8D4-4982-9A26-7B3DC3BFF255}" destId="{DC123B1C-EB8C-4AA5-BECE-493E47F77537}" srcOrd="0" destOrd="0" presId="urn:microsoft.com/office/officeart/2005/8/layout/hList1"/>
+    <dgm:cxn modelId="{F773B188-E297-4940-B819-FB1EBFD8EA9E}" type="presParOf" srcId="{FB6012DA-E8D4-4982-9A26-7B3DC3BFF255}" destId="{BBB420D4-3887-4409-873F-5DA06A088833}" srcOrd="1" destOrd="0" presId="urn:microsoft.com/office/officeart/2005/8/layout/hList1"/>
+    <dgm:cxn modelId="{1E43313B-238E-4559-A066-3E493C795D9C}" type="presParOf" srcId="{ED961C80-085E-4C90-A1B7-834E34B6B38B}" destId="{84BA76F8-1DAD-4462-BC2D-053402D1ED49}" srcOrd="5" destOrd="0" presId="urn:microsoft.com/office/officeart/2005/8/layout/hList1"/>
+    <dgm:cxn modelId="{28588148-B4EA-4EFB-88FA-219932600581}" type="presParOf" srcId="{ED961C80-085E-4C90-A1B7-834E34B6B38B}" destId="{E4F27EEE-22C6-4875-8457-3B541894E08A}" srcOrd="6" destOrd="0" presId="urn:microsoft.com/office/officeart/2005/8/layout/hList1"/>
+    <dgm:cxn modelId="{61F75501-3003-43F5-87A1-6AB5930BE762}" type="presParOf" srcId="{E4F27EEE-22C6-4875-8457-3B541894E08A}" destId="{B4A71382-2475-483C-B90B-60E367F320C2}" srcOrd="0" destOrd="0" presId="urn:microsoft.com/office/officeart/2005/8/layout/hList1"/>
+    <dgm:cxn modelId="{3D6EA9F1-4B9C-4E29-BBDB-F433CEBF9D99}" type="presParOf" srcId="{E4F27EEE-22C6-4875-8457-3B541894E08A}" destId="{E912499E-0EA8-4301-A07B-D5CBC103EAFE}" srcOrd="1" destOrd="0" presId="urn:microsoft.com/office/officeart/2005/8/layout/hList1"/>
+  </dgm:cxnLst>
+  <dgm:bg>
+    <a:effectLst>
+      <a:outerShdw blurRad="50800" dist="38100" dir="2700000" algn="tl" rotWithShape="0">
+        <a:prstClr val="black">
+          <a:alpha val="40000"/>
+        </a:prstClr>
+      </a:outerShdw>
+    </a:effectLst>
+  </dgm:bg>
+  <dgm:whole/>
+  <dgm:extLst>
+    <a:ext uri="http://schemas.microsoft.com/office/drawing/2008/diagram">
+      <dsp:dataModelExt xmlns:dsp="http://schemas.microsoft.com/office/drawing/2008/diagram" relId="rId7" minVer="http://schemas.openxmlformats.org/drawingml/2006/diagram"/>
+    </a:ext>
+  </dgm:extLst>
+</dgm:dataModel>
+</file>
+
+<file path=ppt/diagrams/drawing1.xml><?xml version="1.0" encoding="utf-8"?>
+<dsp:drawing xmlns:dgm="http://schemas.openxmlformats.org/drawingml/2006/diagram" xmlns:dsp="http://schemas.microsoft.com/office/drawing/2008/diagram" xmlns:a="http://schemas.openxmlformats.org/drawingml/2006/main">
+  <dsp:spTree>
+    <dsp:nvGrpSpPr>
+      <dsp:cNvPr id="0" name=""/>
+      <dsp:cNvGrpSpPr/>
+    </dsp:nvGrpSpPr>
+    <dsp:grpSpPr/>
+    <dsp:sp modelId="{A9B7F112-54D2-4C69-BB76-CADFE2CB16EA}">
+      <dsp:nvSpPr>
+        <dsp:cNvPr id="0" name=""/>
+        <dsp:cNvSpPr/>
+      </dsp:nvSpPr>
+      <dsp:spPr>
+        <a:xfrm>
+          <a:off x="4452" y="1347319"/>
+          <a:ext cx="2677126" cy="765004"/>
+        </a:xfrm>
+        <a:prstGeom prst="rect">
+          <a:avLst/>
+        </a:prstGeom>
+        <a:solidFill>
+          <a:schemeClr val="accent1">
+            <a:lumMod val="75000"/>
+          </a:schemeClr>
+        </a:solidFill>
+        <a:ln w="19050" cap="flat" cmpd="sng" algn="ctr">
+          <a:noFill/>
+          <a:prstDash val="solid"/>
+          <a:miter lim="800000"/>
+        </a:ln>
+        <a:effectLst>
+          <a:outerShdw blurRad="50800" dist="38100" dir="2700000" algn="tl" rotWithShape="0">
+            <a:prstClr val="black">
+              <a:alpha val="40000"/>
+            </a:prstClr>
+          </a:outerShdw>
+        </a:effectLst>
+      </dsp:spPr>
+      <dsp:style>
+        <a:lnRef idx="2">
+          <a:scrgbClr r="0" g="0" b="0"/>
+        </a:lnRef>
+        <a:fillRef idx="1">
+          <a:scrgbClr r="0" g="0" b="0"/>
+        </a:fillRef>
+        <a:effectRef idx="0">
+          <a:scrgbClr r="0" g="0" b="0"/>
+        </a:effectRef>
+        <a:fontRef idx="minor">
+          <a:schemeClr val="lt1"/>
+        </a:fontRef>
+      </dsp:style>
+      <dsp:txBody>
+        <a:bodyPr spcFirstLastPara="0" vert="horz" wrap="square" lIns="149352" tIns="85344" rIns="149352" bIns="85344" numCol="1" spcCol="1270" anchor="ctr" anchorCtr="0">
+          <a:noAutofit/>
+        </a:bodyPr>
+        <a:lstStyle/>
+        <a:p>
+          <a:pPr marL="0" lvl="0" indent="0" algn="ctr" defTabSz="933450">
+            <a:lnSpc>
+              <a:spcPct val="90000"/>
+            </a:lnSpc>
+            <a:spcBef>
+              <a:spcPct val="0"/>
+            </a:spcBef>
+            <a:spcAft>
+              <a:spcPct val="35000"/>
+            </a:spcAft>
+            <a:buNone/>
+          </a:pPr>
+          <a:r>
+            <a:rPr lang="en-US" sz="2100" kern="1200" dirty="0"/>
+            <a:t>Data Input</a:t>
+          </a:r>
+        </a:p>
+      </dsp:txBody>
+      <dsp:txXfrm>
+        <a:off x="4452" y="1347319"/>
+        <a:ext cx="2677126" cy="765004"/>
+      </dsp:txXfrm>
+    </dsp:sp>
+    <dsp:sp modelId="{554B3B6C-52F8-4761-8504-A455FFA7B63A}">
+      <dsp:nvSpPr>
+        <dsp:cNvPr id="0" name=""/>
+        <dsp:cNvSpPr/>
+      </dsp:nvSpPr>
+      <dsp:spPr>
+        <a:xfrm>
+          <a:off x="4452" y="2112324"/>
+          <a:ext cx="2677126" cy="2824605"/>
+        </a:xfrm>
+        <a:prstGeom prst="rect">
+          <a:avLst/>
+        </a:prstGeom>
+        <a:solidFill>
+          <a:schemeClr val="accent1">
+            <a:lumMod val="20000"/>
+            <a:lumOff val="80000"/>
+            <a:alpha val="90000"/>
+          </a:schemeClr>
+        </a:solidFill>
+        <a:ln w="19050" cap="flat" cmpd="sng" algn="ctr">
+          <a:noFill/>
+          <a:prstDash val="solid"/>
+          <a:miter lim="800000"/>
+        </a:ln>
+        <a:effectLst>
+          <a:outerShdw blurRad="50800" dist="38100" dir="2700000" algn="tl" rotWithShape="0">
+            <a:prstClr val="black">
+              <a:alpha val="40000"/>
+            </a:prstClr>
+          </a:outerShdw>
+        </a:effectLst>
+      </dsp:spPr>
+      <dsp:style>
+        <a:lnRef idx="2">
+          <a:scrgbClr r="0" g="0" b="0"/>
+        </a:lnRef>
+        <a:fillRef idx="1">
+          <a:scrgbClr r="0" g="0" b="0"/>
+        </a:fillRef>
+        <a:effectRef idx="0">
+          <a:scrgbClr r="0" g="0" b="0"/>
+        </a:effectRef>
+        <a:fontRef idx="minor"/>
+      </dsp:style>
+      <dsp:txBody>
+        <a:bodyPr spcFirstLastPara="0" vert="horz" wrap="square" lIns="112014" tIns="112014" rIns="149352" bIns="168021" numCol="1" spcCol="1270" anchor="t" anchorCtr="0">
+          <a:noAutofit/>
+        </a:bodyPr>
+        <a:lstStyle/>
+        <a:p>
+          <a:pPr marL="228600" lvl="1" indent="-228600" algn="l" defTabSz="933450">
+            <a:lnSpc>
+              <a:spcPct val="90000"/>
+            </a:lnSpc>
+            <a:spcBef>
+              <a:spcPct val="0"/>
+            </a:spcBef>
+            <a:spcAft>
+              <a:spcPct val="15000"/>
+            </a:spcAft>
+            <a:buChar char="•"/>
+          </a:pPr>
+          <a:r>
+            <a:rPr lang="en-US" sz="2100" kern="1200" dirty="0"/>
+            <a:t>Diverse Language Support</a:t>
+          </a:r>
+        </a:p>
+        <a:p>
+          <a:pPr marL="228600" lvl="1" indent="-228600" algn="l" defTabSz="933450">
+            <a:lnSpc>
+              <a:spcPct val="90000"/>
+            </a:lnSpc>
+            <a:spcBef>
+              <a:spcPct val="0"/>
+            </a:spcBef>
+            <a:spcAft>
+              <a:spcPct val="15000"/>
+            </a:spcAft>
+            <a:buChar char="•"/>
+          </a:pPr>
+          <a:endParaRPr lang="en-US" sz="2100" kern="1200" dirty="0"/>
+        </a:p>
+        <a:p>
+          <a:pPr marL="228600" lvl="1" indent="-228600" algn="l" defTabSz="933450">
+            <a:lnSpc>
+              <a:spcPct val="90000"/>
+            </a:lnSpc>
+            <a:spcBef>
+              <a:spcPct val="0"/>
+            </a:spcBef>
+            <a:spcAft>
+              <a:spcPct val="15000"/>
+            </a:spcAft>
+            <a:buChar char="•"/>
+          </a:pPr>
+          <a:r>
+            <a:rPr lang="en-US" sz="2100" kern="1200" dirty="0"/>
+            <a:t>Rich Metadata Integration</a:t>
+          </a:r>
+        </a:p>
+        <a:p>
+          <a:pPr marL="228600" lvl="1" indent="-228600" algn="l" defTabSz="933450">
+            <a:lnSpc>
+              <a:spcPct val="90000"/>
+            </a:lnSpc>
+            <a:spcBef>
+              <a:spcPct val="0"/>
+            </a:spcBef>
+            <a:spcAft>
+              <a:spcPct val="15000"/>
+            </a:spcAft>
+            <a:buChar char="•"/>
+          </a:pPr>
+          <a:endParaRPr lang="en-US" sz="2100" kern="1200" dirty="0"/>
+        </a:p>
+        <a:p>
+          <a:pPr marL="228600" lvl="1" indent="-228600" algn="l" defTabSz="933450">
+            <a:lnSpc>
+              <a:spcPct val="90000"/>
+            </a:lnSpc>
+            <a:spcBef>
+              <a:spcPct val="0"/>
+            </a:spcBef>
+            <a:spcAft>
+              <a:spcPct val="15000"/>
+            </a:spcAft>
+            <a:buChar char="•"/>
+          </a:pPr>
+          <a:r>
+            <a:rPr lang="en-US" sz="2100" kern="1200" dirty="0"/>
+            <a:t>Balanced Dataset Composition</a:t>
+          </a:r>
+        </a:p>
+      </dsp:txBody>
+      <dsp:txXfrm>
+        <a:off x="4452" y="2112324"/>
+        <a:ext cx="2677126" cy="2824605"/>
+      </dsp:txXfrm>
+    </dsp:sp>
+    <dsp:sp modelId="{2B552E49-B5B9-4198-BA4A-2A985820E6BF}">
+      <dsp:nvSpPr>
+        <dsp:cNvPr id="0" name=""/>
+        <dsp:cNvSpPr/>
+      </dsp:nvSpPr>
+      <dsp:spPr>
+        <a:xfrm>
+          <a:off x="3056376" y="1347319"/>
+          <a:ext cx="2677126" cy="765004"/>
+        </a:xfrm>
+        <a:prstGeom prst="rect">
+          <a:avLst/>
+        </a:prstGeom>
+        <a:solidFill>
+          <a:schemeClr val="accent3">
+            <a:lumMod val="75000"/>
+          </a:schemeClr>
+        </a:solidFill>
+        <a:ln w="19050" cap="flat" cmpd="sng" algn="ctr">
+          <a:noFill/>
+          <a:prstDash val="solid"/>
+          <a:miter lim="800000"/>
+        </a:ln>
+        <a:effectLst>
+          <a:outerShdw blurRad="50800" dist="38100" dir="2700000" algn="tl" rotWithShape="0">
+            <a:prstClr val="black">
+              <a:alpha val="40000"/>
+            </a:prstClr>
+          </a:outerShdw>
+        </a:effectLst>
+      </dsp:spPr>
+      <dsp:style>
+        <a:lnRef idx="2">
+          <a:scrgbClr r="0" g="0" b="0"/>
+        </a:lnRef>
+        <a:fillRef idx="1">
+          <a:scrgbClr r="0" g="0" b="0"/>
+        </a:fillRef>
+        <a:effectRef idx="0">
+          <a:scrgbClr r="0" g="0" b="0"/>
+        </a:effectRef>
+        <a:fontRef idx="minor">
+          <a:schemeClr val="lt1"/>
+        </a:fontRef>
+      </dsp:style>
+      <dsp:txBody>
+        <a:bodyPr spcFirstLastPara="0" vert="horz" wrap="square" lIns="149352" tIns="85344" rIns="149352" bIns="85344" numCol="1" spcCol="1270" anchor="ctr" anchorCtr="0">
+          <a:noAutofit/>
+        </a:bodyPr>
+        <a:lstStyle/>
+        <a:p>
+          <a:pPr marL="0" lvl="0" indent="0" algn="ctr" defTabSz="933450">
+            <a:lnSpc>
+              <a:spcPct val="90000"/>
+            </a:lnSpc>
+            <a:spcBef>
+              <a:spcPct val="0"/>
+            </a:spcBef>
+            <a:spcAft>
+              <a:spcPct val="35000"/>
+            </a:spcAft>
+            <a:buNone/>
+          </a:pPr>
+          <a:r>
+            <a:rPr lang="en-US" sz="2100" kern="1200" dirty="0"/>
+            <a:t>Pre-processing &amp; Feature Engineering</a:t>
+          </a:r>
+        </a:p>
+      </dsp:txBody>
+      <dsp:txXfrm>
+        <a:off x="3056376" y="1347319"/>
+        <a:ext cx="2677126" cy="765004"/>
+      </dsp:txXfrm>
+    </dsp:sp>
+    <dsp:sp modelId="{60EC8EC9-96DF-4B01-A936-75003890CE91}">
+      <dsp:nvSpPr>
+        <dsp:cNvPr id="0" name=""/>
+        <dsp:cNvSpPr/>
+      </dsp:nvSpPr>
+      <dsp:spPr>
+        <a:xfrm>
+          <a:off x="3056376" y="2112324"/>
+          <a:ext cx="2677126" cy="2824605"/>
+        </a:xfrm>
+        <a:prstGeom prst="rect">
+          <a:avLst/>
+        </a:prstGeom>
+        <a:solidFill>
+          <a:schemeClr val="accent6">
+            <a:lumMod val="20000"/>
+            <a:lumOff val="80000"/>
+            <a:alpha val="90000"/>
+          </a:schemeClr>
+        </a:solidFill>
+        <a:ln w="19050" cap="flat" cmpd="sng" algn="ctr">
+          <a:noFill/>
+          <a:prstDash val="solid"/>
+          <a:miter lim="800000"/>
+        </a:ln>
+        <a:effectLst>
+          <a:outerShdw blurRad="50800" dist="38100" dir="2700000" algn="tl" rotWithShape="0">
+            <a:prstClr val="black">
+              <a:alpha val="40000"/>
+            </a:prstClr>
+          </a:outerShdw>
+        </a:effectLst>
+      </dsp:spPr>
+      <dsp:style>
+        <a:lnRef idx="2">
+          <a:scrgbClr r="0" g="0" b="0"/>
+        </a:lnRef>
+        <a:fillRef idx="1">
+          <a:scrgbClr r="0" g="0" b="0"/>
+        </a:fillRef>
+        <a:effectRef idx="0">
+          <a:scrgbClr r="0" g="0" b="0"/>
+        </a:effectRef>
+        <a:fontRef idx="minor"/>
+      </dsp:style>
+      <dsp:txBody>
+        <a:bodyPr spcFirstLastPara="0" vert="horz" wrap="square" lIns="112014" tIns="112014" rIns="149352" bIns="168021" numCol="1" spcCol="1270" anchor="t" anchorCtr="0">
+          <a:noAutofit/>
+        </a:bodyPr>
+        <a:lstStyle/>
+        <a:p>
+          <a:pPr marL="228600" lvl="1" indent="-228600" algn="l" defTabSz="933450">
+            <a:lnSpc>
+              <a:spcPct val="90000"/>
+            </a:lnSpc>
+            <a:spcBef>
+              <a:spcPct val="0"/>
+            </a:spcBef>
+            <a:spcAft>
+              <a:spcPct val="15000"/>
+            </a:spcAft>
+            <a:buChar char="•"/>
+          </a:pPr>
+          <a:r>
+            <a:rPr lang="en-US" sz="2100" kern="1200" dirty="0"/>
+            <a:t>Punctuation &amp; Grammar Analysis</a:t>
+          </a:r>
+        </a:p>
+        <a:p>
+          <a:pPr marL="228600" lvl="1" indent="-228600" algn="l" defTabSz="933450">
+            <a:lnSpc>
+              <a:spcPct val="90000"/>
+            </a:lnSpc>
+            <a:spcBef>
+              <a:spcPct val="0"/>
+            </a:spcBef>
+            <a:spcAft>
+              <a:spcPct val="15000"/>
+            </a:spcAft>
+            <a:buChar char="•"/>
+          </a:pPr>
+          <a:endParaRPr lang="en-US" sz="2100" kern="1200" dirty="0"/>
+        </a:p>
+        <a:p>
+          <a:pPr marL="228600" lvl="1" indent="-228600" algn="l" defTabSz="933450">
+            <a:lnSpc>
+              <a:spcPct val="90000"/>
+            </a:lnSpc>
+            <a:spcBef>
+              <a:spcPct val="0"/>
+            </a:spcBef>
+            <a:spcAft>
+              <a:spcPct val="15000"/>
+            </a:spcAft>
+            <a:buChar char="•"/>
+          </a:pPr>
+          <a:r>
+            <a:rPr lang="en-US" sz="2100" kern="1200" dirty="0"/>
+            <a:t>Semantic &amp; </a:t>
+          </a:r>
+          <a:r>
+            <a:rPr lang="en-US" sz="2100" kern="1200" dirty="0" err="1"/>
+            <a:t>Stopword</a:t>
+          </a:r>
+          <a:r>
+            <a:rPr lang="en-US" sz="2100" kern="1200" dirty="0"/>
+            <a:t> Features</a:t>
+          </a:r>
+        </a:p>
+      </dsp:txBody>
+      <dsp:txXfrm>
+        <a:off x="3056376" y="2112324"/>
+        <a:ext cx="2677126" cy="2824605"/>
+      </dsp:txXfrm>
+    </dsp:sp>
+    <dsp:sp modelId="{DC123B1C-EB8C-4AA5-BECE-493E47F77537}">
+      <dsp:nvSpPr>
+        <dsp:cNvPr id="0" name=""/>
+        <dsp:cNvSpPr/>
+      </dsp:nvSpPr>
+      <dsp:spPr>
+        <a:xfrm>
+          <a:off x="6108300" y="1347319"/>
+          <a:ext cx="2677126" cy="765004"/>
+        </a:xfrm>
+        <a:prstGeom prst="rect">
+          <a:avLst/>
+        </a:prstGeom>
+        <a:solidFill>
+          <a:schemeClr val="accent5">
+            <a:lumMod val="75000"/>
+          </a:schemeClr>
+        </a:solidFill>
+        <a:ln w="19050" cap="flat" cmpd="sng" algn="ctr">
+          <a:noFill/>
+          <a:prstDash val="solid"/>
+          <a:miter lim="800000"/>
+        </a:ln>
+        <a:effectLst>
+          <a:outerShdw blurRad="50800" dist="38100" dir="2700000" algn="tl" rotWithShape="0">
+            <a:prstClr val="black">
+              <a:alpha val="40000"/>
+            </a:prstClr>
+          </a:outerShdw>
+        </a:effectLst>
+      </dsp:spPr>
+      <dsp:style>
+        <a:lnRef idx="2">
+          <a:scrgbClr r="0" g="0" b="0"/>
+        </a:lnRef>
+        <a:fillRef idx="1">
+          <a:scrgbClr r="0" g="0" b="0"/>
+        </a:fillRef>
+        <a:effectRef idx="0">
+          <a:scrgbClr r="0" g="0" b="0"/>
+        </a:effectRef>
+        <a:fontRef idx="minor">
+          <a:schemeClr val="lt1"/>
+        </a:fontRef>
+      </dsp:style>
+      <dsp:txBody>
+        <a:bodyPr spcFirstLastPara="0" vert="horz" wrap="square" lIns="149352" tIns="85344" rIns="149352" bIns="85344" numCol="1" spcCol="1270" anchor="ctr" anchorCtr="0">
+          <a:noAutofit/>
+        </a:bodyPr>
+        <a:lstStyle/>
+        <a:p>
+          <a:pPr marL="0" lvl="0" indent="0" algn="ctr" defTabSz="933450">
+            <a:lnSpc>
+              <a:spcPct val="90000"/>
+            </a:lnSpc>
+            <a:spcBef>
+              <a:spcPct val="0"/>
+            </a:spcBef>
+            <a:spcAft>
+              <a:spcPct val="35000"/>
+            </a:spcAft>
+            <a:buNone/>
+          </a:pPr>
+          <a:r>
+            <a:rPr lang="en-US" sz="2100" i="0" kern="1200" dirty="0"/>
+            <a:t>Model Enhancements</a:t>
+          </a:r>
+        </a:p>
+      </dsp:txBody>
+      <dsp:txXfrm>
+        <a:off x="6108300" y="1347319"/>
+        <a:ext cx="2677126" cy="765004"/>
+      </dsp:txXfrm>
+    </dsp:sp>
+    <dsp:sp modelId="{BBB420D4-3887-4409-873F-5DA06A088833}">
+      <dsp:nvSpPr>
+        <dsp:cNvPr id="0" name=""/>
+        <dsp:cNvSpPr/>
+      </dsp:nvSpPr>
+      <dsp:spPr>
+        <a:xfrm>
+          <a:off x="6108300" y="2112324"/>
+          <a:ext cx="2677126" cy="2824605"/>
+        </a:xfrm>
+        <a:prstGeom prst="rect">
+          <a:avLst/>
+        </a:prstGeom>
+        <a:solidFill>
+          <a:schemeClr val="accent5">
+            <a:lumMod val="20000"/>
+            <a:lumOff val="80000"/>
+            <a:alpha val="90000"/>
+          </a:schemeClr>
+        </a:solidFill>
+        <a:ln w="19050" cap="flat" cmpd="sng" algn="ctr">
+          <a:noFill/>
+          <a:prstDash val="solid"/>
+          <a:miter lim="800000"/>
+        </a:ln>
+        <a:effectLst>
+          <a:outerShdw blurRad="50800" dist="38100" dir="2700000" algn="tl" rotWithShape="0">
+            <a:prstClr val="black">
+              <a:alpha val="40000"/>
+            </a:prstClr>
+          </a:outerShdw>
+        </a:effectLst>
+      </dsp:spPr>
+      <dsp:style>
+        <a:lnRef idx="2">
+          <a:scrgbClr r="0" g="0" b="0"/>
+        </a:lnRef>
+        <a:fillRef idx="1">
+          <a:scrgbClr r="0" g="0" b="0"/>
+        </a:fillRef>
+        <a:effectRef idx="0">
+          <a:scrgbClr r="0" g="0" b="0"/>
+        </a:effectRef>
+        <a:fontRef idx="minor"/>
+      </dsp:style>
+      <dsp:txBody>
+        <a:bodyPr spcFirstLastPara="0" vert="horz" wrap="square" lIns="112014" tIns="112014" rIns="149352" bIns="168021" numCol="1" spcCol="1270" anchor="t" anchorCtr="0">
+          <a:noAutofit/>
+        </a:bodyPr>
+        <a:lstStyle/>
+        <a:p>
+          <a:pPr marL="228600" lvl="1" indent="-228600" algn="l" defTabSz="933450">
+            <a:lnSpc>
+              <a:spcPct val="90000"/>
+            </a:lnSpc>
+            <a:spcBef>
+              <a:spcPct val="0"/>
+            </a:spcBef>
+            <a:spcAft>
+              <a:spcPct val="15000"/>
+            </a:spcAft>
+            <a:buChar char="•"/>
+          </a:pPr>
+          <a:r>
+            <a:rPr lang="en-US" sz="2100" i="0" kern="1200" dirty="0"/>
+            <a:t>Context-aware Models</a:t>
+          </a:r>
+        </a:p>
+        <a:p>
+          <a:pPr marL="228600" lvl="1" indent="-228600" algn="l" defTabSz="933450">
+            <a:lnSpc>
+              <a:spcPct val="90000"/>
+            </a:lnSpc>
+            <a:spcBef>
+              <a:spcPct val="0"/>
+            </a:spcBef>
+            <a:spcAft>
+              <a:spcPct val="15000"/>
+            </a:spcAft>
+            <a:buChar char="•"/>
+          </a:pPr>
+          <a:endParaRPr lang="en-US" sz="2100" i="0" kern="1200" dirty="0"/>
+        </a:p>
+        <a:p>
+          <a:pPr marL="228600" lvl="1" indent="-228600" algn="l" defTabSz="933450">
+            <a:lnSpc>
+              <a:spcPct val="90000"/>
+            </a:lnSpc>
+            <a:spcBef>
+              <a:spcPct val="0"/>
+            </a:spcBef>
+            <a:spcAft>
+              <a:spcPct val="15000"/>
+            </a:spcAft>
+            <a:buChar char="•"/>
+          </a:pPr>
+          <a:r>
+            <a:rPr lang="en-US" sz="2100" i="0" kern="1200" dirty="0" err="1"/>
+            <a:t>Scaleability</a:t>
+          </a:r>
+          <a:r>
+            <a:rPr lang="en-US" sz="2100" i="0" kern="1200" dirty="0"/>
+            <a:t> &amp; Deployment</a:t>
+          </a:r>
+        </a:p>
+      </dsp:txBody>
+      <dsp:txXfrm>
+        <a:off x="6108300" y="2112324"/>
+        <a:ext cx="2677126" cy="2824605"/>
+      </dsp:txXfrm>
+    </dsp:sp>
+    <dsp:sp modelId="{B4A71382-2475-483C-B90B-60E367F320C2}">
+      <dsp:nvSpPr>
+        <dsp:cNvPr id="0" name=""/>
+        <dsp:cNvSpPr/>
+      </dsp:nvSpPr>
+      <dsp:spPr>
+        <a:xfrm>
+          <a:off x="9160224" y="1347319"/>
+          <a:ext cx="2677126" cy="765004"/>
+        </a:xfrm>
+        <a:prstGeom prst="rect">
+          <a:avLst/>
+        </a:prstGeom>
+        <a:solidFill>
+          <a:schemeClr val="accent2">
+            <a:lumMod val="75000"/>
+          </a:schemeClr>
+        </a:solidFill>
+        <a:ln w="19050" cap="flat" cmpd="sng" algn="ctr">
+          <a:noFill/>
+          <a:prstDash val="solid"/>
+          <a:miter lim="800000"/>
+        </a:ln>
+        <a:effectLst>
+          <a:outerShdw blurRad="50800" dist="38100" dir="2700000" algn="tl" rotWithShape="0">
+            <a:prstClr val="black">
+              <a:alpha val="40000"/>
+            </a:prstClr>
+          </a:outerShdw>
+        </a:effectLst>
+      </dsp:spPr>
+      <dsp:style>
+        <a:lnRef idx="2">
+          <a:scrgbClr r="0" g="0" b="0"/>
+        </a:lnRef>
+        <a:fillRef idx="1">
+          <a:scrgbClr r="0" g="0" b="0"/>
+        </a:fillRef>
+        <a:effectRef idx="0">
+          <a:scrgbClr r="0" g="0" b="0"/>
+        </a:effectRef>
+        <a:fontRef idx="minor">
+          <a:schemeClr val="lt1"/>
+        </a:fontRef>
+      </dsp:style>
+      <dsp:txBody>
+        <a:bodyPr spcFirstLastPara="0" vert="horz" wrap="square" lIns="149352" tIns="85344" rIns="149352" bIns="85344" numCol="1" spcCol="1270" anchor="ctr" anchorCtr="0">
+          <a:noAutofit/>
+        </a:bodyPr>
+        <a:lstStyle/>
+        <a:p>
+          <a:pPr marL="0" lvl="0" indent="0" algn="ctr" defTabSz="933450">
+            <a:lnSpc>
+              <a:spcPct val="90000"/>
+            </a:lnSpc>
+            <a:spcBef>
+              <a:spcPct val="0"/>
+            </a:spcBef>
+            <a:spcAft>
+              <a:spcPct val="35000"/>
+            </a:spcAft>
+            <a:buNone/>
+          </a:pPr>
+          <a:r>
+            <a:rPr lang="en-US" sz="2100" i="0" kern="1200" dirty="0"/>
+            <a:t>Continuous Learning</a:t>
+          </a:r>
+        </a:p>
+      </dsp:txBody>
+      <dsp:txXfrm>
+        <a:off x="9160224" y="1347319"/>
+        <a:ext cx="2677126" cy="765004"/>
+      </dsp:txXfrm>
+    </dsp:sp>
+    <dsp:sp modelId="{E912499E-0EA8-4301-A07B-D5CBC103EAFE}">
+      <dsp:nvSpPr>
+        <dsp:cNvPr id="0" name=""/>
+        <dsp:cNvSpPr/>
+      </dsp:nvSpPr>
+      <dsp:spPr>
+        <a:xfrm>
+          <a:off x="9160224" y="2112324"/>
+          <a:ext cx="2677126" cy="2824605"/>
+        </a:xfrm>
+        <a:prstGeom prst="rect">
+          <a:avLst/>
+        </a:prstGeom>
+        <a:solidFill>
+          <a:schemeClr val="accent2">
+            <a:lumMod val="20000"/>
+            <a:lumOff val="80000"/>
+            <a:alpha val="90000"/>
+          </a:schemeClr>
+        </a:solidFill>
+        <a:ln w="19050" cap="flat" cmpd="sng" algn="ctr">
+          <a:noFill/>
+          <a:prstDash val="solid"/>
+          <a:miter lim="800000"/>
+        </a:ln>
+        <a:effectLst>
+          <a:outerShdw blurRad="50800" dist="38100" dir="2700000" algn="tl" rotWithShape="0">
+            <a:prstClr val="black">
+              <a:alpha val="40000"/>
+            </a:prstClr>
+          </a:outerShdw>
+        </a:effectLst>
+      </dsp:spPr>
+      <dsp:style>
+        <a:lnRef idx="2">
+          <a:scrgbClr r="0" g="0" b="0"/>
+        </a:lnRef>
+        <a:fillRef idx="1">
+          <a:scrgbClr r="0" g="0" b="0"/>
+        </a:fillRef>
+        <a:effectRef idx="0">
+          <a:scrgbClr r="0" g="0" b="0"/>
+        </a:effectRef>
+        <a:fontRef idx="minor"/>
+      </dsp:style>
+      <dsp:txBody>
+        <a:bodyPr spcFirstLastPara="0" vert="horz" wrap="square" lIns="112014" tIns="112014" rIns="149352" bIns="168021" numCol="1" spcCol="1270" anchor="t" anchorCtr="0">
+          <a:noAutofit/>
+        </a:bodyPr>
+        <a:lstStyle/>
+        <a:p>
+          <a:pPr marL="228600" lvl="1" indent="-228600" algn="l" defTabSz="933450">
+            <a:lnSpc>
+              <a:spcPct val="90000"/>
+            </a:lnSpc>
+            <a:spcBef>
+              <a:spcPct val="0"/>
+            </a:spcBef>
+            <a:spcAft>
+              <a:spcPct val="15000"/>
+            </a:spcAft>
+            <a:buChar char="•"/>
+          </a:pPr>
+          <a:r>
+            <a:rPr lang="en-US" sz="2100" kern="1200" dirty="0"/>
+            <a:t>Real-Time Feedback Loop</a:t>
+          </a:r>
+        </a:p>
+        <a:p>
+          <a:pPr marL="228600" lvl="1" indent="-228600" algn="l" defTabSz="933450">
+            <a:lnSpc>
+              <a:spcPct val="90000"/>
+            </a:lnSpc>
+            <a:spcBef>
+              <a:spcPct val="0"/>
+            </a:spcBef>
+            <a:spcAft>
+              <a:spcPct val="15000"/>
+            </a:spcAft>
+            <a:buChar char="•"/>
+          </a:pPr>
+          <a:endParaRPr lang="en-US" sz="2100" kern="1200" dirty="0"/>
+        </a:p>
+        <a:p>
+          <a:pPr marL="228600" lvl="1" indent="-228600" algn="l" defTabSz="933450">
+            <a:lnSpc>
+              <a:spcPct val="90000"/>
+            </a:lnSpc>
+            <a:spcBef>
+              <a:spcPct val="0"/>
+            </a:spcBef>
+            <a:spcAft>
+              <a:spcPct val="15000"/>
+            </a:spcAft>
+            <a:buChar char="•"/>
+          </a:pPr>
+          <a:r>
+            <a:rPr lang="en-US" sz="2100" kern="1200" dirty="0"/>
+            <a:t>Ethical Audits &amp; Transparency</a:t>
+          </a:r>
+        </a:p>
+      </dsp:txBody>
+      <dsp:txXfrm>
+        <a:off x="9160224" y="2112324"/>
+        <a:ext cx="2677126" cy="2824605"/>
+      </dsp:txXfrm>
+    </dsp:sp>
+  </dsp:spTree>
+</dsp:drawing>
+</file>
+
+<file path=ppt/diagrams/layout1.xml><?xml version="1.0" encoding="utf-8"?>
+<dgm:layoutDef xmlns:dgm="http://schemas.openxmlformats.org/drawingml/2006/diagram" xmlns:a="http://schemas.openxmlformats.org/drawingml/2006/main" uniqueId="urn:microsoft.com/office/officeart/2005/8/layout/hList1">
+  <dgm:title val=""/>
+  <dgm:desc val=""/>
+  <dgm:catLst>
+    <dgm:cat type="list" pri="5000"/>
+    <dgm:cat type="convert" pri="5000"/>
+  </dgm:catLst>
+  <dgm:sampData>
+    <dgm:dataModel>
+      <dgm:ptLst>
+        <dgm:pt modelId="0" type="doc"/>
+        <dgm:pt modelId="1">
+          <dgm:prSet phldr="1"/>
+        </dgm:pt>
+        <dgm:pt modelId="11">
+          <dgm:prSet phldr="1"/>
+        </dgm:pt>
+        <dgm:pt modelId="12">
+          <dgm:prSet phldr="1"/>
+        </dgm:pt>
+        <dgm:pt modelId="2">
+          <dgm:prSet phldr="1"/>
+        </dgm:pt>
+        <dgm:pt modelId="21">
+          <dgm:prSet phldr="1"/>
+        </dgm:pt>
+        <dgm:pt modelId="22">
+          <dgm:prSet phldr="1"/>
+        </dgm:pt>
+        <dgm:pt modelId="3">
+          <dgm:prSet phldr="1"/>
+        </dgm:pt>
+        <dgm:pt modelId="31">
+          <dgm:prSet phldr="1"/>
+        </dgm:pt>
+        <dgm:pt modelId="32">
+          <dgm:prSet phldr="1"/>
+        </dgm:pt>
+      </dgm:ptLst>
+      <dgm:cxnLst>
+        <dgm:cxn modelId="4" srcId="0" destId="1" srcOrd="0" destOrd="0"/>
+        <dgm:cxn modelId="5" srcId="0" destId="2" srcOrd="1" destOrd="0"/>
+        <dgm:cxn modelId="6" srcId="0" destId="3" srcOrd="2" destOrd="0"/>
+        <dgm:cxn modelId="13" srcId="1" destId="11" srcOrd="0" destOrd="0"/>
+        <dgm:cxn modelId="14" srcId="1" destId="12" srcOrd="1" destOrd="0"/>
+        <dgm:cxn modelId="23" srcId="2" destId="21" srcOrd="0" destOrd="0"/>
+        <dgm:cxn modelId="24" srcId="2" destId="22" srcOrd="1" destOrd="0"/>
+        <dgm:cxn modelId="33" srcId="3" destId="31" srcOrd="0" destOrd="0"/>
+        <dgm:cxn modelId="34" srcId="3" destId="32" srcOrd="1" destOrd="0"/>
+      </dgm:cxnLst>
+      <dgm:bg/>
+      <dgm:whole/>
+    </dgm:dataModel>
+  </dgm:sampData>
+  <dgm:styleData>
+    <dgm:dataModel>
+      <dgm:ptLst>
+        <dgm:pt modelId="0" type="doc"/>
+        <dgm:pt modelId="1">
+          <dgm:prSet phldr="1"/>
+        </dgm:pt>
+        <dgm:pt modelId="2">
+          <dgm:prSet phldr="1"/>
+        </dgm:pt>
+      </dgm:ptLst>
+      <dgm:cxnLst>
+        <dgm:cxn modelId="3" srcId="0" destId="1" srcOrd="0" destOrd="0"/>
+        <dgm:cxn modelId="4" srcId="0" destId="2" srcOrd="1" destOrd="0"/>
+      </dgm:cxnLst>
+      <dgm:bg/>
+      <dgm:whole/>
+    </dgm:dataModel>
+  </dgm:styleData>
+  <dgm:clrData>
+    <dgm:dataModel>
+      <dgm:ptLst>
+        <dgm:pt modelId="0" type="doc"/>
+        <dgm:pt modelId="1">
+          <dgm:prSet phldr="1"/>
+        </dgm:pt>
+        <dgm:pt modelId="2">
+          <dgm:prSet phldr="1"/>
+        </dgm:pt>
+        <dgm:pt modelId="3">
+          <dgm:prSet phldr="1"/>
+        </dgm:pt>
+        <dgm:pt modelId="4">
+          <dgm:prSet phldr="1"/>
+        </dgm:pt>
+      </dgm:ptLst>
+      <dgm:cxnLst>
+        <dgm:cxn modelId="5" srcId="0" destId="1" srcOrd="0" destOrd="0"/>
+        <dgm:cxn modelId="6" srcId="0" destId="2" srcOrd="1" destOrd="0"/>
+        <dgm:cxn modelId="7" srcId="0" destId="3" srcOrd="2" destOrd="0"/>
+        <dgm:cxn modelId="8" srcId="0" destId="4" srcOrd="3" destOrd="0"/>
+      </dgm:cxnLst>
+      <dgm:bg/>
+      <dgm:whole/>
+    </dgm:dataModel>
+  </dgm:clrData>
+  <dgm:layoutNode name="Name0">
+    <dgm:varLst>
+      <dgm:dir/>
+      <dgm:animLvl val="lvl"/>
+      <dgm:resizeHandles val="exact"/>
+    </dgm:varLst>
+    <dgm:choose name="Name1">
+      <dgm:if name="Name2" func="var" arg="dir" op="equ" val="norm">
+        <dgm:alg type="lin"/>
+      </dgm:if>
+      <dgm:else name="Name3">
+        <dgm:alg type="lin">
+          <dgm:param type="linDir" val="fromR"/>
+        </dgm:alg>
+      </dgm:else>
+    </dgm:choose>
+    <dgm:shape xmlns:r="http://schemas.openxmlformats.org/officeDocument/2006/relationships" r:blip="">
+      <dgm:adjLst/>
+    </dgm:shape>
+    <dgm:presOf/>
+    <dgm:constrLst>
+      <dgm:constr type="h" for="ch" forName="composite" refType="h"/>
+      <dgm:constr type="w" for="ch" forName="composite" refType="w"/>
+      <dgm:constr type="w" for="des" forName="parTx"/>
+      <dgm:constr type="h" for="des" forName="parTx" op="equ"/>
+      <dgm:constr type="w" for="des" forName="desTx"/>
+      <dgm:constr type="h" for="des" forName="desTx" op="equ"/>
+      <dgm:constr type="primFontSz" for="des" forName="parTx" val="65"/>
+      <dgm:constr type="secFontSz" for="des" forName="desTx" refType="primFontSz" refFor="des" refForName="parTx" op="equ"/>
+      <dgm:constr type="h" for="des" forName="parTx" refType="primFontSz" refFor="des" refForName="parTx" fact="0.8"/>
+      <dgm:constr type="h" for="des" forName="desTx" refType="primFontSz" refFor="des" refForName="parTx" fact="1.22"/>
+      <dgm:constr type="w" for="ch" forName="space" refType="w" refFor="ch" refForName="composite" op="equ" fact="0.14"/>
+    </dgm:constrLst>
+    <dgm:ruleLst>
+      <dgm:rule type="w" for="ch" forName="composite" val="0" fact="NaN" max="NaN"/>
+      <dgm:rule type="primFontSz" for="des" forName="parTx" val="5" fact="NaN" max="NaN"/>
+    </dgm:ruleLst>
+    <dgm:forEach name="Name4" axis="ch" ptType="node">
+      <dgm:layoutNode name="composite">
+        <dgm:alg type="composite"/>
+        <dgm:shape xmlns:r="http://schemas.openxmlformats.org/officeDocument/2006/relationships" r:blip="">
+          <dgm:adjLst/>
+        </dgm:shape>
+        <dgm:presOf/>
+        <dgm:constrLst>
+          <dgm:constr type="l" for="ch" forName="parTx"/>
+          <dgm:constr type="w" for="ch" forName="parTx" refType="w"/>
+          <dgm:constr type="t" for="ch" forName="parTx"/>
+          <dgm:constr type="l" for="ch" forName="desTx"/>
+          <dgm:constr type="w" for="ch" forName="desTx" refType="w" refFor="ch" refForName="parTx"/>
+          <dgm:constr type="t" for="ch" forName="desTx" refType="h" refFor="ch" refForName="parTx"/>
+        </dgm:constrLst>
+        <dgm:ruleLst>
+          <dgm:rule type="h" val="INF" fact="NaN" max="NaN"/>
+        </dgm:ruleLst>
+        <dgm:layoutNode name="parTx" styleLbl="alignNode1">
+          <dgm:varLst>
+            <dgm:chMax val="0"/>
+            <dgm:chPref val="0"/>
+            <dgm:bulletEnabled val="1"/>
+          </dgm:varLst>
+          <dgm:alg type="tx"/>
+          <dgm:shape xmlns:r="http://schemas.openxmlformats.org/officeDocument/2006/relationships" type="rect" r:blip="">
+            <dgm:adjLst/>
+          </dgm:shape>
+          <dgm:presOf axis="self" ptType="node"/>
+          <dgm:constrLst>
+            <dgm:constr type="h" refType="w" op="lte" fact="0.4"/>
+            <dgm:constr type="h"/>
+            <dgm:constr type="tMarg" refType="primFontSz" fact="0.32"/>
+            <dgm:constr type="bMarg" refType="primFontSz" fact="0.32"/>
+          </dgm:constrLst>
+          <dgm:ruleLst>
+            <dgm:rule type="h" val="INF" fact="NaN" max="NaN"/>
+          </dgm:ruleLst>
+        </dgm:layoutNode>
+        <dgm:layoutNode name="desTx" styleLbl="alignAccFollowNode1">
+          <dgm:varLst>
+            <dgm:bulletEnabled val="1"/>
+          </dgm:varLst>
+          <dgm:alg type="tx">
+            <dgm:param type="stBulletLvl" val="1"/>
+          </dgm:alg>
+          <dgm:shape xmlns:r="http://schemas.openxmlformats.org/officeDocument/2006/relationships" type="rect" r:blip="">
+            <dgm:adjLst/>
+          </dgm:shape>
+          <dgm:presOf axis="des" ptType="node"/>
+          <dgm:constrLst>
+            <dgm:constr type="secFontSz" val="65"/>
+            <dgm:constr type="primFontSz" refType="secFontSz"/>
+            <dgm:constr type="h"/>
+            <dgm:constr type="lMarg" refType="primFontSz" fact="0.42"/>
+            <dgm:constr type="tMarg" refType="primFontSz" fact="0.42"/>
+            <dgm:constr type="bMarg" refType="primFontSz" fact="0.63"/>
+          </dgm:constrLst>
+          <dgm:ruleLst>
+            <dgm:rule type="h" val="INF" fact="NaN" max="NaN"/>
+          </dgm:ruleLst>
+        </dgm:layoutNode>
+      </dgm:layoutNode>
+      <dgm:forEach name="Name5" axis="followSib" ptType="sibTrans" cnt="1">
+        <dgm:layoutNode name="space">
+          <dgm:alg type="sp"/>
+          <dgm:shape xmlns:r="http://schemas.openxmlformats.org/officeDocument/2006/relationships" r:blip="">
+            <dgm:adjLst/>
+          </dgm:shape>
+          <dgm:presOf/>
+          <dgm:constrLst/>
+          <dgm:ruleLst/>
+        </dgm:layoutNode>
+      </dgm:forEach>
+    </dgm:forEach>
+  </dgm:layoutNode>
+</dgm:layoutDef>
+</file>
+
+<file path=ppt/diagrams/quickStyle1.xml><?xml version="1.0" encoding="utf-8"?>
+<dgm:styleDef xmlns:dgm="http://schemas.openxmlformats.org/drawingml/2006/diagram" xmlns:a="http://schemas.openxmlformats.org/drawingml/2006/main" uniqueId="urn:microsoft.com/office/officeart/2005/8/quickstyle/simple1">
+  <dgm:title val=""/>
+  <dgm:desc val=""/>
+  <dgm:catLst>
+    <dgm:cat type="simple" pri="10100"/>
+  </dgm:catLst>
+  <dgm:scene3d>
+    <a:camera prst="orthographicFront"/>
+    <a:lightRig rig="threePt" dir="t"/>
+  </dgm:scene3d>
+  <dgm:styleLbl name="node0">
+    <dgm:scene3d>
+      <a:camera prst="orthographicFront"/>
+      <a:lightRig rig="threePt" dir="t"/>
+    </dgm:scene3d>
+    <dgm:sp3d/>
+    <dgm:txPr/>
+    <dgm:style>
+      <a:lnRef idx="2">
+        <a:scrgbClr r="0" g="0" b="0"/>
+      </a:lnRef>
+      <a:fillRef idx="1">
+        <a:scrgbClr r="0" g="0" b="0"/>
+      </a:fillRef>
+      <a:effectRef idx="0">
+        <a:scrgbClr r="0" g="0" b="0"/>
+      </a:effectRef>
+      <a:fontRef idx="minor">
+        <a:schemeClr val="lt1"/>
+      </a:fontRef>
+    </dgm:style>
+  </dgm:styleLbl>
+  <dgm:styleLbl name="lnNode1">
+    <dgm:scene3d>
+      <a:camera prst="orthographicFront"/>
+      <a:lightRig rig="threePt" dir="t"/>
+    </dgm:scene3d>
+    <dgm:sp3d/>
+    <dgm:txPr/>
+    <dgm:style>
+      <a:lnRef idx="2">
+        <a:scrgbClr r="0" g="0" b="0"/>
+      </a:lnRef>
+      <a:fillRef idx="1">
+        <a:scrgbClr r="0" g="0" b="0"/>
+      </a:fillRef>
+      <a:effectRef idx="0">
+        <a:scrgbClr r="0" g="0" b="0"/>
+      </a:effectRef>
+      <a:fontRef idx="minor">
+        <a:schemeClr val="lt1"/>
+      </a:fontRef>
+    </dgm:style>
+  </dgm:styleLbl>
+  <dgm:styleLbl name="vennNode1">
+    <dgm:scene3d>
+      <a:camera prst="orthographicFront"/>
+      <a:lightRig rig="threePt" dir="t"/>
+    </dgm:scene3d>
+    <dgm:sp3d/>
+    <dgm:txPr/>
+    <dgm:style>
+      <a:lnRef idx="2">
+        <a:scrgbClr r="0" g="0" b="0"/>
+      </a:lnRef>
+      <a:fillRef idx="1">
+        <a:scrgbClr r="0" g="0" b="0"/>
+      </a:fillRef>
+      <a:effectRef idx="0">
+        <a:scrgbClr r="0" g="0" b="0"/>
+      </a:effectRef>
+      <a:fontRef idx="minor">
+        <a:schemeClr val="tx1"/>
+      </a:fontRef>
+    </dgm:style>
+  </dgm:styleLbl>
+  <dgm:styleLbl name="alignNode1">
+    <dgm:scene3d>
+      <a:camera prst="orthographicFront"/>
+      <a:lightRig rig="threePt" dir="t"/>
+    </dgm:scene3d>
+    <dgm:sp3d/>
+    <dgm:txPr/>
+    <dgm:style>
+      <a:lnRef idx="2">
+        <a:scrgbClr r="0" g="0" b="0"/>
+      </a:lnRef>
+      <a:fillRef idx="1">
+        <a:scrgbClr r="0" g="0" b="0"/>
+      </a:fillRef>
+      <a:effectRef idx="0">
+        <a:scrgbClr r="0" g="0" b="0"/>
+      </a:effectRef>
+      <a:fontRef idx="minor">
+        <a:schemeClr val="lt1"/>
+      </a:fontRef>
+    </dgm:style>
+  </dgm:styleLbl>
+  <dgm:styleLbl name="node1">
+    <dgm:scene3d>
+      <a:camera prst="orthographicFront"/>
+      <a:lightRig rig="threePt" dir="t"/>
+    </dgm:scene3d>
+    <dgm:sp3d/>
+    <dgm:txPr/>
+    <dgm:style>
+      <a:lnRef idx="2">
+        <a:scrgbClr r="0" g="0" b="0"/>
+      </a:lnRef>
+      <a:fillRef idx="1">
+        <a:scrgbClr r="0" g="0" b="0"/>
+      </a:fillRef>
+      <a:effectRef idx="0">
+        <a:scrgbClr r="0" g="0" b="0"/>
+      </a:effectRef>
+      <a:fontRef idx="minor">
+        <a:schemeClr val="lt1"/>
+      </a:fontRef>
+    </dgm:style>
+  </dgm:styleLbl>
+  <dgm:styleLbl name="node2">
+    <dgm:scene3d>
+      <a:camera prst="orthographicFront"/>
+      <a:lightRig rig="threePt" dir="t"/>
+    </dgm:scene3d>
+    <dgm:sp3d/>
+    <dgm:txPr/>
+    <dgm:style>
+      <a:lnRef idx="2">
+        <a:scrgbClr r="0" g="0" b="0"/>
+      </a:lnRef>
+      <a:fillRef idx="1">
+        <a:scrgbClr r="0" g="0" b="0"/>
+      </a:fillRef>
+      <a:effectRef idx="0">
+        <a:scrgbClr r="0" g="0" b="0"/>
+      </a:effectRef>
+      <a:fontRef idx="minor">
+        <a:schemeClr val="lt1"/>
+      </a:fontRef>
+    </dgm:style>
+  </dgm:styleLbl>
+  <dgm:styleLbl name="node3">
+    <dgm:scene3d>
+      <a:camera prst="orthographicFront"/>
+      <a:lightRig rig="threePt" dir="t"/>
+    </dgm:scene3d>
+    <dgm:sp3d/>
+    <dgm:txPr/>
+    <dgm:style>
+      <a:lnRef idx="2">
+        <a:scrgbClr r="0" g="0" b="0"/>
+      </a:lnRef>
+      <a:fillRef idx="1">
+        <a:scrgbClr r="0" g="0" b="0"/>
+      </a:fillRef>
+      <a:effectRef idx="0">
+        <a:scrgbClr r="0" g="0" b="0"/>
+      </a:effectRef>
+      <a:fontRef idx="minor">
+        <a:schemeClr val="lt1"/>
+      </a:fontRef>
+    </dgm:style>
+  </dgm:styleLbl>
+  <dgm:styleLbl name="node4">
+    <dgm:scene3d>
+      <a:camera prst="orthographicFront"/>
+      <a:lightRig rig="threePt" dir="t"/>
+    </dgm:scene3d>
+    <dgm:sp3d/>
+    <dgm:txPr/>
+    <dgm:style>
+      <a:lnRef idx="2">
+        <a:scrgbClr r="0" g="0" b="0"/>
+      </a:lnRef>
+      <a:fillRef idx="1">
+        <a:scrgbClr r="0" g="0" b="0"/>
+      </a:fillRef>
+      <a:effectRef idx="0">
+        <a:scrgbClr r="0" g="0" b="0"/>
+      </a:effectRef>
+      <a:fontRef idx="minor">
+        <a:schemeClr val="lt1"/>
+      </a:fontRef>
+    </dgm:style>
+  </dgm:styleLbl>
+  <dgm:styleLbl name="fgImgPlace1">
+    <dgm:scene3d>
+      <a:camera prst="orthographicFront"/>
+      <a:lightRig rig="threePt" dir="t"/>
+    </dgm:scene3d>
+    <dgm:sp3d/>
+    <dgm:txPr/>
+    <dgm:style>
+      <a:lnRef idx="2">
+        <a:scrgbClr r="0" g="0" b="0"/>
+      </a:lnRef>
+      <a:fillRef idx="1">
+        <a:scrgbClr r="0" g="0" b="0"/>
+      </a:fillRef>
+      <a:effectRef idx="0">
+        <a:scrgbClr r="0" g="0" b="0"/>
+      </a:effectRef>
+      <a:fontRef idx="minor"/>
+    </dgm:style>
+  </dgm:styleLbl>
+  <dgm:styleLbl name="alignImgPlace1">
+    <dgm:scene3d>
+      <a:camera prst="orthographicFront"/>
+      <a:lightRig rig="threePt" dir="t"/>
+    </dgm:scene3d>
+    <dgm:sp3d/>
+    <dgm:txPr/>
+    <dgm:style>
+      <a:lnRef idx="2">
+        <a:scrgbClr r="0" g="0" b="0"/>
+      </a:lnRef>
+      <a:fillRef idx="1">
+        <a:scrgbClr r="0" g="0" b="0"/>
+      </a:fillRef>
+      <a:effectRef idx="0">
+        <a:scrgbClr r="0" g="0" b="0"/>
+      </a:effectRef>
+      <a:fontRef idx="minor"/>
+    </dgm:style>
+  </dgm:styleLbl>
+  <dgm:styleLbl name="bgImgPlace1">
+    <dgm:scene3d>
+      <a:camera prst="orthographicFront"/>
+      <a:lightRig rig="threePt" dir="t"/>
+    </dgm:scene3d>
+    <dgm:sp3d/>
+    <dgm:txPr/>
+    <dgm:style>
+      <a:lnRef idx="2">
+        <a:scrgbClr r="0" g="0" b="0"/>
+      </a:lnRef>
+      <a:fillRef idx="1">
+        <a:scrgbClr r="0" g="0" b="0"/>
+      </a:fillRef>
+      <a:effectRef idx="0">
+        <a:scrgbClr r="0" g="0" b="0"/>
+      </a:effectRef>
+      <a:fontRef idx="minor"/>
+    </dgm:style>
+  </dgm:styleLbl>
+  <dgm:styleLbl name="sibTrans2D1">
+    <dgm:scene3d>
+      <a:camera prst="orthographicFront"/>
+      <a:lightRig rig="threePt" dir="t"/>
+    </dgm:scene3d>
+    <dgm:sp3d/>
+    <dgm:txPr/>
+    <dgm:style>
+      <a:lnRef idx="0">
+        <a:scrgbClr r="0" g="0" b="0"/>
+      </a:lnRef>
+      <a:fillRef idx="1">
+        <a:scrgbClr r="0" g="0" b="0"/>
+      </a:fillRef>
+      <a:effectRef idx="0">
+        <a:scrgbClr r="0" g="0" b="0"/>
+      </a:effectRef>
+      <a:fontRef idx="minor">
+        <a:schemeClr val="lt1"/>
+      </a:fontRef>
+    </dgm:style>
+  </dgm:styleLbl>
+  <dgm:styleLbl name="fgSibTrans2D1">
+    <dgm:scene3d>
+      <a:camera prst="orthographicFront"/>
+      <a:lightRig rig="threePt" dir="t"/>
+    </dgm:scene3d>
+    <dgm:sp3d/>
+    <dgm:txPr/>
+    <dgm:style>
+      <a:lnRef idx="0">
+        <a:scrgbClr r="0" g="0" b="0"/>
+      </a:lnRef>
+      <a:fillRef idx="1">
+        <a:scrgbClr r="0" g="0" b="0"/>
+      </a:fillRef>
+      <a:effectRef idx="0">
+        <a:scrgbClr r="0" g="0" b="0"/>
+      </a:effectRef>
+      <a:fontRef idx="minor">
+        <a:schemeClr val="lt1"/>
+      </a:fontRef>
+    </dgm:style>
+  </dgm:styleLbl>
+  <dgm:styleLbl name="bgSibTrans2D1">
+    <dgm:scene3d>
+      <a:camera prst="orthographicFront"/>
+      <a:lightRig rig="threePt" dir="t"/>
+    </dgm:scene3d>
+    <dgm:sp3d/>
+    <dgm:txPr/>
+    <dgm:style>
+      <a:lnRef idx="0">
+        <a:scrgbClr r="0" g="0" b="0"/>
+      </a:lnRef>
+      <a:fillRef idx="1">
+        <a:scrgbClr r="0" g="0" b="0"/>
+      </a:fillRef>
+      <a:effectRef idx="0">
+        <a:scrgbClr r="0" g="0" b="0"/>
+      </a:effectRef>
+      <a:fontRef idx="minor">
+        <a:schemeClr val="lt1"/>
+      </a:fontRef>
+    </dgm:style>
+  </dgm:styleLbl>
+  <dgm:styleLbl name="sibTrans1D1">
+    <dgm:scene3d>
+      <a:camera prst="orthographicFront"/>
+      <a:lightRig rig="threePt" dir="t"/>
+    </dgm:scene3d>
+    <dgm:sp3d/>
+    <dgm:txPr/>
+    <dgm:style>
+      <a:lnRef idx="1">
+        <a:scrgbClr r="0" g="0" b="0"/>
+      </a:lnRef>
+      <a:fillRef idx="0">
+        <a:scrgbClr r="0" g="0" b="0"/>
+      </a:fillRef>
+      <a:effectRef idx="0">
+        <a:scrgbClr r="0" g="0" b="0"/>
+      </a:effectRef>
+      <a:fontRef idx="minor"/>
+    </dgm:style>
+  </dgm:styleLbl>
+  <dgm:styleLbl name="callout">
+    <dgm:scene3d>
+      <a:camera prst="orthographicFront"/>
+      <a:lightRig rig="threePt" dir="t"/>
+    </dgm:scene3d>
+    <dgm:sp3d/>
+    <dgm:txPr/>
+    <dgm:style>
+      <a:lnRef idx="2">
+        <a:scrgbClr r="0" g="0" b="0"/>
+      </a:lnRef>
+      <a:fillRef idx="1">
+        <a:scrgbClr r="0" g="0" b="0"/>
+      </a:fillRef>
+      <a:effectRef idx="0">
+        <a:scrgbClr r="0" g="0" b="0"/>
+      </a:effectRef>
+      <a:fontRef idx="minor"/>
+    </dgm:style>
+  </dgm:styleLbl>
+  <dgm:styleLbl name="asst0">
+    <dgm:scene3d>
+      <a:camera prst="orthographicFront"/>
+      <a:lightRig rig="threePt" dir="t"/>
+    </dgm:scene3d>
+    <dgm:sp3d/>
+    <dgm:txPr/>
+    <dgm:style>
+      <a:lnRef idx="2">
+        <a:scrgbClr r="0" g="0" b="0"/>
+      </a:lnRef>
+      <a:fillRef idx="1">
+        <a:scrgbClr r="0" g="0" b="0"/>
+      </a:fillRef>
+      <a:effectRef idx="0">
+        <a:scrgbClr r="0" g="0" b="0"/>
+      </a:effectRef>
+      <a:fontRef idx="minor">
+        <a:schemeClr val="lt1"/>
+      </a:fontRef>
+    </dgm:style>
+  </dgm:styleLbl>
+  <dgm:styleLbl name="asst1">
+    <dgm:scene3d>
+      <a:camera prst="orthographicFront"/>
+      <a:lightRig rig="threePt" dir="t"/>
+    </dgm:scene3d>
+    <dgm:sp3d/>
+    <dgm:txPr/>
+    <dgm:style>
+      <a:lnRef idx="2">
+        <a:scrgbClr r="0" g="0" b="0"/>
+      </a:lnRef>
+      <a:fillRef idx="1">
+        <a:scrgbClr r="0" g="0" b="0"/>
+      </a:fillRef>
+      <a:effectRef idx="0">
+        <a:scrgbClr r="0" g="0" b="0"/>
+      </a:effectRef>
+      <a:fontRef idx="minor">
+        <a:schemeClr val="lt1"/>
+      </a:fontRef>
+    </dgm:style>
+  </dgm:styleLbl>
+  <dgm:styleLbl name="asst2">
+    <dgm:scene3d>
+      <a:camera prst="orthographicFront"/>
+      <a:lightRig rig="threePt" dir="t"/>
+    </dgm:scene3d>
+    <dgm:sp3d/>
+    <dgm:txPr/>
+    <dgm:style>
+      <a:lnRef idx="2">
+        <a:scrgbClr r="0" g="0" b="0"/>
+      </a:lnRef>
+      <a:fillRef idx="1">
+        <a:scrgbClr r="0" g="0" b="0"/>
+      </a:fillRef>
+      <a:effectRef idx="0">
+        <a:scrgbClr r="0" g="0" b="0"/>
+      </a:effectRef>
+      <a:fontRef idx="minor">
+        <a:schemeClr val="lt1"/>
+      </a:fontRef>
+    </dgm:style>
+  </dgm:styleLbl>
+  <dgm:styleLbl name="asst3">
+    <dgm:scene3d>
+      <a:camera prst="orthographicFront"/>
+      <a:lightRig rig="threePt" dir="t"/>
+    </dgm:scene3d>
+    <dgm:sp3d/>
+    <dgm:txPr/>
+    <dgm:style>
+      <a:lnRef idx="2">
+        <a:scrgbClr r="0" g="0" b="0"/>
+      </a:lnRef>
+      <a:fillRef idx="1">
+        <a:scrgbClr r="0" g="0" b="0"/>
+      </a:fillRef>
+      <a:effectRef idx="0">
+        <a:scrgbClr r="0" g="0" b="0"/>
+      </a:effectRef>
+      <a:fontRef idx="minor">
+        <a:schemeClr val="lt1"/>
+      </a:fontRef>
+    </dgm:style>
+  </dgm:styleLbl>
+  <dgm:styleLbl name="asst4">
+    <dgm:scene3d>
+      <a:camera prst="orthographicFront"/>
+      <a:lightRig rig="threePt" dir="t"/>
+    </dgm:scene3d>
+    <dgm:sp3d/>
+    <dgm:txPr/>
+    <dgm:style>
+      <a:lnRef idx="2">
+        <a:scrgbClr r="0" g="0" b="0"/>
+      </a:lnRef>
+      <a:fillRef idx="1">
+        <a:scrgbClr r="0" g="0" b="0"/>
+      </a:fillRef>
+      <a:effectRef idx="0">
+        <a:scrgbClr r="0" g="0" b="0"/>
+      </a:effectRef>
+      <a:fontRef idx="minor">
+        <a:schemeClr val="lt1"/>
+      </a:fontRef>
+    </dgm:style>
+  </dgm:styleLbl>
+  <dgm:styleLbl name="parChTrans2D1">
+    <dgm:scene3d>
+      <a:camera prst="orthographicFront"/>
+      <a:lightRig rig="threePt" dir="t"/>
+    </dgm:scene3d>
+    <dgm:sp3d/>
+    <dgm:txPr/>
+    <dgm:style>
+      <a:lnRef idx="2">
+        <a:scrgbClr r="0" g="0" b="0"/>
+      </a:lnRef>
+      <a:fillRef idx="1">
+        <a:scrgbClr r="0" g="0" b="0"/>
+      </a:fillRef>
+      <a:effectRef idx="0">
+        <a:scrgbClr r="0" g="0" b="0"/>
+      </a:effectRef>
+      <a:fontRef idx="minor">
+        <a:schemeClr val="lt1"/>
+      </a:fontRef>
+    </dgm:style>
+  </dgm:styleLbl>
+  <dgm:styleLbl name="parChTrans2D2">
+    <dgm:scene3d>
+      <a:camera prst="orthographicFront"/>
+      <a:lightRig rig="threePt" dir="t"/>
+    </dgm:scene3d>
+    <dgm:sp3d/>
+    <dgm:txPr/>
+    <dgm:style>
+      <a:lnRef idx="2">
+        <a:scrgbClr r="0" g="0" b="0"/>
+      </a:lnRef>
+      <a:fillRef idx="1">
+        <a:scrgbClr r="0" g="0" b="0"/>
+      </a:fillRef>
+      <a:effectRef idx="0">
+        <a:scrgbClr r="0" g="0" b="0"/>
+      </a:effectRef>
+      <a:fontRef idx="minor">
+        <a:schemeClr val="lt1"/>
+      </a:fontRef>
+    </dgm:style>
+  </dgm:styleLbl>
+  <dgm:styleLbl name="parChTrans2D3">
+    <dgm:scene3d>
+      <a:camera prst="orthographicFront"/>
+      <a:lightRig rig="threePt" dir="t"/>
+    </dgm:scene3d>
+    <dgm:sp3d/>
+    <dgm:txPr/>
+    <dgm:style>
+      <a:lnRef idx="2">
+        <a:scrgbClr r="0" g="0" b="0"/>
+      </a:lnRef>
+      <a:fillRef idx="1">
+        <a:scrgbClr r="0" g="0" b="0"/>
+      </a:fillRef>
+      <a:effectRef idx="0">
+        <a:scrgbClr r="0" g="0" b="0"/>
+      </a:effectRef>
+      <a:fontRef idx="minor">
+        <a:schemeClr val="lt1"/>
+      </a:fontRef>
+    </dgm:style>
+  </dgm:styleLbl>
+  <dgm:styleLbl name="parChTrans2D4">
+    <dgm:scene3d>
+      <a:camera prst="orthographicFront"/>
+      <a:lightRig rig="threePt" dir="t"/>
+    </dgm:scene3d>
+    <dgm:sp3d/>
+    <dgm:txPr/>
+    <dgm:style>
+      <a:lnRef idx="2">
+        <a:scrgbClr r="0" g="0" b="0"/>
+      </a:lnRef>
+      <a:fillRef idx="1">
+        <a:scrgbClr r="0" g="0" b="0"/>
+      </a:fillRef>
+      <a:effectRef idx="0">
+        <a:scrgbClr r="0" g="0" b="0"/>
+      </a:effectRef>
+      <a:fontRef idx="minor">
+        <a:schemeClr val="lt1"/>
+      </a:fontRef>
+    </dgm:style>
+  </dgm:styleLbl>
+  <dgm:styleLbl name="parChTrans1D1">
+    <dgm:scene3d>
+      <a:camera prst="orthographicFront"/>
+      <a:lightRig rig="threePt" dir="t"/>
+    </dgm:scene3d>
+    <dgm:sp3d/>
+    <dgm:txPr/>
+    <dgm:style>
+      <a:lnRef idx="2">
+        <a:scrgbClr r="0" g="0" b="0"/>
+      </a:lnRef>
+      <a:fillRef idx="0">
+        <a:scrgbClr r="0" g="0" b="0"/>
+      </a:fillRef>
+      <a:effectRef idx="0">
+        <a:scrgbClr r="0" g="0" b="0"/>
+      </a:effectRef>
+      <a:fontRef idx="minor"/>
+    </dgm:style>
+  </dgm:styleLbl>
+  <dgm:styleLbl name="parChTrans1D2">
+    <dgm:scene3d>
+      <a:camera prst="orthographicFront"/>
+      <a:lightRig rig="threePt" dir="t"/>
+    </dgm:scene3d>
+    <dgm:sp3d/>
+    <dgm:txPr/>
+    <dgm:style>
+      <a:lnRef idx="2">
+        <a:scrgbClr r="0" g="0" b="0"/>
+      </a:lnRef>
+      <a:fillRef idx="0">
+        <a:scrgbClr r="0" g="0" b="0"/>
+      </a:fillRef>
+      <a:effectRef idx="0">
+        <a:scrgbClr r="0" g="0" b="0"/>
+      </a:effectRef>
+      <a:fontRef idx="minor"/>
+    </dgm:style>
+  </dgm:styleLbl>
+  <dgm:styleLbl name="parChTrans1D3">
+    <dgm:scene3d>
+      <a:camera prst="orthographicFront"/>
+      <a:lightRig rig="threePt" dir="t"/>
+    </dgm:scene3d>
+    <dgm:sp3d/>
+    <dgm:txPr/>
+    <dgm:style>
+      <a:lnRef idx="2">
+        <a:scrgbClr r="0" g="0" b="0"/>
+      </a:lnRef>
+      <a:fillRef idx="0">
+        <a:scrgbClr r="0" g="0" b="0"/>
+      </a:fillRef>
+      <a:effectRef idx="0">
+        <a:scrgbClr r="0" g="0" b="0"/>
+      </a:effectRef>
+      <a:fontRef idx="minor"/>
+    </dgm:style>
+  </dgm:styleLbl>
+  <dgm:styleLbl name="parChTrans1D4">
+    <dgm:scene3d>
+      <a:camera prst="orthographicFront"/>
+      <a:lightRig rig="threePt" dir="t"/>
+    </dgm:scene3d>
+    <dgm:sp3d/>
+    <dgm:txPr/>
+    <dgm:style>
+      <a:lnRef idx="2">
+        <a:scrgbClr r="0" g="0" b="0"/>
+      </a:lnRef>
+      <a:fillRef idx="0">
+        <a:scrgbClr r="0" g="0" b="0"/>
+      </a:fillRef>
+      <a:effectRef idx="0">
+        <a:scrgbClr r="0" g="0" b="0"/>
+      </a:effectRef>
+      <a:fontRef idx="minor"/>
+    </dgm:style>
+  </dgm:styleLbl>
+  <dgm:styleLbl name="fgAcc1">
+    <dgm:scene3d>
+      <a:camera prst="orthographicFront"/>
+      <a:lightRig rig="threePt" dir="t"/>
+    </dgm:scene3d>
+    <dgm:sp3d/>
+    <dgm:txPr/>
+    <dgm:style>
+      <a:lnRef idx="2">
+        <a:scrgbClr r="0" g="0" b="0"/>
+      </a:lnRef>
+      <a:fillRef idx="1">
+        <a:scrgbClr r="0" g="0" b="0"/>
+      </a:fillRef>
+      <a:effectRef idx="0">
+        <a:scrgbClr r="0" g="0" b="0"/>
+      </a:effectRef>
+      <a:fontRef idx="minor"/>
+    </dgm:style>
+  </dgm:styleLbl>
+  <dgm:styleLbl name="conFgAcc1">
+    <dgm:scene3d>
+      <a:camera prst="orthographicFront"/>
+      <a:lightRig rig="threePt" dir="t"/>
+    </dgm:scene3d>
+    <dgm:sp3d/>
+    <dgm:txPr/>
+    <dgm:style>
+      <a:lnRef idx="2">
+        <a:scrgbClr r="0" g="0" b="0"/>
+      </a:lnRef>
+      <a:fillRef idx="1">
+        <a:scrgbClr r="0" g="0" b="0"/>
+      </a:fillRef>
+      <a:effectRef idx="0">
+        <a:scrgbClr r="0" g="0" b="0"/>
+      </a:effectRef>
+      <a:fontRef idx="minor"/>
+    </dgm:style>
+  </dgm:styleLbl>
+  <dgm:styleLbl name="alignAcc1">
+    <dgm:scene3d>
+      <a:camera prst="orthographicFront"/>
+      <a:lightRig rig="threePt" dir="t"/>
+    </dgm:scene3d>
+    <dgm:sp3d/>
+    <dgm:txPr/>
+    <dgm:style>
+      <a:lnRef idx="2">
+        <a:scrgbClr r="0" g="0" b="0"/>
+      </a:lnRef>
+      <a:fillRef idx="1">
+        <a:scrgbClr r="0" g="0" b="0"/>
+      </a:fillRef>
+      <a:effectRef idx="0">
+        <a:scrgbClr r="0" g="0" b="0"/>
+      </a:effectRef>
+      <a:fontRef idx="minor"/>
+    </dgm:style>
+  </dgm:styleLbl>
+  <dgm:styleLbl name="trAlignAcc1">
+    <dgm:scene3d>
+      <a:camera prst="orthographicFront"/>
+      <a:lightRig rig="threePt" dir="t"/>
+    </dgm:scene3d>
+    <dgm:sp3d/>
+    <dgm:txPr/>
+    <dgm:style>
+      <a:lnRef idx="1">
+        <a:scrgbClr r="0" g="0" b="0"/>
+      </a:lnRef>
+      <a:fillRef idx="1">
+        <a:scrgbClr r="0" g="0" b="0"/>
+      </a:fillRef>
+      <a:effectRef idx="0">
+        <a:scrgbClr r="0" g="0" b="0"/>
+      </a:effectRef>
+      <a:fontRef idx="minor"/>
+    </dgm:style>
+  </dgm:styleLbl>
+  <dgm:styleLbl name="bgAcc1">
+    <dgm:scene3d>
+      <a:camera prst="orthographicFront"/>
+      <a:lightRig rig="threePt" dir="t"/>
+    </dgm:scene3d>
+    <dgm:sp3d/>
+    <dgm:txPr/>
+    <dgm:style>
+      <a:lnRef idx="2">
+        <a:scrgbClr r="0" g="0" b="0"/>
+      </a:lnRef>
+      <a:fillRef idx="1">
+        <a:scrgbClr r="0" g="0" b="0"/>
+      </a:fillRef>
+      <a:effectRef idx="0">
+        <a:scrgbClr r="0" g="0" b="0"/>
+      </a:effectRef>
+      <a:fontRef idx="minor"/>
+    </dgm:style>
+  </dgm:styleLbl>
+  <dgm:styleLbl name="solidFgAcc1">
+    <dgm:scene3d>
+      <a:camera prst="orthographicFront"/>
+      <a:lightRig rig="threePt" dir="t"/>
+    </dgm:scene3d>
+    <dgm:sp3d/>
+    <dgm:txPr/>
+    <dgm:style>
+      <a:lnRef idx="2">
+        <a:scrgbClr r="0" g="0" b="0"/>
+      </a:lnRef>
+      <a:fillRef idx="1">
+        <a:scrgbClr r="0" g="0" b="0"/>
+      </a:fillRef>
+      <a:effectRef idx="0">
+        <a:scrgbClr r="0" g="0" b="0"/>
+      </a:effectRef>
+      <a:fontRef idx="minor"/>
+    </dgm:style>
+  </dgm:styleLbl>
+  <dgm:styleLbl name="solidAlignAcc1">
+    <dgm:scene3d>
+      <a:camera prst="orthographicFront"/>
+      <a:lightRig rig="threePt" dir="t"/>
+    </dgm:scene3d>
+    <dgm:sp3d/>
+    <dgm:txPr/>
+    <dgm:style>
+      <a:lnRef idx="2">
+        <a:scrgbClr r="0" g="0" b="0"/>
+      </a:lnRef>
+      <a:fillRef idx="1">
+        <a:scrgbClr r="0" g="0" b="0"/>
+      </a:fillRef>
+      <a:effectRef idx="0">
+        <a:scrgbClr r="0" g="0" b="0"/>
+      </a:effectRef>
+      <a:fontRef idx="minor"/>
+    </dgm:style>
+  </dgm:styleLbl>
+  <dgm:styleLbl name="solidBgAcc1">
+    <dgm:scene3d>
+      <a:camera prst="orthographicFront"/>
+      <a:lightRig rig="threePt" dir="t"/>
+    </dgm:scene3d>
+    <dgm:sp3d/>
+    <dgm:txPr/>
+    <dgm:style>
+      <a:lnRef idx="2">
+        <a:scrgbClr r="0" g="0" b="0"/>
+      </a:lnRef>
+      <a:fillRef idx="1">
+        <a:scrgbClr r="0" g="0" b="0"/>
+      </a:fillRef>
+      <a:effectRef idx="0">
+        <a:scrgbClr r="0" g="0" b="0"/>
+      </a:effectRef>
+      <a:fontRef idx="minor"/>
+    </dgm:style>
+  </dgm:styleLbl>
+  <dgm:styleLbl name="fgAccFollowNode1">
+    <dgm:scene3d>
+      <a:camera prst="orthographicFront"/>
+      <a:lightRig rig="threePt" dir="t"/>
+    </dgm:scene3d>
+    <dgm:sp3d/>
+    <dgm:txPr/>
+    <dgm:style>
+      <a:lnRef idx="2">
+        <a:scrgbClr r="0" g="0" b="0"/>
+      </a:lnRef>
+      <a:fillRef idx="1">
+        <a:scrgbClr r="0" g="0" b="0"/>
+      </a:fillRef>
+      <a:effectRef idx="0">
+        <a:scrgbClr r="0" g="0" b="0"/>
+      </a:effectRef>
+      <a:fontRef idx="minor"/>
+    </dgm:style>
+  </dgm:styleLbl>
+  <dgm:styleLbl name="alignAccFollowNode1">
+    <dgm:scene3d>
+      <a:camera prst="orthographicFront"/>
+      <a:lightRig rig="threePt" dir="t"/>
+    </dgm:scene3d>
+    <dgm:sp3d/>
+    <dgm:txPr/>
+    <dgm:style>
+      <a:lnRef idx="2">
+        <a:scrgbClr r="0" g="0" b="0"/>
+      </a:lnRef>
+      <a:fillRef idx="1">
+        <a:scrgbClr r="0" g="0" b="0"/>
+      </a:fillRef>
+      <a:effectRef idx="0">
+        <a:scrgbClr r="0" g="0" b="0"/>
+      </a:effectRef>
+      <a:fontRef idx="minor"/>
+    </dgm:style>
+  </dgm:styleLbl>
+  <dgm:styleLbl name="bgAccFollowNode1">
+    <dgm:scene3d>
+      <a:camera prst="orthographicFront"/>
+      <a:lightRig rig="threePt" dir="t"/>
+    </dgm:scene3d>
+    <dgm:sp3d/>
+    <dgm:txPr/>
+    <dgm:style>
+      <a:lnRef idx="2">
+        <a:scrgbClr r="0" g="0" b="0"/>
+      </a:lnRef>
+      <a:fillRef idx="1">
+        <a:scrgbClr r="0" g="0" b="0"/>
+      </a:fillRef>
+      <a:effectRef idx="0">
+        <a:scrgbClr r="0" g="0" b="0"/>
+      </a:effectRef>
+      <a:fontRef idx="minor"/>
+    </dgm:style>
+  </dgm:styleLbl>
+  <dgm:styleLbl name="fgAcc0">
+    <dgm:scene3d>
+      <a:camera prst="orthographicFront"/>
+      <a:lightRig rig="threePt" dir="t"/>
+    </dgm:scene3d>
+    <dgm:sp3d/>
+    <dgm:txPr/>
+    <dgm:style>
+      <a:lnRef idx="2">
+        <a:scrgbClr r="0" g="0" b="0"/>
+      </a:lnRef>
+      <a:fillRef idx="1">
+        <a:scrgbClr r="0" g="0" b="0"/>
+      </a:fillRef>
+      <a:effectRef idx="0">
+        <a:scrgbClr r="0" g="0" b="0"/>
+      </a:effectRef>
+      <a:fontRef idx="minor"/>
+    </dgm:style>
+  </dgm:styleLbl>
+  <dgm:styleLbl name="fgAcc2">
+    <dgm:scene3d>
+      <a:camera prst="orthographicFront"/>
+      <a:lightRig rig="threePt" dir="t"/>
+    </dgm:scene3d>
+    <dgm:sp3d/>
+    <dgm:txPr/>
+    <dgm:style>
+      <a:lnRef idx="2">
+        <a:scrgbClr r="0" g="0" b="0"/>
+      </a:lnRef>
+      <a:fillRef idx="1">
+        <a:scrgbClr r="0" g="0" b="0"/>
+      </a:fillRef>
+      <a:effectRef idx="0">
+        <a:scrgbClr r="0" g="0" b="0"/>
+      </a:effectRef>
+      <a:fontRef idx="minor"/>
+    </dgm:style>
+  </dgm:styleLbl>
+  <dgm:styleLbl name="fgAcc3">
+    <dgm:scene3d>
+      <a:camera prst="orthographicFront"/>
+      <a:lightRig rig="threePt" dir="t"/>
+    </dgm:scene3d>
+    <dgm:sp3d/>
+    <dgm:txPr/>
+    <dgm:style>
+      <a:lnRef idx="2">
+        <a:scrgbClr r="0" g="0" b="0"/>
+      </a:lnRef>
+      <a:fillRef idx="1">
+        <a:scrgbClr r="0" g="0" b="0"/>
+      </a:fillRef>
+      <a:effectRef idx="0">
+        <a:scrgbClr r="0" g="0" b="0"/>
+      </a:effectRef>
+      <a:fontRef idx="minor"/>
+    </dgm:style>
+  </dgm:styleLbl>
+  <dgm:styleLbl name="fgAcc4">
+    <dgm:scene3d>
+      <a:camera prst="orthographicFront"/>
+      <a:lightRig rig="threePt" dir="t"/>
+    </dgm:scene3d>
+    <dgm:sp3d/>
+    <dgm:txPr/>
+    <dgm:style>
+      <a:lnRef idx="2">
+        <a:scrgbClr r="0" g="0" b="0"/>
+      </a:lnRef>
+      <a:fillRef idx="1">
+        <a:scrgbClr r="0" g="0" b="0"/>
+      </a:fillRef>
+      <a:effectRef idx="0">
+        <a:scrgbClr r="0" g="0" b="0"/>
+      </a:effectRef>
+      <a:fontRef idx="minor"/>
+    </dgm:style>
+  </dgm:styleLbl>
+  <dgm:styleLbl name="bgShp">
+    <dgm:scene3d>
+      <a:camera prst="orthographicFront"/>
+      <a:lightRig rig="threePt" dir="t"/>
+    </dgm:scene3d>
+    <dgm:sp3d/>
+    <dgm:txPr/>
+    <dgm:style>
+      <a:lnRef idx="0">
+        <a:scrgbClr r="0" g="0" b="0"/>
+      </a:lnRef>
+      <a:fillRef idx="1">
+        <a:scrgbClr r="0" g="0" b="0"/>
+      </a:fillRef>
+      <a:effectRef idx="0">
+        <a:scrgbClr r="0" g="0" b="0"/>
+      </a:effectRef>
+      <a:fontRef idx="minor"/>
+    </dgm:style>
+  </dgm:styleLbl>
+  <dgm:styleLbl name="dkBgShp">
+    <dgm:scene3d>
+      <a:camera prst="orthographicFront"/>
+      <a:lightRig rig="threePt" dir="t"/>
+    </dgm:scene3d>
+    <dgm:sp3d/>
+    <dgm:txPr/>
+    <dgm:style>
+      <a:lnRef idx="0">
+        <a:scrgbClr r="0" g="0" b="0"/>
+      </a:lnRef>
+      <a:fillRef idx="1">
+        <a:scrgbClr r="0" g="0" b="0"/>
+      </a:fillRef>
+      <a:effectRef idx="0">
+        <a:scrgbClr r="0" g="0" b="0"/>
+      </a:effectRef>
+      <a:fontRef idx="minor"/>
+    </dgm:style>
+  </dgm:styleLbl>
+  <dgm:styleLbl name="trBgShp">
+    <dgm:scene3d>
+      <a:camera prst="orthographicFront"/>
+      <a:lightRig rig="threePt" dir="t"/>
+    </dgm:scene3d>
+    <dgm:sp3d/>
+    <dgm:txPr/>
+    <dgm:style>
+      <a:lnRef idx="0">
+        <a:scrgbClr r="0" g="0" b="0"/>
+      </a:lnRef>
+      <a:fillRef idx="1">
+        <a:scrgbClr r="0" g="0" b="0"/>
+      </a:fillRef>
+      <a:effectRef idx="0">
+        <a:scrgbClr r="0" g="0" b="0"/>
+      </a:effectRef>
+      <a:fontRef idx="minor"/>
+    </dgm:style>
+  </dgm:styleLbl>
+  <dgm:styleLbl name="fgShp">
+    <dgm:scene3d>
+      <a:camera prst="orthographicFront"/>
+      <a:lightRig rig="threePt" dir="t"/>
+    </dgm:scene3d>
+    <dgm:sp3d/>
+    <dgm:txPr/>
+    <dgm:style>
+      <a:lnRef idx="2">
+        <a:scrgbClr r="0" g="0" b="0"/>
+      </a:lnRef>
+      <a:fillRef idx="1">
+        <a:scrgbClr r="0" g="0" b="0"/>
+      </a:fillRef>
+      <a:effectRef idx="0">
+        <a:scrgbClr r="0" g="0" b="0"/>
+      </a:effectRef>
+      <a:fontRef idx="minor"/>
+    </dgm:style>
+  </dgm:styleLbl>
+  <dgm:styleLbl name="revTx">
+    <dgm:scene3d>
+      <a:camera prst="orthographicFront"/>
+      <a:lightRig rig="threePt" dir="t"/>
+    </dgm:scene3d>
+    <dgm:sp3d/>
+    <dgm:txPr/>
+    <dgm:style>
+      <a:lnRef idx="0">
+        <a:scrgbClr r="0" g="0" b="0"/>
+      </a:lnRef>
+      <a:fillRef idx="0">
+        <a:scrgbClr r="0" g="0" b="0"/>
+      </a:fillRef>
+      <a:effectRef idx="0">
+        <a:scrgbClr r="0" g="0" b="0"/>
+      </a:effectRef>
+      <a:fontRef idx="minor"/>
+    </dgm:style>
+  </dgm:styleLbl>
+</dgm:styleDef>
+</file>
+
 <file path=ppt/notesMasters/notesMaster1.xml><?xml version="1.0" encoding="utf-8"?>
 <p:notesMaster xmlns:a="http://schemas.openxmlformats.org/drawingml/2006/main" xmlns:r="http://schemas.openxmlformats.org/officeDocument/2006/relationships" xmlns:p="http://schemas.openxmlformats.org/presentationml/2006/main">
   <p:cSld>
@@ -499,7 +4436,7 @@
           <a:p>
             <a:fld id="{7FEF9983-7B16-4912-A75D-E8D611801927}" type="datetimeFigureOut">
               <a:rPr lang="en-US" smtClean="0"/>
-              <a:t>8/28/2024</a:t>
+              <a:t>8/29/2024</a:t>
             </a:fld>
             <a:endParaRPr lang="en-US"/>
           </a:p>
@@ -924,9 +4861,147 @@
             <a:endParaRPr lang="en-US" dirty="0"/>
           </a:p>
           <a:p>
+            <a:pPr marL="0" marR="0" lvl="0" indent="0" algn="l" defTabSz="914400" rtl="0" eaLnBrk="1" fontAlgn="auto" latinLnBrk="0" hangingPunct="1">
+              <a:lnSpc>
+                <a:spcPct val="100000"/>
+              </a:lnSpc>
+              <a:spcBef>
+                <a:spcPts val="0"/>
+              </a:spcBef>
+              <a:spcAft>
+                <a:spcPts val="0"/>
+              </a:spcAft>
+              <a:buClrTx/>
+              <a:buSzTx/>
+              <a:buFontTx/>
+              <a:buNone/>
+              <a:tabLst/>
+              <a:defRPr/>
+            </a:pPr>
             <a:r>
               <a:rPr lang="en-US" dirty="0"/>
-              <a:t>[Script]</a:t>
+              <a:t>I am now going to showcase a false positive (type 1 error) example.</a:t>
+            </a:r>
+          </a:p>
+          <a:p>
+            <a:endParaRPr lang="en-US" dirty="0"/>
+          </a:p>
+          <a:p>
+            <a:r>
+              <a:rPr lang="en-US" dirty="0"/>
+              <a:t>Here I have some ‘realistic’ content generated in ChatGPT, which I am going to plug into the model. Before we go to </a:t>
+            </a:r>
+            <a:r>
+              <a:rPr lang="en-US" dirty="0" err="1"/>
+              <a:t>Streamlit</a:t>
+            </a:r>
+            <a:r>
+              <a:rPr lang="en-US" dirty="0"/>
+              <a:t>, what do you think makes this a blatantly false article?</a:t>
+            </a:r>
+            <a:br>
+              <a:rPr lang="en-US" dirty="0"/>
+            </a:br>
+            <a:endParaRPr lang="en-US" dirty="0"/>
+          </a:p>
+          <a:p>
+            <a:r>
+              <a:rPr lang="en-US" b="1" dirty="0"/>
+              <a:t>Some examples:</a:t>
+            </a:r>
+            <a:br>
+              <a:rPr lang="en-US" dirty="0"/>
+            </a:br>
+            <a:r>
+              <a:rPr lang="en-US" b="1" dirty="0"/>
+              <a:t>Unusual Location for a Major Conservation Effort</a:t>
+            </a:r>
+            <a:endParaRPr lang="en-US" dirty="0"/>
+          </a:p>
+          <a:p>
+            <a:r>
+              <a:rPr lang="en-US" b="1" dirty="0"/>
+              <a:t>1. Inconsistent Timing:</a:t>
+            </a:r>
+            <a:endParaRPr lang="en-US" dirty="0"/>
+          </a:p>
+          <a:p>
+            <a:pPr>
+              <a:buFont typeface="Arial" panose="020B0604020202020204" pitchFamily="34" charset="0"/>
+              <a:buNone/>
+            </a:pPr>
+            <a:r>
+              <a:rPr lang="en-US" dirty="0"/>
+              <a:t>Breeding animals in captivity, including rabbits, has been common practice for decades. The claim of this being the first rabbit born in captivity in over a century is highly improbable.</a:t>
+            </a:r>
+          </a:p>
+          <a:p>
+            <a:r>
+              <a:rPr lang="en-US" b="1" dirty="0"/>
+              <a:t>2. Overly Dramatic Language</a:t>
+            </a:r>
+          </a:p>
+          <a:p>
+            <a:r>
+              <a:rPr lang="en-US" b="1" dirty="0"/>
+              <a:t>3. Lack of Specific Details About the Species</a:t>
+            </a:r>
+          </a:p>
+          <a:p>
+            <a:r>
+              <a:rPr lang="en-US" b="1" dirty="0"/>
+              <a:t>4. Absence of Credible Sources or References</a:t>
+            </a:r>
+          </a:p>
+          <a:p>
+            <a:r>
+              <a:rPr lang="en-US" b="1" dirty="0"/>
+              <a:t>5. Exaggerated Timeline and Effort</a:t>
+            </a:r>
+            <a:endParaRPr lang="en-US" dirty="0"/>
+          </a:p>
+          <a:p>
+            <a:pPr>
+              <a:buFont typeface="Arial" panose="020B0604020202020204" pitchFamily="34" charset="0"/>
+              <a:buNone/>
+            </a:pPr>
+            <a:r>
+              <a:rPr lang="en-US" dirty="0"/>
+              <a:t>Rabbits are not typically challenging to breed, so a decade of effort seems exaggerated and unrealistic.</a:t>
+            </a:r>
+          </a:p>
+          <a:p>
+            <a:r>
+              <a:rPr lang="en-US" b="1" dirty="0"/>
+              <a:t>6. Suspicious Details About the Zoo, Personnel and Innovative Techniques</a:t>
+            </a:r>
+            <a:endParaRPr lang="en-US" dirty="0"/>
+          </a:p>
+          <a:p>
+            <a:pPr>
+              <a:buFont typeface="Arial" panose="020B0604020202020204" pitchFamily="34" charset="0"/>
+              <a:buNone/>
+            </a:pPr>
+            <a:r>
+              <a:rPr lang="en-US" dirty="0"/>
+              <a:t>In genuine news stories, significant figures like a Chief Zookeeper involved in a major breakthrough would usually have some background details or credentials provided.</a:t>
+            </a:r>
+          </a:p>
+          <a:p>
+            <a:endParaRPr lang="en-US" dirty="0"/>
+          </a:p>
+          <a:p>
+            <a:r>
+              <a:rPr lang="en-US" dirty="0"/>
+              <a:t>[Go to </a:t>
+            </a:r>
+            <a:r>
+              <a:rPr lang="en-US" dirty="0" err="1"/>
+              <a:t>Streamlit</a:t>
+            </a:r>
+            <a:r>
+              <a:rPr lang="en-US" dirty="0"/>
+              <a:t>]</a:t>
             </a:r>
           </a:p>
         </p:txBody>
@@ -957,7 +5032,7 @@
     </p:spTree>
     <p:extLst>
       <p:ext uri="{BB962C8B-B14F-4D97-AF65-F5344CB8AC3E}">
-        <p14:creationId xmlns:p14="http://schemas.microsoft.com/office/powerpoint/2010/main" val="3468824279"/>
+        <p14:creationId xmlns:p14="http://schemas.microsoft.com/office/powerpoint/2010/main" val="3303561258"/>
       </p:ext>
     </p:extLst>
   </p:cSld>
@@ -1042,26 +5117,120 @@
           </a:p>
           <a:p>
             <a:r>
+              <a:rPr lang="en-US" b="1" dirty="0"/>
+              <a:t>Introduction:</a:t>
+            </a:r>
+            <a:r>
               <a:rPr lang="en-US" dirty="0"/>
-              <a:t>Language</a:t>
-            </a:r>
-          </a:p>
-          <a:p>
+              <a:t> "Now that we've explored an example of a false positive, let's dive into some detective work. Can you tell me why our fake news predictor might have misclassified this article.“</a:t>
+            </a:r>
+          </a:p>
+          <a:p>
+            <a:endParaRPr lang="en-US" dirty="0"/>
+          </a:p>
+          <a:p>
+            <a:r>
+              <a:rPr lang="en-US" b="1" dirty="0"/>
+              <a:t>Language Considerations:</a:t>
+            </a:r>
+            <a:endParaRPr lang="en-US" dirty="0"/>
+          </a:p>
+          <a:p>
+            <a:pPr>
+              <a:buFont typeface="Arial" panose="020B0604020202020204" pitchFamily="34" charset="0"/>
+              <a:buChar char="•"/>
+            </a:pPr>
+            <a:r>
+              <a:rPr lang="en-US" b="1" dirty="0"/>
+              <a:t> "Language:</a:t>
+            </a:r>
             <a:r>
               <a:rPr lang="en-US" dirty="0"/>
-              <a:t>Punctuation removed</a:t>
-            </a:r>
-          </a:p>
-          <a:p>
+              <a:t> Our model is trained exclusively on English text, which means nuances in other languages aren't accounted for. This can limit the model's ability to generalize across different linguistic contexts."</a:t>
+            </a:r>
+          </a:p>
+          <a:p>
+            <a:r>
+              <a:rPr lang="en-US" b="1" dirty="0"/>
+              <a:t>Punctuation Removal:</a:t>
+            </a:r>
+            <a:endParaRPr lang="en-US" dirty="0"/>
+          </a:p>
+          <a:p>
+            <a:pPr>
+              <a:buFont typeface="Arial" panose="020B0604020202020204" pitchFamily="34" charset="0"/>
+              <a:buChar char="•"/>
+            </a:pPr>
+            <a:r>
+              <a:rPr lang="en-US" b="1" dirty="0"/>
+              <a:t>"Punctuation:</a:t>
+            </a:r>
             <a:r>
               <a:rPr lang="en-US" dirty="0"/>
-              <a:t>What about the words that were removed?</a:t>
-            </a:r>
-          </a:p>
-          <a:p>
+              <a:t> In our preprocessing, we removed punctuation. However, this might remove important cues. Perhaps punctuation, especially in specific contexts, could serve as an indicator of authenticity or fabrication. Incorporating punctuation as a feature could be worth exploring."</a:t>
+            </a:r>
+          </a:p>
+          <a:p>
+            <a:r>
+              <a:rPr lang="en-US" b="1" dirty="0"/>
+              <a:t>Stop Words:</a:t>
+            </a:r>
+            <a:endParaRPr lang="en-US" dirty="0"/>
+          </a:p>
+          <a:p>
+            <a:pPr>
+              <a:buFont typeface="Arial" panose="020B0604020202020204" pitchFamily="34" charset="0"/>
+              <a:buChar char="•"/>
+            </a:pPr>
+            <a:r>
+              <a:rPr lang="en-US" b="1" dirty="0"/>
+              <a:t>"Stop Words:</a:t>
+            </a:r>
             <a:r>
               <a:rPr lang="en-US" dirty="0"/>
-              <a:t>News source</a:t>
+              <a:t> We also removed common words, or stop words, during preprocessing. But what if the number of stop words or their specific usage patterns actually contribute to identifying fake news? These patterns could be used as additional features in the model."</a:t>
+            </a:r>
+          </a:p>
+          <a:p>
+            <a:r>
+              <a:rPr lang="en-US" b="1" dirty="0"/>
+              <a:t>Dataset Simplicity:</a:t>
+            </a:r>
+            <a:endParaRPr lang="en-US" dirty="0"/>
+          </a:p>
+          <a:p>
+            <a:pPr>
+              <a:buFont typeface="Arial" panose="020B0604020202020204" pitchFamily="34" charset="0"/>
+              <a:buChar char="•"/>
+            </a:pPr>
+            <a:r>
+              <a:rPr lang="en-US" b="1" dirty="0"/>
+              <a:t>"Dataset Simplicity:</a:t>
+            </a:r>
+            <a:r>
+              <a:rPr lang="en-US" dirty="0"/>
+              <a:t> Our dataset is quite simple, with just four columns, two of which we used. However, real-world news articles have other potentially valuable metadata like the news source, date, and author. These additional variables might provide richer context and help improve the model's accuracy."</a:t>
+            </a:r>
+          </a:p>
+          <a:p>
+            <a:r>
+              <a:rPr lang="en-US" b="1" dirty="0"/>
+              <a:t>Oversampling of US Data:</a:t>
+            </a:r>
+            <a:endParaRPr lang="en-US" dirty="0"/>
+          </a:p>
+          <a:p>
+            <a:pPr>
+              <a:buFont typeface="Arial" panose="020B0604020202020204" pitchFamily="34" charset="0"/>
+              <a:buChar char="•"/>
+            </a:pPr>
+            <a:r>
+              <a:rPr lang="en-US" b="1" dirty="0"/>
+              <a:t>"Oversampling of US Data:</a:t>
+            </a:r>
+            <a:r>
+              <a:rPr lang="en-US" dirty="0"/>
+              <a:t> Lastly, our dataset is heavily skewed towards US-based news. This bias could influence the model's performance on non-US news, potentially leading to misclassification."</a:t>
             </a:r>
           </a:p>
         </p:txBody>
@@ -1178,8 +5347,47 @@
           <a:p>
             <a:r>
               <a:rPr lang="en-US" dirty="0"/>
-              <a:t>[Script]</a:t>
-            </a:r>
+              <a:t>Looking ahead, our enhancements focus on four key areas. First, we’ll improve </a:t>
+            </a:r>
+            <a:r>
+              <a:rPr lang="en-US" b="1" dirty="0"/>
+              <a:t>Data Input</a:t>
+            </a:r>
+            <a:r>
+              <a:rPr lang="en-US" dirty="0"/>
+              <a:t> by supporting diverse languages, integrating rich metadata, and balancing our dataset. Next, in </a:t>
+            </a:r>
+            <a:r>
+              <a:rPr lang="en-US" b="1" dirty="0"/>
+              <a:t>Pre-Processing</a:t>
+            </a:r>
+            <a:r>
+              <a:rPr lang="en-US" dirty="0"/>
+              <a:t>, we’ll refine feature engineering by incorporating punctuation and grammar analysis, and leveraging semantic and stop words features. For </a:t>
+            </a:r>
+            <a:r>
+              <a:rPr lang="en-US" b="1" dirty="0"/>
+              <a:t>Model Enhancements</a:t>
+            </a:r>
+            <a:r>
+              <a:rPr lang="en-US" dirty="0"/>
+              <a:t>, we aim to develop context-aware models that can scale effectively. Finally, we’ll establish a </a:t>
+            </a:r>
+            <a:r>
+              <a:rPr lang="en-US" b="1" dirty="0"/>
+              <a:t>Continuous Learning</a:t>
+            </a:r>
+            <a:r>
+              <a:rPr lang="en-US" dirty="0"/>
+              <a:t> loop with real-time feedback and maintain ethical transparency throughout. These steps will drive our model toward more sophisticated, common-sense decision-making.</a:t>
+            </a:r>
+            <a:r>
+              <a:rPr lang="en-US" dirty="0">
+                <a:sym typeface="Wingdings" panose="05000000000000000000" pitchFamily="2" charset="2"/>
+              </a:rPr>
+              <a:t> </a:t>
+            </a:r>
+            <a:endParaRPr lang="en-US" dirty="0"/>
           </a:p>
         </p:txBody>
       </p:sp>
@@ -2160,7 +6368,7 @@
             </a:pPr>
             <a:r>
               <a:rPr lang="en-US" b="1" dirty="0"/>
-              <a:t>Logistic Regression</a:t>
+              <a:t> Logistic Regression</a:t>
             </a:r>
             <a:r>
               <a:rPr lang="en-US" dirty="0"/>
@@ -2174,7 +6382,7 @@
             </a:pPr>
             <a:r>
               <a:rPr lang="en-US" b="1" dirty="0"/>
-              <a:t>K-Nearest Neighbors (KNN)</a:t>
+              <a:t> K-Nearest Neighbors (KNN)</a:t>
             </a:r>
             <a:r>
               <a:rPr lang="en-US" dirty="0"/>
@@ -2188,7 +6396,7 @@
             </a:pPr>
             <a:r>
               <a:rPr lang="en-US" b="1" dirty="0"/>
-              <a:t>Support Vector Machine (SVM)</a:t>
+              <a:t> Support Vector Machine (SVM)</a:t>
             </a:r>
             <a:r>
               <a:rPr lang="en-US" dirty="0"/>
@@ -2202,7 +6410,7 @@
             </a:pPr>
             <a:r>
               <a:rPr lang="en-US" b="1" dirty="0"/>
-              <a:t>Decision Tree</a:t>
+              <a:t> Decision Tree</a:t>
             </a:r>
             <a:r>
               <a:rPr lang="en-US" dirty="0"/>
@@ -2216,7 +6424,7 @@
             </a:pPr>
             <a:r>
               <a:rPr lang="en-US" b="1" dirty="0"/>
-              <a:t>Random Forest</a:t>
+              <a:t> Random Forest</a:t>
             </a:r>
             <a:r>
               <a:rPr lang="en-US" dirty="0"/>
@@ -2413,7 +6621,7 @@
           <a:p>
             <a:fld id="{C7BD7E54-E585-4B95-B3B7-8C61C3C5DC6A}" type="datetimeFigureOut">
               <a:rPr lang="en-AU" smtClean="0"/>
-              <a:t>28/08/2024</a:t>
+              <a:t>29/08/2024</a:t>
             </a:fld>
             <a:endParaRPr lang="en-AU"/>
           </a:p>
@@ -2613,7 +6821,7 @@
           <a:p>
             <a:fld id="{C7BD7E54-E585-4B95-B3B7-8C61C3C5DC6A}" type="datetimeFigureOut">
               <a:rPr lang="en-AU" smtClean="0"/>
-              <a:t>28/08/2024</a:t>
+              <a:t>29/08/2024</a:t>
             </a:fld>
             <a:endParaRPr lang="en-AU"/>
           </a:p>
@@ -2823,7 +7031,7 @@
           <a:p>
             <a:fld id="{C7BD7E54-E585-4B95-B3B7-8C61C3C5DC6A}" type="datetimeFigureOut">
               <a:rPr lang="en-AU" smtClean="0"/>
-              <a:t>28/08/2024</a:t>
+              <a:t>29/08/2024</a:t>
             </a:fld>
             <a:endParaRPr lang="en-AU"/>
           </a:p>
@@ -7452,7 +11660,7 @@
           <a:p>
             <a:fld id="{C7BD7E54-E585-4B95-B3B7-8C61C3C5DC6A}" type="datetimeFigureOut">
               <a:rPr lang="en-AU" smtClean="0"/>
-              <a:t>28/08/2024</a:t>
+              <a:t>29/08/2024</a:t>
             </a:fld>
             <a:endParaRPr lang="en-AU"/>
           </a:p>
@@ -7728,7 +11936,7 @@
           <a:p>
             <a:fld id="{C7BD7E54-E585-4B95-B3B7-8C61C3C5DC6A}" type="datetimeFigureOut">
               <a:rPr lang="en-AU" smtClean="0"/>
-              <a:t>28/08/2024</a:t>
+              <a:t>29/08/2024</a:t>
             </a:fld>
             <a:endParaRPr lang="en-AU"/>
           </a:p>
@@ -7996,7 +12204,7 @@
           <a:p>
             <a:fld id="{C7BD7E54-E585-4B95-B3B7-8C61C3C5DC6A}" type="datetimeFigureOut">
               <a:rPr lang="en-AU" smtClean="0"/>
-              <a:t>28/08/2024</a:t>
+              <a:t>29/08/2024</a:t>
             </a:fld>
             <a:endParaRPr lang="en-AU"/>
           </a:p>
@@ -8411,7 +12619,7 @@
           <a:p>
             <a:fld id="{C7BD7E54-E585-4B95-B3B7-8C61C3C5DC6A}" type="datetimeFigureOut">
               <a:rPr lang="en-AU" smtClean="0"/>
-              <a:t>28/08/2024</a:t>
+              <a:t>29/08/2024</a:t>
             </a:fld>
             <a:endParaRPr lang="en-AU"/>
           </a:p>
@@ -8553,7 +12761,7 @@
           <a:p>
             <a:fld id="{C7BD7E54-E585-4B95-B3B7-8C61C3C5DC6A}" type="datetimeFigureOut">
               <a:rPr lang="en-AU" smtClean="0"/>
-              <a:t>28/08/2024</a:t>
+              <a:t>29/08/2024</a:t>
             </a:fld>
             <a:endParaRPr lang="en-AU"/>
           </a:p>
@@ -8666,7 +12874,7 @@
           <a:p>
             <a:fld id="{C7BD7E54-E585-4B95-B3B7-8C61C3C5DC6A}" type="datetimeFigureOut">
               <a:rPr lang="en-AU" smtClean="0"/>
-              <a:t>28/08/2024</a:t>
+              <a:t>29/08/2024</a:t>
             </a:fld>
             <a:endParaRPr lang="en-AU"/>
           </a:p>
@@ -8979,7 +13187,7 @@
           <a:p>
             <a:fld id="{C7BD7E54-E585-4B95-B3B7-8C61C3C5DC6A}" type="datetimeFigureOut">
               <a:rPr lang="en-AU" smtClean="0"/>
-              <a:t>28/08/2024</a:t>
+              <a:t>29/08/2024</a:t>
             </a:fld>
             <a:endParaRPr lang="en-AU"/>
           </a:p>
@@ -9268,7 +13476,7 @@
           <a:p>
             <a:fld id="{C7BD7E54-E585-4B95-B3B7-8C61C3C5DC6A}" type="datetimeFigureOut">
               <a:rPr lang="en-AU" smtClean="0"/>
-              <a:t>28/08/2024</a:t>
+              <a:t>29/08/2024</a:t>
             </a:fld>
             <a:endParaRPr lang="en-AU"/>
           </a:p>
@@ -9577,7 +13785,7 @@
           <a:p>
             <a:fld id="{C7BD7E54-E585-4B95-B3B7-8C61C3C5DC6A}" type="datetimeFigureOut">
               <a:rPr lang="en-AU" smtClean="0"/>
-              <a:t>28/08/2024</a:t>
+              <a:t>29/08/2024</a:t>
             </a:fld>
             <a:endParaRPr lang="en-AU"/>
           </a:p>
@@ -10260,7 +14468,7 @@
           <a:p>
             <a:fld id="{5637DA6C-DCEA-41B9-90BF-9890E28A91BB}" type="datetimeFigureOut">
               <a:rPr lang="en-US" smtClean="0"/>
-              <a:t>8/28/2024</a:t>
+              <a:t>8/29/2024</a:t>
             </a:fld>
             <a:endParaRPr lang="en-US"/>
           </a:p>
@@ -11179,44 +15387,10 @@
           </a:p>
         </p:txBody>
       </p:sp>
-      <p:sp>
-        <p:nvSpPr>
-          <p:cNvPr id="3" name="TextBox 2">
-            <a:extLst>
-              <a:ext uri="{FF2B5EF4-FFF2-40B4-BE49-F238E27FC236}">
-                <a16:creationId xmlns:a16="http://schemas.microsoft.com/office/drawing/2014/main" id="{9172A47D-632E-B330-9CD2-E7F0DB090912}"/>
-              </a:ext>
-            </a:extLst>
-          </p:cNvPr>
-          <p:cNvSpPr txBox="1"/>
-          <p:nvPr/>
-        </p:nvSpPr>
-        <p:spPr>
-          <a:xfrm>
-            <a:off x="3003630" y="1603094"/>
-            <a:ext cx="5613722" cy="369332"/>
-          </a:xfrm>
-          <a:prstGeom prst="rect">
-            <a:avLst/>
-          </a:prstGeom>
-          <a:noFill/>
-        </p:spPr>
-        <p:txBody>
-          <a:bodyPr wrap="square" rtlCol="0">
-            <a:spAutoFit/>
-          </a:bodyPr>
-          <a:lstStyle/>
-          <a:p>
-            <a:r>
-              <a:rPr lang="en-US" dirty="0"/>
-              <a:t>Showcasing a misclassification</a:t>
-            </a:r>
-          </a:p>
-        </p:txBody>
-      </p:sp>
       <p:pic>
         <p:nvPicPr>
           <p:cNvPr id="14" name="Picture 10" descr="Streamlit logo on light background">
+            <a:hlinkClick r:id="rId3"/>
             <a:extLst>
               <a:ext uri="{FF2B5EF4-FFF2-40B4-BE49-F238E27FC236}">
                 <a16:creationId xmlns:a16="http://schemas.microsoft.com/office/drawing/2014/main" id="{BBD83F7D-06E2-82DB-76F6-441F12ABE858}"/>
@@ -11229,7 +15403,7 @@
           <p:nvPr/>
         </p:nvPicPr>
         <p:blipFill>
-          <a:blip r:embed="rId3">
+          <a:blip r:embed="rId4">
             <a:extLst>
               <a:ext uri="{28A0092B-C50C-407E-A947-70E740481C1C}">
                 <a14:useLocalDpi xmlns:a14="http://schemas.microsoft.com/office/drawing/2010/main" val="0"/>
@@ -11261,10 +15435,340 @@
           </a:extLst>
         </p:spPr>
       </p:pic>
+      <p:sp>
+        <p:nvSpPr>
+          <p:cNvPr id="4" name="TextBox 3">
+            <a:extLst>
+              <a:ext uri="{FF2B5EF4-FFF2-40B4-BE49-F238E27FC236}">
+                <a16:creationId xmlns:a16="http://schemas.microsoft.com/office/drawing/2014/main" id="{C612C28F-07DC-CD86-F5A9-8FED2AEDA360}"/>
+              </a:ext>
+            </a:extLst>
+          </p:cNvPr>
+          <p:cNvSpPr txBox="1"/>
+          <p:nvPr/>
+        </p:nvSpPr>
+        <p:spPr>
+          <a:xfrm>
+            <a:off x="330653" y="1737153"/>
+            <a:ext cx="11311617" cy="307777"/>
+          </a:xfrm>
+          <a:prstGeom prst="rect">
+            <a:avLst/>
+          </a:prstGeom>
+          <a:noFill/>
+        </p:spPr>
+        <p:txBody>
+          <a:bodyPr wrap="square">
+            <a:spAutoFit/>
+          </a:bodyPr>
+          <a:lstStyle/>
+          <a:p>
+            <a:r>
+              <a:rPr lang="en-US" sz="1400" b="1" dirty="0"/>
+              <a:t>Title:</a:t>
+            </a:r>
+            <a:r>
+              <a:rPr lang="en-US" sz="1400" dirty="0"/>
+              <a:t> Endangered </a:t>
+            </a:r>
+            <a:r>
+              <a:rPr lang="en-US" sz="1400" dirty="0">
+                <a:solidFill>
+                  <a:schemeClr val="tx2">
+                    <a:lumMod val="50000"/>
+                    <a:lumOff val="50000"/>
+                  </a:schemeClr>
+                </a:solidFill>
+              </a:rPr>
+              <a:t>Rabbit</a:t>
+            </a:r>
+            <a:r>
+              <a:rPr lang="en-US" sz="1400" dirty="0"/>
+              <a:t> Species Successfully Bred in Captivity at </a:t>
+            </a:r>
+            <a:r>
+              <a:rPr lang="en-US" sz="1400" dirty="0" err="1">
+                <a:solidFill>
+                  <a:schemeClr val="accent5">
+                    <a:lumMod val="60000"/>
+                    <a:lumOff val="40000"/>
+                  </a:schemeClr>
+                </a:solidFill>
+              </a:rPr>
+              <a:t>Sawubona</a:t>
+            </a:r>
+            <a:r>
+              <a:rPr lang="en-US" sz="1400" dirty="0">
+                <a:solidFill>
+                  <a:schemeClr val="accent5">
+                    <a:lumMod val="60000"/>
+                    <a:lumOff val="40000"/>
+                  </a:schemeClr>
+                </a:solidFill>
+              </a:rPr>
+              <a:t> Zoo</a:t>
+            </a:r>
+            <a:r>
+              <a:rPr lang="en-US" sz="1400" dirty="0"/>
+              <a:t>, South Africa</a:t>
+            </a:r>
+          </a:p>
+        </p:txBody>
+      </p:sp>
+      <p:cxnSp>
+        <p:nvCxnSpPr>
+          <p:cNvPr id="6" name="Straight Connector 5">
+            <a:extLst>
+              <a:ext uri="{FF2B5EF4-FFF2-40B4-BE49-F238E27FC236}">
+                <a16:creationId xmlns:a16="http://schemas.microsoft.com/office/drawing/2014/main" id="{E5FC21C3-833B-537B-CE14-B10DEF4632EF}"/>
+              </a:ext>
+            </a:extLst>
+          </p:cNvPr>
+          <p:cNvCxnSpPr/>
+          <p:nvPr/>
+        </p:nvCxnSpPr>
+        <p:spPr>
+          <a:xfrm>
+            <a:off x="330653" y="1608576"/>
+            <a:ext cx="11548383" cy="0"/>
+          </a:xfrm>
+          <a:prstGeom prst="line">
+            <a:avLst/>
+          </a:prstGeom>
+          <a:ln w="28575">
+            <a:solidFill>
+              <a:schemeClr val="bg1">
+                <a:lumMod val="75000"/>
+              </a:schemeClr>
+            </a:solidFill>
+          </a:ln>
+        </p:spPr>
+        <p:style>
+          <a:lnRef idx="2">
+            <a:schemeClr val="accent1"/>
+          </a:lnRef>
+          <a:fillRef idx="0">
+            <a:schemeClr val="accent1"/>
+          </a:fillRef>
+          <a:effectRef idx="1">
+            <a:schemeClr val="accent1"/>
+          </a:effectRef>
+          <a:fontRef idx="minor">
+            <a:schemeClr val="tx1"/>
+          </a:fontRef>
+        </p:style>
+      </p:cxnSp>
+      <p:cxnSp>
+        <p:nvCxnSpPr>
+          <p:cNvPr id="7" name="Straight Connector 6">
+            <a:extLst>
+              <a:ext uri="{FF2B5EF4-FFF2-40B4-BE49-F238E27FC236}">
+                <a16:creationId xmlns:a16="http://schemas.microsoft.com/office/drawing/2014/main" id="{386ECB88-AB53-0E64-8907-BED34FC452EC}"/>
+              </a:ext>
+            </a:extLst>
+          </p:cNvPr>
+          <p:cNvCxnSpPr/>
+          <p:nvPr/>
+        </p:nvCxnSpPr>
+        <p:spPr>
+          <a:xfrm>
+            <a:off x="330653" y="2152865"/>
+            <a:ext cx="11548383" cy="0"/>
+          </a:xfrm>
+          <a:prstGeom prst="line">
+            <a:avLst/>
+          </a:prstGeom>
+          <a:ln w="28575">
+            <a:solidFill>
+              <a:schemeClr val="bg1">
+                <a:lumMod val="75000"/>
+              </a:schemeClr>
+            </a:solidFill>
+          </a:ln>
+        </p:spPr>
+        <p:style>
+          <a:lnRef idx="2">
+            <a:schemeClr val="accent1"/>
+          </a:lnRef>
+          <a:fillRef idx="0">
+            <a:schemeClr val="accent1"/>
+          </a:fillRef>
+          <a:effectRef idx="1">
+            <a:schemeClr val="accent1"/>
+          </a:effectRef>
+          <a:fontRef idx="minor">
+            <a:schemeClr val="tx1"/>
+          </a:fontRef>
+        </p:style>
+      </p:cxnSp>
+      <p:sp>
+        <p:nvSpPr>
+          <p:cNvPr id="9" name="TextBox 8">
+            <a:extLst>
+              <a:ext uri="{FF2B5EF4-FFF2-40B4-BE49-F238E27FC236}">
+                <a16:creationId xmlns:a16="http://schemas.microsoft.com/office/drawing/2014/main" id="{2CF60653-D840-3EC4-0731-C1A32FBD4C73}"/>
+              </a:ext>
+            </a:extLst>
+          </p:cNvPr>
+          <p:cNvSpPr txBox="1"/>
+          <p:nvPr/>
+        </p:nvSpPr>
+        <p:spPr>
+          <a:xfrm>
+            <a:off x="330653" y="2254074"/>
+            <a:ext cx="11678467" cy="4401205"/>
+          </a:xfrm>
+          <a:prstGeom prst="rect">
+            <a:avLst/>
+          </a:prstGeom>
+          <a:noFill/>
+        </p:spPr>
+        <p:txBody>
+          <a:bodyPr wrap="square">
+            <a:spAutoFit/>
+          </a:bodyPr>
+          <a:lstStyle/>
+          <a:p>
+            <a:r>
+              <a:rPr lang="en-US" sz="1400" b="1" dirty="0"/>
+              <a:t>Article Text:</a:t>
+            </a:r>
+            <a:endParaRPr lang="en-US" sz="1400" dirty="0"/>
+          </a:p>
+          <a:p>
+            <a:r>
+              <a:rPr lang="en-US" sz="1400" dirty="0"/>
+              <a:t>In a monumental achievement for wildlife conservation, </a:t>
+            </a:r>
+            <a:r>
+              <a:rPr lang="en-US" sz="1400" dirty="0" err="1"/>
+              <a:t>Sawubona</a:t>
+            </a:r>
+            <a:r>
+              <a:rPr lang="en-US" sz="1400" dirty="0"/>
+              <a:t> Zoo in </a:t>
+            </a:r>
+            <a:r>
+              <a:rPr lang="en-US" sz="1400" dirty="0">
+                <a:solidFill>
+                  <a:schemeClr val="accent2">
+                    <a:lumMod val="75000"/>
+                  </a:schemeClr>
+                </a:solidFill>
+              </a:rPr>
+              <a:t>Port Shepstone</a:t>
+            </a:r>
+            <a:r>
+              <a:rPr lang="en-US" sz="1400" dirty="0"/>
+              <a:t>, South Africa, has successfully bred an endangered rabbit </a:t>
+            </a:r>
+            <a:r>
+              <a:rPr lang="en-US" sz="1400" dirty="0">
+                <a:solidFill>
+                  <a:schemeClr val="tx2">
+                    <a:lumMod val="50000"/>
+                    <a:lumOff val="50000"/>
+                  </a:schemeClr>
+                </a:solidFill>
+              </a:rPr>
+              <a:t>species</a:t>
+            </a:r>
+            <a:r>
+              <a:rPr lang="en-US" sz="1400" dirty="0"/>
+              <a:t> in captivity. This marks a significant breakthrough in efforts to conserve and protect the species, which has faced declining populations in the wild.</a:t>
+            </a:r>
+          </a:p>
+          <a:p>
+            <a:endParaRPr lang="en-US" sz="1400" dirty="0"/>
+          </a:p>
+          <a:p>
+            <a:pPr algn="just"/>
+            <a:r>
+              <a:rPr lang="en-US" sz="1400" dirty="0"/>
+              <a:t>The birth took place under the expert supervision of Thandeka Ndlovu, the Chief Zookeeper at </a:t>
+            </a:r>
+            <a:r>
+              <a:rPr lang="en-US" sz="1400" dirty="0" err="1"/>
+              <a:t>Sawubona</a:t>
+            </a:r>
+            <a:r>
+              <a:rPr lang="en-US" sz="1400" dirty="0"/>
+              <a:t> Zoo, who has led the conservation project for over a decade. "This is a milestone in our efforts to save this species from extinction," Ndlovu said. "Breeding rabbits in captivity has always been a challenge, but our team’s dedication and </a:t>
+            </a:r>
+            <a:r>
+              <a:rPr lang="en-US" sz="1400" dirty="0">
+                <a:solidFill>
+                  <a:schemeClr val="accent5">
+                    <a:lumMod val="60000"/>
+                    <a:lumOff val="40000"/>
+                  </a:schemeClr>
+                </a:solidFill>
+              </a:rPr>
+              <a:t>innovative techniques</a:t>
+            </a:r>
+            <a:r>
+              <a:rPr lang="en-US" sz="1400" dirty="0"/>
+              <a:t> have made this success possible.“</a:t>
+            </a:r>
+          </a:p>
+          <a:p>
+            <a:pPr algn="just"/>
+            <a:endParaRPr lang="en-US" sz="1400" dirty="0"/>
+          </a:p>
+          <a:p>
+            <a:r>
+              <a:rPr lang="en-US" sz="1400" dirty="0"/>
+              <a:t>The newborn rabbit, a member of a critically endangered species, is in excellent health and is already becoming accustomed to its new environment. The team at </a:t>
+            </a:r>
+            <a:r>
+              <a:rPr lang="en-US" sz="1400" dirty="0" err="1"/>
+              <a:t>Sawubona</a:t>
+            </a:r>
+            <a:r>
+              <a:rPr lang="en-US" sz="1400" dirty="0"/>
+              <a:t> Zoo has been working tirelessly to create conditions that mimic the rabbit's natural habitat, ensuring that the mother and her offspring are comfortable and secure.</a:t>
+            </a:r>
+          </a:p>
+          <a:p>
+            <a:endParaRPr lang="en-US" sz="1400" dirty="0"/>
+          </a:p>
+          <a:p>
+            <a:r>
+              <a:rPr lang="en-US" sz="1400" dirty="0"/>
+              <a:t>"We’ve been studying the behavioral patterns and needs of these rabbits for years, and this birth is the culmination of our hard work," Ndlovu explained. "This success gives us hope for the future of this species, and we’re excited to see what comes next.“ The zoo plans to continue its breeding program, with the hope of eventually reintroducing these rabbits into their natural habitats. </a:t>
+            </a:r>
+            <a:r>
+              <a:rPr lang="en-US" sz="1400" dirty="0" err="1"/>
+              <a:t>Sawubona</a:t>
+            </a:r>
+            <a:r>
+              <a:rPr lang="en-US" sz="1400" dirty="0"/>
+              <a:t> Zoo is inviting the public to learn more about the conservation efforts and to witness this rare and special event firsthand.</a:t>
+            </a:r>
+          </a:p>
+          <a:p>
+            <a:endParaRPr lang="en-US" sz="1400" dirty="0"/>
+          </a:p>
+          <a:p>
+            <a:r>
+              <a:rPr lang="en-US" sz="1400" dirty="0"/>
+              <a:t>The successful breeding at </a:t>
+            </a:r>
+            <a:r>
+              <a:rPr lang="en-US" sz="1400" dirty="0" err="1"/>
+              <a:t>Sawubona</a:t>
+            </a:r>
+            <a:r>
+              <a:rPr lang="en-US" sz="1400" dirty="0"/>
+              <a:t> Zoo is being hailed as a major step forward in the fight to protect endangered species. Thandeka Ndlovu and her team are committed to continuing their work to ensure that future generations will be able to witness these incredible animals in the wild.</a:t>
+            </a:r>
+          </a:p>
+        </p:txBody>
+      </p:sp>
     </p:spTree>
     <p:extLst>
       <p:ext uri="{BB962C8B-B14F-4D97-AF65-F5344CB8AC3E}">
-        <p14:creationId xmlns:p14="http://schemas.microsoft.com/office/powerpoint/2010/main" val="2822805046"/>
+        <p14:creationId xmlns:p14="http://schemas.microsoft.com/office/powerpoint/2010/main" val="1749171866"/>
       </p:ext>
     </p:extLst>
   </p:cSld>
@@ -11291,6 +15795,108 @@
           <a:chExt cx="0" cy="0"/>
         </a:xfrm>
       </p:grpSpPr>
+      <p:graphicFrame>
+        <p:nvGraphicFramePr>
+          <p:cNvPr id="7" name="think-cell data - do not delete" hidden="1">
+            <a:extLst>
+              <a:ext uri="{FF2B5EF4-FFF2-40B4-BE49-F238E27FC236}">
+                <a16:creationId xmlns:a16="http://schemas.microsoft.com/office/drawing/2014/main" id="{8920D5D8-F268-B530-4CA7-371DFB5553A6}"/>
+              </a:ext>
+            </a:extLst>
+          </p:cNvPr>
+          <p:cNvGraphicFramePr>
+            <a:graphicFrameLocks noChangeAspect="1"/>
+          </p:cNvGraphicFramePr>
+          <p:nvPr>
+            <p:custDataLst>
+              <p:tags r:id="rId1"/>
+            </p:custDataLst>
+            <p:extLst>
+              <p:ext uri="{D42A27DB-BD31-4B8C-83A1-F6EECF244321}">
+                <p14:modId xmlns:p14="http://schemas.microsoft.com/office/powerpoint/2010/main" val="4117187764"/>
+              </p:ext>
+            </p:extLst>
+          </p:nvPr>
+        </p:nvGraphicFramePr>
+        <p:xfrm>
+          <a:off x="1588" y="1588"/>
+          <a:ext cx="1588" cy="1588"/>
+        </p:xfrm>
+        <a:graphic>
+          <a:graphicData uri="http://schemas.openxmlformats.org/presentationml/2006/ole">
+            <mc:AlternateContent xmlns:mc="http://schemas.openxmlformats.org/markup-compatibility/2006">
+              <mc:Choice xmlns:v="urn:schemas-microsoft-com:vml" Requires="v">
+                <p:oleObj name="think-cell Slide" r:id="rId4" imgW="392" imgH="392" progId="TCLayout.ActiveDocument.1">
+                  <p:embed/>
+                </p:oleObj>
+              </mc:Choice>
+              <mc:Fallback>
+                <p:oleObj name="think-cell Slide" r:id="rId4" imgW="392" imgH="392" progId="TCLayout.ActiveDocument.1">
+                  <p:embed/>
+                  <p:pic>
+                    <p:nvPicPr>
+                      <p:cNvPr id="0" name=""/>
+                      <p:cNvPicPr/>
+                      <p:nvPr/>
+                    </p:nvPicPr>
+                    <p:blipFill>
+                      <a:blip r:embed="rId5"/>
+                      <a:stretch>
+                        <a:fillRect/>
+                      </a:stretch>
+                    </p:blipFill>
+                    <p:spPr>
+                      <a:xfrm>
+                        <a:off x="1588" y="1588"/>
+                        <a:ext cx="1588" cy="1588"/>
+                      </a:xfrm>
+                      <a:prstGeom prst="rect">
+                        <a:avLst/>
+                      </a:prstGeom>
+                    </p:spPr>
+                  </p:pic>
+                </p:oleObj>
+              </mc:Fallback>
+            </mc:AlternateContent>
+          </a:graphicData>
+        </a:graphic>
+      </p:graphicFrame>
+      <p:pic>
+        <p:nvPicPr>
+          <p:cNvPr id="5" name="Graphic 4" descr="Magnifying glass with solid fill">
+            <a:extLst>
+              <a:ext uri="{FF2B5EF4-FFF2-40B4-BE49-F238E27FC236}">
+                <a16:creationId xmlns:a16="http://schemas.microsoft.com/office/drawing/2014/main" id="{00ACA858-C885-EF74-F6B8-0896FFA318C1}"/>
+              </a:ext>
+            </a:extLst>
+          </p:cNvPr>
+          <p:cNvPicPr>
+            <a:picLocks noChangeAspect="1"/>
+          </p:cNvPicPr>
+          <p:nvPr/>
+        </p:nvPicPr>
+        <p:blipFill>
+          <a:blip r:embed="rId6">
+            <a:extLst>
+              <a:ext uri="{96DAC541-7B7A-43D3-8B79-37D633B846F1}">
+                <asvg:svgBlip xmlns:asvg="http://schemas.microsoft.com/office/drawing/2016/SVG/main" r:embed="rId7"/>
+              </a:ext>
+            </a:extLst>
+          </a:blip>
+          <a:stretch>
+            <a:fillRect/>
+          </a:stretch>
+        </p:blipFill>
+        <p:spPr>
+          <a:xfrm>
+            <a:off x="10514028" y="279431"/>
+            <a:ext cx="1469088" cy="1469088"/>
+          </a:xfrm>
+          <a:prstGeom prst="rect">
+            <a:avLst/>
+          </a:prstGeom>
+        </p:spPr>
+      </p:pic>
       <p:sp>
         <p:nvSpPr>
           <p:cNvPr id="13" name="Title 1">
@@ -11347,7 +15953,7 @@
                 <a:latin typeface="Posterama" panose="020B0504020200020000" pitchFamily="34" charset="0"/>
                 <a:cs typeface="Posterama" panose="020B0504020200020000" pitchFamily="34" charset="0"/>
               </a:rPr>
-              <a:t>Warts and All</a:t>
+              <a:t>Let’s do some sleuthing…</a:t>
             </a:r>
           </a:p>
         </p:txBody>
@@ -11367,7 +15973,7 @@
           <p:nvPr/>
         </p:nvPicPr>
         <p:blipFill rotWithShape="1">
-          <a:blip r:embed="rId3"/>
+          <a:blip r:embed="rId8"/>
           <a:srcRect l="753" r="53071"/>
           <a:stretch/>
         </p:blipFill>
@@ -11396,7 +16002,7 @@
           <p:nvPr/>
         </p:nvPicPr>
         <p:blipFill rotWithShape="1">
-          <a:blip r:embed="rId3"/>
+          <a:blip r:embed="rId8"/>
           <a:srcRect l="53823"/>
           <a:stretch/>
         </p:blipFill>
@@ -11410,6 +16016,58 @@
           </a:prstGeom>
         </p:spPr>
       </p:pic>
+      <p:sp>
+        <p:nvSpPr>
+          <p:cNvPr id="8" name="Oval 7">
+            <a:extLst>
+              <a:ext uri="{FF2B5EF4-FFF2-40B4-BE49-F238E27FC236}">
+                <a16:creationId xmlns:a16="http://schemas.microsoft.com/office/drawing/2014/main" id="{E3AD0EF1-D4F7-73CD-66FE-391EC0DA5B3C}"/>
+              </a:ext>
+            </a:extLst>
+          </p:cNvPr>
+          <p:cNvSpPr/>
+          <p:nvPr/>
+        </p:nvSpPr>
+        <p:spPr>
+          <a:xfrm>
+            <a:off x="10637520" y="411292"/>
+            <a:ext cx="929166" cy="945067"/>
+          </a:xfrm>
+          <a:prstGeom prst="ellipse">
+            <a:avLst/>
+          </a:prstGeom>
+          <a:noFill/>
+          <a:ln>
+            <a:solidFill>
+              <a:schemeClr val="bg1"/>
+            </a:solidFill>
+          </a:ln>
+        </p:spPr>
+        <p:style>
+          <a:lnRef idx="2">
+            <a:schemeClr val="accent1">
+              <a:shade val="15000"/>
+            </a:schemeClr>
+          </a:lnRef>
+          <a:fillRef idx="1">
+            <a:schemeClr val="accent1"/>
+          </a:fillRef>
+          <a:effectRef idx="0">
+            <a:schemeClr val="accent1"/>
+          </a:effectRef>
+          <a:fontRef idx="minor">
+            <a:schemeClr val="lt1"/>
+          </a:fontRef>
+        </p:style>
+        <p:txBody>
+          <a:bodyPr rtlCol="0" anchor="ctr"/>
+          <a:lstStyle/>
+          <a:p>
+            <a:pPr algn="ctr"/>
+            <a:endParaRPr lang="en-US"/>
+          </a:p>
+        </p:txBody>
+      </p:sp>
     </p:spTree>
     <p:extLst>
       <p:ext uri="{BB962C8B-B14F-4D97-AF65-F5344CB8AC3E}">
@@ -11501,6 +16159,34 @@
           </a:p>
         </p:txBody>
       </p:sp>
+      <p:graphicFrame>
+        <p:nvGraphicFramePr>
+          <p:cNvPr id="2" name="Diagram 1">
+            <a:extLst>
+              <a:ext uri="{FF2B5EF4-FFF2-40B4-BE49-F238E27FC236}">
+                <a16:creationId xmlns:a16="http://schemas.microsoft.com/office/drawing/2014/main" id="{27C3B5EC-1099-5EC8-1ECD-52D8B9674A52}"/>
+              </a:ext>
+            </a:extLst>
+          </p:cNvPr>
+          <p:cNvGraphicFramePr/>
+          <p:nvPr>
+            <p:extLst>
+              <p:ext uri="{D42A27DB-BD31-4B8C-83A1-F6EECF244321}">
+                <p14:modId xmlns:p14="http://schemas.microsoft.com/office/powerpoint/2010/main" val="694548657"/>
+              </p:ext>
+            </p:extLst>
+          </p:nvPr>
+        </p:nvGraphicFramePr>
+        <p:xfrm>
+          <a:off x="226980" y="719665"/>
+          <a:ext cx="11841803" cy="6284249"/>
+        </p:xfrm>
+        <a:graphic>
+          <a:graphicData uri="http://schemas.openxmlformats.org/drawingml/2006/diagram">
+            <dgm:relIds xmlns:dgm="http://schemas.openxmlformats.org/drawingml/2006/diagram" xmlns:r="http://schemas.openxmlformats.org/officeDocument/2006/relationships" r:dm="rId3" r:lo="rId4" r:qs="rId5" r:cs="rId6"/>
+          </a:graphicData>
+        </a:graphic>
+      </p:graphicFrame>
     </p:spTree>
     <p:extLst>
       <p:ext uri="{BB962C8B-B14F-4D97-AF65-F5344CB8AC3E}">
@@ -16809,10 +21495,10 @@
         </p:nvGrpSpPr>
         <p:grpSpPr>
           <a:xfrm>
-            <a:off x="2107442" y="2320285"/>
-            <a:ext cx="7154559" cy="2336774"/>
-            <a:chOff x="194659" y="1751938"/>
-            <a:chExt cx="11709421" cy="4314826"/>
+            <a:off x="2971090" y="2311976"/>
+            <a:ext cx="8348024" cy="2354273"/>
+            <a:chOff x="1608138" y="1736596"/>
+            <a:chExt cx="13662691" cy="4347139"/>
           </a:xfrm>
         </p:grpSpPr>
         <p:pic>
@@ -16837,7 +21523,7 @@
           </p:blipFill>
           <p:spPr>
             <a:xfrm>
-              <a:off x="194659" y="1751939"/>
+              <a:off x="1608138" y="1768910"/>
               <a:ext cx="5610225" cy="4314825"/>
             </a:xfrm>
             <a:prstGeom prst="rect">
@@ -16867,8 +21553,8 @@
           </p:blipFill>
           <p:spPr>
             <a:xfrm>
-              <a:off x="5922380" y="1751938"/>
-              <a:ext cx="5981700" cy="4314825"/>
+              <a:off x="9289129" y="1736596"/>
+              <a:ext cx="5981700" cy="4314823"/>
             </a:xfrm>
             <a:prstGeom prst="rect">
               <a:avLst/>
@@ -17457,6 +22143,110 @@
           </a:p>
         </p:txBody>
       </p:sp>
+      <p:sp>
+        <p:nvSpPr>
+          <p:cNvPr id="12" name="Arrow: Right 11">
+            <a:extLst>
+              <a:ext uri="{FF2B5EF4-FFF2-40B4-BE49-F238E27FC236}">
+                <a16:creationId xmlns:a16="http://schemas.microsoft.com/office/drawing/2014/main" id="{47A7B086-F6E1-9DDE-6FB7-AE3EDD9E0813}"/>
+              </a:ext>
+            </a:extLst>
+          </p:cNvPr>
+          <p:cNvSpPr/>
+          <p:nvPr/>
+        </p:nvSpPr>
+        <p:spPr>
+          <a:xfrm>
+            <a:off x="6637468" y="3095431"/>
+            <a:ext cx="946673" cy="809595"/>
+          </a:xfrm>
+          <a:prstGeom prst="rightArrow">
+            <a:avLst/>
+          </a:prstGeom>
+          <a:solidFill>
+            <a:srgbClr val="FFBE86"/>
+          </a:solidFill>
+          <a:ln>
+            <a:noFill/>
+          </a:ln>
+        </p:spPr>
+        <p:style>
+          <a:lnRef idx="2">
+            <a:schemeClr val="accent1">
+              <a:shade val="15000"/>
+            </a:schemeClr>
+          </a:lnRef>
+          <a:fillRef idx="1">
+            <a:schemeClr val="accent1"/>
+          </a:fillRef>
+          <a:effectRef idx="0">
+            <a:schemeClr val="accent1"/>
+          </a:effectRef>
+          <a:fontRef idx="minor">
+            <a:schemeClr val="lt1"/>
+          </a:fontRef>
+        </p:style>
+        <p:txBody>
+          <a:bodyPr rtlCol="0" anchor="ctr"/>
+          <a:lstStyle/>
+          <a:p>
+            <a:pPr algn="ctr"/>
+            <a:endParaRPr lang="en-US"/>
+          </a:p>
+        </p:txBody>
+      </p:sp>
+      <p:sp>
+        <p:nvSpPr>
+          <p:cNvPr id="13" name="Arrow: Right 12">
+            <a:extLst>
+              <a:ext uri="{FF2B5EF4-FFF2-40B4-BE49-F238E27FC236}">
+                <a16:creationId xmlns:a16="http://schemas.microsoft.com/office/drawing/2014/main" id="{D59AACF5-3AC7-5931-95F4-74D89BA660C0}"/>
+              </a:ext>
+            </a:extLst>
+          </p:cNvPr>
+          <p:cNvSpPr/>
+          <p:nvPr/>
+        </p:nvSpPr>
+        <p:spPr>
+          <a:xfrm>
+            <a:off x="6607093" y="3140934"/>
+            <a:ext cx="946673" cy="809595"/>
+          </a:xfrm>
+          <a:prstGeom prst="rightArrow">
+            <a:avLst/>
+          </a:prstGeom>
+          <a:solidFill>
+            <a:srgbClr val="7F7F7F"/>
+          </a:solidFill>
+          <a:ln>
+            <a:noFill/>
+          </a:ln>
+        </p:spPr>
+        <p:style>
+          <a:lnRef idx="2">
+            <a:schemeClr val="accent1">
+              <a:shade val="15000"/>
+            </a:schemeClr>
+          </a:lnRef>
+          <a:fillRef idx="1">
+            <a:schemeClr val="accent1"/>
+          </a:fillRef>
+          <a:effectRef idx="0">
+            <a:schemeClr val="accent1"/>
+          </a:effectRef>
+          <a:fontRef idx="minor">
+            <a:schemeClr val="lt1"/>
+          </a:fontRef>
+        </p:style>
+        <p:txBody>
+          <a:bodyPr rtlCol="0" anchor="ctr"/>
+          <a:lstStyle/>
+          <a:p>
+            <a:pPr algn="ctr"/>
+            <a:endParaRPr lang="en-US"/>
+          </a:p>
+        </p:txBody>
+      </p:sp>
     </p:spTree>
     <p:extLst>
       <p:ext uri="{BB962C8B-B14F-4D97-AF65-F5344CB8AC3E}">
@@ -17502,9 +22292,9 @@
         <p:grpSpPr>
           <a:xfrm>
             <a:off x="640289" y="983227"/>
-            <a:ext cx="5236322" cy="4285367"/>
+            <a:ext cx="5236322" cy="4150892"/>
             <a:chOff x="729205" y="914395"/>
-            <a:chExt cx="5236322" cy="4285367"/>
+            <a:chExt cx="5236322" cy="4150892"/>
           </a:xfrm>
         </p:grpSpPr>
         <p:sp>
@@ -17636,13 +22426,18 @@
           </p:nvSpPr>
           <p:spPr>
             <a:xfrm>
-              <a:off x="995423" y="4111073"/>
+              <a:off x="995423" y="3976598"/>
               <a:ext cx="4970104" cy="1088689"/>
             </a:xfrm>
             <a:prstGeom prst="roundRect">
               <a:avLst/>
             </a:prstGeom>
-            <a:noFill/>
+            <a:solidFill>
+              <a:schemeClr val="tx2">
+                <a:lumMod val="10000"/>
+                <a:lumOff val="90000"/>
+              </a:schemeClr>
+            </a:solidFill>
             <a:ln w="19050">
               <a:solidFill>
                 <a:schemeClr val="accent1"/>
@@ -17845,7 +22640,7 @@
           </p:nvSpPr>
           <p:spPr>
             <a:xfrm>
-              <a:off x="1190745" y="4238031"/>
+              <a:off x="1190745" y="4076662"/>
               <a:ext cx="4514127" cy="815608"/>
             </a:xfrm>
             <a:prstGeom prst="rect">
@@ -17913,9 +22708,9 @@
         <p:grpSpPr>
           <a:xfrm>
             <a:off x="6382827" y="977444"/>
-            <a:ext cx="5287701" cy="4271985"/>
+            <a:ext cx="5287701" cy="4132134"/>
             <a:chOff x="6657372" y="900533"/>
-            <a:chExt cx="5287701" cy="4271985"/>
+            <a:chExt cx="5287701" cy="4132134"/>
           </a:xfrm>
         </p:grpSpPr>
         <p:sp>
@@ -17932,13 +22727,18 @@
           </p:nvSpPr>
           <p:spPr>
             <a:xfrm>
-              <a:off x="6923590" y="4083830"/>
+              <a:off x="6923590" y="3943979"/>
               <a:ext cx="5021482" cy="1088688"/>
             </a:xfrm>
             <a:prstGeom prst="roundRect">
               <a:avLst/>
             </a:prstGeom>
-            <a:noFill/>
+            <a:solidFill>
+              <a:schemeClr val="tx2">
+                <a:lumMod val="10000"/>
+                <a:lumOff val="90000"/>
+              </a:schemeClr>
+            </a:solidFill>
             <a:ln w="19050">
               <a:solidFill>
                 <a:schemeClr val="accent1"/>
@@ -18212,7 +23012,7 @@
           </p:nvSpPr>
           <p:spPr>
             <a:xfrm>
-              <a:off x="7220447" y="4194675"/>
+              <a:off x="7220447" y="4060206"/>
               <a:ext cx="2888243" cy="907941"/>
             </a:xfrm>
             <a:prstGeom prst="rect">
@@ -18327,7 +23127,7 @@
         </p:nvSpPr>
         <p:spPr>
           <a:xfrm>
-            <a:off x="906507" y="5344905"/>
+            <a:off x="906507" y="5258841"/>
             <a:ext cx="4970104" cy="1468098"/>
           </a:xfrm>
           <a:prstGeom prst="roundRect">
@@ -18375,7 +23175,26 @@
           <a:bodyPr/>
           <a:lstStyle/>
           <a:p>
-            <a:endParaRPr lang="en-AU" sz="1600"/>
+            <a:pPr marL="0" lvl="0" indent="0" algn="ctr" defTabSz="488950">
+              <a:lnSpc>
+                <a:spcPct val="90000"/>
+              </a:lnSpc>
+              <a:spcBef>
+                <a:spcPct val="0"/>
+              </a:spcBef>
+              <a:spcAft>
+                <a:spcPct val="35000"/>
+              </a:spcAft>
+              <a:buFont typeface="Arial" panose="020B0604020202020204" pitchFamily="34" charset="0"/>
+              <a:buNone/>
+            </a:pPr>
+            <a:endParaRPr lang="en-AU" sz="1600" kern="1200" baseline="0" dirty="0">
+              <a:solidFill>
+                <a:schemeClr val="accent2">
+                  <a:lumMod val="50000"/>
+                </a:schemeClr>
+              </a:solidFill>
+            </a:endParaRPr>
           </a:p>
         </p:txBody>
       </p:sp>
@@ -18393,8 +23212,8 @@
         </p:nvSpPr>
         <p:spPr>
           <a:xfrm>
-            <a:off x="815331" y="5413344"/>
-            <a:ext cx="5199878" cy="1345750"/>
+            <a:off x="1199053" y="5378569"/>
+            <a:ext cx="1919705" cy="1228641"/>
           </a:xfrm>
           <a:prstGeom prst="rect">
             <a:avLst/>
@@ -18425,7 +23244,37 @@
           </a:bodyPr>
           <a:lstStyle/>
           <a:p>
-            <a:pPr marL="0" lvl="0" indent="0" algn="ctr" defTabSz="488950">
+            <a:pPr defTabSz="488950">
+              <a:lnSpc>
+                <a:spcPct val="90000"/>
+              </a:lnSpc>
+              <a:spcBef>
+                <a:spcPct val="0"/>
+              </a:spcBef>
+              <a:spcAft>
+                <a:spcPct val="35000"/>
+              </a:spcAft>
+            </a:pPr>
+            <a:r>
+              <a:rPr lang="en-AU" sz="1400" dirty="0">
+                <a:solidFill>
+                  <a:schemeClr val="accent2">
+                    <a:lumMod val="50000"/>
+                  </a:schemeClr>
+                </a:solidFill>
+              </a:rPr>
+              <a:t>Logistic Regression</a:t>
+            </a:r>
+            <a:endParaRPr lang="en-AU" sz="1400" kern="1200" baseline="0" dirty="0">
+              <a:solidFill>
+                <a:schemeClr val="accent2">
+                  <a:lumMod val="50000"/>
+                </a:schemeClr>
+              </a:solidFill>
+            </a:endParaRPr>
+          </a:p>
+          <a:p>
+            <a:pPr marL="0" lvl="0" indent="0" defTabSz="488950">
               <a:lnSpc>
                 <a:spcPct val="90000"/>
               </a:lnSpc>
@@ -18450,7 +23299,7 @@
             </a:r>
           </a:p>
           <a:p>
-            <a:pPr marL="0" lvl="0" indent="0" algn="ctr" defTabSz="488950">
+            <a:pPr marL="0" lvl="0" indent="0" defTabSz="488950">
               <a:lnSpc>
                 <a:spcPct val="90000"/>
               </a:lnSpc>
@@ -18473,88 +23322,6 @@
               </a:rPr>
               <a:t>Naïve Bayes</a:t>
             </a:r>
-          </a:p>
-          <a:p>
-            <a:pPr marL="0" lvl="0" indent="0" algn="ctr" defTabSz="488950">
-              <a:lnSpc>
-                <a:spcPct val="90000"/>
-              </a:lnSpc>
-              <a:spcBef>
-                <a:spcPct val="0"/>
-              </a:spcBef>
-              <a:spcAft>
-                <a:spcPct val="35000"/>
-              </a:spcAft>
-              <a:buFont typeface="Arial" panose="020B0604020202020204" pitchFamily="34" charset="0"/>
-              <a:buNone/>
-            </a:pPr>
-            <a:r>
-              <a:rPr lang="en-AU" sz="1400" kern="1200" baseline="0" dirty="0">
-                <a:solidFill>
-                  <a:schemeClr val="accent2">
-                    <a:lumMod val="50000"/>
-                  </a:schemeClr>
-                </a:solidFill>
-              </a:rPr>
-              <a:t>Decision Trees </a:t>
-            </a:r>
-          </a:p>
-          <a:p>
-            <a:pPr marL="0" lvl="0" indent="0" algn="ctr" defTabSz="488950">
-              <a:lnSpc>
-                <a:spcPct val="90000"/>
-              </a:lnSpc>
-              <a:spcBef>
-                <a:spcPct val="0"/>
-              </a:spcBef>
-              <a:spcAft>
-                <a:spcPct val="35000"/>
-              </a:spcAft>
-              <a:buFont typeface="Arial" panose="020B0604020202020204" pitchFamily="34" charset="0"/>
-              <a:buNone/>
-            </a:pPr>
-            <a:r>
-              <a:rPr lang="en-AU" sz="1400" kern="1200" baseline="0" dirty="0">
-                <a:solidFill>
-                  <a:schemeClr val="accent2">
-                    <a:lumMod val="50000"/>
-                  </a:schemeClr>
-                </a:solidFill>
-              </a:rPr>
-              <a:t>Radom Forest</a:t>
-            </a:r>
-          </a:p>
-          <a:p>
-            <a:pPr marL="0" lvl="0" indent="0" algn="ctr" defTabSz="488950">
-              <a:lnSpc>
-                <a:spcPct val="90000"/>
-              </a:lnSpc>
-              <a:spcBef>
-                <a:spcPct val="0"/>
-              </a:spcBef>
-              <a:spcAft>
-                <a:spcPct val="35000"/>
-              </a:spcAft>
-              <a:buFont typeface="Arial" panose="020B0604020202020204" pitchFamily="34" charset="0"/>
-              <a:buNone/>
-            </a:pPr>
-            <a:r>
-              <a:rPr lang="en-AU" sz="1400" dirty="0">
-                <a:solidFill>
-                  <a:schemeClr val="accent2">
-                    <a:lumMod val="50000"/>
-                  </a:schemeClr>
-                </a:solidFill>
-              </a:rPr>
-              <a:t>Logistic Regression</a:t>
-            </a:r>
-            <a:endParaRPr lang="en-AU" sz="1400" kern="1200" dirty="0">
-              <a:solidFill>
-                <a:schemeClr val="accent2">
-                  <a:lumMod val="50000"/>
-                </a:schemeClr>
-              </a:solidFill>
-            </a:endParaRPr>
           </a:p>
         </p:txBody>
       </p:sp>
@@ -18572,7 +23339,7 @@
         </p:nvSpPr>
         <p:spPr>
           <a:xfrm>
-            <a:off x="6656952" y="5344905"/>
+            <a:off x="6656952" y="5258841"/>
             <a:ext cx="5021482" cy="1472035"/>
           </a:xfrm>
           <a:prstGeom prst="roundRect">
@@ -18638,8 +23405,8 @@
         </p:nvSpPr>
         <p:spPr>
           <a:xfrm>
-            <a:off x="6730024" y="5526911"/>
-            <a:ext cx="5099028" cy="1264606"/>
+            <a:off x="6945902" y="5342603"/>
+            <a:ext cx="2623792" cy="1264606"/>
           </a:xfrm>
           <a:prstGeom prst="rect">
             <a:avLst/>
@@ -18672,7 +23439,7 @@
           </a:bodyPr>
           <a:lstStyle/>
           <a:p>
-            <a:pPr marL="0" lvl="0" indent="0" algn="ctr" defTabSz="488950">
+            <a:pPr marL="0" lvl="0" indent="0" defTabSz="488950">
               <a:lnSpc>
                 <a:spcPct val="90000"/>
               </a:lnSpc>
@@ -18697,7 +23464,7 @@
             </a:r>
           </a:p>
           <a:p>
-            <a:pPr marL="0" lvl="0" indent="0" algn="ctr" defTabSz="488950">
+            <a:pPr marL="0" lvl="0" indent="0" defTabSz="488950">
               <a:lnSpc>
                 <a:spcPct val="90000"/>
               </a:lnSpc>
@@ -18722,7 +23489,7 @@
             </a:r>
           </a:p>
           <a:p>
-            <a:pPr marL="0" lvl="0" indent="0" algn="ctr" defTabSz="488950">
+            <a:pPr marL="0" lvl="0" indent="0" defTabSz="488950">
               <a:lnSpc>
                 <a:spcPct val="90000"/>
               </a:lnSpc>
@@ -18860,6 +23627,128 @@
           </a:p>
         </p:txBody>
       </p:sp>
+      <p:sp>
+        <p:nvSpPr>
+          <p:cNvPr id="13" name="Rectangle: Rounded Corners 4">
+            <a:extLst>
+              <a:ext uri="{FF2B5EF4-FFF2-40B4-BE49-F238E27FC236}">
+                <a16:creationId xmlns:a16="http://schemas.microsoft.com/office/drawing/2014/main" id="{8C004268-4C7D-A6BD-001C-F3C779EAAC3A}"/>
+              </a:ext>
+            </a:extLst>
+          </p:cNvPr>
+          <p:cNvSpPr txBox="1"/>
+          <p:nvPr/>
+        </p:nvSpPr>
+        <p:spPr>
+          <a:xfrm>
+            <a:off x="3651149" y="5378568"/>
+            <a:ext cx="1919705" cy="1228641"/>
+          </a:xfrm>
+          <a:prstGeom prst="rect">
+            <a:avLst/>
+          </a:prstGeom>
+          <a:scene3d>
+            <a:camera prst="orthographicFront"/>
+            <a:lightRig rig="threePt" dir="t"/>
+          </a:scene3d>
+          <a:sp3d/>
+        </p:spPr>
+        <p:style>
+          <a:lnRef idx="0">
+            <a:scrgbClr r="0" g="0" b="0"/>
+          </a:lnRef>
+          <a:fillRef idx="0">
+            <a:scrgbClr r="0" g="0" b="0"/>
+          </a:fillRef>
+          <a:effectRef idx="0">
+            <a:scrgbClr r="0" g="0" b="0"/>
+          </a:effectRef>
+          <a:fontRef idx="minor">
+            <a:schemeClr val="lt1"/>
+          </a:fontRef>
+        </p:style>
+        <p:txBody>
+          <a:bodyPr spcFirstLastPara="0" vert="horz" wrap="square" lIns="20955" tIns="13970" rIns="20955" bIns="13970" numCol="1" spcCol="1270" anchor="ctr" anchorCtr="0">
+            <a:noAutofit/>
+          </a:bodyPr>
+          <a:lstStyle/>
+          <a:p>
+            <a:pPr marL="0" lvl="0" indent="0" algn="r" defTabSz="488950">
+              <a:lnSpc>
+                <a:spcPct val="90000"/>
+              </a:lnSpc>
+              <a:spcBef>
+                <a:spcPct val="0"/>
+              </a:spcBef>
+              <a:spcAft>
+                <a:spcPct val="35000"/>
+              </a:spcAft>
+              <a:buFont typeface="Arial" panose="020B0604020202020204" pitchFamily="34" charset="0"/>
+              <a:buNone/>
+            </a:pPr>
+            <a:r>
+              <a:rPr lang="en-AU" sz="1400" kern="1200" baseline="0" dirty="0">
+                <a:solidFill>
+                  <a:schemeClr val="accent2">
+                    <a:lumMod val="50000"/>
+                  </a:schemeClr>
+                </a:solidFill>
+              </a:rPr>
+              <a:t>Decision Trees </a:t>
+            </a:r>
+          </a:p>
+          <a:p>
+            <a:pPr marL="0" lvl="0" indent="0" algn="r" defTabSz="488950">
+              <a:lnSpc>
+                <a:spcPct val="90000"/>
+              </a:lnSpc>
+              <a:spcBef>
+                <a:spcPct val="0"/>
+              </a:spcBef>
+              <a:spcAft>
+                <a:spcPct val="35000"/>
+              </a:spcAft>
+              <a:buFont typeface="Arial" panose="020B0604020202020204" pitchFamily="34" charset="0"/>
+              <a:buNone/>
+            </a:pPr>
+            <a:r>
+              <a:rPr lang="en-AU" sz="1400" kern="1200" baseline="0" dirty="0">
+                <a:solidFill>
+                  <a:schemeClr val="accent2">
+                    <a:lumMod val="50000"/>
+                  </a:schemeClr>
+                </a:solidFill>
+              </a:rPr>
+              <a:t>Radom Forest</a:t>
+            </a:r>
+          </a:p>
+          <a:p>
+            <a:pPr marL="0" lvl="0" indent="0" algn="r" defTabSz="488950">
+              <a:lnSpc>
+                <a:spcPct val="90000"/>
+              </a:lnSpc>
+              <a:spcBef>
+                <a:spcPct val="0"/>
+              </a:spcBef>
+              <a:spcAft>
+                <a:spcPct val="35000"/>
+              </a:spcAft>
+              <a:buFont typeface="Arial" panose="020B0604020202020204" pitchFamily="34" charset="0"/>
+              <a:buNone/>
+            </a:pPr>
+            <a:r>
+              <a:rPr lang="en-AU" sz="1400" kern="1200" baseline="0" dirty="0">
+                <a:solidFill>
+                  <a:schemeClr val="accent2">
+                    <a:lumMod val="50000"/>
+                  </a:schemeClr>
+                </a:solidFill>
+              </a:rPr>
+              <a:t>K-Nearest Neighbours </a:t>
+            </a:r>
+          </a:p>
+        </p:txBody>
+      </p:sp>
     </p:spTree>
     <p:extLst>
       <p:ext uri="{BB962C8B-B14F-4D97-AF65-F5344CB8AC3E}">
@@ -18905,7 +23794,7 @@
           <p:nvPr>
             <p:extLst>
               <p:ext uri="{D42A27DB-BD31-4B8C-83A1-F6EECF244321}">
-                <p14:modId xmlns:p14="http://schemas.microsoft.com/office/powerpoint/2010/main" val="214227801"/>
+                <p14:modId xmlns:p14="http://schemas.microsoft.com/office/powerpoint/2010/main" val="3895026551"/>
               </p:ext>
             </p:extLst>
           </p:nvPr>
@@ -19008,7 +23897,7 @@
                       <a:pPr algn="ctr"/>
                       <a:r>
                         <a:rPr lang="en-US" sz="1600" dirty="0"/>
-                        <a:t>SVM</a:t>
+                        <a:t>Support Vector Model</a:t>
                       </a:r>
                     </a:p>
                   </a:txBody>
@@ -19049,9 +23938,14 @@
                     <a:p>
                       <a:pPr algn="ctr"/>
                       <a:r>
-                        <a:rPr lang="en-US" sz="1600" dirty="0"/>
-                        <a:t>KNN</a:t>
+                        <a:rPr lang="en-US" sz="1600" b="1" dirty="0"/>
+                        <a:t>K-Nearest </a:t>
                       </a:r>
+                      <a:r>
+                        <a:rPr lang="en-US" sz="1600" b="1" dirty="0" err="1"/>
+                        <a:t>Neighbours</a:t>
+                      </a:r>
+                      <a:endParaRPr lang="en-US" sz="1600" dirty="0"/>
                     </a:p>
                   </a:txBody>
                   <a:tcPr anchor="ctr"/>
@@ -19884,6 +24778,12 @@
 </file>
 
 <file path=ppt/tags/tag10.xml><?xml version="1.0" encoding="utf-8"?>
+<p:tagLst xmlns:a="http://schemas.openxmlformats.org/drawingml/2006/main" xmlns:r="http://schemas.openxmlformats.org/officeDocument/2006/relationships" xmlns:p="http://schemas.openxmlformats.org/presentationml/2006/main">
+  <p:tag name="THINKCELLSHAPEDONOTDELETE" val="thinkcellActiveDocDoNotDelete"/>
+</p:tagLst>
+</file>
+
+<file path=ppt/tags/tag11.xml><?xml version="1.0" encoding="utf-8"?>
 <p:tagLst xmlns:a="http://schemas.openxmlformats.org/drawingml/2006/main" xmlns:r="http://schemas.openxmlformats.org/officeDocument/2006/relationships" xmlns:p="http://schemas.openxmlformats.org/presentationml/2006/main">
   <p:tag name="THINKCELLSHAPEDONOTDELETE" val="thinkcellActiveDocDoNotDelete"/>
 </p:tagLst>
